--- a/Calculator using Tkinter.pptx
+++ b/Calculator using Tkinter.pptx
@@ -6,18 +6,20 @@
   </p:sldMasterIdLst>
   <p:sldIdLst>
     <p:sldId id="256" r:id="rId2"/>
-    <p:sldId id="257" r:id="rId3"/>
-    <p:sldId id="258" r:id="rId4"/>
-    <p:sldId id="259" r:id="rId5"/>
-    <p:sldId id="260" r:id="rId6"/>
-    <p:sldId id="261" r:id="rId7"/>
-    <p:sldId id="262" r:id="rId8"/>
-    <p:sldId id="263" r:id="rId9"/>
-    <p:sldId id="264" r:id="rId10"/>
-    <p:sldId id="265" r:id="rId11"/>
-    <p:sldId id="266" r:id="rId12"/>
-    <p:sldId id="267" r:id="rId13"/>
-    <p:sldId id="268" r:id="rId14"/>
+    <p:sldId id="258" r:id="rId3"/>
+    <p:sldId id="269" r:id="rId4"/>
+    <p:sldId id="270" r:id="rId5"/>
+    <p:sldId id="259" r:id="rId6"/>
+    <p:sldId id="257" r:id="rId7"/>
+    <p:sldId id="260" r:id="rId8"/>
+    <p:sldId id="261" r:id="rId9"/>
+    <p:sldId id="262" r:id="rId10"/>
+    <p:sldId id="263" r:id="rId11"/>
+    <p:sldId id="264" r:id="rId12"/>
+    <p:sldId id="265" r:id="rId13"/>
+    <p:sldId id="266" r:id="rId14"/>
+    <p:sldId id="267" r:id="rId15"/>
+    <p:sldId id="268" r:id="rId16"/>
   </p:sldIdLst>
   <p:sldSz cx="12192000" cy="6858000"/>
   <p:notesSz cx="6858000" cy="9144000"/>
@@ -116,19 +118,674 @@
       </a:defRPr>
     </a:lvl9pPr>
   </p:defaultTextStyle>
+  <p:extLst>
+    <p:ext uri="{EFAFB233-063F-42B5-8137-9DF3F51BA10A}">
+      <p15:sldGuideLst xmlns:p15="http://schemas.microsoft.com/office/powerpoint/2012/main"/>
+    </p:ext>
+  </p:extLst>
 </p:presentation>
 </file>
 
 <file path=ppt/revisionInfo.xml><?xml version="1.0" encoding="utf-8"?>
 <p1510:revInfo xmlns:a="http://schemas.openxmlformats.org/drawingml/2006/main" xmlns:r="http://schemas.openxmlformats.org/officeDocument/2006/relationships" xmlns:p1510="http://schemas.microsoft.com/office/powerpoint/2015/10/main">
   <p1510:revLst>
-    <p1510:client id="{47EDC134-D5DB-48F3-8B64-AFDFAC3991E8}" v="89" dt="2024-02-25T07:58:45.828"/>
+    <p1510:client id="{53B6A633-CFBA-458C-96F7-4AFAB19B7F6F}" v="26" dt="2024-03-07T20:36:00.870"/>
   </p1510:revLst>
 </p1510:revInfo>
 </file>
 
 <file path=ppt/changesInfos/changesInfo1.xml><?xml version="1.0" encoding="utf-8"?>
 <pc:chgInfo xmlns:a="http://schemas.openxmlformats.org/drawingml/2006/main" xmlns:r="http://schemas.openxmlformats.org/officeDocument/2006/relationships" xmlns:ac="http://schemas.microsoft.com/office/drawing/2013/main/command" xmlns:pc="http://schemas.microsoft.com/office/powerpoint/2013/main/command">
+  <pc:docChgLst>
+    <pc:chgData name="deewanker sharma" userId="dbbcfb43a29a83da" providerId="LiveId" clId="{53B6A633-CFBA-458C-96F7-4AFAB19B7F6F}"/>
+    <pc:docChg chg="undo custSel addSld modSld sldOrd">
+      <pc:chgData name="deewanker sharma" userId="dbbcfb43a29a83da" providerId="LiveId" clId="{53B6A633-CFBA-458C-96F7-4AFAB19B7F6F}" dt="2024-03-07T20:36:13.195" v="242" actId="26606"/>
+      <pc:docMkLst>
+        <pc:docMk/>
+      </pc:docMkLst>
+      <pc:sldChg chg="addSp modSp mod">
+        <pc:chgData name="deewanker sharma" userId="dbbcfb43a29a83da" providerId="LiveId" clId="{53B6A633-CFBA-458C-96F7-4AFAB19B7F6F}" dt="2024-03-07T19:16:33.820" v="24" actId="1076"/>
+        <pc:sldMkLst>
+          <pc:docMk/>
+          <pc:sldMk cId="4014381067" sldId="256"/>
+        </pc:sldMkLst>
+        <pc:spChg chg="add mod">
+          <ac:chgData name="deewanker sharma" userId="dbbcfb43a29a83da" providerId="LiveId" clId="{53B6A633-CFBA-458C-96F7-4AFAB19B7F6F}" dt="2024-03-07T19:16:33.820" v="24" actId="1076"/>
+          <ac:spMkLst>
+            <pc:docMk/>
+            <pc:sldMk cId="4014381067" sldId="256"/>
+            <ac:spMk id="4" creationId="{62D9AA6D-29FD-06F5-BDAF-0F6287B3325F}"/>
+          </ac:spMkLst>
+        </pc:spChg>
+      </pc:sldChg>
+      <pc:sldChg chg="modSp ord">
+        <pc:chgData name="deewanker sharma" userId="dbbcfb43a29a83da" providerId="LiveId" clId="{53B6A633-CFBA-458C-96F7-4AFAB19B7F6F}" dt="2024-03-07T20:34:48.836" v="231"/>
+        <pc:sldMkLst>
+          <pc:docMk/>
+          <pc:sldMk cId="1762419874" sldId="257"/>
+        </pc:sldMkLst>
+        <pc:graphicFrameChg chg="mod">
+          <ac:chgData name="deewanker sharma" userId="dbbcfb43a29a83da" providerId="LiveId" clId="{53B6A633-CFBA-458C-96F7-4AFAB19B7F6F}" dt="2024-03-07T20:34:48.836" v="231"/>
+          <ac:graphicFrameMkLst>
+            <pc:docMk/>
+            <pc:sldMk cId="1762419874" sldId="257"/>
+            <ac:graphicFrameMk id="99" creationId="{C63993E4-3984-9143-26FF-6B2883EC4AB4}"/>
+          </ac:graphicFrameMkLst>
+        </pc:graphicFrameChg>
+      </pc:sldChg>
+      <pc:sldChg chg="addSp modSp mod ord">
+        <pc:chgData name="deewanker sharma" userId="dbbcfb43a29a83da" providerId="LiveId" clId="{53B6A633-CFBA-458C-96F7-4AFAB19B7F6F}" dt="2024-03-07T20:16:30.933" v="204" actId="14826"/>
+        <pc:sldMkLst>
+          <pc:docMk/>
+          <pc:sldMk cId="2327187635" sldId="258"/>
+        </pc:sldMkLst>
+        <pc:spChg chg="mod">
+          <ac:chgData name="deewanker sharma" userId="dbbcfb43a29a83da" providerId="LiveId" clId="{53B6A633-CFBA-458C-96F7-4AFAB19B7F6F}" dt="2024-03-07T19:23:46.502" v="32" actId="20577"/>
+          <ac:spMkLst>
+            <pc:docMk/>
+            <pc:sldMk cId="2327187635" sldId="258"/>
+            <ac:spMk id="3" creationId="{374A594D-E551-C79C-603B-BC7E70D969B5}"/>
+          </ac:spMkLst>
+        </pc:spChg>
+        <pc:picChg chg="add mod">
+          <ac:chgData name="deewanker sharma" userId="dbbcfb43a29a83da" providerId="LiveId" clId="{53B6A633-CFBA-458C-96F7-4AFAB19B7F6F}" dt="2024-03-07T20:16:30.933" v="204" actId="14826"/>
+          <ac:picMkLst>
+            <pc:docMk/>
+            <pc:sldMk cId="2327187635" sldId="258"/>
+            <ac:picMk id="5" creationId="{09F9E510-541A-520F-D69A-4CCDC3D56DC6}"/>
+          </ac:picMkLst>
+        </pc:picChg>
+      </pc:sldChg>
+      <pc:sldChg chg="addSp modSp mod ord">
+        <pc:chgData name="deewanker sharma" userId="dbbcfb43a29a83da" providerId="LiveId" clId="{53B6A633-CFBA-458C-96F7-4AFAB19B7F6F}" dt="2024-03-07T20:28:05.828" v="229" actId="14100"/>
+        <pc:sldMkLst>
+          <pc:docMk/>
+          <pc:sldMk cId="2769822171" sldId="259"/>
+        </pc:sldMkLst>
+        <pc:spChg chg="mod">
+          <ac:chgData name="deewanker sharma" userId="dbbcfb43a29a83da" providerId="LiveId" clId="{53B6A633-CFBA-458C-96F7-4AFAB19B7F6F}" dt="2024-03-07T20:27:07.262" v="225" actId="1076"/>
+          <ac:spMkLst>
+            <pc:docMk/>
+            <pc:sldMk cId="2769822171" sldId="259"/>
+            <ac:spMk id="2" creationId="{DF869C19-E7A1-6C23-8E51-4B075A93C4EB}"/>
+          </ac:spMkLst>
+        </pc:spChg>
+        <pc:spChg chg="mod">
+          <ac:chgData name="deewanker sharma" userId="dbbcfb43a29a83da" providerId="LiveId" clId="{53B6A633-CFBA-458C-96F7-4AFAB19B7F6F}" dt="2024-03-07T20:23:06.147" v="216" actId="113"/>
+          <ac:spMkLst>
+            <pc:docMk/>
+            <pc:sldMk cId="2769822171" sldId="259"/>
+            <ac:spMk id="3" creationId="{BE6A857B-4BE8-ECCE-1CFB-D34C4EB8519E}"/>
+          </ac:spMkLst>
+        </pc:spChg>
+        <pc:picChg chg="add mod">
+          <ac:chgData name="deewanker sharma" userId="dbbcfb43a29a83da" providerId="LiveId" clId="{53B6A633-CFBA-458C-96F7-4AFAB19B7F6F}" dt="2024-03-07T20:28:05.828" v="229" actId="14100"/>
+          <ac:picMkLst>
+            <pc:docMk/>
+            <pc:sldMk cId="2769822171" sldId="259"/>
+            <ac:picMk id="5" creationId="{B54E4B04-175B-C5FA-ED4A-5C19414DE1CA}"/>
+          </ac:picMkLst>
+        </pc:picChg>
+      </pc:sldChg>
+      <pc:sldChg chg="addSp delSp modSp mod setBg">
+        <pc:chgData name="deewanker sharma" userId="dbbcfb43a29a83da" providerId="LiveId" clId="{53B6A633-CFBA-458C-96F7-4AFAB19B7F6F}" dt="2024-03-07T20:36:13.195" v="242" actId="26606"/>
+        <pc:sldMkLst>
+          <pc:docMk/>
+          <pc:sldMk cId="3340994708" sldId="260"/>
+        </pc:sldMkLst>
+        <pc:spChg chg="mod">
+          <ac:chgData name="deewanker sharma" userId="dbbcfb43a29a83da" providerId="LiveId" clId="{53B6A633-CFBA-458C-96F7-4AFAB19B7F6F}" dt="2024-03-07T20:36:13.195" v="242" actId="26606"/>
+          <ac:spMkLst>
+            <pc:docMk/>
+            <pc:sldMk cId="3340994708" sldId="260"/>
+            <ac:spMk id="2" creationId="{6E7149C8-BC87-B30A-4B41-4AE51A33E48D}"/>
+          </ac:spMkLst>
+        </pc:spChg>
+        <pc:spChg chg="add del">
+          <ac:chgData name="deewanker sharma" userId="dbbcfb43a29a83da" providerId="LiveId" clId="{53B6A633-CFBA-458C-96F7-4AFAB19B7F6F}" dt="2024-03-07T20:35:38.529" v="236" actId="26606"/>
+          <ac:spMkLst>
+            <pc:docMk/>
+            <pc:sldMk cId="3340994708" sldId="260"/>
+            <ac:spMk id="3" creationId="{25724839-E9F8-CC8C-0112-AD3CA2420D99}"/>
+          </ac:spMkLst>
+        </pc:spChg>
+        <pc:spChg chg="add">
+          <ac:chgData name="deewanker sharma" userId="dbbcfb43a29a83da" providerId="LiveId" clId="{53B6A633-CFBA-458C-96F7-4AFAB19B7F6F}" dt="2024-03-07T20:36:13.195" v="242" actId="26606"/>
+          <ac:spMkLst>
+            <pc:docMk/>
+            <pc:sldMk cId="3340994708" sldId="260"/>
+            <ac:spMk id="14" creationId="{3835F464-7A59-4221-AA5E-B60EF8D3CBC3}"/>
+          </ac:spMkLst>
+        </pc:spChg>
+        <pc:spChg chg="add">
+          <ac:chgData name="deewanker sharma" userId="dbbcfb43a29a83da" providerId="LiveId" clId="{53B6A633-CFBA-458C-96F7-4AFAB19B7F6F}" dt="2024-03-07T20:36:13.195" v="242" actId="26606"/>
+          <ac:spMkLst>
+            <pc:docMk/>
+            <pc:sldMk cId="3340994708" sldId="260"/>
+            <ac:spMk id="16" creationId="{2C57B5ED-61CB-4AF5-A47A-A41A996F8375}"/>
+          </ac:spMkLst>
+        </pc:spChg>
+        <pc:spChg chg="add">
+          <ac:chgData name="deewanker sharma" userId="dbbcfb43a29a83da" providerId="LiveId" clId="{53B6A633-CFBA-458C-96F7-4AFAB19B7F6F}" dt="2024-03-07T20:36:13.195" v="242" actId="26606"/>
+          <ac:spMkLst>
+            <pc:docMk/>
+            <pc:sldMk cId="3340994708" sldId="260"/>
+            <ac:spMk id="18" creationId="{714C9CDB-7738-4B6C-BCE1-D9516C1E03DE}"/>
+          </ac:spMkLst>
+        </pc:spChg>
+        <pc:graphicFrameChg chg="add del">
+          <ac:chgData name="deewanker sharma" userId="dbbcfb43a29a83da" providerId="LiveId" clId="{53B6A633-CFBA-458C-96F7-4AFAB19B7F6F}" dt="2024-03-07T20:35:37.373" v="233" actId="26606"/>
+          <ac:graphicFrameMkLst>
+            <pc:docMk/>
+            <pc:sldMk cId="3340994708" sldId="260"/>
+            <ac:graphicFrameMk id="5" creationId="{1AE40739-CA1D-E95E-0CC0-D8F9187A071C}"/>
+          </ac:graphicFrameMkLst>
+        </pc:graphicFrameChg>
+        <pc:graphicFrameChg chg="add del">
+          <ac:chgData name="deewanker sharma" userId="dbbcfb43a29a83da" providerId="LiveId" clId="{53B6A633-CFBA-458C-96F7-4AFAB19B7F6F}" dt="2024-03-07T20:35:38.514" v="235" actId="26606"/>
+          <ac:graphicFrameMkLst>
+            <pc:docMk/>
+            <pc:sldMk cId="3340994708" sldId="260"/>
+            <ac:graphicFrameMk id="7" creationId="{B6F0893C-FC4B-808F-70B9-8397A39AEB3D}"/>
+          </ac:graphicFrameMkLst>
+        </pc:graphicFrameChg>
+        <pc:graphicFrameChg chg="add mod modGraphic">
+          <ac:chgData name="deewanker sharma" userId="dbbcfb43a29a83da" providerId="LiveId" clId="{53B6A633-CFBA-458C-96F7-4AFAB19B7F6F}" dt="2024-03-07T20:36:13.195" v="242" actId="26606"/>
+          <ac:graphicFrameMkLst>
+            <pc:docMk/>
+            <pc:sldMk cId="3340994708" sldId="260"/>
+            <ac:graphicFrameMk id="9" creationId="{1AE40739-CA1D-E95E-0CC0-D8F9187A071C}"/>
+          </ac:graphicFrameMkLst>
+        </pc:graphicFrameChg>
+      </pc:sldChg>
+      <pc:sldChg chg="addSp delSp modSp add mod setBg">
+        <pc:chgData name="deewanker sharma" userId="dbbcfb43a29a83da" providerId="LiveId" clId="{53B6A633-CFBA-458C-96F7-4AFAB19B7F6F}" dt="2024-03-07T20:20:37.672" v="210" actId="1076"/>
+        <pc:sldMkLst>
+          <pc:docMk/>
+          <pc:sldMk cId="2072870580" sldId="269"/>
+        </pc:sldMkLst>
+        <pc:spChg chg="mod">
+          <ac:chgData name="deewanker sharma" userId="dbbcfb43a29a83da" providerId="LiveId" clId="{53B6A633-CFBA-458C-96F7-4AFAB19B7F6F}" dt="2024-03-07T19:34:29.753" v="139" actId="26606"/>
+          <ac:spMkLst>
+            <pc:docMk/>
+            <pc:sldMk cId="2072870580" sldId="269"/>
+            <ac:spMk id="2" creationId="{8ADD70B6-DBC3-9089-E330-9007123806B7}"/>
+          </ac:spMkLst>
+        </pc:spChg>
+        <pc:spChg chg="del mod">
+          <ac:chgData name="deewanker sharma" userId="dbbcfb43a29a83da" providerId="LiveId" clId="{53B6A633-CFBA-458C-96F7-4AFAB19B7F6F}" dt="2024-03-07T19:32:33.507" v="120" actId="478"/>
+          <ac:spMkLst>
+            <pc:docMk/>
+            <pc:sldMk cId="2072870580" sldId="269"/>
+            <ac:spMk id="3" creationId="{D9A51D5D-F740-1628-C110-81D77A0DCDF8}"/>
+          </ac:spMkLst>
+        </pc:spChg>
+        <pc:spChg chg="add">
+          <ac:chgData name="deewanker sharma" userId="dbbcfb43a29a83da" providerId="LiveId" clId="{53B6A633-CFBA-458C-96F7-4AFAB19B7F6F}" dt="2024-03-07T19:31:47.504" v="59"/>
+          <ac:spMkLst>
+            <pc:docMk/>
+            <pc:sldMk cId="2072870580" sldId="269"/>
+            <ac:spMk id="4" creationId="{A70AE766-2FE9-1023-93C1-92E31BBA6486}"/>
+          </ac:spMkLst>
+        </pc:spChg>
+        <pc:spChg chg="add mod">
+          <ac:chgData name="deewanker sharma" userId="dbbcfb43a29a83da" providerId="LiveId" clId="{53B6A633-CFBA-458C-96F7-4AFAB19B7F6F}" dt="2024-03-07T20:06:19.946" v="178" actId="207"/>
+          <ac:spMkLst>
+            <pc:docMk/>
+            <pc:sldMk cId="2072870580" sldId="269"/>
+            <ac:spMk id="5" creationId="{7B0DB8BC-4299-C029-69ED-7ABDE7257AE5}"/>
+          </ac:spMkLst>
+        </pc:spChg>
+        <pc:spChg chg="add del mod">
+          <ac:chgData name="deewanker sharma" userId="dbbcfb43a29a83da" providerId="LiveId" clId="{53B6A633-CFBA-458C-96F7-4AFAB19B7F6F}" dt="2024-03-07T19:32:36.713" v="121" actId="478"/>
+          <ac:spMkLst>
+            <pc:docMk/>
+            <pc:sldMk cId="2072870580" sldId="269"/>
+            <ac:spMk id="7" creationId="{F19CAC85-5D4E-9D67-EA9D-4FB20754720D}"/>
+          </ac:spMkLst>
+        </pc:spChg>
+        <pc:spChg chg="add del">
+          <ac:chgData name="deewanker sharma" userId="dbbcfb43a29a83da" providerId="LiveId" clId="{53B6A633-CFBA-458C-96F7-4AFAB19B7F6F}" dt="2024-03-07T19:34:29.721" v="138" actId="26606"/>
+          <ac:spMkLst>
+            <pc:docMk/>
+            <pc:sldMk cId="2072870580" sldId="269"/>
+            <ac:spMk id="10" creationId="{099405E2-1A96-4DBA-A9DC-4C2A1B421CA9}"/>
+          </ac:spMkLst>
+        </pc:spChg>
+        <pc:spChg chg="add del">
+          <ac:chgData name="deewanker sharma" userId="dbbcfb43a29a83da" providerId="LiveId" clId="{53B6A633-CFBA-458C-96F7-4AFAB19B7F6F}" dt="2024-03-07T19:34:29.721" v="138" actId="26606"/>
+          <ac:spMkLst>
+            <pc:docMk/>
+            <pc:sldMk cId="2072870580" sldId="269"/>
+            <ac:spMk id="12" creationId="{6186DD79-F4CA-4DD7-9C78-AC180665FA3C}"/>
+          </ac:spMkLst>
+        </pc:spChg>
+        <pc:spChg chg="add del">
+          <ac:chgData name="deewanker sharma" userId="dbbcfb43a29a83da" providerId="LiveId" clId="{53B6A633-CFBA-458C-96F7-4AFAB19B7F6F}" dt="2024-03-07T19:34:29.721" v="138" actId="26606"/>
+          <ac:spMkLst>
+            <pc:docMk/>
+            <pc:sldMk cId="2072870580" sldId="269"/>
+            <ac:spMk id="14" creationId="{BCF4857D-F003-4CA1-82AB-00900B1008BA}"/>
+          </ac:spMkLst>
+        </pc:spChg>
+        <pc:spChg chg="add del">
+          <ac:chgData name="deewanker sharma" userId="dbbcfb43a29a83da" providerId="LiveId" clId="{53B6A633-CFBA-458C-96F7-4AFAB19B7F6F}" dt="2024-03-07T19:34:29.721" v="138" actId="26606"/>
+          <ac:spMkLst>
+            <pc:docMk/>
+            <pc:sldMk cId="2072870580" sldId="269"/>
+            <ac:spMk id="16" creationId="{79855050-A75B-4DD0-9B56-8B1C7722D884}"/>
+          </ac:spMkLst>
+        </pc:spChg>
+        <pc:spChg chg="add del">
+          <ac:chgData name="deewanker sharma" userId="dbbcfb43a29a83da" providerId="LiveId" clId="{53B6A633-CFBA-458C-96F7-4AFAB19B7F6F}" dt="2024-03-07T19:34:29.721" v="138" actId="26606"/>
+          <ac:spMkLst>
+            <pc:docMk/>
+            <pc:sldMk cId="2072870580" sldId="269"/>
+            <ac:spMk id="18" creationId="{5E6738EB-6FF0-4AF9-8462-57F4494B88B2}"/>
+          </ac:spMkLst>
+        </pc:spChg>
+        <pc:spChg chg="add del">
+          <ac:chgData name="deewanker sharma" userId="dbbcfb43a29a83da" providerId="LiveId" clId="{53B6A633-CFBA-458C-96F7-4AFAB19B7F6F}" dt="2024-03-07T19:34:29.721" v="138" actId="26606"/>
+          <ac:spMkLst>
+            <pc:docMk/>
+            <pc:sldMk cId="2072870580" sldId="269"/>
+            <ac:spMk id="20" creationId="{DB791336-FCAA-4174-9303-B3F374861110}"/>
+          </ac:spMkLst>
+        </pc:spChg>
+        <pc:spChg chg="add del">
+          <ac:chgData name="deewanker sharma" userId="dbbcfb43a29a83da" providerId="LiveId" clId="{53B6A633-CFBA-458C-96F7-4AFAB19B7F6F}" dt="2024-03-07T19:34:29.721" v="138" actId="26606"/>
+          <ac:spMkLst>
+            <pc:docMk/>
+            <pc:sldMk cId="2072870580" sldId="269"/>
+            <ac:spMk id="22" creationId="{CA212158-300D-44D0-9CCE-472C3F669EE1}"/>
+          </ac:spMkLst>
+        </pc:spChg>
+        <pc:spChg chg="add del">
+          <ac:chgData name="deewanker sharma" userId="dbbcfb43a29a83da" providerId="LiveId" clId="{53B6A633-CFBA-458C-96F7-4AFAB19B7F6F}" dt="2024-03-07T19:34:29.721" v="138" actId="26606"/>
+          <ac:spMkLst>
+            <pc:docMk/>
+            <pc:sldMk cId="2072870580" sldId="269"/>
+            <ac:spMk id="24" creationId="{988521F4-D44A-42C5-9BDB-5CA25554098B}"/>
+          </ac:spMkLst>
+        </pc:spChg>
+        <pc:spChg chg="add">
+          <ac:chgData name="deewanker sharma" userId="dbbcfb43a29a83da" providerId="LiveId" clId="{53B6A633-CFBA-458C-96F7-4AFAB19B7F6F}" dt="2024-03-07T19:34:29.753" v="139" actId="26606"/>
+          <ac:spMkLst>
+            <pc:docMk/>
+            <pc:sldMk cId="2072870580" sldId="269"/>
+            <ac:spMk id="26" creationId="{72526924-84D3-45FB-A5FE-62D8FCBF53B6}"/>
+          </ac:spMkLst>
+        </pc:spChg>
+        <pc:spChg chg="add">
+          <ac:chgData name="deewanker sharma" userId="dbbcfb43a29a83da" providerId="LiveId" clId="{53B6A633-CFBA-458C-96F7-4AFAB19B7F6F}" dt="2024-03-07T19:34:29.753" v="139" actId="26606"/>
+          <ac:spMkLst>
+            <pc:docMk/>
+            <pc:sldMk cId="2072870580" sldId="269"/>
+            <ac:spMk id="27" creationId="{5C2A6256-1DD0-4E4B-A8B3-9A711B4DBE0C}"/>
+          </ac:spMkLst>
+        </pc:spChg>
+        <pc:spChg chg="add">
+          <ac:chgData name="deewanker sharma" userId="dbbcfb43a29a83da" providerId="LiveId" clId="{53B6A633-CFBA-458C-96F7-4AFAB19B7F6F}" dt="2024-03-07T19:34:29.753" v="139" actId="26606"/>
+          <ac:spMkLst>
+            <pc:docMk/>
+            <pc:sldMk cId="2072870580" sldId="269"/>
+            <ac:spMk id="28" creationId="{41760540-185E-4652-BFD2-9B362EF3BC99}"/>
+          </ac:spMkLst>
+        </pc:spChg>
+        <pc:spChg chg="add">
+          <ac:chgData name="deewanker sharma" userId="dbbcfb43a29a83da" providerId="LiveId" clId="{53B6A633-CFBA-458C-96F7-4AFAB19B7F6F}" dt="2024-03-07T19:34:29.753" v="139" actId="26606"/>
+          <ac:spMkLst>
+            <pc:docMk/>
+            <pc:sldMk cId="2072870580" sldId="269"/>
+            <ac:spMk id="29" creationId="{729789F4-85C1-41A0-83EB-992E22210CB9}"/>
+          </ac:spMkLst>
+        </pc:spChg>
+        <pc:spChg chg="add">
+          <ac:chgData name="deewanker sharma" userId="dbbcfb43a29a83da" providerId="LiveId" clId="{53B6A633-CFBA-458C-96F7-4AFAB19B7F6F}" dt="2024-03-07T19:34:29.753" v="139" actId="26606"/>
+          <ac:spMkLst>
+            <pc:docMk/>
+            <pc:sldMk cId="2072870580" sldId="269"/>
+            <ac:spMk id="30" creationId="{9D9D367D-6DD2-4A7C-8918-0DCAC297559A}"/>
+          </ac:spMkLst>
+        </pc:spChg>
+        <pc:picChg chg="add mod">
+          <ac:chgData name="deewanker sharma" userId="dbbcfb43a29a83da" providerId="LiveId" clId="{53B6A633-CFBA-458C-96F7-4AFAB19B7F6F}" dt="2024-03-07T20:20:37.672" v="210" actId="1076"/>
+          <ac:picMkLst>
+            <pc:docMk/>
+            <pc:sldMk cId="2072870580" sldId="269"/>
+            <ac:picMk id="9" creationId="{BEF09C68-6DCE-84DD-7A18-87A182CB9581}"/>
+          </ac:picMkLst>
+        </pc:picChg>
+      </pc:sldChg>
+      <pc:sldChg chg="addSp delSp modSp add mod">
+        <pc:chgData name="deewanker sharma" userId="dbbcfb43a29a83da" providerId="LiveId" clId="{53B6A633-CFBA-458C-96F7-4AFAB19B7F6F}" dt="2024-03-07T20:07:28.510" v="197" actId="207"/>
+        <pc:sldMkLst>
+          <pc:docMk/>
+          <pc:sldMk cId="1890845619" sldId="270"/>
+        </pc:sldMkLst>
+        <pc:spChg chg="mod">
+          <ac:chgData name="deewanker sharma" userId="dbbcfb43a29a83da" providerId="LiveId" clId="{53B6A633-CFBA-458C-96F7-4AFAB19B7F6F}" dt="2024-03-07T19:59:14.183" v="169" actId="26606"/>
+          <ac:spMkLst>
+            <pc:docMk/>
+            <pc:sldMk cId="1890845619" sldId="270"/>
+            <ac:spMk id="2" creationId="{CFA292DB-FD42-DD62-1F9A-46A58B9D4EBC}"/>
+          </ac:spMkLst>
+        </pc:spChg>
+        <pc:spChg chg="add del">
+          <ac:chgData name="deewanker sharma" userId="dbbcfb43a29a83da" providerId="LiveId" clId="{53B6A633-CFBA-458C-96F7-4AFAB19B7F6F}" dt="2024-03-07T19:58:06.240" v="150" actId="478"/>
+          <ac:spMkLst>
+            <pc:docMk/>
+            <pc:sldMk cId="1890845619" sldId="270"/>
+            <ac:spMk id="3" creationId="{77CBFFAC-58A3-323E-9213-9DD2C33CED37}"/>
+          </ac:spMkLst>
+        </pc:spChg>
+        <pc:spChg chg="add mod">
+          <ac:chgData name="deewanker sharma" userId="dbbcfb43a29a83da" providerId="LiveId" clId="{53B6A633-CFBA-458C-96F7-4AFAB19B7F6F}" dt="2024-03-07T20:07:28.510" v="197" actId="207"/>
+          <ac:spMkLst>
+            <pc:docMk/>
+            <pc:sldMk cId="1890845619" sldId="270"/>
+            <ac:spMk id="4" creationId="{B987F9FD-1973-D547-1045-51A80A994795}"/>
+          </ac:spMkLst>
+        </pc:spChg>
+        <pc:spChg chg="del">
+          <ac:chgData name="deewanker sharma" userId="dbbcfb43a29a83da" providerId="LiveId" clId="{53B6A633-CFBA-458C-96F7-4AFAB19B7F6F}" dt="2024-03-07T19:58:06.240" v="150" actId="478"/>
+          <ac:spMkLst>
+            <pc:docMk/>
+            <pc:sldMk cId="1890845619" sldId="270"/>
+            <ac:spMk id="5" creationId="{C363AEF0-429D-0E53-6D25-4A4DD8BB6083}"/>
+          </ac:spMkLst>
+        </pc:spChg>
+        <pc:spChg chg="add del">
+          <ac:chgData name="deewanker sharma" userId="dbbcfb43a29a83da" providerId="LiveId" clId="{53B6A633-CFBA-458C-96F7-4AFAB19B7F6F}" dt="2024-03-07T19:59:14.183" v="169" actId="26606"/>
+          <ac:spMkLst>
+            <pc:docMk/>
+            <pc:sldMk cId="1890845619" sldId="270"/>
+            <ac:spMk id="26" creationId="{2082EF0B-EFC9-399B-6262-BCE3E893AFC1}"/>
+          </ac:spMkLst>
+        </pc:spChg>
+        <pc:spChg chg="add del">
+          <ac:chgData name="deewanker sharma" userId="dbbcfb43a29a83da" providerId="LiveId" clId="{53B6A633-CFBA-458C-96F7-4AFAB19B7F6F}" dt="2024-03-07T19:59:14.183" v="169" actId="26606"/>
+          <ac:spMkLst>
+            <pc:docMk/>
+            <pc:sldMk cId="1890845619" sldId="270"/>
+            <ac:spMk id="27" creationId="{26D96F6D-7C6E-6F8C-36DD-03CF658071E9}"/>
+          </ac:spMkLst>
+        </pc:spChg>
+        <pc:spChg chg="add del">
+          <ac:chgData name="deewanker sharma" userId="dbbcfb43a29a83da" providerId="LiveId" clId="{53B6A633-CFBA-458C-96F7-4AFAB19B7F6F}" dt="2024-03-07T19:59:14.183" v="169" actId="26606"/>
+          <ac:spMkLst>
+            <pc:docMk/>
+            <pc:sldMk cId="1890845619" sldId="270"/>
+            <ac:spMk id="28" creationId="{D28113CE-6BE2-712B-2580-0618DEBF5BC8}"/>
+          </ac:spMkLst>
+        </pc:spChg>
+        <pc:spChg chg="add del">
+          <ac:chgData name="deewanker sharma" userId="dbbcfb43a29a83da" providerId="LiveId" clId="{53B6A633-CFBA-458C-96F7-4AFAB19B7F6F}" dt="2024-03-07T19:59:14.183" v="169" actId="26606"/>
+          <ac:spMkLst>
+            <pc:docMk/>
+            <pc:sldMk cId="1890845619" sldId="270"/>
+            <ac:spMk id="29" creationId="{F9059382-97B8-88A0-8410-FA77A69528E1}"/>
+          </ac:spMkLst>
+        </pc:spChg>
+        <pc:spChg chg="add del">
+          <ac:chgData name="deewanker sharma" userId="dbbcfb43a29a83da" providerId="LiveId" clId="{53B6A633-CFBA-458C-96F7-4AFAB19B7F6F}" dt="2024-03-07T19:59:14.183" v="169" actId="26606"/>
+          <ac:spMkLst>
+            <pc:docMk/>
+            <pc:sldMk cId="1890845619" sldId="270"/>
+            <ac:spMk id="30" creationId="{DEEA5EFE-6BFA-DF10-34DF-9312AC126B09}"/>
+          </ac:spMkLst>
+        </pc:spChg>
+        <pc:spChg chg="add">
+          <ac:chgData name="deewanker sharma" userId="dbbcfb43a29a83da" providerId="LiveId" clId="{53B6A633-CFBA-458C-96F7-4AFAB19B7F6F}" dt="2024-03-07T19:59:14.183" v="169" actId="26606"/>
+          <ac:spMkLst>
+            <pc:docMk/>
+            <pc:sldMk cId="1890845619" sldId="270"/>
+            <ac:spMk id="36" creationId="{099405E2-1A96-4DBA-A9DC-4C2A1B421CA9}"/>
+          </ac:spMkLst>
+        </pc:spChg>
+        <pc:spChg chg="add del">
+          <ac:chgData name="deewanker sharma" userId="dbbcfb43a29a83da" providerId="LiveId" clId="{53B6A633-CFBA-458C-96F7-4AFAB19B7F6F}" dt="2024-03-07T19:59:06.324" v="164" actId="26606"/>
+          <ac:spMkLst>
+            <pc:docMk/>
+            <pc:sldMk cId="1890845619" sldId="270"/>
+            <ac:spMk id="37" creationId="{2ECA4CB2-9071-41EB-AABB-2D8EB939D0F8}"/>
+          </ac:spMkLst>
+        </pc:spChg>
+        <pc:spChg chg="add">
+          <ac:chgData name="deewanker sharma" userId="dbbcfb43a29a83da" providerId="LiveId" clId="{53B6A633-CFBA-458C-96F7-4AFAB19B7F6F}" dt="2024-03-07T19:59:14.183" v="169" actId="26606"/>
+          <ac:spMkLst>
+            <pc:docMk/>
+            <pc:sldMk cId="1890845619" sldId="270"/>
+            <ac:spMk id="38" creationId="{BCF4857D-F003-4CA1-82AB-00900B1008BA}"/>
+          </ac:spMkLst>
+        </pc:spChg>
+        <pc:spChg chg="add del">
+          <ac:chgData name="deewanker sharma" userId="dbbcfb43a29a83da" providerId="LiveId" clId="{53B6A633-CFBA-458C-96F7-4AFAB19B7F6F}" dt="2024-03-07T19:59:06.324" v="164" actId="26606"/>
+          <ac:spMkLst>
+            <pc:docMk/>
+            <pc:sldMk cId="1890845619" sldId="270"/>
+            <ac:spMk id="39" creationId="{EB86F6BD-9C49-4F4F-99EA-9C5AA31835CD}"/>
+          </ac:spMkLst>
+        </pc:spChg>
+        <pc:spChg chg="add">
+          <ac:chgData name="deewanker sharma" userId="dbbcfb43a29a83da" providerId="LiveId" clId="{53B6A633-CFBA-458C-96F7-4AFAB19B7F6F}" dt="2024-03-07T19:59:14.183" v="169" actId="26606"/>
+          <ac:spMkLst>
+            <pc:docMk/>
+            <pc:sldMk cId="1890845619" sldId="270"/>
+            <ac:spMk id="40" creationId="{79855050-A75B-4DD0-9B56-8B1C7722D884}"/>
+          </ac:spMkLst>
+        </pc:spChg>
+        <pc:spChg chg="add del">
+          <ac:chgData name="deewanker sharma" userId="dbbcfb43a29a83da" providerId="LiveId" clId="{53B6A633-CFBA-458C-96F7-4AFAB19B7F6F}" dt="2024-03-07T19:59:06.324" v="164" actId="26606"/>
+          <ac:spMkLst>
+            <pc:docMk/>
+            <pc:sldMk cId="1890845619" sldId="270"/>
+            <ac:spMk id="41" creationId="{C7DA365B-E064-481A-A62D-18CD31DB3F13}"/>
+          </ac:spMkLst>
+        </pc:spChg>
+        <pc:spChg chg="add">
+          <ac:chgData name="deewanker sharma" userId="dbbcfb43a29a83da" providerId="LiveId" clId="{53B6A633-CFBA-458C-96F7-4AFAB19B7F6F}" dt="2024-03-07T19:59:14.183" v="169" actId="26606"/>
+          <ac:spMkLst>
+            <pc:docMk/>
+            <pc:sldMk cId="1890845619" sldId="270"/>
+            <ac:spMk id="42" creationId="{5E6738EB-6FF0-4AF9-8462-57F4494B88B2}"/>
+          </ac:spMkLst>
+        </pc:spChg>
+        <pc:spChg chg="add del">
+          <ac:chgData name="deewanker sharma" userId="dbbcfb43a29a83da" providerId="LiveId" clId="{53B6A633-CFBA-458C-96F7-4AFAB19B7F6F}" dt="2024-03-07T19:59:06.324" v="164" actId="26606"/>
+          <ac:spMkLst>
+            <pc:docMk/>
+            <pc:sldMk cId="1890845619" sldId="270"/>
+            <ac:spMk id="43" creationId="{96DBE49D-AABD-458B-B2DF-4D5FA7D5C7F1}"/>
+          </ac:spMkLst>
+        </pc:spChg>
+        <pc:spChg chg="add">
+          <ac:chgData name="deewanker sharma" userId="dbbcfb43a29a83da" providerId="LiveId" clId="{53B6A633-CFBA-458C-96F7-4AFAB19B7F6F}" dt="2024-03-07T19:59:14.183" v="169" actId="26606"/>
+          <ac:spMkLst>
+            <pc:docMk/>
+            <pc:sldMk cId="1890845619" sldId="270"/>
+            <ac:spMk id="44" creationId="{DB791336-FCAA-4174-9303-B3F374861110}"/>
+          </ac:spMkLst>
+        </pc:spChg>
+        <pc:spChg chg="add del">
+          <ac:chgData name="deewanker sharma" userId="dbbcfb43a29a83da" providerId="LiveId" clId="{53B6A633-CFBA-458C-96F7-4AFAB19B7F6F}" dt="2024-03-07T19:59:06.324" v="164" actId="26606"/>
+          <ac:spMkLst>
+            <pc:docMk/>
+            <pc:sldMk cId="1890845619" sldId="270"/>
+            <ac:spMk id="45" creationId="{96833CC6-729B-40E8-B891-D93467E34B1D}"/>
+          </ac:spMkLst>
+        </pc:spChg>
+        <pc:spChg chg="add">
+          <ac:chgData name="deewanker sharma" userId="dbbcfb43a29a83da" providerId="LiveId" clId="{53B6A633-CFBA-458C-96F7-4AFAB19B7F6F}" dt="2024-03-07T19:59:14.183" v="169" actId="26606"/>
+          <ac:spMkLst>
+            <pc:docMk/>
+            <pc:sldMk cId="1890845619" sldId="270"/>
+            <ac:spMk id="46" creationId="{CA212158-300D-44D0-9CCE-472C3F669EE1}"/>
+          </ac:spMkLst>
+        </pc:spChg>
+        <pc:spChg chg="add del">
+          <ac:chgData name="deewanker sharma" userId="dbbcfb43a29a83da" providerId="LiveId" clId="{53B6A633-CFBA-458C-96F7-4AFAB19B7F6F}" dt="2024-03-07T19:59:06.324" v="164" actId="26606"/>
+          <ac:spMkLst>
+            <pc:docMk/>
+            <pc:sldMk cId="1890845619" sldId="270"/>
+            <ac:spMk id="47" creationId="{A5757897-7307-46AF-923D-FF5BF45DD009}"/>
+          </ac:spMkLst>
+        </pc:spChg>
+        <pc:spChg chg="add">
+          <ac:chgData name="deewanker sharma" userId="dbbcfb43a29a83da" providerId="LiveId" clId="{53B6A633-CFBA-458C-96F7-4AFAB19B7F6F}" dt="2024-03-07T19:59:14.183" v="169" actId="26606"/>
+          <ac:spMkLst>
+            <pc:docMk/>
+            <pc:sldMk cId="1890845619" sldId="270"/>
+            <ac:spMk id="48" creationId="{988521F4-D44A-42C5-9BDB-5CA25554098B}"/>
+          </ac:spMkLst>
+        </pc:spChg>
+        <pc:spChg chg="add del">
+          <ac:chgData name="deewanker sharma" userId="dbbcfb43a29a83da" providerId="LiveId" clId="{53B6A633-CFBA-458C-96F7-4AFAB19B7F6F}" dt="2024-03-07T19:59:07.589" v="166" actId="26606"/>
+          <ac:spMkLst>
+            <pc:docMk/>
+            <pc:sldMk cId="1890845619" sldId="270"/>
+            <ac:spMk id="49" creationId="{0871A14F-64B0-4CCE-900E-695C55EFF375}"/>
+          </ac:spMkLst>
+        </pc:spChg>
+        <pc:spChg chg="add del">
+          <ac:chgData name="deewanker sharma" userId="dbbcfb43a29a83da" providerId="LiveId" clId="{53B6A633-CFBA-458C-96F7-4AFAB19B7F6F}" dt="2024-03-07T19:59:07.589" v="166" actId="26606"/>
+          <ac:spMkLst>
+            <pc:docMk/>
+            <pc:sldMk cId="1890845619" sldId="270"/>
+            <ac:spMk id="50" creationId="{099405E2-1A96-4DBA-A9DC-4C2A1B421CA9}"/>
+          </ac:spMkLst>
+        </pc:spChg>
+        <pc:spChg chg="add del">
+          <ac:chgData name="deewanker sharma" userId="dbbcfb43a29a83da" providerId="LiveId" clId="{53B6A633-CFBA-458C-96F7-4AFAB19B7F6F}" dt="2024-03-07T19:59:07.589" v="166" actId="26606"/>
+          <ac:spMkLst>
+            <pc:docMk/>
+            <pc:sldMk cId="1890845619" sldId="270"/>
+            <ac:spMk id="51" creationId="{0FDBC76A-295F-4635-A28D-ADA24F383ABC}"/>
+          </ac:spMkLst>
+        </pc:spChg>
+        <pc:spChg chg="add del">
+          <ac:chgData name="deewanker sharma" userId="dbbcfb43a29a83da" providerId="LiveId" clId="{53B6A633-CFBA-458C-96F7-4AFAB19B7F6F}" dt="2024-03-07T19:59:07.589" v="166" actId="26606"/>
+          <ac:spMkLst>
+            <pc:docMk/>
+            <pc:sldMk cId="1890845619" sldId="270"/>
+            <ac:spMk id="52" creationId="{DEB1CCE3-FB1D-471C-9AFE-D20E81E64AC0}"/>
+          </ac:spMkLst>
+        </pc:spChg>
+        <pc:spChg chg="add del">
+          <ac:chgData name="deewanker sharma" userId="dbbcfb43a29a83da" providerId="LiveId" clId="{53B6A633-CFBA-458C-96F7-4AFAB19B7F6F}" dt="2024-03-07T19:59:07.589" v="166" actId="26606"/>
+          <ac:spMkLst>
+            <pc:docMk/>
+            <pc:sldMk cId="1890845619" sldId="270"/>
+            <ac:spMk id="53" creationId="{60F38E87-6AF8-4488-B608-9FA2F57B40B7}"/>
+          </ac:spMkLst>
+        </pc:spChg>
+        <pc:spChg chg="add del">
+          <ac:chgData name="deewanker sharma" userId="dbbcfb43a29a83da" providerId="LiveId" clId="{53B6A633-CFBA-458C-96F7-4AFAB19B7F6F}" dt="2024-03-07T19:59:07.589" v="166" actId="26606"/>
+          <ac:spMkLst>
+            <pc:docMk/>
+            <pc:sldMk cId="1890845619" sldId="270"/>
+            <ac:spMk id="54" creationId="{ECC3B76D-CC6E-42D0-8666-2A2164AB5AF4}"/>
+          </ac:spMkLst>
+        </pc:spChg>
+        <pc:spChg chg="add del">
+          <ac:chgData name="deewanker sharma" userId="dbbcfb43a29a83da" providerId="LiveId" clId="{53B6A633-CFBA-458C-96F7-4AFAB19B7F6F}" dt="2024-03-07T19:59:07.589" v="166" actId="26606"/>
+          <ac:spMkLst>
+            <pc:docMk/>
+            <pc:sldMk cId="1890845619" sldId="270"/>
+            <ac:spMk id="55" creationId="{32BA9D6C-8214-4E25-AF8B-48762AD8D530}"/>
+          </ac:spMkLst>
+        </pc:spChg>
+        <pc:spChg chg="add del">
+          <ac:chgData name="deewanker sharma" userId="dbbcfb43a29a83da" providerId="LiveId" clId="{53B6A633-CFBA-458C-96F7-4AFAB19B7F6F}" dt="2024-03-07T19:59:07.589" v="166" actId="26606"/>
+          <ac:spMkLst>
+            <pc:docMk/>
+            <pc:sldMk cId="1890845619" sldId="270"/>
+            <ac:spMk id="56" creationId="{DBE9B8BD-472F-4F54-AC9D-101EE3496992}"/>
+          </ac:spMkLst>
+        </pc:spChg>
+        <pc:spChg chg="add del">
+          <ac:chgData name="deewanker sharma" userId="dbbcfb43a29a83da" providerId="LiveId" clId="{53B6A633-CFBA-458C-96F7-4AFAB19B7F6F}" dt="2024-03-07T19:59:14.152" v="168" actId="26606"/>
+          <ac:spMkLst>
+            <pc:docMk/>
+            <pc:sldMk cId="1890845619" sldId="270"/>
+            <ac:spMk id="59" creationId="{2ECA4CB2-9071-41EB-AABB-2D8EB939D0F8}"/>
+          </ac:spMkLst>
+        </pc:spChg>
+        <pc:spChg chg="add del">
+          <ac:chgData name="deewanker sharma" userId="dbbcfb43a29a83da" providerId="LiveId" clId="{53B6A633-CFBA-458C-96F7-4AFAB19B7F6F}" dt="2024-03-07T19:59:14.152" v="168" actId="26606"/>
+          <ac:spMkLst>
+            <pc:docMk/>
+            <pc:sldMk cId="1890845619" sldId="270"/>
+            <ac:spMk id="61" creationId="{EB86F6BD-9C49-4F4F-99EA-9C5AA31835CD}"/>
+          </ac:spMkLst>
+        </pc:spChg>
+        <pc:spChg chg="add del">
+          <ac:chgData name="deewanker sharma" userId="dbbcfb43a29a83da" providerId="LiveId" clId="{53B6A633-CFBA-458C-96F7-4AFAB19B7F6F}" dt="2024-03-07T19:59:14.152" v="168" actId="26606"/>
+          <ac:spMkLst>
+            <pc:docMk/>
+            <pc:sldMk cId="1890845619" sldId="270"/>
+            <ac:spMk id="62" creationId="{C7DA365B-E064-481A-A62D-18CD31DB3F13}"/>
+          </ac:spMkLst>
+        </pc:spChg>
+        <pc:spChg chg="add del">
+          <ac:chgData name="deewanker sharma" userId="dbbcfb43a29a83da" providerId="LiveId" clId="{53B6A633-CFBA-458C-96F7-4AFAB19B7F6F}" dt="2024-03-07T19:59:14.152" v="168" actId="26606"/>
+          <ac:spMkLst>
+            <pc:docMk/>
+            <pc:sldMk cId="1890845619" sldId="270"/>
+            <ac:spMk id="63" creationId="{96DBE49D-AABD-458B-B2DF-4D5FA7D5C7F1}"/>
+          </ac:spMkLst>
+        </pc:spChg>
+        <pc:spChg chg="add del">
+          <ac:chgData name="deewanker sharma" userId="dbbcfb43a29a83da" providerId="LiveId" clId="{53B6A633-CFBA-458C-96F7-4AFAB19B7F6F}" dt="2024-03-07T19:59:14.152" v="168" actId="26606"/>
+          <ac:spMkLst>
+            <pc:docMk/>
+            <pc:sldMk cId="1890845619" sldId="270"/>
+            <ac:spMk id="64" creationId="{96833CC6-729B-40E8-B891-D93467E34B1D}"/>
+          </ac:spMkLst>
+        </pc:spChg>
+        <pc:spChg chg="add del">
+          <ac:chgData name="deewanker sharma" userId="dbbcfb43a29a83da" providerId="LiveId" clId="{53B6A633-CFBA-458C-96F7-4AFAB19B7F6F}" dt="2024-03-07T19:59:14.152" v="168" actId="26606"/>
+          <ac:spMkLst>
+            <pc:docMk/>
+            <pc:sldMk cId="1890845619" sldId="270"/>
+            <ac:spMk id="65" creationId="{A5757897-7307-46AF-923D-FF5BF45DD009}"/>
+          </ac:spMkLst>
+        </pc:spChg>
+        <pc:picChg chg="add">
+          <ac:chgData name="deewanker sharma" userId="dbbcfb43a29a83da" providerId="LiveId" clId="{53B6A633-CFBA-458C-96F7-4AFAB19B7F6F}" dt="2024-03-07T19:59:14.183" v="169" actId="26606"/>
+          <ac:picMkLst>
+            <pc:docMk/>
+            <pc:sldMk cId="1890845619" sldId="270"/>
+            <ac:picMk id="32" creationId="{9BDA6167-63FC-46C5-9E3B-19A34B954E53}"/>
+          </ac:picMkLst>
+        </pc:picChg>
+        <pc:picChg chg="add del">
+          <ac:chgData name="deewanker sharma" userId="dbbcfb43a29a83da" providerId="LiveId" clId="{53B6A633-CFBA-458C-96F7-4AFAB19B7F6F}" dt="2024-03-07T19:59:06.324" v="164" actId="26606"/>
+          <ac:picMkLst>
+            <pc:docMk/>
+            <pc:sldMk cId="1890845619" sldId="270"/>
+            <ac:picMk id="34" creationId="{A3A3BDD7-87E9-C69C-B88D-03132E397753}"/>
+          </ac:picMkLst>
+        </pc:picChg>
+        <pc:picChg chg="add del">
+          <ac:chgData name="deewanker sharma" userId="dbbcfb43a29a83da" providerId="LiveId" clId="{53B6A633-CFBA-458C-96F7-4AFAB19B7F6F}" dt="2024-03-07T19:59:07.589" v="166" actId="26606"/>
+          <ac:picMkLst>
+            <pc:docMk/>
+            <pc:sldMk cId="1890845619" sldId="270"/>
+            <ac:picMk id="57" creationId="{9B90A11B-60AF-547D-80B4-384EACE99520}"/>
+          </ac:picMkLst>
+        </pc:picChg>
+        <pc:picChg chg="add del">
+          <ac:chgData name="deewanker sharma" userId="dbbcfb43a29a83da" providerId="LiveId" clId="{53B6A633-CFBA-458C-96F7-4AFAB19B7F6F}" dt="2024-03-07T19:59:14.152" v="168" actId="26606"/>
+          <ac:picMkLst>
+            <pc:docMk/>
+            <pc:sldMk cId="1890845619" sldId="270"/>
+            <ac:picMk id="60" creationId="{A3A3BDD7-87E9-C69C-B88D-03132E397753}"/>
+          </ac:picMkLst>
+        </pc:picChg>
+      </pc:sldChg>
+    </pc:docChg>
+  </pc:docChgLst>
   <pc:docChgLst>
     <pc:chgData name="deewanker sharma" userId="dbbcfb43a29a83da" providerId="LiveId" clId="{47EDC134-D5DB-48F3-8B64-AFDFAC3991E8}"/>
     <pc:docChg chg="undo custSel addSld modSld">
@@ -2739,6 +3396,788 @@
     <dgm:fillClrLst meth="repeat">
       <a:schemeClr val="accent1">
         <a:tint val="60000"/>
+      </a:schemeClr>
+    </dgm:fillClrLst>
+    <dgm:linClrLst meth="repeat">
+      <a:schemeClr val="lt1"/>
+    </dgm:linClrLst>
+    <dgm:effectClrLst/>
+    <dgm:txLinClrLst/>
+    <dgm:txFillClrLst meth="repeat">
+      <a:schemeClr val="dk1"/>
+    </dgm:txFillClrLst>
+    <dgm:txEffectClrLst/>
+  </dgm:styleLbl>
+  <dgm:styleLbl name="revTx">
+    <dgm:fillClrLst meth="repeat">
+      <a:schemeClr val="lt1">
+        <a:alpha val="0"/>
+      </a:schemeClr>
+    </dgm:fillClrLst>
+    <dgm:linClrLst meth="repeat">
+      <a:schemeClr val="dk1">
+        <a:alpha val="0"/>
+      </a:schemeClr>
+    </dgm:linClrLst>
+    <dgm:effectClrLst/>
+    <dgm:txLinClrLst/>
+    <dgm:txFillClrLst meth="repeat">
+      <a:schemeClr val="tx1"/>
+    </dgm:txFillClrLst>
+    <dgm:txEffectClrLst/>
+  </dgm:styleLbl>
+</dgm:colorsDef>
+</file>
+
+<file path=ppt/diagrams/colors2.xml><?xml version="1.0" encoding="utf-8"?>
+<dgm:colorsDef xmlns:dgm="http://schemas.openxmlformats.org/drawingml/2006/diagram" xmlns:a="http://schemas.openxmlformats.org/drawingml/2006/main" uniqueId="urn:microsoft.com/office/officeart/2005/8/colors/colorful5">
+  <dgm:title val=""/>
+  <dgm:desc val=""/>
+  <dgm:catLst>
+    <dgm:cat type="colorful" pri="10500"/>
+  </dgm:catLst>
+  <dgm:styleLbl name="node0">
+    <dgm:fillClrLst meth="repeat">
+      <a:schemeClr val="accent4"/>
+    </dgm:fillClrLst>
+    <dgm:linClrLst meth="repeat">
+      <a:schemeClr val="lt1"/>
+    </dgm:linClrLst>
+    <dgm:effectClrLst/>
+    <dgm:txLinClrLst/>
+    <dgm:txFillClrLst/>
+    <dgm:txEffectClrLst/>
+  </dgm:styleLbl>
+  <dgm:styleLbl name="node1">
+    <dgm:fillClrLst>
+      <a:schemeClr val="accent5"/>
+      <a:schemeClr val="accent6"/>
+    </dgm:fillClrLst>
+    <dgm:linClrLst meth="repeat">
+      <a:schemeClr val="lt1"/>
+    </dgm:linClrLst>
+    <dgm:effectClrLst/>
+    <dgm:txLinClrLst/>
+    <dgm:txFillClrLst/>
+    <dgm:txEffectClrLst/>
+  </dgm:styleLbl>
+  <dgm:styleLbl name="alignNode1">
+    <dgm:fillClrLst>
+      <a:schemeClr val="accent5"/>
+      <a:schemeClr val="accent6"/>
+    </dgm:fillClrLst>
+    <dgm:linClrLst>
+      <a:schemeClr val="accent5"/>
+      <a:schemeClr val="accent6"/>
+    </dgm:linClrLst>
+    <dgm:effectClrLst/>
+    <dgm:txLinClrLst/>
+    <dgm:txFillClrLst/>
+    <dgm:txEffectClrLst/>
+  </dgm:styleLbl>
+  <dgm:styleLbl name="lnNode1">
+    <dgm:fillClrLst>
+      <a:schemeClr val="accent5"/>
+      <a:schemeClr val="accent6"/>
+    </dgm:fillClrLst>
+    <dgm:linClrLst meth="repeat">
+      <a:schemeClr val="lt1"/>
+    </dgm:linClrLst>
+    <dgm:effectClrLst/>
+    <dgm:txLinClrLst/>
+    <dgm:txFillClrLst/>
+    <dgm:txEffectClrLst/>
+  </dgm:styleLbl>
+  <dgm:styleLbl name="vennNode1">
+    <dgm:fillClrLst>
+      <a:schemeClr val="accent5">
+        <a:alpha val="50000"/>
+      </a:schemeClr>
+      <a:schemeClr val="accent6">
+        <a:alpha val="50000"/>
+      </a:schemeClr>
+    </dgm:fillClrLst>
+    <dgm:linClrLst meth="repeat">
+      <a:schemeClr val="lt1"/>
+    </dgm:linClrLst>
+    <dgm:effectClrLst/>
+    <dgm:txLinClrLst/>
+    <dgm:txFillClrLst/>
+    <dgm:txEffectClrLst/>
+  </dgm:styleLbl>
+  <dgm:styleLbl name="node2">
+    <dgm:fillClrLst>
+      <a:schemeClr val="accent6"/>
+    </dgm:fillClrLst>
+    <dgm:linClrLst meth="repeat">
+      <a:schemeClr val="lt1"/>
+    </dgm:linClrLst>
+    <dgm:effectClrLst/>
+    <dgm:txLinClrLst/>
+    <dgm:txFillClrLst/>
+    <dgm:txEffectClrLst/>
+  </dgm:styleLbl>
+  <dgm:styleLbl name="node3">
+    <dgm:fillClrLst>
+      <a:schemeClr val="accent1"/>
+    </dgm:fillClrLst>
+    <dgm:linClrLst meth="repeat">
+      <a:schemeClr val="lt1"/>
+    </dgm:linClrLst>
+    <dgm:effectClrLst/>
+    <dgm:txLinClrLst/>
+    <dgm:txFillClrLst/>
+    <dgm:txEffectClrLst/>
+  </dgm:styleLbl>
+  <dgm:styleLbl name="node4">
+    <dgm:fillClrLst>
+      <a:schemeClr val="accent2"/>
+    </dgm:fillClrLst>
+    <dgm:linClrLst meth="repeat">
+      <a:schemeClr val="lt1"/>
+    </dgm:linClrLst>
+    <dgm:effectClrLst/>
+    <dgm:txLinClrLst/>
+    <dgm:txFillClrLst/>
+    <dgm:txEffectClrLst/>
+  </dgm:styleLbl>
+  <dgm:styleLbl name="fgImgPlace1">
+    <dgm:fillClrLst>
+      <a:schemeClr val="accent5">
+        <a:tint val="50000"/>
+      </a:schemeClr>
+      <a:schemeClr val="accent6">
+        <a:tint val="50000"/>
+      </a:schemeClr>
+    </dgm:fillClrLst>
+    <dgm:linClrLst meth="repeat">
+      <a:schemeClr val="lt1"/>
+    </dgm:linClrLst>
+    <dgm:effectClrLst/>
+    <dgm:txLinClrLst/>
+    <dgm:txFillClrLst meth="repeat">
+      <a:schemeClr val="lt1"/>
+    </dgm:txFillClrLst>
+    <dgm:txEffectClrLst/>
+  </dgm:styleLbl>
+  <dgm:styleLbl name="alignImgPlace1">
+    <dgm:fillClrLst>
+      <a:schemeClr val="accent5">
+        <a:tint val="50000"/>
+      </a:schemeClr>
+      <a:schemeClr val="accent6">
+        <a:tint val="20000"/>
+      </a:schemeClr>
+    </dgm:fillClrLst>
+    <dgm:linClrLst meth="repeat">
+      <a:schemeClr val="lt1"/>
+    </dgm:linClrLst>
+    <dgm:effectClrLst/>
+    <dgm:txLinClrLst/>
+    <dgm:txFillClrLst meth="repeat">
+      <a:schemeClr val="lt1"/>
+    </dgm:txFillClrLst>
+    <dgm:txEffectClrLst/>
+  </dgm:styleLbl>
+  <dgm:styleLbl name="bgImgPlace1">
+    <dgm:fillClrLst>
+      <a:schemeClr val="accent5">
+        <a:tint val="50000"/>
+      </a:schemeClr>
+      <a:schemeClr val="accent6">
+        <a:tint val="20000"/>
+      </a:schemeClr>
+    </dgm:fillClrLst>
+    <dgm:linClrLst meth="repeat">
+      <a:schemeClr val="lt1"/>
+    </dgm:linClrLst>
+    <dgm:effectClrLst/>
+    <dgm:txLinClrLst/>
+    <dgm:txFillClrLst meth="repeat">
+      <a:schemeClr val="lt1"/>
+    </dgm:txFillClrLst>
+    <dgm:txEffectClrLst/>
+  </dgm:styleLbl>
+  <dgm:styleLbl name="sibTrans2D1">
+    <dgm:fillClrLst>
+      <a:schemeClr val="accent5"/>
+      <a:schemeClr val="accent6"/>
+    </dgm:fillClrLst>
+    <dgm:linClrLst meth="repeat">
+      <a:schemeClr val="lt1"/>
+    </dgm:linClrLst>
+    <dgm:effectClrLst/>
+    <dgm:txLinClrLst/>
+    <dgm:txFillClrLst/>
+    <dgm:txEffectClrLst/>
+  </dgm:styleLbl>
+  <dgm:styleLbl name="fgSibTrans2D1">
+    <dgm:fillClrLst>
+      <a:schemeClr val="accent5"/>
+      <a:schemeClr val="accent6"/>
+    </dgm:fillClrLst>
+    <dgm:linClrLst meth="repeat">
+      <a:schemeClr val="lt1"/>
+    </dgm:linClrLst>
+    <dgm:effectClrLst/>
+    <dgm:txLinClrLst/>
+    <dgm:txFillClrLst meth="repeat">
+      <a:schemeClr val="lt1"/>
+    </dgm:txFillClrLst>
+    <dgm:txEffectClrLst/>
+  </dgm:styleLbl>
+  <dgm:styleLbl name="bgSibTrans2D1">
+    <dgm:fillClrLst>
+      <a:schemeClr val="accent5"/>
+      <a:schemeClr val="accent6"/>
+    </dgm:fillClrLst>
+    <dgm:linClrLst meth="repeat">
+      <a:schemeClr val="lt1"/>
+    </dgm:linClrLst>
+    <dgm:effectClrLst/>
+    <dgm:txLinClrLst/>
+    <dgm:txFillClrLst meth="repeat">
+      <a:schemeClr val="lt1"/>
+    </dgm:txFillClrLst>
+    <dgm:txEffectClrLst/>
+  </dgm:styleLbl>
+  <dgm:styleLbl name="sibTrans1D1">
+    <dgm:fillClrLst/>
+    <dgm:linClrLst>
+      <a:schemeClr val="accent5"/>
+      <a:schemeClr val="accent6"/>
+    </dgm:linClrLst>
+    <dgm:effectClrLst/>
+    <dgm:txLinClrLst/>
+    <dgm:txFillClrLst meth="repeat">
+      <a:schemeClr val="tx1"/>
+    </dgm:txFillClrLst>
+    <dgm:txEffectClrLst/>
+  </dgm:styleLbl>
+  <dgm:styleLbl name="callout">
+    <dgm:fillClrLst meth="repeat">
+      <a:schemeClr val="accent5"/>
+    </dgm:fillClrLst>
+    <dgm:linClrLst meth="repeat">
+      <a:schemeClr val="accent5">
+        <a:tint val="50000"/>
+      </a:schemeClr>
+    </dgm:linClrLst>
+    <dgm:effectClrLst/>
+    <dgm:txLinClrLst/>
+    <dgm:txFillClrLst meth="repeat">
+      <a:schemeClr val="tx1"/>
+    </dgm:txFillClrLst>
+    <dgm:txEffectClrLst/>
+  </dgm:styleLbl>
+  <dgm:styleLbl name="asst0">
+    <dgm:fillClrLst meth="repeat">
+      <a:schemeClr val="accent5"/>
+    </dgm:fillClrLst>
+    <dgm:linClrLst meth="repeat">
+      <a:schemeClr val="lt1">
+        <a:shade val="80000"/>
+      </a:schemeClr>
+    </dgm:linClrLst>
+    <dgm:effectClrLst/>
+    <dgm:txLinClrLst/>
+    <dgm:txFillClrLst/>
+    <dgm:txEffectClrLst/>
+  </dgm:styleLbl>
+  <dgm:styleLbl name="asst1">
+    <dgm:fillClrLst meth="repeat">
+      <a:schemeClr val="accent6"/>
+    </dgm:fillClrLst>
+    <dgm:linClrLst meth="repeat">
+      <a:schemeClr val="lt1">
+        <a:shade val="80000"/>
+      </a:schemeClr>
+    </dgm:linClrLst>
+    <dgm:effectClrLst/>
+    <dgm:txLinClrLst/>
+    <dgm:txFillClrLst/>
+    <dgm:txEffectClrLst/>
+  </dgm:styleLbl>
+  <dgm:styleLbl name="asst2">
+    <dgm:fillClrLst>
+      <a:schemeClr val="accent1"/>
+    </dgm:fillClrLst>
+    <dgm:linClrLst meth="repeat">
+      <a:schemeClr val="lt1"/>
+    </dgm:linClrLst>
+    <dgm:effectClrLst/>
+    <dgm:txLinClrLst/>
+    <dgm:txFillClrLst/>
+    <dgm:txEffectClrLst/>
+  </dgm:styleLbl>
+  <dgm:styleLbl name="asst3">
+    <dgm:fillClrLst>
+      <a:schemeClr val="accent2"/>
+    </dgm:fillClrLst>
+    <dgm:linClrLst meth="repeat">
+      <a:schemeClr val="lt1"/>
+    </dgm:linClrLst>
+    <dgm:effectClrLst/>
+    <dgm:txLinClrLst/>
+    <dgm:txFillClrLst/>
+    <dgm:txEffectClrLst/>
+  </dgm:styleLbl>
+  <dgm:styleLbl name="asst4">
+    <dgm:fillClrLst>
+      <a:schemeClr val="accent3"/>
+    </dgm:fillClrLst>
+    <dgm:linClrLst meth="repeat">
+      <a:schemeClr val="lt1"/>
+    </dgm:linClrLst>
+    <dgm:effectClrLst/>
+    <dgm:txLinClrLst/>
+    <dgm:txFillClrLst/>
+    <dgm:txEffectClrLst/>
+  </dgm:styleLbl>
+  <dgm:styleLbl name="parChTrans2D1">
+    <dgm:fillClrLst meth="repeat">
+      <a:schemeClr val="accent5"/>
+    </dgm:fillClrLst>
+    <dgm:linClrLst meth="repeat">
+      <a:schemeClr val="lt1"/>
+    </dgm:linClrLst>
+    <dgm:effectClrLst/>
+    <dgm:txLinClrLst/>
+    <dgm:txFillClrLst meth="repeat">
+      <a:schemeClr val="lt1"/>
+    </dgm:txFillClrLst>
+    <dgm:txEffectClrLst/>
+  </dgm:styleLbl>
+  <dgm:styleLbl name="parChTrans2D2">
+    <dgm:fillClrLst meth="repeat">
+      <a:schemeClr val="accent6"/>
+    </dgm:fillClrLst>
+    <dgm:linClrLst meth="repeat">
+      <a:schemeClr val="lt1"/>
+    </dgm:linClrLst>
+    <dgm:effectClrLst/>
+    <dgm:txLinClrLst/>
+    <dgm:txFillClrLst/>
+    <dgm:txEffectClrLst/>
+  </dgm:styleLbl>
+  <dgm:styleLbl name="parChTrans2D3">
+    <dgm:fillClrLst meth="repeat">
+      <a:schemeClr val="accent6"/>
+    </dgm:fillClrLst>
+    <dgm:linClrLst meth="repeat">
+      <a:schemeClr val="lt1"/>
+    </dgm:linClrLst>
+    <dgm:effectClrLst/>
+    <dgm:txLinClrLst/>
+    <dgm:txFillClrLst/>
+    <dgm:txEffectClrLst/>
+  </dgm:styleLbl>
+  <dgm:styleLbl name="parChTrans2D4">
+    <dgm:fillClrLst meth="repeat">
+      <a:schemeClr val="accent1"/>
+    </dgm:fillClrLst>
+    <dgm:linClrLst meth="repeat">
+      <a:schemeClr val="lt1"/>
+    </dgm:linClrLst>
+    <dgm:effectClrLst/>
+    <dgm:txLinClrLst/>
+    <dgm:txFillClrLst meth="repeat">
+      <a:schemeClr val="lt1"/>
+    </dgm:txFillClrLst>
+    <dgm:txEffectClrLst/>
+  </dgm:styleLbl>
+  <dgm:styleLbl name="parChTrans1D1">
+    <dgm:fillClrLst meth="repeat">
+      <a:schemeClr val="accent5"/>
+    </dgm:fillClrLst>
+    <dgm:linClrLst meth="repeat">
+      <a:schemeClr val="accent5"/>
+    </dgm:linClrLst>
+    <dgm:effectClrLst/>
+    <dgm:txLinClrLst/>
+    <dgm:txFillClrLst meth="repeat">
+      <a:schemeClr val="tx1"/>
+    </dgm:txFillClrLst>
+    <dgm:txEffectClrLst/>
+  </dgm:styleLbl>
+  <dgm:styleLbl name="parChTrans1D2">
+    <dgm:fillClrLst meth="repeat">
+      <a:schemeClr val="accent6">
+        <a:tint val="90000"/>
+      </a:schemeClr>
+    </dgm:fillClrLst>
+    <dgm:linClrLst meth="repeat">
+      <a:schemeClr val="accent6"/>
+    </dgm:linClrLst>
+    <dgm:effectClrLst/>
+    <dgm:txLinClrLst/>
+    <dgm:txFillClrLst meth="repeat">
+      <a:schemeClr val="tx1"/>
+    </dgm:txFillClrLst>
+    <dgm:txEffectClrLst/>
+  </dgm:styleLbl>
+  <dgm:styleLbl name="parChTrans1D3">
+    <dgm:fillClrLst meth="repeat">
+      <a:schemeClr val="accent6">
+        <a:tint val="70000"/>
+      </a:schemeClr>
+    </dgm:fillClrLst>
+    <dgm:linClrLst meth="repeat">
+      <a:schemeClr val="accent1"/>
+    </dgm:linClrLst>
+    <dgm:effectClrLst/>
+    <dgm:txLinClrLst/>
+    <dgm:txFillClrLst meth="repeat">
+      <a:schemeClr val="tx1"/>
+    </dgm:txFillClrLst>
+    <dgm:txEffectClrLst/>
+  </dgm:styleLbl>
+  <dgm:styleLbl name="parChTrans1D4">
+    <dgm:fillClrLst meth="repeat">
+      <a:schemeClr val="accent6">
+        <a:tint val="50000"/>
+      </a:schemeClr>
+    </dgm:fillClrLst>
+    <dgm:linClrLst meth="repeat">
+      <a:schemeClr val="accent2"/>
+    </dgm:linClrLst>
+    <dgm:effectClrLst/>
+    <dgm:txLinClrLst/>
+    <dgm:txFillClrLst meth="repeat">
+      <a:schemeClr val="tx1"/>
+    </dgm:txFillClrLst>
+    <dgm:txEffectClrLst/>
+  </dgm:styleLbl>
+  <dgm:styleLbl name="fgAcc1">
+    <dgm:fillClrLst meth="repeat">
+      <a:schemeClr val="lt1">
+        <a:alpha val="90000"/>
+      </a:schemeClr>
+    </dgm:fillClrLst>
+    <dgm:linClrLst>
+      <a:schemeClr val="accent5"/>
+      <a:schemeClr val="accent6"/>
+    </dgm:linClrLst>
+    <dgm:effectClrLst/>
+    <dgm:txLinClrLst/>
+    <dgm:txFillClrLst meth="repeat">
+      <a:schemeClr val="dk1"/>
+    </dgm:txFillClrLst>
+    <dgm:txEffectClrLst/>
+  </dgm:styleLbl>
+  <dgm:styleLbl name="conFgAcc1">
+    <dgm:fillClrLst meth="repeat">
+      <a:schemeClr val="lt1">
+        <a:alpha val="90000"/>
+      </a:schemeClr>
+    </dgm:fillClrLst>
+    <dgm:linClrLst>
+      <a:schemeClr val="accent5"/>
+      <a:schemeClr val="accent6"/>
+    </dgm:linClrLst>
+    <dgm:effectClrLst/>
+    <dgm:txLinClrLst/>
+    <dgm:txFillClrLst meth="repeat">
+      <a:schemeClr val="dk1"/>
+    </dgm:txFillClrLst>
+    <dgm:txEffectClrLst/>
+  </dgm:styleLbl>
+  <dgm:styleLbl name="alignAcc1">
+    <dgm:fillClrLst meth="repeat">
+      <a:schemeClr val="lt1">
+        <a:alpha val="90000"/>
+      </a:schemeClr>
+    </dgm:fillClrLst>
+    <dgm:linClrLst>
+      <a:schemeClr val="accent5"/>
+      <a:schemeClr val="accent6"/>
+    </dgm:linClrLst>
+    <dgm:effectClrLst/>
+    <dgm:txLinClrLst/>
+    <dgm:txFillClrLst meth="repeat">
+      <a:schemeClr val="dk1"/>
+    </dgm:txFillClrLst>
+    <dgm:txEffectClrLst/>
+  </dgm:styleLbl>
+  <dgm:styleLbl name="trAlignAcc1">
+    <dgm:fillClrLst meth="repeat">
+      <a:schemeClr val="lt1">
+        <a:alpha val="40000"/>
+      </a:schemeClr>
+    </dgm:fillClrLst>
+    <dgm:linClrLst meth="repeat">
+      <a:schemeClr val="accent5"/>
+    </dgm:linClrLst>
+    <dgm:effectClrLst/>
+    <dgm:txLinClrLst/>
+    <dgm:txFillClrLst meth="repeat">
+      <a:schemeClr val="dk1"/>
+    </dgm:txFillClrLst>
+    <dgm:txEffectClrLst/>
+  </dgm:styleLbl>
+  <dgm:styleLbl name="bgAcc1">
+    <dgm:fillClrLst meth="repeat">
+      <a:schemeClr val="lt1">
+        <a:alpha val="90000"/>
+      </a:schemeClr>
+    </dgm:fillClrLst>
+    <dgm:linClrLst>
+      <a:schemeClr val="accent5"/>
+      <a:schemeClr val="accent6"/>
+    </dgm:linClrLst>
+    <dgm:effectClrLst/>
+    <dgm:txLinClrLst/>
+    <dgm:txFillClrLst meth="repeat">
+      <a:schemeClr val="dk1"/>
+    </dgm:txFillClrLst>
+    <dgm:txEffectClrLst/>
+  </dgm:styleLbl>
+  <dgm:styleLbl name="solidFgAcc1">
+    <dgm:fillClrLst meth="repeat">
+      <a:schemeClr val="lt1"/>
+    </dgm:fillClrLst>
+    <dgm:linClrLst>
+      <a:schemeClr val="accent5"/>
+      <a:schemeClr val="accent6"/>
+    </dgm:linClrLst>
+    <dgm:effectClrLst/>
+    <dgm:txLinClrLst/>
+    <dgm:txFillClrLst meth="repeat">
+      <a:schemeClr val="dk1"/>
+    </dgm:txFillClrLst>
+    <dgm:txEffectClrLst/>
+  </dgm:styleLbl>
+  <dgm:styleLbl name="solidAlignAcc1">
+    <dgm:fillClrLst meth="repeat">
+      <a:schemeClr val="lt1"/>
+    </dgm:fillClrLst>
+    <dgm:linClrLst>
+      <a:schemeClr val="accent5"/>
+      <a:schemeClr val="accent6"/>
+    </dgm:linClrLst>
+    <dgm:effectClrLst/>
+    <dgm:txLinClrLst/>
+    <dgm:txFillClrLst meth="repeat">
+      <a:schemeClr val="dk1"/>
+    </dgm:txFillClrLst>
+    <dgm:txEffectClrLst/>
+  </dgm:styleLbl>
+  <dgm:styleLbl name="solidBgAcc1">
+    <dgm:fillClrLst meth="repeat">
+      <a:schemeClr val="lt1"/>
+    </dgm:fillClrLst>
+    <dgm:linClrLst>
+      <a:schemeClr val="accent5"/>
+      <a:schemeClr val="accent6"/>
+    </dgm:linClrLst>
+    <dgm:effectClrLst/>
+    <dgm:txLinClrLst/>
+    <dgm:txFillClrLst meth="repeat">
+      <a:schemeClr val="dk1"/>
+    </dgm:txFillClrLst>
+    <dgm:txEffectClrLst/>
+  </dgm:styleLbl>
+  <dgm:styleLbl name="fgAccFollowNode1">
+    <dgm:fillClrLst>
+      <a:schemeClr val="accent5">
+        <a:tint val="40000"/>
+        <a:alpha val="90000"/>
+      </a:schemeClr>
+      <a:schemeClr val="accent6">
+        <a:tint val="40000"/>
+        <a:alpha val="90000"/>
+      </a:schemeClr>
+    </dgm:fillClrLst>
+    <dgm:linClrLst>
+      <a:schemeClr val="accent5">
+        <a:tint val="40000"/>
+        <a:alpha val="90000"/>
+      </a:schemeClr>
+      <a:schemeClr val="accent5">
+        <a:tint val="40000"/>
+        <a:alpha val="90000"/>
+      </a:schemeClr>
+    </dgm:linClrLst>
+    <dgm:effectClrLst/>
+    <dgm:txLinClrLst/>
+    <dgm:txFillClrLst meth="repeat">
+      <a:schemeClr val="dk1"/>
+    </dgm:txFillClrLst>
+    <dgm:txEffectClrLst/>
+  </dgm:styleLbl>
+  <dgm:styleLbl name="alignAccFollowNode1">
+    <dgm:fillClrLst>
+      <a:schemeClr val="accent5">
+        <a:tint val="40000"/>
+        <a:alpha val="90000"/>
+      </a:schemeClr>
+      <a:schemeClr val="accent6">
+        <a:tint val="40000"/>
+        <a:alpha val="90000"/>
+      </a:schemeClr>
+    </dgm:fillClrLst>
+    <dgm:linClrLst>
+      <a:schemeClr val="accent5">
+        <a:tint val="40000"/>
+        <a:alpha val="90000"/>
+      </a:schemeClr>
+      <a:schemeClr val="accent6">
+        <a:tint val="40000"/>
+        <a:alpha val="90000"/>
+      </a:schemeClr>
+    </dgm:linClrLst>
+    <dgm:effectClrLst/>
+    <dgm:txLinClrLst/>
+    <dgm:txFillClrLst meth="repeat">
+      <a:schemeClr val="dk1"/>
+    </dgm:txFillClrLst>
+    <dgm:txEffectClrLst/>
+  </dgm:styleLbl>
+  <dgm:styleLbl name="bgAccFollowNode1">
+    <dgm:fillClrLst>
+      <a:schemeClr val="accent5">
+        <a:tint val="40000"/>
+        <a:alpha val="90000"/>
+      </a:schemeClr>
+      <a:schemeClr val="accent6">
+        <a:tint val="40000"/>
+        <a:alpha val="90000"/>
+      </a:schemeClr>
+    </dgm:fillClrLst>
+    <dgm:linClrLst>
+      <a:schemeClr val="accent5">
+        <a:tint val="40000"/>
+        <a:alpha val="90000"/>
+      </a:schemeClr>
+      <a:schemeClr val="accent6">
+        <a:tint val="40000"/>
+        <a:alpha val="90000"/>
+      </a:schemeClr>
+    </dgm:linClrLst>
+    <dgm:effectClrLst/>
+    <dgm:txLinClrLst/>
+    <dgm:txFillClrLst meth="repeat">
+      <a:schemeClr val="dk1"/>
+    </dgm:txFillClrLst>
+    <dgm:txEffectClrLst/>
+  </dgm:styleLbl>
+  <dgm:styleLbl name="fgAcc0">
+    <dgm:fillClrLst meth="repeat">
+      <a:schemeClr val="lt1">
+        <a:alpha val="90000"/>
+      </a:schemeClr>
+    </dgm:fillClrLst>
+    <dgm:linClrLst>
+      <a:schemeClr val="accent4"/>
+    </dgm:linClrLst>
+    <dgm:effectClrLst/>
+    <dgm:txLinClrLst/>
+    <dgm:txFillClrLst meth="repeat">
+      <a:schemeClr val="dk1"/>
+    </dgm:txFillClrLst>
+    <dgm:txEffectClrLst/>
+  </dgm:styleLbl>
+  <dgm:styleLbl name="fgAcc2">
+    <dgm:fillClrLst meth="repeat">
+      <a:schemeClr val="lt1">
+        <a:alpha val="90000"/>
+      </a:schemeClr>
+    </dgm:fillClrLst>
+    <dgm:linClrLst>
+      <a:schemeClr val="accent6"/>
+    </dgm:linClrLst>
+    <dgm:effectClrLst/>
+    <dgm:txLinClrLst/>
+    <dgm:txFillClrLst meth="repeat">
+      <a:schemeClr val="dk1"/>
+    </dgm:txFillClrLst>
+    <dgm:txEffectClrLst/>
+  </dgm:styleLbl>
+  <dgm:styleLbl name="fgAcc3">
+    <dgm:fillClrLst meth="repeat">
+      <a:schemeClr val="lt1">
+        <a:alpha val="90000"/>
+      </a:schemeClr>
+    </dgm:fillClrLst>
+    <dgm:linClrLst>
+      <a:schemeClr val="accent1"/>
+    </dgm:linClrLst>
+    <dgm:effectClrLst/>
+    <dgm:txLinClrLst/>
+    <dgm:txFillClrLst meth="repeat">
+      <a:schemeClr val="dk1"/>
+    </dgm:txFillClrLst>
+    <dgm:txEffectClrLst/>
+  </dgm:styleLbl>
+  <dgm:styleLbl name="fgAcc4">
+    <dgm:fillClrLst meth="repeat">
+      <a:schemeClr val="lt1">
+        <a:alpha val="90000"/>
+      </a:schemeClr>
+    </dgm:fillClrLst>
+    <dgm:linClrLst>
+      <a:schemeClr val="accent2"/>
+    </dgm:linClrLst>
+    <dgm:effectClrLst/>
+    <dgm:txLinClrLst/>
+    <dgm:txFillClrLst meth="repeat">
+      <a:schemeClr val="dk1"/>
+    </dgm:txFillClrLst>
+    <dgm:txEffectClrLst/>
+  </dgm:styleLbl>
+  <dgm:styleLbl name="bgShp">
+    <dgm:fillClrLst meth="repeat">
+      <a:schemeClr val="accent5">
+        <a:tint val="40000"/>
+      </a:schemeClr>
+    </dgm:fillClrLst>
+    <dgm:linClrLst meth="repeat">
+      <a:schemeClr val="dk1"/>
+    </dgm:linClrLst>
+    <dgm:effectClrLst/>
+    <dgm:txLinClrLst/>
+    <dgm:txFillClrLst meth="repeat">
+      <a:schemeClr val="dk1"/>
+    </dgm:txFillClrLst>
+    <dgm:txEffectClrLst/>
+  </dgm:styleLbl>
+  <dgm:styleLbl name="dkBgShp">
+    <dgm:fillClrLst meth="repeat">
+      <a:schemeClr val="accent5">
+        <a:shade val="90000"/>
+      </a:schemeClr>
+    </dgm:fillClrLst>
+    <dgm:linClrLst meth="repeat">
+      <a:schemeClr val="dk1"/>
+    </dgm:linClrLst>
+    <dgm:effectClrLst/>
+    <dgm:txLinClrLst/>
+    <dgm:txFillClrLst meth="repeat">
+      <a:schemeClr val="lt1"/>
+    </dgm:txFillClrLst>
+    <dgm:txEffectClrLst/>
+  </dgm:styleLbl>
+  <dgm:styleLbl name="trBgShp">
+    <dgm:fillClrLst meth="repeat">
+      <a:schemeClr val="accent5">
+        <a:tint val="50000"/>
+        <a:alpha val="40000"/>
+      </a:schemeClr>
+    </dgm:fillClrLst>
+    <dgm:linClrLst meth="repeat">
+      <a:schemeClr val="accent5"/>
+    </dgm:linClrLst>
+    <dgm:effectClrLst/>
+    <dgm:txLinClrLst/>
+    <dgm:txFillClrLst meth="repeat">
+      <a:schemeClr val="lt1"/>
+    </dgm:txFillClrLst>
+    <dgm:txEffectClrLst/>
+  </dgm:styleLbl>
+  <dgm:styleLbl name="fgShp">
+    <dgm:fillClrLst meth="repeat">
+      <a:schemeClr val="accent5">
+        <a:tint val="40000"/>
       </a:schemeClr>
     </dgm:fillClrLst>
     <dgm:linClrLst meth="repeat">
@@ -2981,6 +4420,7 @@
               </a:ext>
             </a:extLst>
           </a:blip>
+          <a:srcRect/>
           <a:stretch>
             <a:fillRect/>
           </a:stretch>
@@ -2988,7 +4428,7 @@
       </dgm:spPr>
       <dgm:extLst>
         <a:ext uri="{E40237B7-FDA0-4F09-8148-C483321AD2D9}">
-          <dgm14:cNvPr xmlns:dgm14="http://schemas.microsoft.com/office/drawing/2010/diagram" id="0" name="" descr="Web Design"/>
+          <dgm14:cNvPr xmlns:dgm14="http://schemas.microsoft.com/office/drawing/2010/diagram" id="0" name="" descr="Programmer female outline"/>
         </a:ext>
       </dgm:extLst>
     </dgm:pt>
@@ -3031,6 +4471,335 @@
   <dgm:extLst>
     <a:ext uri="http://schemas.microsoft.com/office/drawing/2008/diagram">
       <dsp:dataModelExt xmlns:dsp="http://schemas.microsoft.com/office/drawing/2008/diagram" relId="rId7" minVer="http://schemas.openxmlformats.org/drawingml/2006/diagram"/>
+    </a:ext>
+  </dgm:extLst>
+</dgm:dataModel>
+</file>
+
+<file path=ppt/diagrams/data2.xml><?xml version="1.0" encoding="utf-8"?>
+<dgm:dataModel xmlns:dgm="http://schemas.openxmlformats.org/drawingml/2006/diagram" xmlns:a="http://schemas.openxmlformats.org/drawingml/2006/main">
+  <dgm:ptLst>
+    <dgm:pt modelId="{5D909CC2-5CED-4038-98B5-0ACF825B07E6}" type="doc">
+      <dgm:prSet loTypeId="urn:microsoft.com/office/officeart/2005/8/layout/default" loCatId="list" qsTypeId="urn:microsoft.com/office/officeart/2005/8/quickstyle/simple1" qsCatId="simple" csTypeId="urn:microsoft.com/office/officeart/2005/8/colors/colorful5" csCatId="colorful"/>
+      <dgm:spPr/>
+      <dgm:t>
+        <a:bodyPr/>
+        <a:lstStyle/>
+        <a:p>
+          <a:endParaRPr lang="en-US"/>
+        </a:p>
+      </dgm:t>
+    </dgm:pt>
+    <dgm:pt modelId="{154397E0-B41F-44D0-92B9-BB8E3A8FF207}">
+      <dgm:prSet/>
+      <dgm:spPr/>
+      <dgm:t>
+        <a:bodyPr/>
+        <a:lstStyle/>
+        <a:p>
+          <a:r>
+            <a:rPr lang="en-IN" b="1" i="0" dirty="0"/>
+            <a:t>Core Python: </a:t>
+          </a:r>
+          <a:r>
+            <a:rPr lang="en-IN" b="0" i="0" dirty="0"/>
+            <a:t>Understanding the fundamentals of Python programming language.</a:t>
+          </a:r>
+          <a:endParaRPr lang="en-US" dirty="0"/>
+        </a:p>
+      </dgm:t>
+    </dgm:pt>
+    <dgm:pt modelId="{BC86061A-F5F4-4521-8662-84ED8DB07A98}" type="parTrans" cxnId="{82153FBE-FB98-40FF-B259-D7E40DB41595}">
+      <dgm:prSet/>
+      <dgm:spPr/>
+      <dgm:t>
+        <a:bodyPr/>
+        <a:lstStyle/>
+        <a:p>
+          <a:endParaRPr lang="en-US"/>
+        </a:p>
+      </dgm:t>
+    </dgm:pt>
+    <dgm:pt modelId="{5BC471CD-8C3C-4F7A-8560-C694F782F184}" type="sibTrans" cxnId="{82153FBE-FB98-40FF-B259-D7E40DB41595}">
+      <dgm:prSet/>
+      <dgm:spPr/>
+      <dgm:t>
+        <a:bodyPr/>
+        <a:lstStyle/>
+        <a:p>
+          <a:endParaRPr lang="en-US"/>
+        </a:p>
+      </dgm:t>
+    </dgm:pt>
+    <dgm:pt modelId="{5FA172F3-4756-45FE-A04B-A6D6DF0F7D86}">
+      <dgm:prSet/>
+      <dgm:spPr/>
+      <dgm:t>
+        <a:bodyPr/>
+        <a:lstStyle/>
+        <a:p>
+          <a:r>
+            <a:rPr lang="en-IN" b="1" i="0" dirty="0" err="1"/>
+            <a:t>Tkinter</a:t>
+          </a:r>
+          <a:r>
+            <a:rPr lang="en-IN" b="1" i="0" dirty="0"/>
+            <a:t> Library: </a:t>
+          </a:r>
+          <a:r>
+            <a:rPr lang="en-IN" b="0" i="0" dirty="0"/>
+            <a:t>Learning to use </a:t>
+          </a:r>
+          <a:r>
+            <a:rPr lang="en-IN" b="0" i="0" dirty="0" err="1"/>
+            <a:t>Tkinter</a:t>
+          </a:r>
+          <a:r>
+            <a:rPr lang="en-IN" b="0" i="0" dirty="0"/>
+            <a:t> for creating GUI applications in Python.</a:t>
+          </a:r>
+          <a:endParaRPr lang="en-US" dirty="0"/>
+        </a:p>
+      </dgm:t>
+    </dgm:pt>
+    <dgm:pt modelId="{362AC45E-F733-45A4-9A58-F0752DE569B1}" type="parTrans" cxnId="{C89209B0-CC51-447A-BE8D-67544612B5F7}">
+      <dgm:prSet/>
+      <dgm:spPr/>
+      <dgm:t>
+        <a:bodyPr/>
+        <a:lstStyle/>
+        <a:p>
+          <a:endParaRPr lang="en-US"/>
+        </a:p>
+      </dgm:t>
+    </dgm:pt>
+    <dgm:pt modelId="{5B5A4D7E-B435-4B15-833A-DBDD21307F03}" type="sibTrans" cxnId="{C89209B0-CC51-447A-BE8D-67544612B5F7}">
+      <dgm:prSet/>
+      <dgm:spPr/>
+      <dgm:t>
+        <a:bodyPr/>
+        <a:lstStyle/>
+        <a:p>
+          <a:endParaRPr lang="en-US"/>
+        </a:p>
+      </dgm:t>
+    </dgm:pt>
+    <dgm:pt modelId="{F27D8CCD-E000-48AA-8936-8CFFC039FC3B}">
+      <dgm:prSet/>
+      <dgm:spPr/>
+      <dgm:t>
+        <a:bodyPr/>
+        <a:lstStyle/>
+        <a:p>
+          <a:r>
+            <a:rPr lang="en-IN" b="1" i="0" dirty="0"/>
+            <a:t>Visual Studio Code (IDE): </a:t>
+          </a:r>
+          <a:r>
+            <a:rPr lang="en-IN" b="0" i="0" dirty="0"/>
+            <a:t>Working with an integrated development environment for Python programming.</a:t>
+          </a:r>
+          <a:endParaRPr lang="en-US" dirty="0"/>
+        </a:p>
+      </dgm:t>
+    </dgm:pt>
+    <dgm:pt modelId="{38E450E6-F497-449B-A3D0-5BB9DC815231}" type="parTrans" cxnId="{7B12F7EE-3819-43A9-9CB6-3CFB3D5F77A9}">
+      <dgm:prSet/>
+      <dgm:spPr/>
+      <dgm:t>
+        <a:bodyPr/>
+        <a:lstStyle/>
+        <a:p>
+          <a:endParaRPr lang="en-US"/>
+        </a:p>
+      </dgm:t>
+    </dgm:pt>
+    <dgm:pt modelId="{429EBED4-4886-4AFC-B1D3-DB2CBCE2ADD2}" type="sibTrans" cxnId="{7B12F7EE-3819-43A9-9CB6-3CFB3D5F77A9}">
+      <dgm:prSet/>
+      <dgm:spPr/>
+      <dgm:t>
+        <a:bodyPr/>
+        <a:lstStyle/>
+        <a:p>
+          <a:endParaRPr lang="en-US"/>
+        </a:p>
+      </dgm:t>
+    </dgm:pt>
+    <dgm:pt modelId="{F9CD664E-EAA4-4E21-84DB-3E21AC9AE70E}">
+      <dgm:prSet/>
+      <dgm:spPr/>
+      <dgm:t>
+        <a:bodyPr/>
+        <a:lstStyle/>
+        <a:p>
+          <a:r>
+            <a:rPr lang="en-IN" b="1" i="0" dirty="0"/>
+            <a:t>GitHub: </a:t>
+          </a:r>
+          <a:r>
+            <a:rPr lang="en-IN" b="0" i="0" dirty="0"/>
+            <a:t>Managing and sharing code using version control.</a:t>
+          </a:r>
+          <a:endParaRPr lang="en-US" dirty="0"/>
+        </a:p>
+      </dgm:t>
+    </dgm:pt>
+    <dgm:pt modelId="{6615077F-9354-4D51-ABF7-6AACCDFF51F0}" type="parTrans" cxnId="{E8F083E6-AF3E-4405-A1AB-408D0D0728B8}">
+      <dgm:prSet/>
+      <dgm:spPr/>
+      <dgm:t>
+        <a:bodyPr/>
+        <a:lstStyle/>
+        <a:p>
+          <a:endParaRPr lang="en-US"/>
+        </a:p>
+      </dgm:t>
+    </dgm:pt>
+    <dgm:pt modelId="{B28B2FB8-EB46-43C9-AEBF-60A749E17F86}" type="sibTrans" cxnId="{E8F083E6-AF3E-4405-A1AB-408D0D0728B8}">
+      <dgm:prSet/>
+      <dgm:spPr/>
+      <dgm:t>
+        <a:bodyPr/>
+        <a:lstStyle/>
+        <a:p>
+          <a:endParaRPr lang="en-US"/>
+        </a:p>
+      </dgm:t>
+    </dgm:pt>
+    <dgm:pt modelId="{814527C7-BAB5-414E-98ED-4AB59578D5C0}">
+      <dgm:prSet/>
+      <dgm:spPr/>
+      <dgm:t>
+        <a:bodyPr/>
+        <a:lstStyle/>
+        <a:p>
+          <a:r>
+            <a:rPr lang="en-IN" b="1" i="0" dirty="0"/>
+            <a:t>Application Development: </a:t>
+          </a:r>
+          <a:r>
+            <a:rPr lang="en-IN" b="0" i="0" dirty="0"/>
+            <a:t>Developing a functional calculator application using Python.</a:t>
+          </a:r>
+          <a:endParaRPr lang="en-US" dirty="0"/>
+        </a:p>
+      </dgm:t>
+    </dgm:pt>
+    <dgm:pt modelId="{E4B82790-6D83-4760-AD8F-F1A523142B45}" type="parTrans" cxnId="{FE59AD93-0B83-4C4F-AAB7-6CE28D5CD9BA}">
+      <dgm:prSet/>
+      <dgm:spPr/>
+      <dgm:t>
+        <a:bodyPr/>
+        <a:lstStyle/>
+        <a:p>
+          <a:endParaRPr lang="en-US"/>
+        </a:p>
+      </dgm:t>
+    </dgm:pt>
+    <dgm:pt modelId="{E454906B-42D5-488C-94C7-5A9B2E1721DE}" type="sibTrans" cxnId="{FE59AD93-0B83-4C4F-AAB7-6CE28D5CD9BA}">
+      <dgm:prSet/>
+      <dgm:spPr/>
+      <dgm:t>
+        <a:bodyPr/>
+        <a:lstStyle/>
+        <a:p>
+          <a:endParaRPr lang="en-US"/>
+        </a:p>
+      </dgm:t>
+    </dgm:pt>
+    <dgm:pt modelId="{0F1368D0-0148-4021-B19B-17204AE1566D}" type="pres">
+      <dgm:prSet presAssocID="{5D909CC2-5CED-4038-98B5-0ACF825B07E6}" presName="diagram" presStyleCnt="0">
+        <dgm:presLayoutVars>
+          <dgm:dir/>
+          <dgm:resizeHandles val="exact"/>
+        </dgm:presLayoutVars>
+      </dgm:prSet>
+      <dgm:spPr/>
+    </dgm:pt>
+    <dgm:pt modelId="{22DDB7DA-8721-4F3B-9DC4-37C42A69F306}" type="pres">
+      <dgm:prSet presAssocID="{154397E0-B41F-44D0-92B9-BB8E3A8FF207}" presName="node" presStyleLbl="node1" presStyleIdx="0" presStyleCnt="5">
+        <dgm:presLayoutVars>
+          <dgm:bulletEnabled val="1"/>
+        </dgm:presLayoutVars>
+      </dgm:prSet>
+      <dgm:spPr/>
+    </dgm:pt>
+    <dgm:pt modelId="{BDF63CBB-236C-43E2-8041-866CC928EC55}" type="pres">
+      <dgm:prSet presAssocID="{5BC471CD-8C3C-4F7A-8560-C694F782F184}" presName="sibTrans" presStyleCnt="0"/>
+      <dgm:spPr/>
+    </dgm:pt>
+    <dgm:pt modelId="{A168AE05-CCA4-4314-84EE-9115F767F6F5}" type="pres">
+      <dgm:prSet presAssocID="{5FA172F3-4756-45FE-A04B-A6D6DF0F7D86}" presName="node" presStyleLbl="node1" presStyleIdx="1" presStyleCnt="5">
+        <dgm:presLayoutVars>
+          <dgm:bulletEnabled val="1"/>
+        </dgm:presLayoutVars>
+      </dgm:prSet>
+      <dgm:spPr/>
+    </dgm:pt>
+    <dgm:pt modelId="{7F3DC619-A163-4E86-ABA8-AF20169F7AD6}" type="pres">
+      <dgm:prSet presAssocID="{5B5A4D7E-B435-4B15-833A-DBDD21307F03}" presName="sibTrans" presStyleCnt="0"/>
+      <dgm:spPr/>
+    </dgm:pt>
+    <dgm:pt modelId="{953555D5-9846-41B3-B9FF-87A1F2B5E53A}" type="pres">
+      <dgm:prSet presAssocID="{F27D8CCD-E000-48AA-8936-8CFFC039FC3B}" presName="node" presStyleLbl="node1" presStyleIdx="2" presStyleCnt="5">
+        <dgm:presLayoutVars>
+          <dgm:bulletEnabled val="1"/>
+        </dgm:presLayoutVars>
+      </dgm:prSet>
+      <dgm:spPr/>
+    </dgm:pt>
+    <dgm:pt modelId="{0ECF7334-1D86-4DF3-8D3B-835C4B2969F9}" type="pres">
+      <dgm:prSet presAssocID="{429EBED4-4886-4AFC-B1D3-DB2CBCE2ADD2}" presName="sibTrans" presStyleCnt="0"/>
+      <dgm:spPr/>
+    </dgm:pt>
+    <dgm:pt modelId="{757243E9-53CA-4804-849E-D95F92C0EAB6}" type="pres">
+      <dgm:prSet presAssocID="{F9CD664E-EAA4-4E21-84DB-3E21AC9AE70E}" presName="node" presStyleLbl="node1" presStyleIdx="3" presStyleCnt="5">
+        <dgm:presLayoutVars>
+          <dgm:bulletEnabled val="1"/>
+        </dgm:presLayoutVars>
+      </dgm:prSet>
+      <dgm:spPr/>
+    </dgm:pt>
+    <dgm:pt modelId="{B0ED933F-BBA3-4617-BC22-7C7163EC26B3}" type="pres">
+      <dgm:prSet presAssocID="{B28B2FB8-EB46-43C9-AEBF-60A749E17F86}" presName="sibTrans" presStyleCnt="0"/>
+      <dgm:spPr/>
+    </dgm:pt>
+    <dgm:pt modelId="{DB017D81-E969-47C2-929E-A3FA246BCE84}" type="pres">
+      <dgm:prSet presAssocID="{814527C7-BAB5-414E-98ED-4AB59578D5C0}" presName="node" presStyleLbl="node1" presStyleIdx="4" presStyleCnt="5">
+        <dgm:presLayoutVars>
+          <dgm:bulletEnabled val="1"/>
+        </dgm:presLayoutVars>
+      </dgm:prSet>
+      <dgm:spPr/>
+    </dgm:pt>
+  </dgm:ptLst>
+  <dgm:cxnLst>
+    <dgm:cxn modelId="{AF53541A-9DF5-4569-B303-649FD08288E9}" type="presOf" srcId="{F9CD664E-EAA4-4E21-84DB-3E21AC9AE70E}" destId="{757243E9-53CA-4804-849E-D95F92C0EAB6}" srcOrd="0" destOrd="0" presId="urn:microsoft.com/office/officeart/2005/8/layout/default"/>
+    <dgm:cxn modelId="{AEC5B82E-432C-499F-900B-6A3EB189C131}" type="presOf" srcId="{814527C7-BAB5-414E-98ED-4AB59578D5C0}" destId="{DB017D81-E969-47C2-929E-A3FA246BCE84}" srcOrd="0" destOrd="0" presId="urn:microsoft.com/office/officeart/2005/8/layout/default"/>
+    <dgm:cxn modelId="{6788596B-5313-4447-BDE6-01814CD0CB07}" type="presOf" srcId="{5D909CC2-5CED-4038-98B5-0ACF825B07E6}" destId="{0F1368D0-0148-4021-B19B-17204AE1566D}" srcOrd="0" destOrd="0" presId="urn:microsoft.com/office/officeart/2005/8/layout/default"/>
+    <dgm:cxn modelId="{FE59AD93-0B83-4C4F-AAB7-6CE28D5CD9BA}" srcId="{5D909CC2-5CED-4038-98B5-0ACF825B07E6}" destId="{814527C7-BAB5-414E-98ED-4AB59578D5C0}" srcOrd="4" destOrd="0" parTransId="{E4B82790-6D83-4760-AD8F-F1A523142B45}" sibTransId="{E454906B-42D5-488C-94C7-5A9B2E1721DE}"/>
+    <dgm:cxn modelId="{BB93189C-20B9-4ACC-9C2F-FEADA6DB6FA1}" type="presOf" srcId="{5FA172F3-4756-45FE-A04B-A6D6DF0F7D86}" destId="{A168AE05-CCA4-4314-84EE-9115F767F6F5}" srcOrd="0" destOrd="0" presId="urn:microsoft.com/office/officeart/2005/8/layout/default"/>
+    <dgm:cxn modelId="{C89209B0-CC51-447A-BE8D-67544612B5F7}" srcId="{5D909CC2-5CED-4038-98B5-0ACF825B07E6}" destId="{5FA172F3-4756-45FE-A04B-A6D6DF0F7D86}" srcOrd="1" destOrd="0" parTransId="{362AC45E-F733-45A4-9A58-F0752DE569B1}" sibTransId="{5B5A4D7E-B435-4B15-833A-DBDD21307F03}"/>
+    <dgm:cxn modelId="{82153FBE-FB98-40FF-B259-D7E40DB41595}" srcId="{5D909CC2-5CED-4038-98B5-0ACF825B07E6}" destId="{154397E0-B41F-44D0-92B9-BB8E3A8FF207}" srcOrd="0" destOrd="0" parTransId="{BC86061A-F5F4-4521-8662-84ED8DB07A98}" sibTransId="{5BC471CD-8C3C-4F7A-8560-C694F782F184}"/>
+    <dgm:cxn modelId="{825273CC-1B68-40B9-BE1A-F5C2D0513929}" type="presOf" srcId="{F27D8CCD-E000-48AA-8936-8CFFC039FC3B}" destId="{953555D5-9846-41B3-B9FF-87A1F2B5E53A}" srcOrd="0" destOrd="0" presId="urn:microsoft.com/office/officeart/2005/8/layout/default"/>
+    <dgm:cxn modelId="{E8F083E6-AF3E-4405-A1AB-408D0D0728B8}" srcId="{5D909CC2-5CED-4038-98B5-0ACF825B07E6}" destId="{F9CD664E-EAA4-4E21-84DB-3E21AC9AE70E}" srcOrd="3" destOrd="0" parTransId="{6615077F-9354-4D51-ABF7-6AACCDFF51F0}" sibTransId="{B28B2FB8-EB46-43C9-AEBF-60A749E17F86}"/>
+    <dgm:cxn modelId="{7B12F7EE-3819-43A9-9CB6-3CFB3D5F77A9}" srcId="{5D909CC2-5CED-4038-98B5-0ACF825B07E6}" destId="{F27D8CCD-E000-48AA-8936-8CFFC039FC3B}" srcOrd="2" destOrd="0" parTransId="{38E450E6-F497-449B-A3D0-5BB9DC815231}" sibTransId="{429EBED4-4886-4AFC-B1D3-DB2CBCE2ADD2}"/>
+    <dgm:cxn modelId="{DAB73AFF-9EE5-4905-9BA1-B92BB399B453}" type="presOf" srcId="{154397E0-B41F-44D0-92B9-BB8E3A8FF207}" destId="{22DDB7DA-8721-4F3B-9DC4-37C42A69F306}" srcOrd="0" destOrd="0" presId="urn:microsoft.com/office/officeart/2005/8/layout/default"/>
+    <dgm:cxn modelId="{5D944A46-8551-4C7A-B21B-8B61102F1EEE}" type="presParOf" srcId="{0F1368D0-0148-4021-B19B-17204AE1566D}" destId="{22DDB7DA-8721-4F3B-9DC4-37C42A69F306}" srcOrd="0" destOrd="0" presId="urn:microsoft.com/office/officeart/2005/8/layout/default"/>
+    <dgm:cxn modelId="{BAAABA0F-5D91-4973-9349-40B404A0F38A}" type="presParOf" srcId="{0F1368D0-0148-4021-B19B-17204AE1566D}" destId="{BDF63CBB-236C-43E2-8041-866CC928EC55}" srcOrd="1" destOrd="0" presId="urn:microsoft.com/office/officeart/2005/8/layout/default"/>
+    <dgm:cxn modelId="{247F9A5E-BF32-46E2-8175-A21DCCE457C4}" type="presParOf" srcId="{0F1368D0-0148-4021-B19B-17204AE1566D}" destId="{A168AE05-CCA4-4314-84EE-9115F767F6F5}" srcOrd="2" destOrd="0" presId="urn:microsoft.com/office/officeart/2005/8/layout/default"/>
+    <dgm:cxn modelId="{1D08FB4A-AC2C-4A02-9696-6B49125FD574}" type="presParOf" srcId="{0F1368D0-0148-4021-B19B-17204AE1566D}" destId="{7F3DC619-A163-4E86-ABA8-AF20169F7AD6}" srcOrd="3" destOrd="0" presId="urn:microsoft.com/office/officeart/2005/8/layout/default"/>
+    <dgm:cxn modelId="{F40893BE-A8DC-45E1-98A9-D7FD10582721}" type="presParOf" srcId="{0F1368D0-0148-4021-B19B-17204AE1566D}" destId="{953555D5-9846-41B3-B9FF-87A1F2B5E53A}" srcOrd="4" destOrd="0" presId="urn:microsoft.com/office/officeart/2005/8/layout/default"/>
+    <dgm:cxn modelId="{33179EDD-A624-4DE0-8200-0763AEA4CBB2}" type="presParOf" srcId="{0F1368D0-0148-4021-B19B-17204AE1566D}" destId="{0ECF7334-1D86-4DF3-8D3B-835C4B2969F9}" srcOrd="5" destOrd="0" presId="urn:microsoft.com/office/officeart/2005/8/layout/default"/>
+    <dgm:cxn modelId="{EA239F8D-3BDA-4E6F-9162-B34EC71CCB85}" type="presParOf" srcId="{0F1368D0-0148-4021-B19B-17204AE1566D}" destId="{757243E9-53CA-4804-849E-D95F92C0EAB6}" srcOrd="6" destOrd="0" presId="urn:microsoft.com/office/officeart/2005/8/layout/default"/>
+    <dgm:cxn modelId="{99B823FE-8B63-4A01-9E91-093433D651D5}" type="presParOf" srcId="{0F1368D0-0148-4021-B19B-17204AE1566D}" destId="{B0ED933F-BBA3-4617-BC22-7C7163EC26B3}" srcOrd="7" destOrd="0" presId="urn:microsoft.com/office/officeart/2005/8/layout/default"/>
+    <dgm:cxn modelId="{5A889BA6-4D62-4AF7-8FA4-4335B44E5E92}" type="presParOf" srcId="{0F1368D0-0148-4021-B19B-17204AE1566D}" destId="{DB017D81-E969-47C2-929E-A3FA246BCE84}" srcOrd="8" destOrd="0" presId="urn:microsoft.com/office/officeart/2005/8/layout/default"/>
+  </dgm:cxnLst>
+  <dgm:bg/>
+  <dgm:whole/>
+  <dgm:extLst>
+    <a:ext uri="http://schemas.microsoft.com/office/drawing/2008/diagram">
+      <dsp:dataModelExt xmlns:dsp="http://schemas.microsoft.com/office/drawing/2008/diagram" relId="rId6" minVer="http://schemas.openxmlformats.org/drawingml/2006/diagram"/>
     </a:ext>
   </dgm:extLst>
 </dgm:dataModel>
@@ -3277,6 +5046,7 @@
               </a:ext>
             </a:extLst>
           </a:blip>
+          <a:srcRect/>
           <a:stretch>
             <a:fillRect/>
           </a:stretch>
@@ -3372,6 +5142,440 @@
       <dsp:txXfrm>
         <a:off x="4665282" y="1308685"/>
         <a:ext cx="2868051" cy="888566"/>
+      </dsp:txXfrm>
+    </dsp:sp>
+  </dsp:spTree>
+</dsp:drawing>
+</file>
+
+<file path=ppt/diagrams/drawing2.xml><?xml version="1.0" encoding="utf-8"?>
+<dsp:drawing xmlns:dgm="http://schemas.openxmlformats.org/drawingml/2006/diagram" xmlns:dsp="http://schemas.microsoft.com/office/drawing/2008/diagram" xmlns:a="http://schemas.openxmlformats.org/drawingml/2006/main">
+  <dsp:spTree>
+    <dsp:nvGrpSpPr>
+      <dsp:cNvPr id="0" name=""/>
+      <dsp:cNvGrpSpPr/>
+    </dsp:nvGrpSpPr>
+    <dsp:grpSpPr/>
+    <dsp:sp modelId="{22DDB7DA-8721-4F3B-9DC4-37C42A69F306}">
+      <dsp:nvSpPr>
+        <dsp:cNvPr id="0" name=""/>
+        <dsp:cNvSpPr/>
+      </dsp:nvSpPr>
+      <dsp:spPr>
+        <a:xfrm>
+          <a:off x="358349" y="789"/>
+          <a:ext cx="2597958" cy="1558775"/>
+        </a:xfrm>
+        <a:prstGeom prst="rect">
+          <a:avLst/>
+        </a:prstGeom>
+        <a:solidFill>
+          <a:schemeClr val="accent5">
+            <a:hueOff val="0"/>
+            <a:satOff val="0"/>
+            <a:lumOff val="0"/>
+            <a:alphaOff val="0"/>
+          </a:schemeClr>
+        </a:solidFill>
+        <a:ln w="12700" cap="flat" cmpd="sng" algn="ctr">
+          <a:solidFill>
+            <a:schemeClr val="lt1">
+              <a:hueOff val="0"/>
+              <a:satOff val="0"/>
+              <a:lumOff val="0"/>
+              <a:alphaOff val="0"/>
+            </a:schemeClr>
+          </a:solidFill>
+          <a:prstDash val="solid"/>
+        </a:ln>
+        <a:effectLst/>
+      </dsp:spPr>
+      <dsp:style>
+        <a:lnRef idx="2">
+          <a:scrgbClr r="0" g="0" b="0"/>
+        </a:lnRef>
+        <a:fillRef idx="1">
+          <a:scrgbClr r="0" g="0" b="0"/>
+        </a:fillRef>
+        <a:effectRef idx="0">
+          <a:scrgbClr r="0" g="0" b="0"/>
+        </a:effectRef>
+        <a:fontRef idx="minor">
+          <a:schemeClr val="lt1"/>
+        </a:fontRef>
+      </dsp:style>
+      <dsp:txBody>
+        <a:bodyPr spcFirstLastPara="0" vert="horz" wrap="square" lIns="53340" tIns="53340" rIns="53340" bIns="53340" numCol="1" spcCol="1270" anchor="ctr" anchorCtr="0">
+          <a:noAutofit/>
+        </a:bodyPr>
+        <a:lstStyle/>
+        <a:p>
+          <a:pPr marL="0" lvl="0" indent="0" algn="ctr" defTabSz="622300">
+            <a:lnSpc>
+              <a:spcPct val="90000"/>
+            </a:lnSpc>
+            <a:spcBef>
+              <a:spcPct val="0"/>
+            </a:spcBef>
+            <a:spcAft>
+              <a:spcPct val="35000"/>
+            </a:spcAft>
+            <a:buNone/>
+          </a:pPr>
+          <a:r>
+            <a:rPr lang="en-IN" sz="1400" b="1" i="0" kern="1200" dirty="0"/>
+            <a:t>Core Python: </a:t>
+          </a:r>
+          <a:r>
+            <a:rPr lang="en-IN" sz="1400" b="0" i="0" kern="1200" dirty="0"/>
+            <a:t>Understanding the fundamentals of Python programming language.</a:t>
+          </a:r>
+          <a:endParaRPr lang="en-US" sz="1400" kern="1200" dirty="0"/>
+        </a:p>
+      </dsp:txBody>
+      <dsp:txXfrm>
+        <a:off x="358349" y="789"/>
+        <a:ext cx="2597958" cy="1558775"/>
+      </dsp:txXfrm>
+    </dsp:sp>
+    <dsp:sp modelId="{A168AE05-CCA4-4314-84EE-9115F767F6F5}">
+      <dsp:nvSpPr>
+        <dsp:cNvPr id="0" name=""/>
+        <dsp:cNvSpPr/>
+      </dsp:nvSpPr>
+      <dsp:spPr>
+        <a:xfrm>
+          <a:off x="3216103" y="789"/>
+          <a:ext cx="2597958" cy="1558775"/>
+        </a:xfrm>
+        <a:prstGeom prst="rect">
+          <a:avLst/>
+        </a:prstGeom>
+        <a:solidFill>
+          <a:schemeClr val="accent5">
+            <a:hueOff val="-4680095"/>
+            <a:satOff val="6379"/>
+            <a:lumOff val="-1471"/>
+            <a:alphaOff val="0"/>
+          </a:schemeClr>
+        </a:solidFill>
+        <a:ln w="12700" cap="flat" cmpd="sng" algn="ctr">
+          <a:solidFill>
+            <a:schemeClr val="lt1">
+              <a:hueOff val="0"/>
+              <a:satOff val="0"/>
+              <a:lumOff val="0"/>
+              <a:alphaOff val="0"/>
+            </a:schemeClr>
+          </a:solidFill>
+          <a:prstDash val="solid"/>
+        </a:ln>
+        <a:effectLst/>
+      </dsp:spPr>
+      <dsp:style>
+        <a:lnRef idx="2">
+          <a:scrgbClr r="0" g="0" b="0"/>
+        </a:lnRef>
+        <a:fillRef idx="1">
+          <a:scrgbClr r="0" g="0" b="0"/>
+        </a:fillRef>
+        <a:effectRef idx="0">
+          <a:scrgbClr r="0" g="0" b="0"/>
+        </a:effectRef>
+        <a:fontRef idx="minor">
+          <a:schemeClr val="lt1"/>
+        </a:fontRef>
+      </dsp:style>
+      <dsp:txBody>
+        <a:bodyPr spcFirstLastPara="0" vert="horz" wrap="square" lIns="53340" tIns="53340" rIns="53340" bIns="53340" numCol="1" spcCol="1270" anchor="ctr" anchorCtr="0">
+          <a:noAutofit/>
+        </a:bodyPr>
+        <a:lstStyle/>
+        <a:p>
+          <a:pPr marL="0" lvl="0" indent="0" algn="ctr" defTabSz="622300">
+            <a:lnSpc>
+              <a:spcPct val="90000"/>
+            </a:lnSpc>
+            <a:spcBef>
+              <a:spcPct val="0"/>
+            </a:spcBef>
+            <a:spcAft>
+              <a:spcPct val="35000"/>
+            </a:spcAft>
+            <a:buNone/>
+          </a:pPr>
+          <a:r>
+            <a:rPr lang="en-IN" sz="1400" b="1" i="0" kern="1200" dirty="0" err="1"/>
+            <a:t>Tkinter</a:t>
+          </a:r>
+          <a:r>
+            <a:rPr lang="en-IN" sz="1400" b="1" i="0" kern="1200" dirty="0"/>
+            <a:t> Library: </a:t>
+          </a:r>
+          <a:r>
+            <a:rPr lang="en-IN" sz="1400" b="0" i="0" kern="1200" dirty="0"/>
+            <a:t>Learning to use </a:t>
+          </a:r>
+          <a:r>
+            <a:rPr lang="en-IN" sz="1400" b="0" i="0" kern="1200" dirty="0" err="1"/>
+            <a:t>Tkinter</a:t>
+          </a:r>
+          <a:r>
+            <a:rPr lang="en-IN" sz="1400" b="0" i="0" kern="1200" dirty="0"/>
+            <a:t> for creating GUI applications in Python.</a:t>
+          </a:r>
+          <a:endParaRPr lang="en-US" sz="1400" kern="1200" dirty="0"/>
+        </a:p>
+      </dsp:txBody>
+      <dsp:txXfrm>
+        <a:off x="3216103" y="789"/>
+        <a:ext cx="2597958" cy="1558775"/>
+      </dsp:txXfrm>
+    </dsp:sp>
+    <dsp:sp modelId="{953555D5-9846-41B3-B9FF-87A1F2B5E53A}">
+      <dsp:nvSpPr>
+        <dsp:cNvPr id="0" name=""/>
+        <dsp:cNvSpPr/>
+      </dsp:nvSpPr>
+      <dsp:spPr>
+        <a:xfrm>
+          <a:off x="358349" y="1819360"/>
+          <a:ext cx="2597958" cy="1558775"/>
+        </a:xfrm>
+        <a:prstGeom prst="rect">
+          <a:avLst/>
+        </a:prstGeom>
+        <a:solidFill>
+          <a:schemeClr val="accent5">
+            <a:hueOff val="-9360190"/>
+            <a:satOff val="12758"/>
+            <a:lumOff val="-2941"/>
+            <a:alphaOff val="0"/>
+          </a:schemeClr>
+        </a:solidFill>
+        <a:ln w="12700" cap="flat" cmpd="sng" algn="ctr">
+          <a:solidFill>
+            <a:schemeClr val="lt1">
+              <a:hueOff val="0"/>
+              <a:satOff val="0"/>
+              <a:lumOff val="0"/>
+              <a:alphaOff val="0"/>
+            </a:schemeClr>
+          </a:solidFill>
+          <a:prstDash val="solid"/>
+        </a:ln>
+        <a:effectLst/>
+      </dsp:spPr>
+      <dsp:style>
+        <a:lnRef idx="2">
+          <a:scrgbClr r="0" g="0" b="0"/>
+        </a:lnRef>
+        <a:fillRef idx="1">
+          <a:scrgbClr r="0" g="0" b="0"/>
+        </a:fillRef>
+        <a:effectRef idx="0">
+          <a:scrgbClr r="0" g="0" b="0"/>
+        </a:effectRef>
+        <a:fontRef idx="minor">
+          <a:schemeClr val="lt1"/>
+        </a:fontRef>
+      </dsp:style>
+      <dsp:txBody>
+        <a:bodyPr spcFirstLastPara="0" vert="horz" wrap="square" lIns="53340" tIns="53340" rIns="53340" bIns="53340" numCol="1" spcCol="1270" anchor="ctr" anchorCtr="0">
+          <a:noAutofit/>
+        </a:bodyPr>
+        <a:lstStyle/>
+        <a:p>
+          <a:pPr marL="0" lvl="0" indent="0" algn="ctr" defTabSz="622300">
+            <a:lnSpc>
+              <a:spcPct val="90000"/>
+            </a:lnSpc>
+            <a:spcBef>
+              <a:spcPct val="0"/>
+            </a:spcBef>
+            <a:spcAft>
+              <a:spcPct val="35000"/>
+            </a:spcAft>
+            <a:buNone/>
+          </a:pPr>
+          <a:r>
+            <a:rPr lang="en-IN" sz="1400" b="1" i="0" kern="1200" dirty="0"/>
+            <a:t>Visual Studio Code (IDE): </a:t>
+          </a:r>
+          <a:r>
+            <a:rPr lang="en-IN" sz="1400" b="0" i="0" kern="1200" dirty="0"/>
+            <a:t>Working with an integrated development environment for Python programming.</a:t>
+          </a:r>
+          <a:endParaRPr lang="en-US" sz="1400" kern="1200" dirty="0"/>
+        </a:p>
+      </dsp:txBody>
+      <dsp:txXfrm>
+        <a:off x="358349" y="1819360"/>
+        <a:ext cx="2597958" cy="1558775"/>
+      </dsp:txXfrm>
+    </dsp:sp>
+    <dsp:sp modelId="{757243E9-53CA-4804-849E-D95F92C0EAB6}">
+      <dsp:nvSpPr>
+        <dsp:cNvPr id="0" name=""/>
+        <dsp:cNvSpPr/>
+      </dsp:nvSpPr>
+      <dsp:spPr>
+        <a:xfrm>
+          <a:off x="3216103" y="1819360"/>
+          <a:ext cx="2597958" cy="1558775"/>
+        </a:xfrm>
+        <a:prstGeom prst="rect">
+          <a:avLst/>
+        </a:prstGeom>
+        <a:solidFill>
+          <a:schemeClr val="accent5">
+            <a:hueOff val="-14040284"/>
+            <a:satOff val="19137"/>
+            <a:lumOff val="-4412"/>
+            <a:alphaOff val="0"/>
+          </a:schemeClr>
+        </a:solidFill>
+        <a:ln w="12700" cap="flat" cmpd="sng" algn="ctr">
+          <a:solidFill>
+            <a:schemeClr val="lt1">
+              <a:hueOff val="0"/>
+              <a:satOff val="0"/>
+              <a:lumOff val="0"/>
+              <a:alphaOff val="0"/>
+            </a:schemeClr>
+          </a:solidFill>
+          <a:prstDash val="solid"/>
+        </a:ln>
+        <a:effectLst/>
+      </dsp:spPr>
+      <dsp:style>
+        <a:lnRef idx="2">
+          <a:scrgbClr r="0" g="0" b="0"/>
+        </a:lnRef>
+        <a:fillRef idx="1">
+          <a:scrgbClr r="0" g="0" b="0"/>
+        </a:fillRef>
+        <a:effectRef idx="0">
+          <a:scrgbClr r="0" g="0" b="0"/>
+        </a:effectRef>
+        <a:fontRef idx="minor">
+          <a:schemeClr val="lt1"/>
+        </a:fontRef>
+      </dsp:style>
+      <dsp:txBody>
+        <a:bodyPr spcFirstLastPara="0" vert="horz" wrap="square" lIns="53340" tIns="53340" rIns="53340" bIns="53340" numCol="1" spcCol="1270" anchor="ctr" anchorCtr="0">
+          <a:noAutofit/>
+        </a:bodyPr>
+        <a:lstStyle/>
+        <a:p>
+          <a:pPr marL="0" lvl="0" indent="0" algn="ctr" defTabSz="622300">
+            <a:lnSpc>
+              <a:spcPct val="90000"/>
+            </a:lnSpc>
+            <a:spcBef>
+              <a:spcPct val="0"/>
+            </a:spcBef>
+            <a:spcAft>
+              <a:spcPct val="35000"/>
+            </a:spcAft>
+            <a:buNone/>
+          </a:pPr>
+          <a:r>
+            <a:rPr lang="en-IN" sz="1400" b="1" i="0" kern="1200" dirty="0"/>
+            <a:t>GitHub: </a:t>
+          </a:r>
+          <a:r>
+            <a:rPr lang="en-IN" sz="1400" b="0" i="0" kern="1200" dirty="0"/>
+            <a:t>Managing and sharing code using version control.</a:t>
+          </a:r>
+          <a:endParaRPr lang="en-US" sz="1400" kern="1200" dirty="0"/>
+        </a:p>
+      </dsp:txBody>
+      <dsp:txXfrm>
+        <a:off x="3216103" y="1819360"/>
+        <a:ext cx="2597958" cy="1558775"/>
+      </dsp:txXfrm>
+    </dsp:sp>
+    <dsp:sp modelId="{DB017D81-E969-47C2-929E-A3FA246BCE84}">
+      <dsp:nvSpPr>
+        <dsp:cNvPr id="0" name=""/>
+        <dsp:cNvSpPr/>
+      </dsp:nvSpPr>
+      <dsp:spPr>
+        <a:xfrm>
+          <a:off x="1787226" y="3637931"/>
+          <a:ext cx="2597958" cy="1558775"/>
+        </a:xfrm>
+        <a:prstGeom prst="rect">
+          <a:avLst/>
+        </a:prstGeom>
+        <a:solidFill>
+          <a:schemeClr val="accent5">
+            <a:hueOff val="-18720379"/>
+            <a:satOff val="25516"/>
+            <a:lumOff val="-5882"/>
+            <a:alphaOff val="0"/>
+          </a:schemeClr>
+        </a:solidFill>
+        <a:ln w="12700" cap="flat" cmpd="sng" algn="ctr">
+          <a:solidFill>
+            <a:schemeClr val="lt1">
+              <a:hueOff val="0"/>
+              <a:satOff val="0"/>
+              <a:lumOff val="0"/>
+              <a:alphaOff val="0"/>
+            </a:schemeClr>
+          </a:solidFill>
+          <a:prstDash val="solid"/>
+        </a:ln>
+        <a:effectLst/>
+      </dsp:spPr>
+      <dsp:style>
+        <a:lnRef idx="2">
+          <a:scrgbClr r="0" g="0" b="0"/>
+        </a:lnRef>
+        <a:fillRef idx="1">
+          <a:scrgbClr r="0" g="0" b="0"/>
+        </a:fillRef>
+        <a:effectRef idx="0">
+          <a:scrgbClr r="0" g="0" b="0"/>
+        </a:effectRef>
+        <a:fontRef idx="minor">
+          <a:schemeClr val="lt1"/>
+        </a:fontRef>
+      </dsp:style>
+      <dsp:txBody>
+        <a:bodyPr spcFirstLastPara="0" vert="horz" wrap="square" lIns="53340" tIns="53340" rIns="53340" bIns="53340" numCol="1" spcCol="1270" anchor="ctr" anchorCtr="0">
+          <a:noAutofit/>
+        </a:bodyPr>
+        <a:lstStyle/>
+        <a:p>
+          <a:pPr marL="0" lvl="0" indent="0" algn="ctr" defTabSz="622300">
+            <a:lnSpc>
+              <a:spcPct val="90000"/>
+            </a:lnSpc>
+            <a:spcBef>
+              <a:spcPct val="0"/>
+            </a:spcBef>
+            <a:spcAft>
+              <a:spcPct val="35000"/>
+            </a:spcAft>
+            <a:buNone/>
+          </a:pPr>
+          <a:r>
+            <a:rPr lang="en-IN" sz="1400" b="1" i="0" kern="1200" dirty="0"/>
+            <a:t>Application Development: </a:t>
+          </a:r>
+          <a:r>
+            <a:rPr lang="en-IN" sz="1400" b="0" i="0" kern="1200" dirty="0"/>
+            <a:t>Developing a functional calculator application using Python.</a:t>
+          </a:r>
+          <a:endParaRPr lang="en-US" sz="1400" kern="1200" dirty="0"/>
+        </a:p>
+      </dsp:txBody>
+      <dsp:txXfrm>
+        <a:off x="1787226" y="3637931"/>
+        <a:ext cx="2597958" cy="1558775"/>
       </dsp:txXfrm>
     </dsp:sp>
   </dsp:spTree>
@@ -3590,7 +5794,1188 @@
 </dgm:layoutDef>
 </file>
 
+<file path=ppt/diagrams/layout2.xml><?xml version="1.0" encoding="utf-8"?>
+<dgm:layoutDef xmlns:dgm="http://schemas.openxmlformats.org/drawingml/2006/diagram" xmlns:a="http://schemas.openxmlformats.org/drawingml/2006/main" uniqueId="urn:microsoft.com/office/officeart/2005/8/layout/default">
+  <dgm:title val=""/>
+  <dgm:desc val=""/>
+  <dgm:catLst>
+    <dgm:cat type="list" pri="400"/>
+  </dgm:catLst>
+  <dgm:sampData>
+    <dgm:dataModel>
+      <dgm:ptLst>
+        <dgm:pt modelId="0" type="doc"/>
+        <dgm:pt modelId="1">
+          <dgm:prSet phldr="1"/>
+        </dgm:pt>
+        <dgm:pt modelId="2">
+          <dgm:prSet phldr="1"/>
+        </dgm:pt>
+        <dgm:pt modelId="3">
+          <dgm:prSet phldr="1"/>
+        </dgm:pt>
+        <dgm:pt modelId="4">
+          <dgm:prSet phldr="1"/>
+        </dgm:pt>
+        <dgm:pt modelId="5">
+          <dgm:prSet phldr="1"/>
+        </dgm:pt>
+      </dgm:ptLst>
+      <dgm:cxnLst>
+        <dgm:cxn modelId="6" srcId="0" destId="1" srcOrd="0" destOrd="0"/>
+        <dgm:cxn modelId="7" srcId="0" destId="2" srcOrd="1" destOrd="0"/>
+        <dgm:cxn modelId="8" srcId="0" destId="3" srcOrd="2" destOrd="0"/>
+        <dgm:cxn modelId="9" srcId="0" destId="4" srcOrd="3" destOrd="0"/>
+        <dgm:cxn modelId="10" srcId="0" destId="5" srcOrd="4" destOrd="0"/>
+      </dgm:cxnLst>
+      <dgm:bg/>
+      <dgm:whole/>
+    </dgm:dataModel>
+  </dgm:sampData>
+  <dgm:styleData>
+    <dgm:dataModel>
+      <dgm:ptLst>
+        <dgm:pt modelId="0" type="doc"/>
+        <dgm:pt modelId="1"/>
+        <dgm:pt modelId="2"/>
+      </dgm:ptLst>
+      <dgm:cxnLst>
+        <dgm:cxn modelId="3" srcId="0" destId="1" srcOrd="0" destOrd="0"/>
+        <dgm:cxn modelId="4" srcId="0" destId="2" srcOrd="1" destOrd="0"/>
+      </dgm:cxnLst>
+      <dgm:bg/>
+      <dgm:whole/>
+    </dgm:dataModel>
+  </dgm:styleData>
+  <dgm:clrData>
+    <dgm:dataModel>
+      <dgm:ptLst>
+        <dgm:pt modelId="0" type="doc"/>
+        <dgm:pt modelId="1"/>
+        <dgm:pt modelId="2"/>
+        <dgm:pt modelId="3"/>
+        <dgm:pt modelId="4"/>
+        <dgm:pt modelId="5"/>
+        <dgm:pt modelId="6"/>
+      </dgm:ptLst>
+      <dgm:cxnLst>
+        <dgm:cxn modelId="7" srcId="0" destId="1" srcOrd="0" destOrd="0"/>
+        <dgm:cxn modelId="8" srcId="0" destId="2" srcOrd="1" destOrd="0"/>
+        <dgm:cxn modelId="9" srcId="0" destId="3" srcOrd="2" destOrd="0"/>
+        <dgm:cxn modelId="10" srcId="0" destId="4" srcOrd="3" destOrd="0"/>
+        <dgm:cxn modelId="11" srcId="0" destId="5" srcOrd="4" destOrd="0"/>
+        <dgm:cxn modelId="12" srcId="0" destId="6" srcOrd="5" destOrd="0"/>
+      </dgm:cxnLst>
+      <dgm:bg/>
+      <dgm:whole/>
+    </dgm:dataModel>
+  </dgm:clrData>
+  <dgm:layoutNode name="diagram">
+    <dgm:varLst>
+      <dgm:dir/>
+      <dgm:resizeHandles val="exact"/>
+    </dgm:varLst>
+    <dgm:choose name="Name0">
+      <dgm:if name="Name1" func="var" arg="dir" op="equ" val="norm">
+        <dgm:alg type="snake">
+          <dgm:param type="grDir" val="tL"/>
+          <dgm:param type="flowDir" val="row"/>
+          <dgm:param type="contDir" val="sameDir"/>
+          <dgm:param type="off" val="ctr"/>
+        </dgm:alg>
+      </dgm:if>
+      <dgm:else name="Name2">
+        <dgm:alg type="snake">
+          <dgm:param type="grDir" val="tR"/>
+          <dgm:param type="flowDir" val="row"/>
+          <dgm:param type="contDir" val="sameDir"/>
+          <dgm:param type="off" val="ctr"/>
+        </dgm:alg>
+      </dgm:else>
+    </dgm:choose>
+    <dgm:shape xmlns:r="http://schemas.openxmlformats.org/officeDocument/2006/relationships" r:blip="">
+      <dgm:adjLst/>
+    </dgm:shape>
+    <dgm:presOf/>
+    <dgm:constrLst>
+      <dgm:constr type="w" for="ch" forName="node" refType="w"/>
+      <dgm:constr type="h" for="ch" forName="node" refType="w" refFor="ch" refForName="node" fact="0.6"/>
+      <dgm:constr type="w" for="ch" forName="sibTrans" refType="w" refFor="ch" refForName="node" fact="0.1"/>
+      <dgm:constr type="sp" refType="w" refFor="ch" refForName="sibTrans"/>
+      <dgm:constr type="primFontSz" for="ch" forName="node" op="equ" val="65"/>
+    </dgm:constrLst>
+    <dgm:ruleLst/>
+    <dgm:forEach name="Name3" axis="ch" ptType="node">
+      <dgm:layoutNode name="node">
+        <dgm:varLst>
+          <dgm:bulletEnabled val="1"/>
+        </dgm:varLst>
+        <dgm:alg type="tx"/>
+        <dgm:shape xmlns:r="http://schemas.openxmlformats.org/officeDocument/2006/relationships" type="rect" r:blip="">
+          <dgm:adjLst/>
+        </dgm:shape>
+        <dgm:presOf axis="desOrSelf" ptType="node"/>
+        <dgm:constrLst>
+          <dgm:constr type="lMarg" refType="primFontSz" fact="0.3"/>
+          <dgm:constr type="rMarg" refType="primFontSz" fact="0.3"/>
+          <dgm:constr type="tMarg" refType="primFontSz" fact="0.3"/>
+          <dgm:constr type="bMarg" refType="primFontSz" fact="0.3"/>
+        </dgm:constrLst>
+        <dgm:ruleLst>
+          <dgm:rule type="primFontSz" val="5" fact="NaN" max="NaN"/>
+        </dgm:ruleLst>
+      </dgm:layoutNode>
+      <dgm:forEach name="Name4" axis="followSib" ptType="sibTrans" cnt="1">
+        <dgm:layoutNode name="sibTrans">
+          <dgm:alg type="sp"/>
+          <dgm:shape xmlns:r="http://schemas.openxmlformats.org/officeDocument/2006/relationships" r:blip="">
+            <dgm:adjLst/>
+          </dgm:shape>
+          <dgm:presOf/>
+          <dgm:constrLst/>
+          <dgm:ruleLst/>
+        </dgm:layoutNode>
+      </dgm:forEach>
+    </dgm:forEach>
+  </dgm:layoutNode>
+</dgm:layoutDef>
+</file>
+
 <file path=ppt/diagrams/quickStyle1.xml><?xml version="1.0" encoding="utf-8"?>
+<dgm:styleDef xmlns:dgm="http://schemas.openxmlformats.org/drawingml/2006/diagram" xmlns:a="http://schemas.openxmlformats.org/drawingml/2006/main" uniqueId="urn:microsoft.com/office/officeart/2005/8/quickstyle/simple1">
+  <dgm:title val=""/>
+  <dgm:desc val=""/>
+  <dgm:catLst>
+    <dgm:cat type="simple" pri="10100"/>
+  </dgm:catLst>
+  <dgm:scene3d>
+    <a:camera prst="orthographicFront"/>
+    <a:lightRig rig="threePt" dir="t"/>
+  </dgm:scene3d>
+  <dgm:styleLbl name="node0">
+    <dgm:scene3d>
+      <a:camera prst="orthographicFront"/>
+      <a:lightRig rig="threePt" dir="t"/>
+    </dgm:scene3d>
+    <dgm:sp3d/>
+    <dgm:txPr/>
+    <dgm:style>
+      <a:lnRef idx="2">
+        <a:scrgbClr r="0" g="0" b="0"/>
+      </a:lnRef>
+      <a:fillRef idx="1">
+        <a:scrgbClr r="0" g="0" b="0"/>
+      </a:fillRef>
+      <a:effectRef idx="0">
+        <a:scrgbClr r="0" g="0" b="0"/>
+      </a:effectRef>
+      <a:fontRef idx="minor">
+        <a:schemeClr val="lt1"/>
+      </a:fontRef>
+    </dgm:style>
+  </dgm:styleLbl>
+  <dgm:styleLbl name="lnNode1">
+    <dgm:scene3d>
+      <a:camera prst="orthographicFront"/>
+      <a:lightRig rig="threePt" dir="t"/>
+    </dgm:scene3d>
+    <dgm:sp3d/>
+    <dgm:txPr/>
+    <dgm:style>
+      <a:lnRef idx="2">
+        <a:scrgbClr r="0" g="0" b="0"/>
+      </a:lnRef>
+      <a:fillRef idx="1">
+        <a:scrgbClr r="0" g="0" b="0"/>
+      </a:fillRef>
+      <a:effectRef idx="0">
+        <a:scrgbClr r="0" g="0" b="0"/>
+      </a:effectRef>
+      <a:fontRef idx="minor">
+        <a:schemeClr val="lt1"/>
+      </a:fontRef>
+    </dgm:style>
+  </dgm:styleLbl>
+  <dgm:styleLbl name="vennNode1">
+    <dgm:scene3d>
+      <a:camera prst="orthographicFront"/>
+      <a:lightRig rig="threePt" dir="t"/>
+    </dgm:scene3d>
+    <dgm:sp3d/>
+    <dgm:txPr/>
+    <dgm:style>
+      <a:lnRef idx="2">
+        <a:scrgbClr r="0" g="0" b="0"/>
+      </a:lnRef>
+      <a:fillRef idx="1">
+        <a:scrgbClr r="0" g="0" b="0"/>
+      </a:fillRef>
+      <a:effectRef idx="0">
+        <a:scrgbClr r="0" g="0" b="0"/>
+      </a:effectRef>
+      <a:fontRef idx="minor">
+        <a:schemeClr val="tx1"/>
+      </a:fontRef>
+    </dgm:style>
+  </dgm:styleLbl>
+  <dgm:styleLbl name="alignNode1">
+    <dgm:scene3d>
+      <a:camera prst="orthographicFront"/>
+      <a:lightRig rig="threePt" dir="t"/>
+    </dgm:scene3d>
+    <dgm:sp3d/>
+    <dgm:txPr/>
+    <dgm:style>
+      <a:lnRef idx="2">
+        <a:scrgbClr r="0" g="0" b="0"/>
+      </a:lnRef>
+      <a:fillRef idx="1">
+        <a:scrgbClr r="0" g="0" b="0"/>
+      </a:fillRef>
+      <a:effectRef idx="0">
+        <a:scrgbClr r="0" g="0" b="0"/>
+      </a:effectRef>
+      <a:fontRef idx="minor">
+        <a:schemeClr val="lt1"/>
+      </a:fontRef>
+    </dgm:style>
+  </dgm:styleLbl>
+  <dgm:styleLbl name="node1">
+    <dgm:scene3d>
+      <a:camera prst="orthographicFront"/>
+      <a:lightRig rig="threePt" dir="t"/>
+    </dgm:scene3d>
+    <dgm:sp3d/>
+    <dgm:txPr/>
+    <dgm:style>
+      <a:lnRef idx="2">
+        <a:scrgbClr r="0" g="0" b="0"/>
+      </a:lnRef>
+      <a:fillRef idx="1">
+        <a:scrgbClr r="0" g="0" b="0"/>
+      </a:fillRef>
+      <a:effectRef idx="0">
+        <a:scrgbClr r="0" g="0" b="0"/>
+      </a:effectRef>
+      <a:fontRef idx="minor">
+        <a:schemeClr val="lt1"/>
+      </a:fontRef>
+    </dgm:style>
+  </dgm:styleLbl>
+  <dgm:styleLbl name="node2">
+    <dgm:scene3d>
+      <a:camera prst="orthographicFront"/>
+      <a:lightRig rig="threePt" dir="t"/>
+    </dgm:scene3d>
+    <dgm:sp3d/>
+    <dgm:txPr/>
+    <dgm:style>
+      <a:lnRef idx="2">
+        <a:scrgbClr r="0" g="0" b="0"/>
+      </a:lnRef>
+      <a:fillRef idx="1">
+        <a:scrgbClr r="0" g="0" b="0"/>
+      </a:fillRef>
+      <a:effectRef idx="0">
+        <a:scrgbClr r="0" g="0" b="0"/>
+      </a:effectRef>
+      <a:fontRef idx="minor">
+        <a:schemeClr val="lt1"/>
+      </a:fontRef>
+    </dgm:style>
+  </dgm:styleLbl>
+  <dgm:styleLbl name="node3">
+    <dgm:scene3d>
+      <a:camera prst="orthographicFront"/>
+      <a:lightRig rig="threePt" dir="t"/>
+    </dgm:scene3d>
+    <dgm:sp3d/>
+    <dgm:txPr/>
+    <dgm:style>
+      <a:lnRef idx="2">
+        <a:scrgbClr r="0" g="0" b="0"/>
+      </a:lnRef>
+      <a:fillRef idx="1">
+        <a:scrgbClr r="0" g="0" b="0"/>
+      </a:fillRef>
+      <a:effectRef idx="0">
+        <a:scrgbClr r="0" g="0" b="0"/>
+      </a:effectRef>
+      <a:fontRef idx="minor">
+        <a:schemeClr val="lt1"/>
+      </a:fontRef>
+    </dgm:style>
+  </dgm:styleLbl>
+  <dgm:styleLbl name="node4">
+    <dgm:scene3d>
+      <a:camera prst="orthographicFront"/>
+      <a:lightRig rig="threePt" dir="t"/>
+    </dgm:scene3d>
+    <dgm:sp3d/>
+    <dgm:txPr/>
+    <dgm:style>
+      <a:lnRef idx="2">
+        <a:scrgbClr r="0" g="0" b="0"/>
+      </a:lnRef>
+      <a:fillRef idx="1">
+        <a:scrgbClr r="0" g="0" b="0"/>
+      </a:fillRef>
+      <a:effectRef idx="0">
+        <a:scrgbClr r="0" g="0" b="0"/>
+      </a:effectRef>
+      <a:fontRef idx="minor">
+        <a:schemeClr val="lt1"/>
+      </a:fontRef>
+    </dgm:style>
+  </dgm:styleLbl>
+  <dgm:styleLbl name="fgImgPlace1">
+    <dgm:scene3d>
+      <a:camera prst="orthographicFront"/>
+      <a:lightRig rig="threePt" dir="t"/>
+    </dgm:scene3d>
+    <dgm:sp3d/>
+    <dgm:txPr/>
+    <dgm:style>
+      <a:lnRef idx="2">
+        <a:scrgbClr r="0" g="0" b="0"/>
+      </a:lnRef>
+      <a:fillRef idx="1">
+        <a:scrgbClr r="0" g="0" b="0"/>
+      </a:fillRef>
+      <a:effectRef idx="0">
+        <a:scrgbClr r="0" g="0" b="0"/>
+      </a:effectRef>
+      <a:fontRef idx="minor"/>
+    </dgm:style>
+  </dgm:styleLbl>
+  <dgm:styleLbl name="alignImgPlace1">
+    <dgm:scene3d>
+      <a:camera prst="orthographicFront"/>
+      <a:lightRig rig="threePt" dir="t"/>
+    </dgm:scene3d>
+    <dgm:sp3d/>
+    <dgm:txPr/>
+    <dgm:style>
+      <a:lnRef idx="2">
+        <a:scrgbClr r="0" g="0" b="0"/>
+      </a:lnRef>
+      <a:fillRef idx="1">
+        <a:scrgbClr r="0" g="0" b="0"/>
+      </a:fillRef>
+      <a:effectRef idx="0">
+        <a:scrgbClr r="0" g="0" b="0"/>
+      </a:effectRef>
+      <a:fontRef idx="minor"/>
+    </dgm:style>
+  </dgm:styleLbl>
+  <dgm:styleLbl name="bgImgPlace1">
+    <dgm:scene3d>
+      <a:camera prst="orthographicFront"/>
+      <a:lightRig rig="threePt" dir="t"/>
+    </dgm:scene3d>
+    <dgm:sp3d/>
+    <dgm:txPr/>
+    <dgm:style>
+      <a:lnRef idx="2">
+        <a:scrgbClr r="0" g="0" b="0"/>
+      </a:lnRef>
+      <a:fillRef idx="1">
+        <a:scrgbClr r="0" g="0" b="0"/>
+      </a:fillRef>
+      <a:effectRef idx="0">
+        <a:scrgbClr r="0" g="0" b="0"/>
+      </a:effectRef>
+      <a:fontRef idx="minor"/>
+    </dgm:style>
+  </dgm:styleLbl>
+  <dgm:styleLbl name="sibTrans2D1">
+    <dgm:scene3d>
+      <a:camera prst="orthographicFront"/>
+      <a:lightRig rig="threePt" dir="t"/>
+    </dgm:scene3d>
+    <dgm:sp3d/>
+    <dgm:txPr/>
+    <dgm:style>
+      <a:lnRef idx="0">
+        <a:scrgbClr r="0" g="0" b="0"/>
+      </a:lnRef>
+      <a:fillRef idx="1">
+        <a:scrgbClr r="0" g="0" b="0"/>
+      </a:fillRef>
+      <a:effectRef idx="0">
+        <a:scrgbClr r="0" g="0" b="0"/>
+      </a:effectRef>
+      <a:fontRef idx="minor">
+        <a:schemeClr val="lt1"/>
+      </a:fontRef>
+    </dgm:style>
+  </dgm:styleLbl>
+  <dgm:styleLbl name="fgSibTrans2D1">
+    <dgm:scene3d>
+      <a:camera prst="orthographicFront"/>
+      <a:lightRig rig="threePt" dir="t"/>
+    </dgm:scene3d>
+    <dgm:sp3d/>
+    <dgm:txPr/>
+    <dgm:style>
+      <a:lnRef idx="0">
+        <a:scrgbClr r="0" g="0" b="0"/>
+      </a:lnRef>
+      <a:fillRef idx="1">
+        <a:scrgbClr r="0" g="0" b="0"/>
+      </a:fillRef>
+      <a:effectRef idx="0">
+        <a:scrgbClr r="0" g="0" b="0"/>
+      </a:effectRef>
+      <a:fontRef idx="minor">
+        <a:schemeClr val="lt1"/>
+      </a:fontRef>
+    </dgm:style>
+  </dgm:styleLbl>
+  <dgm:styleLbl name="bgSibTrans2D1">
+    <dgm:scene3d>
+      <a:camera prst="orthographicFront"/>
+      <a:lightRig rig="threePt" dir="t"/>
+    </dgm:scene3d>
+    <dgm:sp3d/>
+    <dgm:txPr/>
+    <dgm:style>
+      <a:lnRef idx="0">
+        <a:scrgbClr r="0" g="0" b="0"/>
+      </a:lnRef>
+      <a:fillRef idx="1">
+        <a:scrgbClr r="0" g="0" b="0"/>
+      </a:fillRef>
+      <a:effectRef idx="0">
+        <a:scrgbClr r="0" g="0" b="0"/>
+      </a:effectRef>
+      <a:fontRef idx="minor">
+        <a:schemeClr val="lt1"/>
+      </a:fontRef>
+    </dgm:style>
+  </dgm:styleLbl>
+  <dgm:styleLbl name="sibTrans1D1">
+    <dgm:scene3d>
+      <a:camera prst="orthographicFront"/>
+      <a:lightRig rig="threePt" dir="t"/>
+    </dgm:scene3d>
+    <dgm:sp3d/>
+    <dgm:txPr/>
+    <dgm:style>
+      <a:lnRef idx="1">
+        <a:scrgbClr r="0" g="0" b="0"/>
+      </a:lnRef>
+      <a:fillRef idx="0">
+        <a:scrgbClr r="0" g="0" b="0"/>
+      </a:fillRef>
+      <a:effectRef idx="0">
+        <a:scrgbClr r="0" g="0" b="0"/>
+      </a:effectRef>
+      <a:fontRef idx="minor"/>
+    </dgm:style>
+  </dgm:styleLbl>
+  <dgm:styleLbl name="callout">
+    <dgm:scene3d>
+      <a:camera prst="orthographicFront"/>
+      <a:lightRig rig="threePt" dir="t"/>
+    </dgm:scene3d>
+    <dgm:sp3d/>
+    <dgm:txPr/>
+    <dgm:style>
+      <a:lnRef idx="2">
+        <a:scrgbClr r="0" g="0" b="0"/>
+      </a:lnRef>
+      <a:fillRef idx="1">
+        <a:scrgbClr r="0" g="0" b="0"/>
+      </a:fillRef>
+      <a:effectRef idx="0">
+        <a:scrgbClr r="0" g="0" b="0"/>
+      </a:effectRef>
+      <a:fontRef idx="minor"/>
+    </dgm:style>
+  </dgm:styleLbl>
+  <dgm:styleLbl name="asst0">
+    <dgm:scene3d>
+      <a:camera prst="orthographicFront"/>
+      <a:lightRig rig="threePt" dir="t"/>
+    </dgm:scene3d>
+    <dgm:sp3d/>
+    <dgm:txPr/>
+    <dgm:style>
+      <a:lnRef idx="2">
+        <a:scrgbClr r="0" g="0" b="0"/>
+      </a:lnRef>
+      <a:fillRef idx="1">
+        <a:scrgbClr r="0" g="0" b="0"/>
+      </a:fillRef>
+      <a:effectRef idx="0">
+        <a:scrgbClr r="0" g="0" b="0"/>
+      </a:effectRef>
+      <a:fontRef idx="minor">
+        <a:schemeClr val="lt1"/>
+      </a:fontRef>
+    </dgm:style>
+  </dgm:styleLbl>
+  <dgm:styleLbl name="asst1">
+    <dgm:scene3d>
+      <a:camera prst="orthographicFront"/>
+      <a:lightRig rig="threePt" dir="t"/>
+    </dgm:scene3d>
+    <dgm:sp3d/>
+    <dgm:txPr/>
+    <dgm:style>
+      <a:lnRef idx="2">
+        <a:scrgbClr r="0" g="0" b="0"/>
+      </a:lnRef>
+      <a:fillRef idx="1">
+        <a:scrgbClr r="0" g="0" b="0"/>
+      </a:fillRef>
+      <a:effectRef idx="0">
+        <a:scrgbClr r="0" g="0" b="0"/>
+      </a:effectRef>
+      <a:fontRef idx="minor">
+        <a:schemeClr val="lt1"/>
+      </a:fontRef>
+    </dgm:style>
+  </dgm:styleLbl>
+  <dgm:styleLbl name="asst2">
+    <dgm:scene3d>
+      <a:camera prst="orthographicFront"/>
+      <a:lightRig rig="threePt" dir="t"/>
+    </dgm:scene3d>
+    <dgm:sp3d/>
+    <dgm:txPr/>
+    <dgm:style>
+      <a:lnRef idx="2">
+        <a:scrgbClr r="0" g="0" b="0"/>
+      </a:lnRef>
+      <a:fillRef idx="1">
+        <a:scrgbClr r="0" g="0" b="0"/>
+      </a:fillRef>
+      <a:effectRef idx="0">
+        <a:scrgbClr r="0" g="0" b="0"/>
+      </a:effectRef>
+      <a:fontRef idx="minor">
+        <a:schemeClr val="lt1"/>
+      </a:fontRef>
+    </dgm:style>
+  </dgm:styleLbl>
+  <dgm:styleLbl name="asst3">
+    <dgm:scene3d>
+      <a:camera prst="orthographicFront"/>
+      <a:lightRig rig="threePt" dir="t"/>
+    </dgm:scene3d>
+    <dgm:sp3d/>
+    <dgm:txPr/>
+    <dgm:style>
+      <a:lnRef idx="2">
+        <a:scrgbClr r="0" g="0" b="0"/>
+      </a:lnRef>
+      <a:fillRef idx="1">
+        <a:scrgbClr r="0" g="0" b="0"/>
+      </a:fillRef>
+      <a:effectRef idx="0">
+        <a:scrgbClr r="0" g="0" b="0"/>
+      </a:effectRef>
+      <a:fontRef idx="minor">
+        <a:schemeClr val="lt1"/>
+      </a:fontRef>
+    </dgm:style>
+  </dgm:styleLbl>
+  <dgm:styleLbl name="asst4">
+    <dgm:scene3d>
+      <a:camera prst="orthographicFront"/>
+      <a:lightRig rig="threePt" dir="t"/>
+    </dgm:scene3d>
+    <dgm:sp3d/>
+    <dgm:txPr/>
+    <dgm:style>
+      <a:lnRef idx="2">
+        <a:scrgbClr r="0" g="0" b="0"/>
+      </a:lnRef>
+      <a:fillRef idx="1">
+        <a:scrgbClr r="0" g="0" b="0"/>
+      </a:fillRef>
+      <a:effectRef idx="0">
+        <a:scrgbClr r="0" g="0" b="0"/>
+      </a:effectRef>
+      <a:fontRef idx="minor">
+        <a:schemeClr val="lt1"/>
+      </a:fontRef>
+    </dgm:style>
+  </dgm:styleLbl>
+  <dgm:styleLbl name="parChTrans2D1">
+    <dgm:scene3d>
+      <a:camera prst="orthographicFront"/>
+      <a:lightRig rig="threePt" dir="t"/>
+    </dgm:scene3d>
+    <dgm:sp3d/>
+    <dgm:txPr/>
+    <dgm:style>
+      <a:lnRef idx="2">
+        <a:scrgbClr r="0" g="0" b="0"/>
+      </a:lnRef>
+      <a:fillRef idx="1">
+        <a:scrgbClr r="0" g="0" b="0"/>
+      </a:fillRef>
+      <a:effectRef idx="0">
+        <a:scrgbClr r="0" g="0" b="0"/>
+      </a:effectRef>
+      <a:fontRef idx="minor">
+        <a:schemeClr val="lt1"/>
+      </a:fontRef>
+    </dgm:style>
+  </dgm:styleLbl>
+  <dgm:styleLbl name="parChTrans2D2">
+    <dgm:scene3d>
+      <a:camera prst="orthographicFront"/>
+      <a:lightRig rig="threePt" dir="t"/>
+    </dgm:scene3d>
+    <dgm:sp3d/>
+    <dgm:txPr/>
+    <dgm:style>
+      <a:lnRef idx="2">
+        <a:scrgbClr r="0" g="0" b="0"/>
+      </a:lnRef>
+      <a:fillRef idx="1">
+        <a:scrgbClr r="0" g="0" b="0"/>
+      </a:fillRef>
+      <a:effectRef idx="0">
+        <a:scrgbClr r="0" g="0" b="0"/>
+      </a:effectRef>
+      <a:fontRef idx="minor">
+        <a:schemeClr val="lt1"/>
+      </a:fontRef>
+    </dgm:style>
+  </dgm:styleLbl>
+  <dgm:styleLbl name="parChTrans2D3">
+    <dgm:scene3d>
+      <a:camera prst="orthographicFront"/>
+      <a:lightRig rig="threePt" dir="t"/>
+    </dgm:scene3d>
+    <dgm:sp3d/>
+    <dgm:txPr/>
+    <dgm:style>
+      <a:lnRef idx="2">
+        <a:scrgbClr r="0" g="0" b="0"/>
+      </a:lnRef>
+      <a:fillRef idx="1">
+        <a:scrgbClr r="0" g="0" b="0"/>
+      </a:fillRef>
+      <a:effectRef idx="0">
+        <a:scrgbClr r="0" g="0" b="0"/>
+      </a:effectRef>
+      <a:fontRef idx="minor">
+        <a:schemeClr val="lt1"/>
+      </a:fontRef>
+    </dgm:style>
+  </dgm:styleLbl>
+  <dgm:styleLbl name="parChTrans2D4">
+    <dgm:scene3d>
+      <a:camera prst="orthographicFront"/>
+      <a:lightRig rig="threePt" dir="t"/>
+    </dgm:scene3d>
+    <dgm:sp3d/>
+    <dgm:txPr/>
+    <dgm:style>
+      <a:lnRef idx="2">
+        <a:scrgbClr r="0" g="0" b="0"/>
+      </a:lnRef>
+      <a:fillRef idx="1">
+        <a:scrgbClr r="0" g="0" b="0"/>
+      </a:fillRef>
+      <a:effectRef idx="0">
+        <a:scrgbClr r="0" g="0" b="0"/>
+      </a:effectRef>
+      <a:fontRef idx="minor">
+        <a:schemeClr val="lt1"/>
+      </a:fontRef>
+    </dgm:style>
+  </dgm:styleLbl>
+  <dgm:styleLbl name="parChTrans1D1">
+    <dgm:scene3d>
+      <a:camera prst="orthographicFront"/>
+      <a:lightRig rig="threePt" dir="t"/>
+    </dgm:scene3d>
+    <dgm:sp3d/>
+    <dgm:txPr/>
+    <dgm:style>
+      <a:lnRef idx="2">
+        <a:scrgbClr r="0" g="0" b="0"/>
+      </a:lnRef>
+      <a:fillRef idx="0">
+        <a:scrgbClr r="0" g="0" b="0"/>
+      </a:fillRef>
+      <a:effectRef idx="0">
+        <a:scrgbClr r="0" g="0" b="0"/>
+      </a:effectRef>
+      <a:fontRef idx="minor"/>
+    </dgm:style>
+  </dgm:styleLbl>
+  <dgm:styleLbl name="parChTrans1D2">
+    <dgm:scene3d>
+      <a:camera prst="orthographicFront"/>
+      <a:lightRig rig="threePt" dir="t"/>
+    </dgm:scene3d>
+    <dgm:sp3d/>
+    <dgm:txPr/>
+    <dgm:style>
+      <a:lnRef idx="2">
+        <a:scrgbClr r="0" g="0" b="0"/>
+      </a:lnRef>
+      <a:fillRef idx="0">
+        <a:scrgbClr r="0" g="0" b="0"/>
+      </a:fillRef>
+      <a:effectRef idx="0">
+        <a:scrgbClr r="0" g="0" b="0"/>
+      </a:effectRef>
+      <a:fontRef idx="minor"/>
+    </dgm:style>
+  </dgm:styleLbl>
+  <dgm:styleLbl name="parChTrans1D3">
+    <dgm:scene3d>
+      <a:camera prst="orthographicFront"/>
+      <a:lightRig rig="threePt" dir="t"/>
+    </dgm:scene3d>
+    <dgm:sp3d/>
+    <dgm:txPr/>
+    <dgm:style>
+      <a:lnRef idx="2">
+        <a:scrgbClr r="0" g="0" b="0"/>
+      </a:lnRef>
+      <a:fillRef idx="0">
+        <a:scrgbClr r="0" g="0" b="0"/>
+      </a:fillRef>
+      <a:effectRef idx="0">
+        <a:scrgbClr r="0" g="0" b="0"/>
+      </a:effectRef>
+      <a:fontRef idx="minor"/>
+    </dgm:style>
+  </dgm:styleLbl>
+  <dgm:styleLbl name="parChTrans1D4">
+    <dgm:scene3d>
+      <a:camera prst="orthographicFront"/>
+      <a:lightRig rig="threePt" dir="t"/>
+    </dgm:scene3d>
+    <dgm:sp3d/>
+    <dgm:txPr/>
+    <dgm:style>
+      <a:lnRef idx="2">
+        <a:scrgbClr r="0" g="0" b="0"/>
+      </a:lnRef>
+      <a:fillRef idx="0">
+        <a:scrgbClr r="0" g="0" b="0"/>
+      </a:fillRef>
+      <a:effectRef idx="0">
+        <a:scrgbClr r="0" g="0" b="0"/>
+      </a:effectRef>
+      <a:fontRef idx="minor"/>
+    </dgm:style>
+  </dgm:styleLbl>
+  <dgm:styleLbl name="fgAcc1">
+    <dgm:scene3d>
+      <a:camera prst="orthographicFront"/>
+      <a:lightRig rig="threePt" dir="t"/>
+    </dgm:scene3d>
+    <dgm:sp3d/>
+    <dgm:txPr/>
+    <dgm:style>
+      <a:lnRef idx="2">
+        <a:scrgbClr r="0" g="0" b="0"/>
+      </a:lnRef>
+      <a:fillRef idx="1">
+        <a:scrgbClr r="0" g="0" b="0"/>
+      </a:fillRef>
+      <a:effectRef idx="0">
+        <a:scrgbClr r="0" g="0" b="0"/>
+      </a:effectRef>
+      <a:fontRef idx="minor"/>
+    </dgm:style>
+  </dgm:styleLbl>
+  <dgm:styleLbl name="conFgAcc1">
+    <dgm:scene3d>
+      <a:camera prst="orthographicFront"/>
+      <a:lightRig rig="threePt" dir="t"/>
+    </dgm:scene3d>
+    <dgm:sp3d/>
+    <dgm:txPr/>
+    <dgm:style>
+      <a:lnRef idx="2">
+        <a:scrgbClr r="0" g="0" b="0"/>
+      </a:lnRef>
+      <a:fillRef idx="1">
+        <a:scrgbClr r="0" g="0" b="0"/>
+      </a:fillRef>
+      <a:effectRef idx="0">
+        <a:scrgbClr r="0" g="0" b="0"/>
+      </a:effectRef>
+      <a:fontRef idx="minor"/>
+    </dgm:style>
+  </dgm:styleLbl>
+  <dgm:styleLbl name="alignAcc1">
+    <dgm:scene3d>
+      <a:camera prst="orthographicFront"/>
+      <a:lightRig rig="threePt" dir="t"/>
+    </dgm:scene3d>
+    <dgm:sp3d/>
+    <dgm:txPr/>
+    <dgm:style>
+      <a:lnRef idx="2">
+        <a:scrgbClr r="0" g="0" b="0"/>
+      </a:lnRef>
+      <a:fillRef idx="1">
+        <a:scrgbClr r="0" g="0" b="0"/>
+      </a:fillRef>
+      <a:effectRef idx="0">
+        <a:scrgbClr r="0" g="0" b="0"/>
+      </a:effectRef>
+      <a:fontRef idx="minor"/>
+    </dgm:style>
+  </dgm:styleLbl>
+  <dgm:styleLbl name="trAlignAcc1">
+    <dgm:scene3d>
+      <a:camera prst="orthographicFront"/>
+      <a:lightRig rig="threePt" dir="t"/>
+    </dgm:scene3d>
+    <dgm:sp3d/>
+    <dgm:txPr/>
+    <dgm:style>
+      <a:lnRef idx="1">
+        <a:scrgbClr r="0" g="0" b="0"/>
+      </a:lnRef>
+      <a:fillRef idx="1">
+        <a:scrgbClr r="0" g="0" b="0"/>
+      </a:fillRef>
+      <a:effectRef idx="0">
+        <a:scrgbClr r="0" g="0" b="0"/>
+      </a:effectRef>
+      <a:fontRef idx="minor"/>
+    </dgm:style>
+  </dgm:styleLbl>
+  <dgm:styleLbl name="bgAcc1">
+    <dgm:scene3d>
+      <a:camera prst="orthographicFront"/>
+      <a:lightRig rig="threePt" dir="t"/>
+    </dgm:scene3d>
+    <dgm:sp3d/>
+    <dgm:txPr/>
+    <dgm:style>
+      <a:lnRef idx="2">
+        <a:scrgbClr r="0" g="0" b="0"/>
+      </a:lnRef>
+      <a:fillRef idx="1">
+        <a:scrgbClr r="0" g="0" b="0"/>
+      </a:fillRef>
+      <a:effectRef idx="0">
+        <a:scrgbClr r="0" g="0" b="0"/>
+      </a:effectRef>
+      <a:fontRef idx="minor"/>
+    </dgm:style>
+  </dgm:styleLbl>
+  <dgm:styleLbl name="solidFgAcc1">
+    <dgm:scene3d>
+      <a:camera prst="orthographicFront"/>
+      <a:lightRig rig="threePt" dir="t"/>
+    </dgm:scene3d>
+    <dgm:sp3d/>
+    <dgm:txPr/>
+    <dgm:style>
+      <a:lnRef idx="2">
+        <a:scrgbClr r="0" g="0" b="0"/>
+      </a:lnRef>
+      <a:fillRef idx="1">
+        <a:scrgbClr r="0" g="0" b="0"/>
+      </a:fillRef>
+      <a:effectRef idx="0">
+        <a:scrgbClr r="0" g="0" b="0"/>
+      </a:effectRef>
+      <a:fontRef idx="minor"/>
+    </dgm:style>
+  </dgm:styleLbl>
+  <dgm:styleLbl name="solidAlignAcc1">
+    <dgm:scene3d>
+      <a:camera prst="orthographicFront"/>
+      <a:lightRig rig="threePt" dir="t"/>
+    </dgm:scene3d>
+    <dgm:sp3d/>
+    <dgm:txPr/>
+    <dgm:style>
+      <a:lnRef idx="2">
+        <a:scrgbClr r="0" g="0" b="0"/>
+      </a:lnRef>
+      <a:fillRef idx="1">
+        <a:scrgbClr r="0" g="0" b="0"/>
+      </a:fillRef>
+      <a:effectRef idx="0">
+        <a:scrgbClr r="0" g="0" b="0"/>
+      </a:effectRef>
+      <a:fontRef idx="minor"/>
+    </dgm:style>
+  </dgm:styleLbl>
+  <dgm:styleLbl name="solidBgAcc1">
+    <dgm:scene3d>
+      <a:camera prst="orthographicFront"/>
+      <a:lightRig rig="threePt" dir="t"/>
+    </dgm:scene3d>
+    <dgm:sp3d/>
+    <dgm:txPr/>
+    <dgm:style>
+      <a:lnRef idx="2">
+        <a:scrgbClr r="0" g="0" b="0"/>
+      </a:lnRef>
+      <a:fillRef idx="1">
+        <a:scrgbClr r="0" g="0" b="0"/>
+      </a:fillRef>
+      <a:effectRef idx="0">
+        <a:scrgbClr r="0" g="0" b="0"/>
+      </a:effectRef>
+      <a:fontRef idx="minor"/>
+    </dgm:style>
+  </dgm:styleLbl>
+  <dgm:styleLbl name="fgAccFollowNode1">
+    <dgm:scene3d>
+      <a:camera prst="orthographicFront"/>
+      <a:lightRig rig="threePt" dir="t"/>
+    </dgm:scene3d>
+    <dgm:sp3d/>
+    <dgm:txPr/>
+    <dgm:style>
+      <a:lnRef idx="2">
+        <a:scrgbClr r="0" g="0" b="0"/>
+      </a:lnRef>
+      <a:fillRef idx="1">
+        <a:scrgbClr r="0" g="0" b="0"/>
+      </a:fillRef>
+      <a:effectRef idx="0">
+        <a:scrgbClr r="0" g="0" b="0"/>
+      </a:effectRef>
+      <a:fontRef idx="minor"/>
+    </dgm:style>
+  </dgm:styleLbl>
+  <dgm:styleLbl name="alignAccFollowNode1">
+    <dgm:scene3d>
+      <a:camera prst="orthographicFront"/>
+      <a:lightRig rig="threePt" dir="t"/>
+    </dgm:scene3d>
+    <dgm:sp3d/>
+    <dgm:txPr/>
+    <dgm:style>
+      <a:lnRef idx="2">
+        <a:scrgbClr r="0" g="0" b="0"/>
+      </a:lnRef>
+      <a:fillRef idx="1">
+        <a:scrgbClr r="0" g="0" b="0"/>
+      </a:fillRef>
+      <a:effectRef idx="0">
+        <a:scrgbClr r="0" g="0" b="0"/>
+      </a:effectRef>
+      <a:fontRef idx="minor"/>
+    </dgm:style>
+  </dgm:styleLbl>
+  <dgm:styleLbl name="bgAccFollowNode1">
+    <dgm:scene3d>
+      <a:camera prst="orthographicFront"/>
+      <a:lightRig rig="threePt" dir="t"/>
+    </dgm:scene3d>
+    <dgm:sp3d/>
+    <dgm:txPr/>
+    <dgm:style>
+      <a:lnRef idx="2">
+        <a:scrgbClr r="0" g="0" b="0"/>
+      </a:lnRef>
+      <a:fillRef idx="1">
+        <a:scrgbClr r="0" g="0" b="0"/>
+      </a:fillRef>
+      <a:effectRef idx="0">
+        <a:scrgbClr r="0" g="0" b="0"/>
+      </a:effectRef>
+      <a:fontRef idx="minor"/>
+    </dgm:style>
+  </dgm:styleLbl>
+  <dgm:styleLbl name="fgAcc0">
+    <dgm:scene3d>
+      <a:camera prst="orthographicFront"/>
+      <a:lightRig rig="threePt" dir="t"/>
+    </dgm:scene3d>
+    <dgm:sp3d/>
+    <dgm:txPr/>
+    <dgm:style>
+      <a:lnRef idx="2">
+        <a:scrgbClr r="0" g="0" b="0"/>
+      </a:lnRef>
+      <a:fillRef idx="1">
+        <a:scrgbClr r="0" g="0" b="0"/>
+      </a:fillRef>
+      <a:effectRef idx="0">
+        <a:scrgbClr r="0" g="0" b="0"/>
+      </a:effectRef>
+      <a:fontRef idx="minor"/>
+    </dgm:style>
+  </dgm:styleLbl>
+  <dgm:styleLbl name="fgAcc2">
+    <dgm:scene3d>
+      <a:camera prst="orthographicFront"/>
+      <a:lightRig rig="threePt" dir="t"/>
+    </dgm:scene3d>
+    <dgm:sp3d/>
+    <dgm:txPr/>
+    <dgm:style>
+      <a:lnRef idx="2">
+        <a:scrgbClr r="0" g="0" b="0"/>
+      </a:lnRef>
+      <a:fillRef idx="1">
+        <a:scrgbClr r="0" g="0" b="0"/>
+      </a:fillRef>
+      <a:effectRef idx="0">
+        <a:scrgbClr r="0" g="0" b="0"/>
+      </a:effectRef>
+      <a:fontRef idx="minor"/>
+    </dgm:style>
+  </dgm:styleLbl>
+  <dgm:styleLbl name="fgAcc3">
+    <dgm:scene3d>
+      <a:camera prst="orthographicFront"/>
+      <a:lightRig rig="threePt" dir="t"/>
+    </dgm:scene3d>
+    <dgm:sp3d/>
+    <dgm:txPr/>
+    <dgm:style>
+      <a:lnRef idx="2">
+        <a:scrgbClr r="0" g="0" b="0"/>
+      </a:lnRef>
+      <a:fillRef idx="1">
+        <a:scrgbClr r="0" g="0" b="0"/>
+      </a:fillRef>
+      <a:effectRef idx="0">
+        <a:scrgbClr r="0" g="0" b="0"/>
+      </a:effectRef>
+      <a:fontRef idx="minor"/>
+    </dgm:style>
+  </dgm:styleLbl>
+  <dgm:styleLbl name="fgAcc4">
+    <dgm:scene3d>
+      <a:camera prst="orthographicFront"/>
+      <a:lightRig rig="threePt" dir="t"/>
+    </dgm:scene3d>
+    <dgm:sp3d/>
+    <dgm:txPr/>
+    <dgm:style>
+      <a:lnRef idx="2">
+        <a:scrgbClr r="0" g="0" b="0"/>
+      </a:lnRef>
+      <a:fillRef idx="1">
+        <a:scrgbClr r="0" g="0" b="0"/>
+      </a:fillRef>
+      <a:effectRef idx="0">
+        <a:scrgbClr r="0" g="0" b="0"/>
+      </a:effectRef>
+      <a:fontRef idx="minor"/>
+    </dgm:style>
+  </dgm:styleLbl>
+  <dgm:styleLbl name="bgShp">
+    <dgm:scene3d>
+      <a:camera prst="orthographicFront"/>
+      <a:lightRig rig="threePt" dir="t"/>
+    </dgm:scene3d>
+    <dgm:sp3d/>
+    <dgm:txPr/>
+    <dgm:style>
+      <a:lnRef idx="0">
+        <a:scrgbClr r="0" g="0" b="0"/>
+      </a:lnRef>
+      <a:fillRef idx="1">
+        <a:scrgbClr r="0" g="0" b="0"/>
+      </a:fillRef>
+      <a:effectRef idx="0">
+        <a:scrgbClr r="0" g="0" b="0"/>
+      </a:effectRef>
+      <a:fontRef idx="minor"/>
+    </dgm:style>
+  </dgm:styleLbl>
+  <dgm:styleLbl name="dkBgShp">
+    <dgm:scene3d>
+      <a:camera prst="orthographicFront"/>
+      <a:lightRig rig="threePt" dir="t"/>
+    </dgm:scene3d>
+    <dgm:sp3d/>
+    <dgm:txPr/>
+    <dgm:style>
+      <a:lnRef idx="0">
+        <a:scrgbClr r="0" g="0" b="0"/>
+      </a:lnRef>
+      <a:fillRef idx="1">
+        <a:scrgbClr r="0" g="0" b="0"/>
+      </a:fillRef>
+      <a:effectRef idx="0">
+        <a:scrgbClr r="0" g="0" b="0"/>
+      </a:effectRef>
+      <a:fontRef idx="minor"/>
+    </dgm:style>
+  </dgm:styleLbl>
+  <dgm:styleLbl name="trBgShp">
+    <dgm:scene3d>
+      <a:camera prst="orthographicFront"/>
+      <a:lightRig rig="threePt" dir="t"/>
+    </dgm:scene3d>
+    <dgm:sp3d/>
+    <dgm:txPr/>
+    <dgm:style>
+      <a:lnRef idx="0">
+        <a:scrgbClr r="0" g="0" b="0"/>
+      </a:lnRef>
+      <a:fillRef idx="1">
+        <a:scrgbClr r="0" g="0" b="0"/>
+      </a:fillRef>
+      <a:effectRef idx="0">
+        <a:scrgbClr r="0" g="0" b="0"/>
+      </a:effectRef>
+      <a:fontRef idx="minor"/>
+    </dgm:style>
+  </dgm:styleLbl>
+  <dgm:styleLbl name="fgShp">
+    <dgm:scene3d>
+      <a:camera prst="orthographicFront"/>
+      <a:lightRig rig="threePt" dir="t"/>
+    </dgm:scene3d>
+    <dgm:sp3d/>
+    <dgm:txPr/>
+    <dgm:style>
+      <a:lnRef idx="2">
+        <a:scrgbClr r="0" g="0" b="0"/>
+      </a:lnRef>
+      <a:fillRef idx="1">
+        <a:scrgbClr r="0" g="0" b="0"/>
+      </a:fillRef>
+      <a:effectRef idx="0">
+        <a:scrgbClr r="0" g="0" b="0"/>
+      </a:effectRef>
+      <a:fontRef idx="minor"/>
+    </dgm:style>
+  </dgm:styleLbl>
+  <dgm:styleLbl name="revTx">
+    <dgm:scene3d>
+      <a:camera prst="orthographicFront"/>
+      <a:lightRig rig="threePt" dir="t"/>
+    </dgm:scene3d>
+    <dgm:sp3d/>
+    <dgm:txPr/>
+    <dgm:style>
+      <a:lnRef idx="0">
+        <a:scrgbClr r="0" g="0" b="0"/>
+      </a:lnRef>
+      <a:fillRef idx="0">
+        <a:scrgbClr r="0" g="0" b="0"/>
+      </a:fillRef>
+      <a:effectRef idx="0">
+        <a:scrgbClr r="0" g="0" b="0"/>
+      </a:effectRef>
+      <a:fontRef idx="minor"/>
+    </dgm:style>
+  </dgm:styleLbl>
+</dgm:styleDef>
+</file>
+
+<file path=ppt/diagrams/quickStyle2.xml><?xml version="1.0" encoding="utf-8"?>
 <dgm:styleDef xmlns:dgm="http://schemas.openxmlformats.org/drawingml/2006/diagram" xmlns:a="http://schemas.openxmlformats.org/drawingml/2006/main" uniqueId="urn:microsoft.com/office/officeart/2005/8/quickstyle/simple1">
   <dgm:title val=""/>
   <dgm:desc val=""/>
@@ -4952,7 +8337,7 @@
             <a:pPr algn="l"/>
             <a:fld id="{0DCFB061-4267-4D9F-8017-6F550D3068DF}" type="datetime1">
               <a:rPr lang="en-US" smtClean="0"/>
-              <a:t>2/25/2024</a:t>
+              <a:t>3/8/2024</a:t>
             </a:fld>
             <a:endParaRPr lang="en-US" dirty="0"/>
           </a:p>
@@ -5145,7 +8530,7 @@
           <a:p>
             <a:fld id="{8141BC61-5547-4A60-8DA1-6699760D9972}" type="datetime1">
               <a:rPr lang="en-US" smtClean="0"/>
-              <a:t>2/25/2024</a:t>
+              <a:t>3/8/2024</a:t>
             </a:fld>
             <a:endParaRPr lang="en-US" dirty="0"/>
           </a:p>
@@ -5330,7 +8715,7 @@
           <a:p>
             <a:fld id="{24B9D1C6-60D0-4CD1-8F31-F912522EB041}" type="datetime1">
               <a:rPr lang="en-US" smtClean="0"/>
-              <a:t>2/25/2024</a:t>
+              <a:t>3/8/2024</a:t>
             </a:fld>
             <a:endParaRPr lang="en-US" dirty="0"/>
           </a:p>
@@ -5559,7 +8944,7 @@
           <a:p>
             <a:fld id="{47A4ED5C-5A53-433E-8A55-46F54CE81DA5}" type="datetime1">
               <a:rPr lang="en-US" smtClean="0"/>
-              <a:t>2/25/2024</a:t>
+              <a:t>3/8/2024</a:t>
             </a:fld>
             <a:endParaRPr lang="en-US" dirty="0"/>
           </a:p>
@@ -5886,7 +9271,7 @@
           <a:p>
             <a:fld id="{29CABC0C-B6DF-45E9-B954-11C99AA62C3E}" type="datetime1">
               <a:rPr lang="en-US" smtClean="0"/>
-              <a:t>2/25/2024</a:t>
+              <a:t>3/8/2024</a:t>
             </a:fld>
             <a:endParaRPr lang="en-US" dirty="0"/>
           </a:p>
@@ -6182,7 +9567,7 @@
           <a:p>
             <a:fld id="{A4AB71B9-2624-4F21-93EE-35A78B1A0DAD}" type="datetime1">
               <a:rPr lang="en-US" smtClean="0"/>
-              <a:t>2/25/2024</a:t>
+              <a:t>3/8/2024</a:t>
             </a:fld>
             <a:endParaRPr lang="en-US" dirty="0"/>
           </a:p>
@@ -6603,7 +9988,7 @@
           <a:p>
             <a:fld id="{36D37C2A-BE2E-4840-A907-3254E2916C96}" type="datetime1">
               <a:rPr lang="en-US" smtClean="0"/>
-              <a:t>2/25/2024</a:t>
+              <a:t>3/8/2024</a:t>
             </a:fld>
             <a:endParaRPr lang="en-US" dirty="0"/>
           </a:p>
@@ -6801,7 +10186,7 @@
           <a:p>
             <a:fld id="{005CD215-1C45-48A0-8534-39FFE8A7C95A}" type="datetime1">
               <a:rPr lang="en-US" smtClean="0"/>
-              <a:t>2/25/2024</a:t>
+              <a:t>3/8/2024</a:t>
             </a:fld>
             <a:endParaRPr lang="en-US" dirty="0"/>
           </a:p>
@@ -6910,7 +10295,7 @@
           <a:p>
             <a:fld id="{D3363A0F-DEF3-4134-98D0-2E1276938A8B}" type="datetime1">
               <a:rPr lang="en-US" smtClean="0"/>
-              <a:t>2/25/2024</a:t>
+              <a:t>3/8/2024</a:t>
             </a:fld>
             <a:endParaRPr lang="en-US" dirty="0"/>
           </a:p>
@@ -7331,7 +10716,7 @@
           <a:p>
             <a:fld id="{61A2E4C8-2960-4ADD-862C-4D9643CB15AC}" type="datetime1">
               <a:rPr lang="en-US" smtClean="0"/>
-              <a:t>2/25/2024</a:t>
+              <a:t>3/8/2024</a:t>
             </a:fld>
             <a:endParaRPr lang="en-US" dirty="0"/>
           </a:p>
@@ -7684,7 +11069,7 @@
           <a:p>
             <a:fld id="{48BDEA15-09CD-4275-A8E0-385C965F48B0}" type="datetime1">
               <a:rPr lang="en-US" smtClean="0"/>
-              <a:t>2/25/2024</a:t>
+              <a:t>3/8/2024</a:t>
             </a:fld>
             <a:endParaRPr lang="en-US" dirty="0"/>
           </a:p>
@@ -7989,7 +11374,7 @@
           <a:p>
             <a:fld id="{4AF8082C-0922-4249-A612-B415F5231620}" type="datetime1">
               <a:rPr lang="en-US" smtClean="0"/>
-              <a:t>2/25/2024</a:t>
+              <a:t>3/8/2024</a:t>
             </a:fld>
             <a:endParaRPr lang="en-US" dirty="0"/>
           </a:p>
@@ -8816,14 +12201,30 @@
           <a:p>
             <a:pPr algn="ctr"/>
             <a:r>
-              <a:rPr lang="en-US">
+              <a:rPr lang="en-US" dirty="0">
                 <a:solidFill>
                   <a:schemeClr val="bg1"/>
                 </a:solidFill>
               </a:rPr>
-              <a:t>Using Tkinter Library</a:t>
+              <a:t>Using </a:t>
             </a:r>
-            <a:endParaRPr lang="en-IN">
+            <a:r>
+              <a:rPr lang="en-US" dirty="0" err="1">
+                <a:solidFill>
+                  <a:schemeClr val="bg1"/>
+                </a:solidFill>
+              </a:rPr>
+              <a:t>Tkinter</a:t>
+            </a:r>
+            <a:r>
+              <a:rPr lang="en-US" dirty="0">
+                <a:solidFill>
+                  <a:schemeClr val="bg1"/>
+                </a:solidFill>
+              </a:rPr>
+              <a:t> Library</a:t>
+            </a:r>
+            <a:endParaRPr lang="en-IN" dirty="0">
               <a:solidFill>
                 <a:schemeClr val="bg1"/>
               </a:solidFill>
@@ -9183,6 +12584,238 @@
           </a:p>
         </p:txBody>
       </p:sp>
+      <p:sp>
+        <p:nvSpPr>
+          <p:cNvPr id="4" name="Subtitle 2">
+            <a:extLst>
+              <a:ext uri="{FF2B5EF4-FFF2-40B4-BE49-F238E27FC236}">
+                <a16:creationId xmlns:a16="http://schemas.microsoft.com/office/drawing/2014/main" id="{62D9AA6D-29FD-06F5-BDAF-0F6287B3325F}"/>
+              </a:ext>
+            </a:extLst>
+          </p:cNvPr>
+          <p:cNvSpPr txBox="1">
+            <a:spLocks/>
+          </p:cNvSpPr>
+          <p:nvPr/>
+        </p:nvSpPr>
+        <p:spPr>
+          <a:xfrm>
+            <a:off x="7495021" y="6167615"/>
+            <a:ext cx="5045022" cy="1152045"/>
+          </a:xfrm>
+          <a:prstGeom prst="rect">
+            <a:avLst/>
+          </a:prstGeom>
+        </p:spPr>
+        <p:txBody>
+          <a:bodyPr vert="horz" lIns="109728" tIns="109728" rIns="109728" bIns="91440" rtlCol="0" anchor="t">
+            <a:normAutofit/>
+          </a:bodyPr>
+          <a:lstStyle>
+            <a:lvl1pPr marL="0" indent="0" algn="l" defTabSz="914400" rtl="0" eaLnBrk="1" latinLnBrk="0" hangingPunct="1">
+              <a:lnSpc>
+                <a:spcPct val="150000"/>
+              </a:lnSpc>
+              <a:spcBef>
+                <a:spcPts val="930"/>
+              </a:spcBef>
+              <a:buFont typeface="Corbel" panose="020B0503020204020204" pitchFamily="34" charset="0"/>
+              <a:buNone/>
+              <a:defRPr sz="2400" b="0" kern="1200" cap="none" spc="150" baseline="0">
+                <a:solidFill>
+                  <a:schemeClr val="tx1">
+                    <a:lumMod val="85000"/>
+                    <a:lumOff val="15000"/>
+                  </a:schemeClr>
+                </a:solidFill>
+                <a:latin typeface="+mn-lt"/>
+                <a:ea typeface="+mn-ea"/>
+                <a:cs typeface="+mn-cs"/>
+              </a:defRPr>
+            </a:lvl1pPr>
+            <a:lvl2pPr marL="457200" indent="0" algn="ctr" defTabSz="914400" rtl="0" eaLnBrk="1" latinLnBrk="0" hangingPunct="1">
+              <a:lnSpc>
+                <a:spcPct val="140000"/>
+              </a:lnSpc>
+              <a:spcBef>
+                <a:spcPts val="930"/>
+              </a:spcBef>
+              <a:buFont typeface="Corbel" panose="020B0503020204020204" pitchFamily="34" charset="0"/>
+              <a:buNone/>
+              <a:defRPr sz="2000" kern="1200" spc="150" baseline="0">
+                <a:solidFill>
+                  <a:schemeClr val="tx1">
+                    <a:lumMod val="75000"/>
+                    <a:lumOff val="25000"/>
+                  </a:schemeClr>
+                </a:solidFill>
+                <a:latin typeface="+mn-lt"/>
+                <a:ea typeface="+mn-ea"/>
+                <a:cs typeface="+mn-cs"/>
+              </a:defRPr>
+            </a:lvl2pPr>
+            <a:lvl3pPr marL="914400" indent="0" algn="ctr" defTabSz="914400" rtl="0" eaLnBrk="1" latinLnBrk="0" hangingPunct="1">
+              <a:lnSpc>
+                <a:spcPct val="140000"/>
+              </a:lnSpc>
+              <a:spcBef>
+                <a:spcPts val="930"/>
+              </a:spcBef>
+              <a:buFont typeface="Corbel" panose="020B0503020204020204" pitchFamily="34" charset="0"/>
+              <a:buNone/>
+              <a:defRPr sz="1800" i="1" kern="1200" spc="150" baseline="0">
+                <a:solidFill>
+                  <a:schemeClr val="tx1">
+                    <a:lumMod val="75000"/>
+                    <a:lumOff val="25000"/>
+                  </a:schemeClr>
+                </a:solidFill>
+                <a:latin typeface="+mn-lt"/>
+                <a:ea typeface="+mn-ea"/>
+                <a:cs typeface="+mn-cs"/>
+              </a:defRPr>
+            </a:lvl3pPr>
+            <a:lvl4pPr marL="1371600" indent="0" algn="ctr" defTabSz="914400" rtl="0" eaLnBrk="1" latinLnBrk="0" hangingPunct="1">
+              <a:lnSpc>
+                <a:spcPct val="140000"/>
+              </a:lnSpc>
+              <a:spcBef>
+                <a:spcPts val="930"/>
+              </a:spcBef>
+              <a:buFont typeface="Corbel" panose="020B0503020204020204" pitchFamily="34" charset="0"/>
+              <a:buNone/>
+              <a:defRPr sz="1600" kern="1200" spc="150" baseline="0">
+                <a:solidFill>
+                  <a:schemeClr val="tx1">
+                    <a:lumMod val="75000"/>
+                    <a:lumOff val="25000"/>
+                  </a:schemeClr>
+                </a:solidFill>
+                <a:latin typeface="+mn-lt"/>
+                <a:ea typeface="+mn-ea"/>
+                <a:cs typeface="+mn-cs"/>
+              </a:defRPr>
+            </a:lvl4pPr>
+            <a:lvl5pPr marL="1828800" indent="0" algn="ctr" defTabSz="914400" rtl="0" eaLnBrk="1" latinLnBrk="0" hangingPunct="1">
+              <a:lnSpc>
+                <a:spcPct val="140000"/>
+              </a:lnSpc>
+              <a:spcBef>
+                <a:spcPts val="930"/>
+              </a:spcBef>
+              <a:buFont typeface="Corbel" panose="020B0503020204020204" pitchFamily="34" charset="0"/>
+              <a:buNone/>
+              <a:defRPr sz="1600" i="1" kern="1200" spc="150" baseline="0">
+                <a:solidFill>
+                  <a:schemeClr val="tx1">
+                    <a:lumMod val="75000"/>
+                    <a:lumOff val="25000"/>
+                  </a:schemeClr>
+                </a:solidFill>
+                <a:latin typeface="+mn-lt"/>
+                <a:ea typeface="+mn-ea"/>
+                <a:cs typeface="+mn-cs"/>
+              </a:defRPr>
+            </a:lvl5pPr>
+            <a:lvl6pPr marL="2286000" indent="0" algn="ctr" defTabSz="914400" rtl="0" eaLnBrk="1" latinLnBrk="0" hangingPunct="1">
+              <a:lnSpc>
+                <a:spcPct val="111000"/>
+              </a:lnSpc>
+              <a:spcBef>
+                <a:spcPts val="930"/>
+              </a:spcBef>
+              <a:buFont typeface="Corbel" panose="020B0503020204020204" pitchFamily="34" charset="0"/>
+              <a:buNone/>
+              <a:defRPr sz="1600" kern="1200">
+                <a:solidFill>
+                  <a:schemeClr val="accent1">
+                    <a:lumMod val="75000"/>
+                  </a:schemeClr>
+                </a:solidFill>
+                <a:latin typeface="+mn-lt"/>
+                <a:ea typeface="+mn-ea"/>
+                <a:cs typeface="+mn-cs"/>
+              </a:defRPr>
+            </a:lvl6pPr>
+            <a:lvl7pPr marL="2743200" indent="0" algn="ctr" defTabSz="914400" rtl="0" eaLnBrk="1" latinLnBrk="0" hangingPunct="1">
+              <a:lnSpc>
+                <a:spcPct val="111000"/>
+              </a:lnSpc>
+              <a:spcBef>
+                <a:spcPts val="930"/>
+              </a:spcBef>
+              <a:buFont typeface="Corbel" panose="020B0503020204020204" pitchFamily="34" charset="0"/>
+              <a:buNone/>
+              <a:defRPr sz="1600" i="1" kern="1200">
+                <a:solidFill>
+                  <a:schemeClr val="accent1">
+                    <a:lumMod val="75000"/>
+                  </a:schemeClr>
+                </a:solidFill>
+                <a:latin typeface="+mn-lt"/>
+                <a:ea typeface="+mn-ea"/>
+                <a:cs typeface="+mn-cs"/>
+              </a:defRPr>
+            </a:lvl7pPr>
+            <a:lvl8pPr marL="3200400" indent="0" algn="ctr" defTabSz="914400" rtl="0" eaLnBrk="1" latinLnBrk="0" hangingPunct="1">
+              <a:lnSpc>
+                <a:spcPct val="111000"/>
+              </a:lnSpc>
+              <a:spcBef>
+                <a:spcPts val="930"/>
+              </a:spcBef>
+              <a:buFont typeface="Corbel" panose="020B0503020204020204" pitchFamily="34" charset="0"/>
+              <a:buNone/>
+              <a:defRPr sz="1600" kern="1200">
+                <a:solidFill>
+                  <a:schemeClr val="accent1">
+                    <a:lumMod val="75000"/>
+                  </a:schemeClr>
+                </a:solidFill>
+                <a:latin typeface="+mn-lt"/>
+                <a:ea typeface="+mn-ea"/>
+                <a:cs typeface="+mn-cs"/>
+              </a:defRPr>
+            </a:lvl8pPr>
+            <a:lvl9pPr marL="3657600" indent="0" algn="ctr" defTabSz="914400" rtl="0" eaLnBrk="1" latinLnBrk="0" hangingPunct="1">
+              <a:lnSpc>
+                <a:spcPct val="111000"/>
+              </a:lnSpc>
+              <a:spcBef>
+                <a:spcPts val="930"/>
+              </a:spcBef>
+              <a:buFont typeface="Corbel" panose="020B0503020204020204" pitchFamily="34" charset="0"/>
+              <a:buNone/>
+              <a:defRPr sz="1600" i="1" kern="1200">
+                <a:solidFill>
+                  <a:schemeClr val="accent1">
+                    <a:lumMod val="75000"/>
+                  </a:schemeClr>
+                </a:solidFill>
+                <a:latin typeface="+mn-lt"/>
+                <a:ea typeface="+mn-ea"/>
+                <a:cs typeface="+mn-cs"/>
+              </a:defRPr>
+            </a:lvl9pPr>
+          </a:lstStyle>
+          <a:p>
+            <a:pPr algn="ctr"/>
+            <a:r>
+              <a:rPr lang="en-US" dirty="0">
+                <a:solidFill>
+                  <a:schemeClr val="bg1"/>
+                </a:solidFill>
+              </a:rPr>
+              <a:t>By :- Deewankar Sharma</a:t>
+            </a:r>
+            <a:endParaRPr lang="en-IN" dirty="0">
+              <a:solidFill>
+                <a:schemeClr val="bg1"/>
+              </a:solidFill>
+            </a:endParaRPr>
+          </a:p>
+        </p:txBody>
+      </p:sp>
     </p:spTree>
     <p:extLst>
       <p:ext uri="{BB962C8B-B14F-4D97-AF65-F5344CB8AC3E}">
@@ -9197,6 +12830,323 @@
 </file>
 
 <file path=ppt/slides/slide10.xml><?xml version="1.0" encoding="utf-8"?>
+<p:sld xmlns:a="http://schemas.openxmlformats.org/drawingml/2006/main" xmlns:r="http://schemas.openxmlformats.org/officeDocument/2006/relationships" xmlns:p="http://schemas.openxmlformats.org/presentationml/2006/main">
+  <p:cSld>
+    <p:spTree>
+      <p:nvGrpSpPr>
+        <p:cNvPr id="1" name=""/>
+        <p:cNvGrpSpPr/>
+        <p:nvPr/>
+      </p:nvGrpSpPr>
+      <p:grpSpPr>
+        <a:xfrm>
+          <a:off x="0" y="0"/>
+          <a:ext cx="0" cy="0"/>
+          <a:chOff x="0" y="0"/>
+          <a:chExt cx="0" cy="0"/>
+        </a:xfrm>
+      </p:grpSpPr>
+      <p:sp>
+        <p:nvSpPr>
+          <p:cNvPr id="2" name="Title 1">
+            <a:extLst>
+              <a:ext uri="{FF2B5EF4-FFF2-40B4-BE49-F238E27FC236}">
+                <a16:creationId xmlns:a16="http://schemas.microsoft.com/office/drawing/2014/main" id="{FB11B0A4-2C02-B345-27CF-555962A8DA35}"/>
+              </a:ext>
+            </a:extLst>
+          </p:cNvPr>
+          <p:cNvSpPr>
+            <a:spLocks noGrp="1"/>
+          </p:cNvSpPr>
+          <p:nvPr>
+            <p:ph type="title"/>
+          </p:nvPr>
+        </p:nvSpPr>
+        <p:spPr/>
+        <p:txBody>
+          <a:bodyPr/>
+          <a:lstStyle/>
+          <a:p>
+            <a:r>
+              <a:rPr lang="en-US" dirty="0"/>
+              <a:t>Creating the Buttons</a:t>
+            </a:r>
+            <a:endParaRPr lang="en-IN" dirty="0"/>
+          </a:p>
+        </p:txBody>
+      </p:sp>
+      <p:sp>
+        <p:nvSpPr>
+          <p:cNvPr id="3" name="Content Placeholder 2">
+            <a:extLst>
+              <a:ext uri="{FF2B5EF4-FFF2-40B4-BE49-F238E27FC236}">
+                <a16:creationId xmlns:a16="http://schemas.microsoft.com/office/drawing/2014/main" id="{E302FDB8-9EB7-5E21-542C-AE2457ECEE62}"/>
+              </a:ext>
+            </a:extLst>
+          </p:cNvPr>
+          <p:cNvSpPr>
+            <a:spLocks noGrp="1"/>
+          </p:cNvSpPr>
+          <p:nvPr>
+            <p:ph idx="1"/>
+          </p:nvPr>
+        </p:nvSpPr>
+        <p:spPr/>
+        <p:txBody>
+          <a:bodyPr/>
+          <a:lstStyle/>
+          <a:p>
+            <a:r>
+              <a:rPr lang="en-IN" sz="1800" b="1" kern="100" dirty="0">
+                <a:solidFill>
+                  <a:schemeClr val="accent3">
+                    <a:lumMod val="75000"/>
+                  </a:schemeClr>
+                </a:solidFill>
+                <a:effectLst/>
+                <a:latin typeface="Calibri" panose="020F0502020204030204" pitchFamily="34" charset="0"/>
+                <a:ea typeface="Calibri" panose="020F0502020204030204" pitchFamily="34" charset="0"/>
+                <a:cs typeface="Times New Roman" panose="02020603050405020304" pitchFamily="18" charset="0"/>
+              </a:rPr>
+              <a:t>Creating the Buttons</a:t>
+            </a:r>
+            <a:r>
+              <a:rPr lang="en-IN" sz="1800" kern="100" dirty="0">
+                <a:solidFill>
+                  <a:schemeClr val="accent3">
+                    <a:lumMod val="75000"/>
+                  </a:schemeClr>
+                </a:solidFill>
+                <a:effectLst/>
+                <a:latin typeface="Calibri" panose="020F0502020204030204" pitchFamily="34" charset="0"/>
+                <a:ea typeface="Calibri" panose="020F0502020204030204" pitchFamily="34" charset="0"/>
+                <a:cs typeface="Times New Roman" panose="02020603050405020304" pitchFamily="18" charset="0"/>
+              </a:rPr>
+              <a:t>: </a:t>
+            </a:r>
+            <a:r>
+              <a:rPr lang="en-IN" sz="1800" kern="100" dirty="0">
+                <a:effectLst/>
+                <a:latin typeface="Calibri" panose="020F0502020204030204" pitchFamily="34" charset="0"/>
+                <a:ea typeface="Calibri" panose="020F0502020204030204" pitchFamily="34" charset="0"/>
+                <a:cs typeface="Times New Roman" panose="02020603050405020304" pitchFamily="18" charset="0"/>
+              </a:rPr>
+              <a:t>Sixteen </a:t>
+            </a:r>
+            <a:r>
+              <a:rPr lang="en-IN" sz="1800" b="1" kern="100" dirty="0">
+                <a:effectLst/>
+                <a:latin typeface="Calibri" panose="020F0502020204030204" pitchFamily="34" charset="0"/>
+                <a:ea typeface="Calibri" panose="020F0502020204030204" pitchFamily="34" charset="0"/>
+                <a:cs typeface="Times New Roman" panose="02020603050405020304" pitchFamily="18" charset="0"/>
+              </a:rPr>
+              <a:t>Button</a:t>
+            </a:r>
+            <a:r>
+              <a:rPr lang="en-IN" sz="1800" kern="100" dirty="0">
+                <a:effectLst/>
+                <a:latin typeface="Calibri" panose="020F0502020204030204" pitchFamily="34" charset="0"/>
+                <a:ea typeface="Calibri" panose="020F0502020204030204" pitchFamily="34" charset="0"/>
+                <a:cs typeface="Times New Roman" panose="02020603050405020304" pitchFamily="18" charset="0"/>
+              </a:rPr>
+              <a:t> widgets are created to represent the digits 0-9, the arithmetic operators +, -, *, and /, the equals sign =, and the clear button C. Each button is configured with a width of 5 and a command that calls the </a:t>
+            </a:r>
+            <a:r>
+              <a:rPr lang="en-IN" sz="1800" b="1" kern="100" dirty="0">
+                <a:effectLst/>
+                <a:latin typeface="Calibri" panose="020F0502020204030204" pitchFamily="34" charset="0"/>
+                <a:ea typeface="Calibri" panose="020F0502020204030204" pitchFamily="34" charset="0"/>
+                <a:cs typeface="Times New Roman" panose="02020603050405020304" pitchFamily="18" charset="0"/>
+              </a:rPr>
+              <a:t>click</a:t>
+            </a:r>
+            <a:r>
+              <a:rPr lang="en-IN" sz="1800" kern="100" dirty="0">
+                <a:effectLst/>
+                <a:latin typeface="Calibri" panose="020F0502020204030204" pitchFamily="34" charset="0"/>
+                <a:ea typeface="Calibri" panose="020F0502020204030204" pitchFamily="34" charset="0"/>
+                <a:cs typeface="Times New Roman" panose="02020603050405020304" pitchFamily="18" charset="0"/>
+              </a:rPr>
+              <a:t> function with the appropriate symbol when the button is clicked. The buttons are arranged in a 4x4 grid using the </a:t>
+            </a:r>
+            <a:r>
+              <a:rPr lang="en-IN" sz="1800" b="1" kern="100" dirty="0">
+                <a:effectLst/>
+                <a:latin typeface="Calibri" panose="020F0502020204030204" pitchFamily="34" charset="0"/>
+                <a:ea typeface="Calibri" panose="020F0502020204030204" pitchFamily="34" charset="0"/>
+                <a:cs typeface="Times New Roman" panose="02020603050405020304" pitchFamily="18" charset="0"/>
+              </a:rPr>
+              <a:t>grid</a:t>
+            </a:r>
+            <a:r>
+              <a:rPr lang="en-IN" sz="1800" kern="100" dirty="0">
+                <a:effectLst/>
+                <a:latin typeface="Calibri" panose="020F0502020204030204" pitchFamily="34" charset="0"/>
+                <a:ea typeface="Calibri" panose="020F0502020204030204" pitchFamily="34" charset="0"/>
+                <a:cs typeface="Times New Roman" panose="02020603050405020304" pitchFamily="18" charset="0"/>
+              </a:rPr>
+              <a:t> method, with each button occupying one cell in the grid.</a:t>
+            </a:r>
+          </a:p>
+          <a:p>
+            <a:endParaRPr lang="en-IN" dirty="0"/>
+          </a:p>
+        </p:txBody>
+      </p:sp>
+    </p:spTree>
+    <p:extLst>
+      <p:ext uri="{BB962C8B-B14F-4D97-AF65-F5344CB8AC3E}">
+        <p14:creationId xmlns:p14="http://schemas.microsoft.com/office/powerpoint/2010/main" val="3064495754"/>
+      </p:ext>
+    </p:extLst>
+  </p:cSld>
+  <p:clrMapOvr>
+    <a:masterClrMapping/>
+  </p:clrMapOvr>
+</p:sld>
+</file>
+
+<file path=ppt/slides/slide11.xml><?xml version="1.0" encoding="utf-8"?>
+<p:sld xmlns:a="http://schemas.openxmlformats.org/drawingml/2006/main" xmlns:r="http://schemas.openxmlformats.org/officeDocument/2006/relationships" xmlns:p="http://schemas.openxmlformats.org/presentationml/2006/main">
+  <p:cSld>
+    <p:spTree>
+      <p:nvGrpSpPr>
+        <p:cNvPr id="1" name=""/>
+        <p:cNvGrpSpPr/>
+        <p:nvPr/>
+      </p:nvGrpSpPr>
+      <p:grpSpPr>
+        <a:xfrm>
+          <a:off x="0" y="0"/>
+          <a:ext cx="0" cy="0"/>
+          <a:chOff x="0" y="0"/>
+          <a:chExt cx="0" cy="0"/>
+        </a:xfrm>
+      </p:grpSpPr>
+      <p:sp>
+        <p:nvSpPr>
+          <p:cNvPr id="2" name="Title 1">
+            <a:extLst>
+              <a:ext uri="{FF2B5EF4-FFF2-40B4-BE49-F238E27FC236}">
+                <a16:creationId xmlns:a16="http://schemas.microsoft.com/office/drawing/2014/main" id="{6C378359-118F-B7F4-F46E-070FDCC452F2}"/>
+              </a:ext>
+            </a:extLst>
+          </p:cNvPr>
+          <p:cNvSpPr>
+            <a:spLocks noGrp="1"/>
+          </p:cNvSpPr>
+          <p:nvPr>
+            <p:ph type="title"/>
+          </p:nvPr>
+        </p:nvSpPr>
+        <p:spPr/>
+        <p:txBody>
+          <a:bodyPr/>
+          <a:lstStyle/>
+          <a:p>
+            <a:r>
+              <a:rPr lang="en-US" dirty="0"/>
+              <a:t>Running the main Loop Event</a:t>
+            </a:r>
+            <a:endParaRPr lang="en-IN" dirty="0"/>
+          </a:p>
+        </p:txBody>
+      </p:sp>
+      <p:sp>
+        <p:nvSpPr>
+          <p:cNvPr id="3" name="Content Placeholder 2">
+            <a:extLst>
+              <a:ext uri="{FF2B5EF4-FFF2-40B4-BE49-F238E27FC236}">
+                <a16:creationId xmlns:a16="http://schemas.microsoft.com/office/drawing/2014/main" id="{F2B46F0D-FD8A-7746-54F0-7C41C93F8998}"/>
+              </a:ext>
+            </a:extLst>
+          </p:cNvPr>
+          <p:cNvSpPr>
+            <a:spLocks noGrp="1"/>
+          </p:cNvSpPr>
+          <p:nvPr>
+            <p:ph idx="1"/>
+          </p:nvPr>
+        </p:nvSpPr>
+        <p:spPr/>
+        <p:txBody>
+          <a:bodyPr/>
+          <a:lstStyle/>
+          <a:p>
+            <a:r>
+              <a:rPr lang="en-IN" sz="1800" b="1" kern="100" dirty="0">
+                <a:effectLst/>
+                <a:latin typeface="Calibri" panose="020F0502020204030204" pitchFamily="34" charset="0"/>
+                <a:ea typeface="Calibri" panose="020F0502020204030204" pitchFamily="34" charset="0"/>
+                <a:cs typeface="Times New Roman" panose="02020603050405020304" pitchFamily="18" charset="0"/>
+              </a:rPr>
+              <a:t>Running the Main Event Loop</a:t>
+            </a:r>
+            <a:r>
+              <a:rPr lang="en-IN" sz="1800" kern="100" dirty="0">
+                <a:effectLst/>
+                <a:latin typeface="Calibri" panose="020F0502020204030204" pitchFamily="34" charset="0"/>
+                <a:ea typeface="Calibri" panose="020F0502020204030204" pitchFamily="34" charset="0"/>
+                <a:cs typeface="Times New Roman" panose="02020603050405020304" pitchFamily="18" charset="0"/>
+              </a:rPr>
+              <a:t>: The </a:t>
+            </a:r>
+            <a:r>
+              <a:rPr lang="en-IN" sz="1800" b="1" kern="100" dirty="0" err="1">
+                <a:effectLst/>
+                <a:latin typeface="Calibri" panose="020F0502020204030204" pitchFamily="34" charset="0"/>
+                <a:ea typeface="Calibri" panose="020F0502020204030204" pitchFamily="34" charset="0"/>
+                <a:cs typeface="Times New Roman" panose="02020603050405020304" pitchFamily="18" charset="0"/>
+              </a:rPr>
+              <a:t>mainloop</a:t>
+            </a:r>
+            <a:r>
+              <a:rPr lang="en-IN" sz="1800" kern="100" dirty="0">
+                <a:effectLst/>
+                <a:latin typeface="Calibri" panose="020F0502020204030204" pitchFamily="34" charset="0"/>
+                <a:ea typeface="Calibri" panose="020F0502020204030204" pitchFamily="34" charset="0"/>
+                <a:cs typeface="Times New Roman" panose="02020603050405020304" pitchFamily="18" charset="0"/>
+              </a:rPr>
+              <a:t> method is called on the main window to start the </a:t>
+            </a:r>
+            <a:r>
+              <a:rPr lang="en-IN" sz="1800" kern="100" dirty="0" err="1">
+                <a:effectLst/>
+                <a:latin typeface="Calibri" panose="020F0502020204030204" pitchFamily="34" charset="0"/>
+                <a:ea typeface="Calibri" panose="020F0502020204030204" pitchFamily="34" charset="0"/>
+                <a:cs typeface="Times New Roman" panose="02020603050405020304" pitchFamily="18" charset="0"/>
+              </a:rPr>
+              <a:t>Tkinter</a:t>
+            </a:r>
+            <a:r>
+              <a:rPr lang="en-IN" sz="1800" kern="100" dirty="0">
+                <a:effectLst/>
+                <a:latin typeface="Calibri" panose="020F0502020204030204" pitchFamily="34" charset="0"/>
+                <a:ea typeface="Calibri" panose="020F0502020204030204" pitchFamily="34" charset="0"/>
+                <a:cs typeface="Times New Roman" panose="02020603050405020304" pitchFamily="18" charset="0"/>
+              </a:rPr>
+              <a:t> event loop, which listens for user input and updates the display accordingly.</a:t>
+            </a:r>
+          </a:p>
+          <a:p>
+            <a:endParaRPr lang="en-IN" dirty="0"/>
+          </a:p>
+        </p:txBody>
+      </p:sp>
+    </p:spTree>
+    <p:extLst>
+      <p:ext uri="{BB962C8B-B14F-4D97-AF65-F5344CB8AC3E}">
+        <p14:creationId xmlns:p14="http://schemas.microsoft.com/office/powerpoint/2010/main" val="856039749"/>
+      </p:ext>
+    </p:extLst>
+  </p:cSld>
+  <p:clrMapOvr>
+    <a:masterClrMapping/>
+  </p:clrMapOvr>
+</p:sld>
+</file>
+
+<file path=ppt/slides/slide12.xml><?xml version="1.0" encoding="utf-8"?>
 <p:sld xmlns:a="http://schemas.openxmlformats.org/drawingml/2006/main" xmlns:r="http://schemas.openxmlformats.org/officeDocument/2006/relationships" xmlns:p="http://schemas.openxmlformats.org/presentationml/2006/main">
   <p:cSld>
     <p:spTree>
@@ -9417,7 +13367,7 @@
 </p:sld>
 </file>
 
-<file path=ppt/slides/slide11.xml><?xml version="1.0" encoding="utf-8"?>
+<file path=ppt/slides/slide13.xml><?xml version="1.0" encoding="utf-8"?>
 <p:sld xmlns:a="http://schemas.openxmlformats.org/drawingml/2006/main" xmlns:r="http://schemas.openxmlformats.org/officeDocument/2006/relationships" xmlns:p="http://schemas.openxmlformats.org/presentationml/2006/main">
   <p:cSld>
     <p:spTree>
@@ -9536,7 +13486,7 @@
 </p:sld>
 </file>
 
-<file path=ppt/slides/slide12.xml><?xml version="1.0" encoding="utf-8"?>
+<file path=ppt/slides/slide14.xml><?xml version="1.0" encoding="utf-8"?>
 <p:sld xmlns:a="http://schemas.openxmlformats.org/drawingml/2006/main" xmlns:r="http://schemas.openxmlformats.org/officeDocument/2006/relationships" xmlns:p="http://schemas.openxmlformats.org/presentationml/2006/main">
   <p:cSld>
     <p:bg>
@@ -10454,7 +14404,7 @@
 </p:sld>
 </file>
 
-<file path=ppt/slides/slide13.xml><?xml version="1.0" encoding="utf-8"?>
+<file path=ppt/slides/slide15.xml><?xml version="1.0" encoding="utf-8"?>
 <p:sld xmlns:a="http://schemas.openxmlformats.org/drawingml/2006/main" xmlns:r="http://schemas.openxmlformats.org/officeDocument/2006/relationships" xmlns:p="http://schemas.openxmlformats.org/presentationml/2006/main">
   <p:cSld>
     <p:bg>
@@ -11117,6 +15067,1803 @@
 <file path=ppt/slides/slide2.xml><?xml version="1.0" encoding="utf-8"?>
 <p:sld xmlns:a="http://schemas.openxmlformats.org/drawingml/2006/main" xmlns:r="http://schemas.openxmlformats.org/officeDocument/2006/relationships" xmlns:p="http://schemas.openxmlformats.org/presentationml/2006/main">
   <p:cSld>
+    <p:spTree>
+      <p:nvGrpSpPr>
+        <p:cNvPr id="1" name=""/>
+        <p:cNvGrpSpPr/>
+        <p:nvPr/>
+      </p:nvGrpSpPr>
+      <p:grpSpPr>
+        <a:xfrm>
+          <a:off x="0" y="0"/>
+          <a:ext cx="0" cy="0"/>
+          <a:chOff x="0" y="0"/>
+          <a:chExt cx="0" cy="0"/>
+        </a:xfrm>
+      </p:grpSpPr>
+      <p:sp>
+        <p:nvSpPr>
+          <p:cNvPr id="2" name="Title 1">
+            <a:extLst>
+              <a:ext uri="{FF2B5EF4-FFF2-40B4-BE49-F238E27FC236}">
+                <a16:creationId xmlns:a16="http://schemas.microsoft.com/office/drawing/2014/main" id="{0FBA5A73-29FB-8F95-9950-A6084BC4AF25}"/>
+              </a:ext>
+            </a:extLst>
+          </p:cNvPr>
+          <p:cNvSpPr>
+            <a:spLocks noGrp="1"/>
+          </p:cNvSpPr>
+          <p:nvPr>
+            <p:ph type="title"/>
+          </p:nvPr>
+        </p:nvSpPr>
+        <p:spPr/>
+        <p:txBody>
+          <a:bodyPr/>
+          <a:lstStyle/>
+          <a:p>
+            <a:r>
+              <a:rPr lang="en-US" dirty="0"/>
+              <a:t>Project Overview</a:t>
+            </a:r>
+            <a:endParaRPr lang="en-IN" dirty="0"/>
+          </a:p>
+        </p:txBody>
+      </p:sp>
+      <p:sp>
+        <p:nvSpPr>
+          <p:cNvPr id="3" name="Content Placeholder 2">
+            <a:extLst>
+              <a:ext uri="{FF2B5EF4-FFF2-40B4-BE49-F238E27FC236}">
+                <a16:creationId xmlns:a16="http://schemas.microsoft.com/office/drawing/2014/main" id="{374A594D-E551-C79C-603B-BC7E70D969B5}"/>
+              </a:ext>
+            </a:extLst>
+          </p:cNvPr>
+          <p:cNvSpPr>
+            <a:spLocks noGrp="1"/>
+          </p:cNvSpPr>
+          <p:nvPr>
+            <p:ph idx="1"/>
+          </p:nvPr>
+        </p:nvSpPr>
+        <p:spPr/>
+        <p:txBody>
+          <a:bodyPr/>
+          <a:lstStyle/>
+          <a:p>
+            <a:r>
+              <a:rPr lang="en-IN" b="0" i="0" dirty="0">
+                <a:solidFill>
+                  <a:schemeClr val="tx1"/>
+                </a:solidFill>
+                <a:effectLst/>
+                <a:latin typeface="Söhne"/>
+              </a:rPr>
+              <a:t>The Python Calculator project aims to create a simple calculator application with a graphical user interface (GUI) using the </a:t>
+            </a:r>
+            <a:r>
+              <a:rPr lang="en-IN" b="0" i="0" dirty="0" err="1">
+                <a:solidFill>
+                  <a:schemeClr val="tx1"/>
+                </a:solidFill>
+                <a:effectLst/>
+                <a:latin typeface="Söhne"/>
+              </a:rPr>
+              <a:t>Tkinter</a:t>
+            </a:r>
+            <a:r>
+              <a:rPr lang="en-IN" b="0" i="0" dirty="0">
+                <a:solidFill>
+                  <a:schemeClr val="tx1"/>
+                </a:solidFill>
+                <a:effectLst/>
+                <a:latin typeface="Söhne"/>
+              </a:rPr>
+              <a:t> library in Python. The calculator will be capable of performing basic arithmetic operations such as addition, subtraction, multiplication, and division</a:t>
+            </a:r>
+            <a:r>
+              <a:rPr lang="en-IN" sz="1800" b="0" dirty="0">
+                <a:solidFill>
+                  <a:schemeClr val="tx1"/>
+                </a:solidFill>
+                <a:effectLst/>
+                <a:latin typeface="Söhne"/>
+                <a:ea typeface="Aptos" panose="020B0004020202020204" pitchFamily="34" charset="0"/>
+                <a:cs typeface="Times New Roman" panose="02020603050405020304" pitchFamily="18" charset="0"/>
+              </a:rPr>
+              <a:t> and it should have a user-friendly interface.</a:t>
+            </a:r>
+            <a:endParaRPr lang="en-IN" b="0" dirty="0">
+              <a:solidFill>
+                <a:schemeClr val="tx1"/>
+              </a:solidFill>
+              <a:latin typeface="Söhne"/>
+            </a:endParaRPr>
+          </a:p>
+        </p:txBody>
+      </p:sp>
+      <p:pic>
+        <p:nvPicPr>
+          <p:cNvPr id="5" name="Picture 4">
+            <a:extLst>
+              <a:ext uri="{FF2B5EF4-FFF2-40B4-BE49-F238E27FC236}">
+                <a16:creationId xmlns:a16="http://schemas.microsoft.com/office/drawing/2014/main" id="{09F9E510-541A-520F-D69A-4CCDC3D56DC6}"/>
+              </a:ext>
+            </a:extLst>
+          </p:cNvPr>
+          <p:cNvPicPr>
+            <a:picLocks noChangeAspect="1"/>
+          </p:cNvPicPr>
+          <p:nvPr/>
+        </p:nvPicPr>
+        <p:blipFill>
+          <a:blip r:embed="rId2">
+            <a:extLst>
+              <a:ext uri="{28A0092B-C50C-407E-A947-70E740481C1C}">
+                <a14:useLocalDpi xmlns:a14="http://schemas.microsoft.com/office/drawing/2010/main" val="0"/>
+              </a:ext>
+            </a:extLst>
+          </a:blip>
+          <a:srcRect/>
+          <a:stretch/>
+        </p:blipFill>
+        <p:spPr>
+          <a:xfrm>
+            <a:off x="2090652" y="828674"/>
+            <a:ext cx="6372225" cy="6372225"/>
+          </a:xfrm>
+          <a:prstGeom prst="rect">
+            <a:avLst/>
+          </a:prstGeom>
+        </p:spPr>
+      </p:pic>
+    </p:spTree>
+    <p:extLst>
+      <p:ext uri="{BB962C8B-B14F-4D97-AF65-F5344CB8AC3E}">
+        <p14:creationId xmlns:p14="http://schemas.microsoft.com/office/powerpoint/2010/main" val="2327187635"/>
+      </p:ext>
+    </p:extLst>
+  </p:cSld>
+  <p:clrMapOvr>
+    <a:masterClrMapping/>
+  </p:clrMapOvr>
+</p:sld>
+</file>
+
+<file path=ppt/slides/slide3.xml><?xml version="1.0" encoding="utf-8"?>
+<p:sld xmlns:a="http://schemas.openxmlformats.org/drawingml/2006/main" xmlns:r="http://schemas.openxmlformats.org/officeDocument/2006/relationships" xmlns:p="http://schemas.openxmlformats.org/presentationml/2006/main">
+  <p:cSld>
+    <p:bg>
+      <p:bgPr>
+        <a:solidFill>
+          <a:schemeClr val="bg2"/>
+        </a:solidFill>
+        <a:effectLst/>
+      </p:bgPr>
+    </p:bg>
+    <p:spTree>
+      <p:nvGrpSpPr>
+        <p:cNvPr id="1" name="">
+          <a:extLst>
+            <a:ext uri="{FF2B5EF4-FFF2-40B4-BE49-F238E27FC236}">
+              <a16:creationId xmlns:a16="http://schemas.microsoft.com/office/drawing/2014/main" id="{617855EE-E6D9-DF86-3686-891F88FE6C83}"/>
+            </a:ext>
+          </a:extLst>
+        </p:cNvPr>
+        <p:cNvGrpSpPr/>
+        <p:nvPr/>
+      </p:nvGrpSpPr>
+      <p:grpSpPr>
+        <a:xfrm>
+          <a:off x="0" y="0"/>
+          <a:ext cx="0" cy="0"/>
+          <a:chOff x="0" y="0"/>
+          <a:chExt cx="0" cy="0"/>
+        </a:xfrm>
+      </p:grpSpPr>
+      <p:sp useBgFill="1">
+        <p:nvSpPr>
+          <p:cNvPr id="26" name="Rectangle 25">
+            <a:extLst>
+              <a:ext uri="{FF2B5EF4-FFF2-40B4-BE49-F238E27FC236}">
+                <a16:creationId xmlns:a16="http://schemas.microsoft.com/office/drawing/2014/main" id="{72526924-84D3-45FB-A5FE-62D8FCBF53B6}"/>
+              </a:ext>
+              <a:ext uri="{C183D7F6-B498-43B3-948B-1728B52AA6E4}">
+                <adec:decorative xmlns:adec="http://schemas.microsoft.com/office/drawing/2017/decorative" val="1"/>
+              </a:ext>
+            </a:extLst>
+          </p:cNvPr>
+          <p:cNvSpPr>
+            <a:spLocks noGrp="1" noRot="1" noChangeAspect="1" noMove="1" noResize="1" noEditPoints="1" noAdjustHandles="1" noChangeArrowheads="1" noChangeShapeType="1" noTextEdit="1"/>
+          </p:cNvSpPr>
+          <p:nvPr>
+            <p:extLst>
+              <p:ext uri="{386F3935-93C4-4BCD-93E2-E3B085C9AB24}">
+                <p16:designElem xmlns:p16="http://schemas.microsoft.com/office/powerpoint/2015/main" val="1"/>
+              </p:ext>
+            </p:extLst>
+          </p:nvPr>
+        </p:nvSpPr>
+        <p:spPr>
+          <a:xfrm>
+            <a:off x="0" y="0"/>
+            <a:ext cx="12192001" cy="6858000"/>
+          </a:xfrm>
+          <a:prstGeom prst="rect">
+            <a:avLst/>
+          </a:prstGeom>
+          <a:ln>
+            <a:noFill/>
+          </a:ln>
+        </p:spPr>
+        <p:style>
+          <a:lnRef idx="2">
+            <a:schemeClr val="accent1">
+              <a:shade val="50000"/>
+            </a:schemeClr>
+          </a:lnRef>
+          <a:fillRef idx="1">
+            <a:schemeClr val="accent1"/>
+          </a:fillRef>
+          <a:effectRef idx="0">
+            <a:schemeClr val="accent1"/>
+          </a:effectRef>
+          <a:fontRef idx="minor">
+            <a:schemeClr val="lt1"/>
+          </a:fontRef>
+        </p:style>
+        <p:txBody>
+          <a:bodyPr rtlCol="0" anchor="ctr"/>
+          <a:lstStyle/>
+          <a:p>
+            <a:pPr algn="ctr"/>
+            <a:endParaRPr lang="en-US"/>
+          </a:p>
+        </p:txBody>
+      </p:sp>
+      <p:sp>
+        <p:nvSpPr>
+          <p:cNvPr id="27" name="Rectangle 26">
+            <a:extLst>
+              <a:ext uri="{FF2B5EF4-FFF2-40B4-BE49-F238E27FC236}">
+                <a16:creationId xmlns:a16="http://schemas.microsoft.com/office/drawing/2014/main" id="{5C2A6256-1DD0-4E4B-A8B3-9A711B4DBE0C}"/>
+              </a:ext>
+              <a:ext uri="{C183D7F6-B498-43B3-948B-1728B52AA6E4}">
+                <adec:decorative xmlns:adec="http://schemas.microsoft.com/office/drawing/2017/decorative" val="1"/>
+              </a:ext>
+            </a:extLst>
+          </p:cNvPr>
+          <p:cNvSpPr>
+            <a:spLocks noGrp="1" noRot="1" noChangeAspect="1" noMove="1" noResize="1" noEditPoints="1" noAdjustHandles="1" noChangeArrowheads="1" noChangeShapeType="1" noTextEdit="1"/>
+          </p:cNvSpPr>
+          <p:nvPr>
+            <p:extLst>
+              <p:ext uri="{386F3935-93C4-4BCD-93E2-E3B085C9AB24}">
+                <p16:designElem xmlns:p16="http://schemas.microsoft.com/office/powerpoint/2015/main" val="1"/>
+              </p:ext>
+            </p:extLst>
+          </p:nvPr>
+        </p:nvSpPr>
+        <p:spPr>
+          <a:xfrm>
+            <a:off x="1038768" y="-2946"/>
+            <a:ext cx="11153231" cy="4727782"/>
+          </a:xfrm>
+          <a:prstGeom prst="rect">
+            <a:avLst/>
+          </a:prstGeom>
+          <a:solidFill>
+            <a:schemeClr val="bg1">
+              <a:alpha val="75000"/>
+            </a:schemeClr>
+          </a:solidFill>
+          <a:ln>
+            <a:noFill/>
+          </a:ln>
+        </p:spPr>
+        <p:style>
+          <a:lnRef idx="2">
+            <a:schemeClr val="accent1">
+              <a:shade val="50000"/>
+            </a:schemeClr>
+          </a:lnRef>
+          <a:fillRef idx="1">
+            <a:schemeClr val="accent1"/>
+          </a:fillRef>
+          <a:effectRef idx="0">
+            <a:schemeClr val="accent1"/>
+          </a:effectRef>
+          <a:fontRef idx="minor">
+            <a:schemeClr val="lt1"/>
+          </a:fontRef>
+        </p:style>
+        <p:txBody>
+          <a:bodyPr rtlCol="0" anchor="ctr"/>
+          <a:lstStyle/>
+          <a:p>
+            <a:pPr algn="ctr"/>
+            <a:endParaRPr lang="en-US"/>
+          </a:p>
+        </p:txBody>
+      </p:sp>
+      <p:sp>
+        <p:nvSpPr>
+          <p:cNvPr id="28" name="Rectangle 27">
+            <a:extLst>
+              <a:ext uri="{FF2B5EF4-FFF2-40B4-BE49-F238E27FC236}">
+                <a16:creationId xmlns:a16="http://schemas.microsoft.com/office/drawing/2014/main" id="{41760540-185E-4652-BFD2-9B362EF3BC99}"/>
+              </a:ext>
+              <a:ext uri="{C183D7F6-B498-43B3-948B-1728B52AA6E4}">
+                <adec:decorative xmlns:adec="http://schemas.microsoft.com/office/drawing/2017/decorative" val="1"/>
+              </a:ext>
+            </a:extLst>
+          </p:cNvPr>
+          <p:cNvSpPr>
+            <a:spLocks noGrp="1" noRot="1" noChangeAspect="1" noMove="1" noResize="1" noEditPoints="1" noAdjustHandles="1" noChangeArrowheads="1" noChangeShapeType="1" noTextEdit="1"/>
+          </p:cNvSpPr>
+          <p:nvPr>
+            <p:extLst>
+              <p:ext uri="{386F3935-93C4-4BCD-93E2-E3B085C9AB24}">
+                <p16:designElem xmlns:p16="http://schemas.microsoft.com/office/powerpoint/2015/main" val="1"/>
+              </p:ext>
+            </p:extLst>
+          </p:nvPr>
+        </p:nvSpPr>
+        <p:spPr>
+          <a:xfrm>
+            <a:off x="0" y="4724838"/>
+            <a:ext cx="12192000" cy="1347716"/>
+          </a:xfrm>
+          <a:prstGeom prst="rect">
+            <a:avLst/>
+          </a:prstGeom>
+          <a:solidFill>
+            <a:schemeClr val="tx2"/>
+          </a:solidFill>
+          <a:ln>
+            <a:noFill/>
+          </a:ln>
+        </p:spPr>
+        <p:style>
+          <a:lnRef idx="2">
+            <a:schemeClr val="accent1">
+              <a:shade val="50000"/>
+            </a:schemeClr>
+          </a:lnRef>
+          <a:fillRef idx="1">
+            <a:schemeClr val="accent1"/>
+          </a:fillRef>
+          <a:effectRef idx="0">
+            <a:schemeClr val="accent1"/>
+          </a:effectRef>
+          <a:fontRef idx="minor">
+            <a:schemeClr val="lt1"/>
+          </a:fontRef>
+        </p:style>
+        <p:txBody>
+          <a:bodyPr rtlCol="0" anchor="ctr"/>
+          <a:lstStyle/>
+          <a:p>
+            <a:pPr algn="ctr"/>
+            <a:endParaRPr lang="en-US"/>
+          </a:p>
+        </p:txBody>
+      </p:sp>
+      <p:sp>
+        <p:nvSpPr>
+          <p:cNvPr id="2" name="Title 1">
+            <a:extLst>
+              <a:ext uri="{FF2B5EF4-FFF2-40B4-BE49-F238E27FC236}">
+                <a16:creationId xmlns:a16="http://schemas.microsoft.com/office/drawing/2014/main" id="{8ADD70B6-DBC3-9089-E330-9007123806B7}"/>
+              </a:ext>
+            </a:extLst>
+          </p:cNvPr>
+          <p:cNvSpPr>
+            <a:spLocks noGrp="1"/>
+          </p:cNvSpPr>
+          <p:nvPr>
+            <p:ph type="title"/>
+          </p:nvPr>
+        </p:nvSpPr>
+        <p:spPr>
+          <a:xfrm>
+            <a:off x="1535372" y="4872251"/>
+            <a:ext cx="10013709" cy="1030360"/>
+          </a:xfrm>
+        </p:spPr>
+        <p:txBody>
+          <a:bodyPr vert="horz" lIns="109728" tIns="109728" rIns="109728" bIns="91440" rtlCol="0" anchor="ctr">
+            <a:normAutofit/>
+          </a:bodyPr>
+          <a:lstStyle/>
+          <a:p>
+            <a:r>
+              <a:rPr lang="en-US">
+                <a:solidFill>
+                  <a:schemeClr val="bg1"/>
+                </a:solidFill>
+              </a:rPr>
+              <a:t>Problem Statement</a:t>
+            </a:r>
+          </a:p>
+        </p:txBody>
+      </p:sp>
+      <p:sp>
+        <p:nvSpPr>
+          <p:cNvPr id="29" name="Rectangle 28">
+            <a:extLst>
+              <a:ext uri="{FF2B5EF4-FFF2-40B4-BE49-F238E27FC236}">
+                <a16:creationId xmlns:a16="http://schemas.microsoft.com/office/drawing/2014/main" id="{729789F4-85C1-41A0-83EB-992E22210CB9}"/>
+              </a:ext>
+              <a:ext uri="{C183D7F6-B498-43B3-948B-1728B52AA6E4}">
+                <adec:decorative xmlns:adec="http://schemas.microsoft.com/office/drawing/2017/decorative" val="1"/>
+              </a:ext>
+            </a:extLst>
+          </p:cNvPr>
+          <p:cNvSpPr>
+            <a:spLocks noGrp="1" noRot="1" noChangeAspect="1" noMove="1" noResize="1" noEditPoints="1" noAdjustHandles="1" noChangeArrowheads="1" noChangeShapeType="1" noTextEdit="1"/>
+          </p:cNvSpPr>
+          <p:nvPr>
+            <p:extLst>
+              <p:ext uri="{386F3935-93C4-4BCD-93E2-E3B085C9AB24}">
+                <p16:designElem xmlns:p16="http://schemas.microsoft.com/office/powerpoint/2015/main" val="1"/>
+              </p:ext>
+            </p:extLst>
+          </p:nvPr>
+        </p:nvSpPr>
+        <p:spPr>
+          <a:xfrm>
+            <a:off x="-1" y="4790620"/>
+            <a:ext cx="1006766" cy="1216152"/>
+          </a:xfrm>
+          <a:prstGeom prst="rect">
+            <a:avLst/>
+          </a:prstGeom>
+          <a:solidFill>
+            <a:schemeClr val="accent1"/>
+          </a:solidFill>
+          <a:ln>
+            <a:noFill/>
+          </a:ln>
+        </p:spPr>
+        <p:style>
+          <a:lnRef idx="2">
+            <a:schemeClr val="accent1">
+              <a:shade val="50000"/>
+            </a:schemeClr>
+          </a:lnRef>
+          <a:fillRef idx="1">
+            <a:schemeClr val="accent1"/>
+          </a:fillRef>
+          <a:effectRef idx="0">
+            <a:schemeClr val="accent1"/>
+          </a:effectRef>
+          <a:fontRef idx="minor">
+            <a:schemeClr val="lt1"/>
+          </a:fontRef>
+        </p:style>
+        <p:txBody>
+          <a:bodyPr rtlCol="0" anchor="ctr"/>
+          <a:lstStyle/>
+          <a:p>
+            <a:pPr algn="ctr"/>
+            <a:endParaRPr lang="en-US"/>
+          </a:p>
+        </p:txBody>
+      </p:sp>
+      <p:sp>
+        <p:nvSpPr>
+          <p:cNvPr id="30" name="Rectangle 29">
+            <a:extLst>
+              <a:ext uri="{FF2B5EF4-FFF2-40B4-BE49-F238E27FC236}">
+                <a16:creationId xmlns:a16="http://schemas.microsoft.com/office/drawing/2014/main" id="{9D9D367D-6DD2-4A7C-8918-0DCAC297559A}"/>
+              </a:ext>
+              <a:ext uri="{C183D7F6-B498-43B3-948B-1728B52AA6E4}">
+                <adec:decorative xmlns:adec="http://schemas.microsoft.com/office/drawing/2017/decorative" val="1"/>
+              </a:ext>
+            </a:extLst>
+          </p:cNvPr>
+          <p:cNvSpPr>
+            <a:spLocks noGrp="1" noRot="1" noChangeAspect="1" noMove="1" noResize="1" noEditPoints="1" noAdjustHandles="1" noChangeArrowheads="1" noChangeShapeType="1" noTextEdit="1"/>
+          </p:cNvSpPr>
+          <p:nvPr>
+            <p:extLst>
+              <p:ext uri="{386F3935-93C4-4BCD-93E2-E3B085C9AB24}">
+                <p16:designElem xmlns:p16="http://schemas.microsoft.com/office/powerpoint/2015/main" val="1"/>
+              </p:ext>
+            </p:extLst>
+          </p:nvPr>
+        </p:nvSpPr>
+        <p:spPr>
+          <a:xfrm rot="5400000">
+            <a:off x="-2390232" y="3396997"/>
+            <a:ext cx="6858002" cy="64008"/>
+          </a:xfrm>
+          <a:prstGeom prst="rect">
+            <a:avLst/>
+          </a:prstGeom>
+          <a:solidFill>
+            <a:schemeClr val="tx2"/>
+          </a:solidFill>
+          <a:ln>
+            <a:noFill/>
+          </a:ln>
+        </p:spPr>
+        <p:style>
+          <a:lnRef idx="2">
+            <a:schemeClr val="accent1">
+              <a:shade val="50000"/>
+            </a:schemeClr>
+          </a:lnRef>
+          <a:fillRef idx="1">
+            <a:schemeClr val="accent1"/>
+          </a:fillRef>
+          <a:effectRef idx="0">
+            <a:schemeClr val="accent1"/>
+          </a:effectRef>
+          <a:fontRef idx="minor">
+            <a:schemeClr val="lt1"/>
+          </a:fontRef>
+        </p:style>
+        <p:txBody>
+          <a:bodyPr rtlCol="0" anchor="ctr"/>
+          <a:lstStyle/>
+          <a:p>
+            <a:pPr algn="ctr"/>
+            <a:endParaRPr lang="en-US"/>
+          </a:p>
+        </p:txBody>
+      </p:sp>
+      <p:sp>
+        <p:nvSpPr>
+          <p:cNvPr id="5" name="Rectangle 2">
+            <a:extLst>
+              <a:ext uri="{FF2B5EF4-FFF2-40B4-BE49-F238E27FC236}">
+                <a16:creationId xmlns:a16="http://schemas.microsoft.com/office/drawing/2014/main" id="{7B0DB8BC-4299-C029-69ED-7ABDE7257AE5}"/>
+              </a:ext>
+            </a:extLst>
+          </p:cNvPr>
+          <p:cNvSpPr>
+            <a:spLocks noChangeArrowheads="1"/>
+          </p:cNvSpPr>
+          <p:nvPr/>
+        </p:nvSpPr>
+        <p:spPr bwMode="auto">
+          <a:xfrm>
+            <a:off x="1535372" y="705114"/>
+            <a:ext cx="9935571" cy="3703114"/>
+          </a:xfrm>
+          <a:prstGeom prst="rect">
+            <a:avLst/>
+          </a:prstGeom>
+          <a:extLst>
+            <a:ext uri="{909E8E84-426E-40DD-AFC4-6F175D3DCCD1}">
+              <a14:hiddenFill xmlns:a14="http://schemas.microsoft.com/office/drawing/2010/main">
+                <a:solidFill>
+                  <a:schemeClr val="accent1"/>
+                </a:solidFill>
+              </a14:hiddenFill>
+            </a:ext>
+            <a:ext uri="{91240B29-F687-4F45-9708-019B960494DF}">
+              <a14:hiddenLine xmlns:a14="http://schemas.microsoft.com/office/drawing/2010/main" w="9525">
+                <a:solidFill>
+                  <a:schemeClr val="tx1"/>
+                </a:solidFill>
+                <a:miter lim="800000"/>
+                <a:headEnd/>
+                <a:tailEnd/>
+              </a14:hiddenLine>
+            </a:ext>
+            <a:ext uri="{AF507438-7753-43E0-B8FC-AC1667EBCBE1}">
+              <a14:hiddenEffects xmlns:a14="http://schemas.microsoft.com/office/drawing/2010/main">
+                <a:effectLst>
+                  <a:outerShdw dist="35921" dir="2700000" algn="ctr" rotWithShape="0">
+                    <a:schemeClr val="bg2"/>
+                  </a:outerShdw>
+                </a:effectLst>
+              </a14:hiddenEffects>
+            </a:ext>
+          </a:extLst>
+        </p:spPr>
+        <p:txBody>
+          <a:bodyPr vert="horz" lIns="109728" tIns="109728" rIns="109728" bIns="91440" numCol="1" rtlCol="0" anchor="ctr" anchorCtr="0" compatLnSpc="1">
+            <a:prstTxWarp prst="textNoShape">
+              <a:avLst/>
+            </a:prstTxWarp>
+            <a:normAutofit/>
+          </a:bodyPr>
+          <a:lstStyle/>
+          <a:p>
+            <a:pPr marR="0" lvl="0" indent="0" fontAlgn="base">
+              <a:lnSpc>
+                <a:spcPct val="140000"/>
+              </a:lnSpc>
+              <a:spcBef>
+                <a:spcPts val="930"/>
+              </a:spcBef>
+              <a:spcAft>
+                <a:spcPct val="0"/>
+              </a:spcAft>
+              <a:buClrTx/>
+              <a:buSzTx/>
+              <a:buFont typeface="Corbel" panose="020B0503020204020204" pitchFamily="34" charset="0"/>
+              <a:buNone/>
+              <a:tabLst/>
+            </a:pPr>
+            <a:r>
+              <a:rPr kumimoji="0" lang="en-US" altLang="en-US" b="0" i="0" u="none" strike="noStrike" cap="none" spc="150" normalizeH="0" dirty="0">
+                <a:ln>
+                  <a:noFill/>
+                </a:ln>
+                <a:effectLst/>
+                <a:latin typeface="Söhne"/>
+              </a:rPr>
+              <a:t>The Python calculator project aims to solve the issue of lacking a fundamental and intuitive tool for executing essential mathematical operations.</a:t>
+            </a:r>
+            <a:endParaRPr lang="en-US" altLang="en-US" spc="150" dirty="0">
+              <a:latin typeface="Söhne"/>
+            </a:endParaRPr>
+          </a:p>
+          <a:p>
+            <a:pPr marR="0" lvl="0" indent="0" fontAlgn="base">
+              <a:lnSpc>
+                <a:spcPct val="140000"/>
+              </a:lnSpc>
+              <a:spcBef>
+                <a:spcPts val="930"/>
+              </a:spcBef>
+              <a:spcAft>
+                <a:spcPct val="0"/>
+              </a:spcAft>
+              <a:buClrTx/>
+              <a:buSzTx/>
+              <a:buFont typeface="Corbel" panose="020B0503020204020204" pitchFamily="34" charset="0"/>
+              <a:buNone/>
+              <a:tabLst/>
+            </a:pPr>
+            <a:r>
+              <a:rPr kumimoji="0" lang="en-US" altLang="en-US" b="0" i="0" u="none" strike="noStrike" cap="none" spc="150" normalizeH="0" dirty="0">
+                <a:ln>
+                  <a:noFill/>
+                </a:ln>
+                <a:effectLst/>
+                <a:latin typeface="Söhne"/>
+              </a:rPr>
+              <a:t>Numerous users—students, professionals, and people in a variety of fields—often need a simple, rapid way to execute arithmetic operations</a:t>
+            </a:r>
+            <a:r>
+              <a:rPr lang="en-US" altLang="en-US" spc="150" dirty="0">
+                <a:latin typeface="Söhne"/>
+              </a:rPr>
+              <a:t> </a:t>
+            </a:r>
+            <a:r>
+              <a:rPr kumimoji="0" lang="en-US" altLang="en-US" b="0" i="0" u="none" strike="noStrike" cap="none" spc="150" normalizeH="0" dirty="0">
+                <a:ln>
+                  <a:noFill/>
+                </a:ln>
+                <a:effectLst/>
+                <a:latin typeface="Söhne"/>
+              </a:rPr>
+              <a:t>without having to use laborious mathematical software or manual calculations. </a:t>
+            </a:r>
+          </a:p>
+          <a:p>
+            <a:pPr marR="0" lvl="0" indent="0" fontAlgn="base">
+              <a:lnSpc>
+                <a:spcPct val="140000"/>
+              </a:lnSpc>
+              <a:spcBef>
+                <a:spcPts val="930"/>
+              </a:spcBef>
+              <a:spcAft>
+                <a:spcPct val="0"/>
+              </a:spcAft>
+              <a:buClrTx/>
+              <a:buSzTx/>
+              <a:buFont typeface="Corbel" panose="020B0503020204020204" pitchFamily="34" charset="0"/>
+              <a:buNone/>
+              <a:tabLst/>
+            </a:pPr>
+            <a:r>
+              <a:rPr kumimoji="0" lang="en-US" altLang="en-US" b="0" i="0" u="none" strike="noStrike" cap="none" spc="150" normalizeH="0" dirty="0">
+                <a:ln>
+                  <a:noFill/>
+                </a:ln>
+                <a:effectLst/>
+                <a:latin typeface="Söhne"/>
+              </a:rPr>
+              <a:t>But not everyone is experienced with or at ease using command-line</a:t>
+            </a:r>
+            <a:r>
+              <a:rPr lang="en-US" altLang="en-US" spc="150" dirty="0">
+                <a:latin typeface="Söhne"/>
+              </a:rPr>
+              <a:t> </a:t>
+            </a:r>
+            <a:r>
+              <a:rPr kumimoji="0" lang="en-US" altLang="en-US" b="0" i="0" u="none" strike="noStrike" cap="none" spc="150" normalizeH="0" dirty="0">
+                <a:ln>
+                  <a:noFill/>
+                </a:ln>
+                <a:effectLst/>
+                <a:latin typeface="Söhne"/>
+              </a:rPr>
+              <a:t>calculators; for this reason, graphical user interfaces, or GUIs, can offer a more straightforward and user-friendly experience.</a:t>
+            </a:r>
+          </a:p>
+        </p:txBody>
+      </p:sp>
+      <p:pic>
+        <p:nvPicPr>
+          <p:cNvPr id="9" name="Graphic 8">
+            <a:extLst>
+              <a:ext uri="{FF2B5EF4-FFF2-40B4-BE49-F238E27FC236}">
+                <a16:creationId xmlns:a16="http://schemas.microsoft.com/office/drawing/2014/main" id="{BEF09C68-6DCE-84DD-7A18-87A182CB9581}"/>
+              </a:ext>
+            </a:extLst>
+          </p:cNvPr>
+          <p:cNvPicPr>
+            <a:picLocks noChangeAspect="1"/>
+          </p:cNvPicPr>
+          <p:nvPr/>
+        </p:nvPicPr>
+        <p:blipFill>
+          <a:blip r:embed="rId2">
+            <a:extLst>
+              <a:ext uri="{28A0092B-C50C-407E-A947-70E740481C1C}">
+                <a14:useLocalDpi xmlns:a14="http://schemas.microsoft.com/office/drawing/2010/main" val="0"/>
+              </a:ext>
+              <a:ext uri="{96DAC541-7B7A-43D3-8B79-37D633B846F1}">
+                <asvg:svgBlip xmlns:asvg="http://schemas.microsoft.com/office/drawing/2016/SVG/main" r:embed="rId3"/>
+              </a:ext>
+            </a:extLst>
+          </a:blip>
+          <a:stretch>
+            <a:fillRect/>
+          </a:stretch>
+        </p:blipFill>
+        <p:spPr>
+          <a:xfrm>
+            <a:off x="-3100389" y="1241165"/>
+            <a:ext cx="6200775" cy="6200775"/>
+          </a:xfrm>
+          <a:prstGeom prst="rect">
+            <a:avLst/>
+          </a:prstGeom>
+        </p:spPr>
+      </p:pic>
+    </p:spTree>
+    <p:extLst>
+      <p:ext uri="{BB962C8B-B14F-4D97-AF65-F5344CB8AC3E}">
+        <p14:creationId xmlns:p14="http://schemas.microsoft.com/office/powerpoint/2010/main" val="2072870580"/>
+      </p:ext>
+    </p:extLst>
+  </p:cSld>
+  <p:clrMapOvr>
+    <a:masterClrMapping/>
+  </p:clrMapOvr>
+</p:sld>
+</file>
+
+<file path=ppt/slides/slide4.xml><?xml version="1.0" encoding="utf-8"?>
+<p:sld xmlns:a="http://schemas.openxmlformats.org/drawingml/2006/main" xmlns:r="http://schemas.openxmlformats.org/officeDocument/2006/relationships" xmlns:p="http://schemas.openxmlformats.org/presentationml/2006/main">
+  <p:cSld>
+    <p:bg>
+      <p:bgPr>
+        <a:solidFill>
+          <a:schemeClr val="bg2"/>
+        </a:solidFill>
+        <a:effectLst/>
+      </p:bgPr>
+    </p:bg>
+    <p:spTree>
+      <p:nvGrpSpPr>
+        <p:cNvPr id="1" name="">
+          <a:extLst>
+            <a:ext uri="{FF2B5EF4-FFF2-40B4-BE49-F238E27FC236}">
+              <a16:creationId xmlns:a16="http://schemas.microsoft.com/office/drawing/2014/main" id="{1272106C-ECB5-56ED-0F83-EA5F7AAE9569}"/>
+            </a:ext>
+          </a:extLst>
+        </p:cNvPr>
+        <p:cNvGrpSpPr/>
+        <p:nvPr/>
+      </p:nvGrpSpPr>
+      <p:grpSpPr>
+        <a:xfrm>
+          <a:off x="0" y="0"/>
+          <a:ext cx="0" cy="0"/>
+          <a:chOff x="0" y="0"/>
+          <a:chExt cx="0" cy="0"/>
+        </a:xfrm>
+      </p:grpSpPr>
+      <p:sp useBgFill="1">
+        <p:nvSpPr>
+          <p:cNvPr id="36" name="Rectangle 35">
+            <a:extLst>
+              <a:ext uri="{FF2B5EF4-FFF2-40B4-BE49-F238E27FC236}">
+                <a16:creationId xmlns:a16="http://schemas.microsoft.com/office/drawing/2014/main" id="{099405E2-1A96-4DBA-A9DC-4C2A1B421CA9}"/>
+              </a:ext>
+              <a:ext uri="{C183D7F6-B498-43B3-948B-1728B52AA6E4}">
+                <adec:decorative xmlns:adec="http://schemas.microsoft.com/office/drawing/2017/decorative" val="1"/>
+              </a:ext>
+            </a:extLst>
+          </p:cNvPr>
+          <p:cNvSpPr>
+            <a:spLocks noGrp="1" noRot="1" noChangeAspect="1" noMove="1" noResize="1" noEditPoints="1" noAdjustHandles="1" noChangeArrowheads="1" noChangeShapeType="1" noTextEdit="1"/>
+          </p:cNvSpPr>
+          <p:nvPr>
+            <p:extLst>
+              <p:ext uri="{386F3935-93C4-4BCD-93E2-E3B085C9AB24}">
+                <p16:designElem xmlns:p16="http://schemas.microsoft.com/office/powerpoint/2015/main" val="1"/>
+              </p:ext>
+            </p:extLst>
+          </p:nvPr>
+        </p:nvSpPr>
+        <p:spPr>
+          <a:xfrm flipH="1">
+            <a:off x="0" y="0"/>
+            <a:ext cx="12192001" cy="6858000"/>
+          </a:xfrm>
+          <a:prstGeom prst="rect">
+            <a:avLst/>
+          </a:prstGeom>
+          <a:ln>
+            <a:noFill/>
+          </a:ln>
+        </p:spPr>
+        <p:style>
+          <a:lnRef idx="2">
+            <a:schemeClr val="accent1">
+              <a:shade val="50000"/>
+            </a:schemeClr>
+          </a:lnRef>
+          <a:fillRef idx="1">
+            <a:schemeClr val="accent1"/>
+          </a:fillRef>
+          <a:effectRef idx="0">
+            <a:schemeClr val="accent1"/>
+          </a:effectRef>
+          <a:fontRef idx="minor">
+            <a:schemeClr val="lt1"/>
+          </a:fontRef>
+        </p:style>
+        <p:txBody>
+          <a:bodyPr rtlCol="0" anchor="ctr"/>
+          <a:lstStyle/>
+          <a:p>
+            <a:pPr algn="ctr"/>
+            <a:endParaRPr lang="en-US" dirty="0"/>
+          </a:p>
+        </p:txBody>
+      </p:sp>
+      <p:sp>
+        <p:nvSpPr>
+          <p:cNvPr id="38" name="Rectangle 37">
+            <a:extLst>
+              <a:ext uri="{FF2B5EF4-FFF2-40B4-BE49-F238E27FC236}">
+                <a16:creationId xmlns:a16="http://schemas.microsoft.com/office/drawing/2014/main" id="{BCF4857D-F003-4CA1-82AB-00900B1008BA}"/>
+              </a:ext>
+              <a:ext uri="{C183D7F6-B498-43B3-948B-1728B52AA6E4}">
+                <adec:decorative xmlns:adec="http://schemas.microsoft.com/office/drawing/2017/decorative" val="1"/>
+              </a:ext>
+            </a:extLst>
+          </p:cNvPr>
+          <p:cNvSpPr>
+            <a:spLocks noGrp="1" noRot="1" noChangeAspect="1" noMove="1" noResize="1" noEditPoints="1" noAdjustHandles="1" noChangeArrowheads="1" noChangeShapeType="1" noTextEdit="1"/>
+          </p:cNvSpPr>
+          <p:nvPr>
+            <p:extLst>
+              <p:ext uri="{386F3935-93C4-4BCD-93E2-E3B085C9AB24}">
+                <p16:designElem xmlns:p16="http://schemas.microsoft.com/office/powerpoint/2015/main" val="1"/>
+              </p:ext>
+            </p:extLst>
+          </p:nvPr>
+        </p:nvSpPr>
+        <p:spPr>
+          <a:xfrm flipH="1">
+            <a:off x="0" y="0"/>
+            <a:ext cx="4426072" cy="1804072"/>
+          </a:xfrm>
+          <a:prstGeom prst="rect">
+            <a:avLst/>
+          </a:prstGeom>
+          <a:solidFill>
+            <a:schemeClr val="accent1"/>
+          </a:solidFill>
+          <a:ln>
+            <a:noFill/>
+          </a:ln>
+        </p:spPr>
+        <p:style>
+          <a:lnRef idx="2">
+            <a:schemeClr val="accent1">
+              <a:shade val="50000"/>
+            </a:schemeClr>
+          </a:lnRef>
+          <a:fillRef idx="1">
+            <a:schemeClr val="accent1"/>
+          </a:fillRef>
+          <a:effectRef idx="0">
+            <a:schemeClr val="accent1"/>
+          </a:effectRef>
+          <a:fontRef idx="minor">
+            <a:schemeClr val="lt1"/>
+          </a:fontRef>
+        </p:style>
+        <p:txBody>
+          <a:bodyPr rtlCol="0" anchor="ctr"/>
+          <a:lstStyle/>
+          <a:p>
+            <a:pPr algn="ctr"/>
+            <a:endParaRPr lang="en-US"/>
+          </a:p>
+        </p:txBody>
+      </p:sp>
+      <p:pic>
+        <p:nvPicPr>
+          <p:cNvPr id="32" name="Picture 31" descr="Light bulb on yellow background with sketched light beams and cord">
+            <a:extLst>
+              <a:ext uri="{FF2B5EF4-FFF2-40B4-BE49-F238E27FC236}">
+                <a16:creationId xmlns:a16="http://schemas.microsoft.com/office/drawing/2014/main" id="{9BDA6167-63FC-46C5-9E3B-19A34B954E53}"/>
+              </a:ext>
+            </a:extLst>
+          </p:cNvPr>
+          <p:cNvPicPr>
+            <a:picLocks noChangeAspect="1"/>
+          </p:cNvPicPr>
+          <p:nvPr/>
+        </p:nvPicPr>
+        <p:blipFill rotWithShape="1">
+          <a:blip r:embed="rId2"/>
+          <a:srcRect l="36970" r="-1" b="-1"/>
+          <a:stretch/>
+        </p:blipFill>
+        <p:spPr>
+          <a:xfrm>
+            <a:off x="20" y="1804072"/>
+            <a:ext cx="4458058" cy="4349801"/>
+          </a:xfrm>
+          <a:prstGeom prst="rect">
+            <a:avLst/>
+          </a:prstGeom>
+        </p:spPr>
+      </p:pic>
+      <p:sp>
+        <p:nvSpPr>
+          <p:cNvPr id="40" name="Rectangle 39">
+            <a:extLst>
+              <a:ext uri="{FF2B5EF4-FFF2-40B4-BE49-F238E27FC236}">
+                <a16:creationId xmlns:a16="http://schemas.microsoft.com/office/drawing/2014/main" id="{79855050-A75B-4DD0-9B56-8B1C7722D884}"/>
+              </a:ext>
+              <a:ext uri="{C183D7F6-B498-43B3-948B-1728B52AA6E4}">
+                <adec:decorative xmlns:adec="http://schemas.microsoft.com/office/drawing/2017/decorative" val="1"/>
+              </a:ext>
+            </a:extLst>
+          </p:cNvPr>
+          <p:cNvSpPr>
+            <a:spLocks noGrp="1" noRot="1" noChangeAspect="1" noMove="1" noResize="1" noEditPoints="1" noAdjustHandles="1" noChangeArrowheads="1" noChangeShapeType="1" noTextEdit="1"/>
+          </p:cNvSpPr>
+          <p:nvPr>
+            <p:extLst>
+              <p:ext uri="{386F3935-93C4-4BCD-93E2-E3B085C9AB24}">
+                <p16:designElem xmlns:p16="http://schemas.microsoft.com/office/powerpoint/2015/main" val="1"/>
+              </p:ext>
+            </p:extLst>
+          </p:nvPr>
+        </p:nvSpPr>
+        <p:spPr>
+          <a:xfrm flipH="1">
+            <a:off x="4426076" y="0"/>
+            <a:ext cx="7765922" cy="6167615"/>
+          </a:xfrm>
+          <a:prstGeom prst="rect">
+            <a:avLst/>
+          </a:prstGeom>
+          <a:solidFill>
+            <a:schemeClr val="bg1">
+              <a:alpha val="75000"/>
+            </a:schemeClr>
+          </a:solidFill>
+          <a:ln>
+            <a:noFill/>
+          </a:ln>
+        </p:spPr>
+        <p:style>
+          <a:lnRef idx="2">
+            <a:schemeClr val="accent1">
+              <a:shade val="50000"/>
+            </a:schemeClr>
+          </a:lnRef>
+          <a:fillRef idx="1">
+            <a:schemeClr val="accent1"/>
+          </a:fillRef>
+          <a:effectRef idx="0">
+            <a:schemeClr val="accent1"/>
+          </a:effectRef>
+          <a:fontRef idx="minor">
+            <a:schemeClr val="lt1"/>
+          </a:fontRef>
+        </p:style>
+        <p:txBody>
+          <a:bodyPr rtlCol="0" anchor="ctr"/>
+          <a:lstStyle/>
+          <a:p>
+            <a:pPr algn="ctr"/>
+            <a:endParaRPr lang="en-US"/>
+          </a:p>
+        </p:txBody>
+      </p:sp>
+      <p:sp>
+        <p:nvSpPr>
+          <p:cNvPr id="2" name="Title 1">
+            <a:extLst>
+              <a:ext uri="{FF2B5EF4-FFF2-40B4-BE49-F238E27FC236}">
+                <a16:creationId xmlns:a16="http://schemas.microsoft.com/office/drawing/2014/main" id="{CFA292DB-FD42-DD62-1F9A-46A58B9D4EBC}"/>
+              </a:ext>
+            </a:extLst>
+          </p:cNvPr>
+          <p:cNvSpPr>
+            <a:spLocks noGrp="1"/>
+          </p:cNvSpPr>
+          <p:nvPr>
+            <p:ph type="title"/>
+          </p:nvPr>
+        </p:nvSpPr>
+        <p:spPr>
+          <a:xfrm>
+            <a:off x="4794634" y="332450"/>
+            <a:ext cx="6754447" cy="1471622"/>
+          </a:xfrm>
+        </p:spPr>
+        <p:txBody>
+          <a:bodyPr vert="horz" lIns="109728" tIns="109728" rIns="109728" bIns="91440" rtlCol="0" anchor="b">
+            <a:normAutofit/>
+          </a:bodyPr>
+          <a:lstStyle/>
+          <a:p>
+            <a:r>
+              <a:rPr lang="en-US"/>
+              <a:t>Solution</a:t>
+            </a:r>
+          </a:p>
+        </p:txBody>
+      </p:sp>
+      <p:sp>
+        <p:nvSpPr>
+          <p:cNvPr id="42" name="Rectangle 41">
+            <a:extLst>
+              <a:ext uri="{FF2B5EF4-FFF2-40B4-BE49-F238E27FC236}">
+                <a16:creationId xmlns:a16="http://schemas.microsoft.com/office/drawing/2014/main" id="{5E6738EB-6FF0-4AF9-8462-57F4494B88B2}"/>
+              </a:ext>
+              <a:ext uri="{C183D7F6-B498-43B3-948B-1728B52AA6E4}">
+                <adec:decorative xmlns:adec="http://schemas.microsoft.com/office/drawing/2017/decorative" val="1"/>
+              </a:ext>
+            </a:extLst>
+          </p:cNvPr>
+          <p:cNvSpPr>
+            <a:spLocks noGrp="1" noRot="1" noChangeAspect="1" noMove="1" noResize="1" noEditPoints="1" noAdjustHandles="1" noChangeArrowheads="1" noChangeShapeType="1" noTextEdit="1"/>
+          </p:cNvSpPr>
+          <p:nvPr>
+            <p:extLst>
+              <p:ext uri="{386F3935-93C4-4BCD-93E2-E3B085C9AB24}">
+                <p16:designElem xmlns:p16="http://schemas.microsoft.com/office/powerpoint/2015/main" val="1"/>
+              </p:ext>
+            </p:extLst>
+          </p:nvPr>
+        </p:nvSpPr>
+        <p:spPr>
+          <a:xfrm>
+            <a:off x="-1" y="1753806"/>
+            <a:ext cx="4425696" cy="64008"/>
+          </a:xfrm>
+          <a:prstGeom prst="rect">
+            <a:avLst/>
+          </a:prstGeom>
+          <a:solidFill>
+            <a:schemeClr val="tx2"/>
+          </a:solidFill>
+          <a:ln>
+            <a:noFill/>
+          </a:ln>
+        </p:spPr>
+        <p:style>
+          <a:lnRef idx="2">
+            <a:schemeClr val="accent1">
+              <a:shade val="50000"/>
+            </a:schemeClr>
+          </a:lnRef>
+          <a:fillRef idx="1">
+            <a:schemeClr val="accent1"/>
+          </a:fillRef>
+          <a:effectRef idx="0">
+            <a:schemeClr val="accent1"/>
+          </a:effectRef>
+          <a:fontRef idx="minor">
+            <a:schemeClr val="lt1"/>
+          </a:fontRef>
+        </p:style>
+        <p:txBody>
+          <a:bodyPr rtlCol="0" anchor="ctr"/>
+          <a:lstStyle/>
+          <a:p>
+            <a:pPr algn="ctr"/>
+            <a:endParaRPr lang="en-US"/>
+          </a:p>
+        </p:txBody>
+      </p:sp>
+      <p:sp>
+        <p:nvSpPr>
+          <p:cNvPr id="4" name="Rectangle 2">
+            <a:extLst>
+              <a:ext uri="{FF2B5EF4-FFF2-40B4-BE49-F238E27FC236}">
+                <a16:creationId xmlns:a16="http://schemas.microsoft.com/office/drawing/2014/main" id="{B987F9FD-1973-D547-1045-51A80A994795}"/>
+              </a:ext>
+            </a:extLst>
+          </p:cNvPr>
+          <p:cNvSpPr>
+            <a:spLocks noChangeArrowheads="1"/>
+          </p:cNvSpPr>
+          <p:nvPr/>
+        </p:nvSpPr>
+        <p:spPr bwMode="auto">
+          <a:xfrm>
+            <a:off x="4794637" y="1940001"/>
+            <a:ext cx="6754446" cy="3834594"/>
+          </a:xfrm>
+          <a:prstGeom prst="rect">
+            <a:avLst/>
+          </a:prstGeom>
+          <a:extLst>
+            <a:ext uri="{909E8E84-426E-40DD-AFC4-6F175D3DCCD1}">
+              <a14:hiddenFill xmlns:a14="http://schemas.microsoft.com/office/drawing/2010/main">
+                <a:solidFill>
+                  <a:schemeClr val="accent1"/>
+                </a:solidFill>
+              </a14:hiddenFill>
+            </a:ext>
+            <a:ext uri="{91240B29-F687-4F45-9708-019B960494DF}">
+              <a14:hiddenLine xmlns:a14="http://schemas.microsoft.com/office/drawing/2010/main" w="9525">
+                <a:solidFill>
+                  <a:schemeClr val="tx1"/>
+                </a:solidFill>
+                <a:miter lim="800000"/>
+                <a:headEnd/>
+                <a:tailEnd/>
+              </a14:hiddenLine>
+            </a:ext>
+            <a:ext uri="{AF507438-7753-43E0-B8FC-AC1667EBCBE1}">
+              <a14:hiddenEffects xmlns:a14="http://schemas.microsoft.com/office/drawing/2010/main">
+                <a:effectLst>
+                  <a:outerShdw dist="35921" dir="2700000" algn="ctr" rotWithShape="0">
+                    <a:schemeClr val="bg2"/>
+                  </a:outerShdw>
+                </a:effectLst>
+              </a14:hiddenEffects>
+            </a:ext>
+          </a:extLst>
+        </p:spPr>
+        <p:txBody>
+          <a:bodyPr vert="horz" lIns="109728" tIns="109728" rIns="109728" bIns="91440" numCol="1" rtlCol="0" anchor="t" anchorCtr="0" compatLnSpc="1">
+            <a:prstTxWarp prst="textNoShape">
+              <a:avLst/>
+            </a:prstTxWarp>
+            <a:normAutofit fontScale="92500" lnSpcReduction="20000"/>
+          </a:bodyPr>
+          <a:lstStyle/>
+          <a:p>
+            <a:pPr marR="0" lvl="0" indent="0" fontAlgn="base">
+              <a:lnSpc>
+                <a:spcPct val="130000"/>
+              </a:lnSpc>
+              <a:spcBef>
+                <a:spcPts val="930"/>
+              </a:spcBef>
+              <a:spcAft>
+                <a:spcPct val="0"/>
+              </a:spcAft>
+              <a:buClrTx/>
+              <a:buSzTx/>
+              <a:buFont typeface="Corbel" panose="020B0503020204020204" pitchFamily="34" charset="0"/>
+              <a:buNone/>
+              <a:tabLst/>
+            </a:pPr>
+            <a:r>
+              <a:rPr kumimoji="0" lang="en-US" altLang="en-US" sz="1900" i="0" u="none" strike="noStrike" cap="none" spc="150" normalizeH="0" dirty="0">
+                <a:ln>
+                  <a:noFill/>
+                </a:ln>
+                <a:effectLst/>
+                <a:latin typeface="Söhne"/>
+              </a:rPr>
+              <a:t>The Python calculator project offers an easy-to-use graphical user interface (GUI) application as a solution for arithmetic computations. </a:t>
+            </a:r>
+          </a:p>
+          <a:p>
+            <a:pPr marR="0" lvl="0" indent="0" fontAlgn="base">
+              <a:lnSpc>
+                <a:spcPct val="130000"/>
+              </a:lnSpc>
+              <a:spcBef>
+                <a:spcPts val="930"/>
+              </a:spcBef>
+              <a:spcAft>
+                <a:spcPct val="0"/>
+              </a:spcAft>
+              <a:buClrTx/>
+              <a:buSzTx/>
+              <a:buFont typeface="Corbel" panose="020B0503020204020204" pitchFamily="34" charset="0"/>
+              <a:buNone/>
+              <a:tabLst/>
+            </a:pPr>
+            <a:r>
+              <a:rPr kumimoji="0" lang="en-US" altLang="en-US" sz="1900" i="0" u="none" strike="noStrike" cap="none" spc="150" normalizeH="0" dirty="0">
+                <a:ln>
+                  <a:noFill/>
+                </a:ln>
+                <a:effectLst/>
+                <a:latin typeface="Söhne"/>
+              </a:rPr>
+              <a:t>The project makes it possible to create a graphical calculator with buttons for numbers, arithmetic operators, and functions like equals and clear by applying the </a:t>
+            </a:r>
+            <a:r>
+              <a:rPr kumimoji="0" lang="en-US" altLang="en-US" sz="1900" i="0" u="none" strike="noStrike" cap="none" spc="150" normalizeH="0" dirty="0" err="1">
+                <a:ln>
+                  <a:noFill/>
+                </a:ln>
+                <a:effectLst/>
+                <a:latin typeface="Söhne"/>
+              </a:rPr>
+              <a:t>Tkinter</a:t>
+            </a:r>
+            <a:r>
+              <a:rPr kumimoji="0" lang="en-US" altLang="en-US" sz="1900" i="0" u="none" strike="noStrike" cap="none" spc="150" normalizeH="0" dirty="0">
+                <a:ln>
+                  <a:noFill/>
+                </a:ln>
+                <a:effectLst/>
+                <a:latin typeface="Söhne"/>
+              </a:rPr>
+              <a:t> framework. </a:t>
+            </a:r>
+          </a:p>
+          <a:p>
+            <a:pPr marR="0" lvl="0" indent="0" fontAlgn="base">
+              <a:lnSpc>
+                <a:spcPct val="130000"/>
+              </a:lnSpc>
+              <a:spcBef>
+                <a:spcPts val="930"/>
+              </a:spcBef>
+              <a:spcAft>
+                <a:spcPct val="0"/>
+              </a:spcAft>
+              <a:buClrTx/>
+              <a:buSzTx/>
+              <a:buFont typeface="Corbel" panose="020B0503020204020204" pitchFamily="34" charset="0"/>
+              <a:buNone/>
+              <a:tabLst/>
+            </a:pPr>
+            <a:r>
+              <a:rPr kumimoji="0" lang="en-US" altLang="en-US" sz="1900" i="0" u="none" strike="noStrike" cap="none" spc="150" normalizeH="0" dirty="0">
+                <a:ln>
+                  <a:noFill/>
+                </a:ln>
+                <a:effectLst/>
+                <a:latin typeface="Söhne"/>
+              </a:rPr>
+              <a:t>This enables users to enter mathematical formulas using button-pressing interactions that are </a:t>
+            </a:r>
+            <a:r>
+              <a:rPr kumimoji="0" lang="en-US" altLang="en-US" sz="1900" i="0" u="none" strike="noStrike" cap="none" spc="150" normalizeH="0" dirty="0" err="1">
+                <a:ln>
+                  <a:noFill/>
+                </a:ln>
+                <a:effectLst/>
+                <a:latin typeface="Söhne"/>
+              </a:rPr>
+              <a:t>recognisable</a:t>
+            </a:r>
+            <a:r>
+              <a:rPr kumimoji="0" lang="en-US" altLang="en-US" sz="1900" i="0" u="none" strike="noStrike" cap="none" spc="150" normalizeH="0" dirty="0">
+                <a:ln>
+                  <a:noFill/>
+                </a:ln>
+                <a:effectLst/>
+                <a:latin typeface="Söhne"/>
+              </a:rPr>
+              <a:t> from traditional calculators.</a:t>
+            </a:r>
+            <a:br>
+              <a:rPr kumimoji="0" lang="en-US" altLang="en-US" sz="1400" i="0" u="none" strike="noStrike" cap="none" spc="150" normalizeH="0" dirty="0">
+                <a:ln>
+                  <a:noFill/>
+                </a:ln>
+                <a:solidFill>
+                  <a:schemeClr val="tx1">
+                    <a:lumMod val="75000"/>
+                    <a:lumOff val="25000"/>
+                  </a:schemeClr>
+                </a:solidFill>
+                <a:effectLst/>
+              </a:rPr>
+            </a:br>
+            <a:endParaRPr kumimoji="0" lang="en-US" altLang="en-US" sz="1400" i="0" u="none" strike="noStrike" cap="none" spc="150" normalizeH="0" dirty="0">
+              <a:ln>
+                <a:noFill/>
+              </a:ln>
+              <a:solidFill>
+                <a:schemeClr val="tx1">
+                  <a:lumMod val="75000"/>
+                  <a:lumOff val="25000"/>
+                </a:schemeClr>
+              </a:solidFill>
+              <a:effectLst/>
+            </a:endParaRPr>
+          </a:p>
+        </p:txBody>
+      </p:sp>
+      <p:sp>
+        <p:nvSpPr>
+          <p:cNvPr id="44" name="Rectangle 43">
+            <a:extLst>
+              <a:ext uri="{FF2B5EF4-FFF2-40B4-BE49-F238E27FC236}">
+                <a16:creationId xmlns:a16="http://schemas.microsoft.com/office/drawing/2014/main" id="{DB791336-FCAA-4174-9303-B3F374861110}"/>
+              </a:ext>
+              <a:ext uri="{C183D7F6-B498-43B3-948B-1728B52AA6E4}">
+                <adec:decorative xmlns:adec="http://schemas.microsoft.com/office/drawing/2017/decorative" val="1"/>
+              </a:ext>
+            </a:extLst>
+          </p:cNvPr>
+          <p:cNvSpPr>
+            <a:spLocks noGrp="1" noRot="1" noChangeAspect="1" noMove="1" noResize="1" noEditPoints="1" noAdjustHandles="1" noChangeArrowheads="1" noChangeShapeType="1" noTextEdit="1"/>
+          </p:cNvSpPr>
+          <p:nvPr>
+            <p:extLst>
+              <p:ext uri="{386F3935-93C4-4BCD-93E2-E3B085C9AB24}">
+                <p16:designElem xmlns:p16="http://schemas.microsoft.com/office/powerpoint/2015/main" val="1"/>
+              </p:ext>
+            </p:extLst>
+          </p:nvPr>
+        </p:nvSpPr>
+        <p:spPr>
+          <a:xfrm flipH="1">
+            <a:off x="-3049" y="6167615"/>
+            <a:ext cx="12192001" cy="690385"/>
+          </a:xfrm>
+          <a:prstGeom prst="rect">
+            <a:avLst/>
+          </a:prstGeom>
+          <a:solidFill>
+            <a:schemeClr val="bg1">
+              <a:alpha val="75000"/>
+            </a:schemeClr>
+          </a:solidFill>
+          <a:ln>
+            <a:noFill/>
+          </a:ln>
+        </p:spPr>
+        <p:style>
+          <a:lnRef idx="2">
+            <a:schemeClr val="accent1">
+              <a:shade val="50000"/>
+            </a:schemeClr>
+          </a:lnRef>
+          <a:fillRef idx="1">
+            <a:schemeClr val="accent1"/>
+          </a:fillRef>
+          <a:effectRef idx="0">
+            <a:schemeClr val="accent1"/>
+          </a:effectRef>
+          <a:fontRef idx="minor">
+            <a:schemeClr val="lt1"/>
+          </a:fontRef>
+        </p:style>
+        <p:txBody>
+          <a:bodyPr rtlCol="0" anchor="ctr"/>
+          <a:lstStyle/>
+          <a:p>
+            <a:pPr algn="ctr"/>
+            <a:endParaRPr lang="en-US"/>
+          </a:p>
+        </p:txBody>
+      </p:sp>
+      <p:sp>
+        <p:nvSpPr>
+          <p:cNvPr id="46" name="Rectangle 45">
+            <a:extLst>
+              <a:ext uri="{FF2B5EF4-FFF2-40B4-BE49-F238E27FC236}">
+                <a16:creationId xmlns:a16="http://schemas.microsoft.com/office/drawing/2014/main" id="{CA212158-300D-44D0-9CCE-472C3F669EE1}"/>
+              </a:ext>
+              <a:ext uri="{C183D7F6-B498-43B3-948B-1728B52AA6E4}">
+                <adec:decorative xmlns:adec="http://schemas.microsoft.com/office/drawing/2017/decorative" val="1"/>
+              </a:ext>
+            </a:extLst>
+          </p:cNvPr>
+          <p:cNvSpPr>
+            <a:spLocks noGrp="1" noRot="1" noChangeAspect="1" noMove="1" noResize="1" noEditPoints="1" noAdjustHandles="1" noChangeArrowheads="1" noChangeShapeType="1" noTextEdit="1"/>
+          </p:cNvSpPr>
+          <p:nvPr>
+            <p:extLst>
+              <p:ext uri="{386F3935-93C4-4BCD-93E2-E3B085C9AB24}">
+                <p16:designElem xmlns:p16="http://schemas.microsoft.com/office/powerpoint/2015/main" val="1"/>
+              </p:ext>
+            </p:extLst>
+          </p:nvPr>
+        </p:nvSpPr>
+        <p:spPr>
+          <a:xfrm>
+            <a:off x="1525" y="6109423"/>
+            <a:ext cx="12188951" cy="64008"/>
+          </a:xfrm>
+          <a:prstGeom prst="rect">
+            <a:avLst/>
+          </a:prstGeom>
+          <a:solidFill>
+            <a:schemeClr val="tx2"/>
+          </a:solidFill>
+          <a:ln>
+            <a:noFill/>
+          </a:ln>
+        </p:spPr>
+        <p:style>
+          <a:lnRef idx="2">
+            <a:schemeClr val="accent1">
+              <a:shade val="50000"/>
+            </a:schemeClr>
+          </a:lnRef>
+          <a:fillRef idx="1">
+            <a:schemeClr val="accent1"/>
+          </a:fillRef>
+          <a:effectRef idx="0">
+            <a:schemeClr val="accent1"/>
+          </a:effectRef>
+          <a:fontRef idx="minor">
+            <a:schemeClr val="lt1"/>
+          </a:fontRef>
+        </p:style>
+        <p:txBody>
+          <a:bodyPr rtlCol="0" anchor="ctr"/>
+          <a:lstStyle/>
+          <a:p>
+            <a:pPr algn="ctr"/>
+            <a:endParaRPr lang="en-US"/>
+          </a:p>
+        </p:txBody>
+      </p:sp>
+      <p:sp>
+        <p:nvSpPr>
+          <p:cNvPr id="48" name="Rectangle 47">
+            <a:extLst>
+              <a:ext uri="{FF2B5EF4-FFF2-40B4-BE49-F238E27FC236}">
+                <a16:creationId xmlns:a16="http://schemas.microsoft.com/office/drawing/2014/main" id="{988521F4-D44A-42C5-9BDB-5CA25554098B}"/>
+              </a:ext>
+              <a:ext uri="{C183D7F6-B498-43B3-948B-1728B52AA6E4}">
+                <adec:decorative xmlns:adec="http://schemas.microsoft.com/office/drawing/2017/decorative" val="1"/>
+              </a:ext>
+            </a:extLst>
+          </p:cNvPr>
+          <p:cNvSpPr>
+            <a:spLocks noGrp="1" noRot="1" noChangeAspect="1" noMove="1" noResize="1" noEditPoints="1" noAdjustHandles="1" noChangeArrowheads="1" noChangeShapeType="1" noTextEdit="1"/>
+          </p:cNvSpPr>
+          <p:nvPr>
+            <p:extLst>
+              <p:ext uri="{386F3935-93C4-4BCD-93E2-E3B085C9AB24}">
+                <p16:designElem xmlns:p16="http://schemas.microsoft.com/office/powerpoint/2015/main" val="1"/>
+              </p:ext>
+            </p:extLst>
+          </p:nvPr>
+        </p:nvSpPr>
+        <p:spPr>
+          <a:xfrm>
+            <a:off x="4394070" y="0"/>
+            <a:ext cx="64008" cy="6858000"/>
+          </a:xfrm>
+          <a:prstGeom prst="rect">
+            <a:avLst/>
+          </a:prstGeom>
+          <a:solidFill>
+            <a:schemeClr val="tx2"/>
+          </a:solidFill>
+          <a:ln>
+            <a:noFill/>
+          </a:ln>
+        </p:spPr>
+        <p:style>
+          <a:lnRef idx="2">
+            <a:schemeClr val="accent1">
+              <a:shade val="50000"/>
+            </a:schemeClr>
+          </a:lnRef>
+          <a:fillRef idx="1">
+            <a:schemeClr val="accent1"/>
+          </a:fillRef>
+          <a:effectRef idx="0">
+            <a:schemeClr val="accent1"/>
+          </a:effectRef>
+          <a:fontRef idx="minor">
+            <a:schemeClr val="lt1"/>
+          </a:fontRef>
+        </p:style>
+        <p:txBody>
+          <a:bodyPr rtlCol="0" anchor="ctr"/>
+          <a:lstStyle/>
+          <a:p>
+            <a:pPr algn="ctr"/>
+            <a:endParaRPr lang="en-US"/>
+          </a:p>
+        </p:txBody>
+      </p:sp>
+    </p:spTree>
+    <p:extLst>
+      <p:ext uri="{BB962C8B-B14F-4D97-AF65-F5344CB8AC3E}">
+        <p14:creationId xmlns:p14="http://schemas.microsoft.com/office/powerpoint/2010/main" val="1890845619"/>
+      </p:ext>
+    </p:extLst>
+  </p:cSld>
+  <p:clrMapOvr>
+    <a:masterClrMapping/>
+  </p:clrMapOvr>
+</p:sld>
+</file>
+
+<file path=ppt/slides/slide5.xml><?xml version="1.0" encoding="utf-8"?>
+<p:sld xmlns:a="http://schemas.openxmlformats.org/drawingml/2006/main" xmlns:r="http://schemas.openxmlformats.org/officeDocument/2006/relationships" xmlns:p="http://schemas.openxmlformats.org/presentationml/2006/main">
+  <p:cSld>
+    <p:spTree>
+      <p:nvGrpSpPr>
+        <p:cNvPr id="1" name=""/>
+        <p:cNvGrpSpPr/>
+        <p:nvPr/>
+      </p:nvGrpSpPr>
+      <p:grpSpPr>
+        <a:xfrm>
+          <a:off x="0" y="0"/>
+          <a:ext cx="0" cy="0"/>
+          <a:chOff x="0" y="0"/>
+          <a:chExt cx="0" cy="0"/>
+        </a:xfrm>
+      </p:grpSpPr>
+      <p:sp>
+        <p:nvSpPr>
+          <p:cNvPr id="2" name="Title 1">
+            <a:extLst>
+              <a:ext uri="{FF2B5EF4-FFF2-40B4-BE49-F238E27FC236}">
+                <a16:creationId xmlns:a16="http://schemas.microsoft.com/office/drawing/2014/main" id="{DF869C19-E7A1-6C23-8E51-4B075A93C4EB}"/>
+              </a:ext>
+            </a:extLst>
+          </p:cNvPr>
+          <p:cNvSpPr>
+            <a:spLocks noGrp="1"/>
+          </p:cNvSpPr>
+          <p:nvPr>
+            <p:ph type="title"/>
+          </p:nvPr>
+        </p:nvSpPr>
+        <p:spPr>
+          <a:xfrm>
+            <a:off x="757218" y="238124"/>
+            <a:ext cx="3411973" cy="2245011"/>
+          </a:xfrm>
+        </p:spPr>
+        <p:txBody>
+          <a:bodyPr/>
+          <a:lstStyle/>
+          <a:p>
+            <a:r>
+              <a:rPr lang="en-US" dirty="0"/>
+              <a:t>Key Features</a:t>
+            </a:r>
+            <a:endParaRPr lang="en-IN" dirty="0"/>
+          </a:p>
+        </p:txBody>
+      </p:sp>
+      <p:sp>
+        <p:nvSpPr>
+          <p:cNvPr id="3" name="Content Placeholder 2">
+            <a:extLst>
+              <a:ext uri="{FF2B5EF4-FFF2-40B4-BE49-F238E27FC236}">
+                <a16:creationId xmlns:a16="http://schemas.microsoft.com/office/drawing/2014/main" id="{BE6A857B-4BE8-ECCE-1CFB-D34C4EB8519E}"/>
+              </a:ext>
+            </a:extLst>
+          </p:cNvPr>
+          <p:cNvSpPr>
+            <a:spLocks noGrp="1"/>
+          </p:cNvSpPr>
+          <p:nvPr>
+            <p:ph idx="1"/>
+          </p:nvPr>
+        </p:nvSpPr>
+        <p:spPr/>
+        <p:txBody>
+          <a:bodyPr>
+            <a:noAutofit/>
+          </a:bodyPr>
+          <a:lstStyle/>
+          <a:p>
+            <a:pPr algn="l">
+              <a:buFont typeface="+mj-lt"/>
+              <a:buAutoNum type="arabicPeriod"/>
+            </a:pPr>
+            <a:r>
+              <a:rPr lang="en-IN" i="0" dirty="0">
+                <a:solidFill>
+                  <a:srgbClr val="0D0D0D"/>
+                </a:solidFill>
+                <a:effectLst/>
+                <a:latin typeface="Söhne"/>
+              </a:rPr>
+              <a:t>Graphical User Interface (GUI): </a:t>
+            </a:r>
+            <a:r>
+              <a:rPr lang="en-IN" b="0" i="0" dirty="0">
+                <a:solidFill>
+                  <a:srgbClr val="0D0D0D"/>
+                </a:solidFill>
+                <a:effectLst/>
+                <a:latin typeface="Söhne"/>
+              </a:rPr>
+              <a:t>The calculator will have a user-friendly interface with buttons for numerical values and mathematical operations.</a:t>
+            </a:r>
+          </a:p>
+          <a:p>
+            <a:pPr algn="l">
+              <a:buFont typeface="+mj-lt"/>
+              <a:buAutoNum type="arabicPeriod"/>
+            </a:pPr>
+            <a:r>
+              <a:rPr lang="en-IN" i="0" dirty="0">
+                <a:solidFill>
+                  <a:srgbClr val="0D0D0D"/>
+                </a:solidFill>
+                <a:effectLst/>
+                <a:latin typeface="Söhne"/>
+              </a:rPr>
+              <a:t>Equation Display Area: </a:t>
+            </a:r>
+            <a:r>
+              <a:rPr lang="en-IN" b="0" i="0" dirty="0">
+                <a:solidFill>
+                  <a:srgbClr val="0D0D0D"/>
+                </a:solidFill>
+                <a:effectLst/>
+                <a:latin typeface="Söhne"/>
+              </a:rPr>
+              <a:t>The calculator will display the mathematical expressions and their respective results in a designated area.</a:t>
+            </a:r>
+          </a:p>
+          <a:p>
+            <a:pPr algn="l">
+              <a:buFont typeface="+mj-lt"/>
+              <a:buAutoNum type="arabicPeriod"/>
+            </a:pPr>
+            <a:r>
+              <a:rPr lang="en-IN" i="0" dirty="0">
+                <a:solidFill>
+                  <a:srgbClr val="0D0D0D"/>
+                </a:solidFill>
+                <a:effectLst/>
+                <a:latin typeface="Söhne"/>
+              </a:rPr>
+              <a:t>Core Mathematical Operations: </a:t>
+            </a:r>
+            <a:r>
+              <a:rPr lang="en-IN" b="0" i="0" dirty="0">
+                <a:solidFill>
+                  <a:srgbClr val="0D0D0D"/>
+                </a:solidFill>
+                <a:effectLst/>
+                <a:latin typeface="Söhne"/>
+              </a:rPr>
+              <a:t>The calculator will support addition, subtraction, multiplication, and division.</a:t>
+            </a:r>
+          </a:p>
+          <a:p>
+            <a:pPr algn="l">
+              <a:buFont typeface="+mj-lt"/>
+              <a:buAutoNum type="arabicPeriod"/>
+            </a:pPr>
+            <a:r>
+              <a:rPr lang="en-IN" i="0" dirty="0">
+                <a:solidFill>
+                  <a:srgbClr val="0D0D0D"/>
+                </a:solidFill>
+                <a:effectLst/>
+                <a:latin typeface="Söhne"/>
+              </a:rPr>
+              <a:t>Seamless Execution: </a:t>
+            </a:r>
+            <a:r>
+              <a:rPr lang="en-IN" b="0" i="0" dirty="0">
+                <a:solidFill>
+                  <a:srgbClr val="0D0D0D"/>
+                </a:solidFill>
+                <a:effectLst/>
+                <a:latin typeface="Söhne"/>
+              </a:rPr>
+              <a:t>The calculator will execute mathematical calculations seamlessly and display results accurately.</a:t>
+            </a:r>
+          </a:p>
+          <a:p>
+            <a:pPr algn="l">
+              <a:buFont typeface="+mj-lt"/>
+              <a:buAutoNum type="arabicPeriod"/>
+            </a:pPr>
+            <a:r>
+              <a:rPr lang="en-IN" i="0" dirty="0">
+                <a:solidFill>
+                  <a:srgbClr val="0D0D0D"/>
+                </a:solidFill>
+                <a:effectLst/>
+                <a:latin typeface="Söhne"/>
+              </a:rPr>
+              <a:t>Clear Functionality: </a:t>
+            </a:r>
+            <a:r>
+              <a:rPr lang="en-IN" b="0" i="0" dirty="0">
+                <a:solidFill>
+                  <a:srgbClr val="0D0D0D"/>
+                </a:solidFill>
+                <a:effectLst/>
+                <a:latin typeface="Söhne"/>
+              </a:rPr>
+              <a:t>The calculator will have a clear button to clear the equation display area.</a:t>
+            </a:r>
+          </a:p>
+        </p:txBody>
+      </p:sp>
+      <p:pic>
+        <p:nvPicPr>
+          <p:cNvPr id="5" name="Picture 4" descr="A person and person standing in front of a large cellphone&#10;&#10;Description automatically generated">
+            <a:extLst>
+              <a:ext uri="{FF2B5EF4-FFF2-40B4-BE49-F238E27FC236}">
+                <a16:creationId xmlns:a16="http://schemas.microsoft.com/office/drawing/2014/main" id="{B54E4B04-175B-C5FA-ED4A-5C19414DE1CA}"/>
+              </a:ext>
+            </a:extLst>
+          </p:cNvPr>
+          <p:cNvPicPr>
+            <a:picLocks noChangeAspect="1"/>
+          </p:cNvPicPr>
+          <p:nvPr/>
+        </p:nvPicPr>
+        <p:blipFill>
+          <a:blip r:embed="rId2">
+            <a:extLst>
+              <a:ext uri="{28A0092B-C50C-407E-A947-70E740481C1C}">
+                <a14:useLocalDpi xmlns:a14="http://schemas.microsoft.com/office/drawing/2010/main" val="0"/>
+              </a:ext>
+            </a:extLst>
+          </a:blip>
+          <a:stretch>
+            <a:fillRect/>
+          </a:stretch>
+        </p:blipFill>
+        <p:spPr>
+          <a:xfrm>
+            <a:off x="0" y="2073131"/>
+            <a:ext cx="4733925" cy="4864385"/>
+          </a:xfrm>
+          <a:prstGeom prst="rect">
+            <a:avLst/>
+          </a:prstGeom>
+        </p:spPr>
+      </p:pic>
+    </p:spTree>
+    <p:extLst>
+      <p:ext uri="{BB962C8B-B14F-4D97-AF65-F5344CB8AC3E}">
+        <p14:creationId xmlns:p14="http://schemas.microsoft.com/office/powerpoint/2010/main" val="2769822171"/>
+      </p:ext>
+    </p:extLst>
+  </p:cSld>
+  <p:clrMapOvr>
+    <a:masterClrMapping/>
+  </p:clrMapOvr>
+</p:sld>
+</file>
+
+<file path=ppt/slides/slide6.xml><?xml version="1.0" encoding="utf-8"?>
+<p:sld xmlns:a="http://schemas.openxmlformats.org/drawingml/2006/main" xmlns:r="http://schemas.openxmlformats.org/officeDocument/2006/relationships" xmlns:p="http://schemas.openxmlformats.org/presentationml/2006/main">
+  <p:cSld>
     <p:bg>
       <p:bgPr>
         <a:solidFill>
@@ -11548,7 +17295,7 @@
             <p:ph idx="1"/>
             <p:extLst>
               <p:ext uri="{D42A27DB-BD31-4B8C-83A1-F6EECF244321}">
-                <p14:modId xmlns:p14="http://schemas.microsoft.com/office/powerpoint/2010/main" val="4286781872"/>
+                <p14:modId xmlns:p14="http://schemas.microsoft.com/office/powerpoint/2010/main" val="458400321"/>
               </p:ext>
             </p:extLst>
           </p:nvPr>
@@ -11767,9 +17514,17 @@
 </p:sld>
 </file>
 
-<file path=ppt/slides/slide3.xml><?xml version="1.0" encoding="utf-8"?>
+<file path=ppt/slides/slide7.xml><?xml version="1.0" encoding="utf-8"?>
 <p:sld xmlns:a="http://schemas.openxmlformats.org/drawingml/2006/main" xmlns:r="http://schemas.openxmlformats.org/officeDocument/2006/relationships" xmlns:p="http://schemas.openxmlformats.org/presentationml/2006/main">
   <p:cSld>
+    <p:bg>
+      <p:bgPr>
+        <a:solidFill>
+          <a:schemeClr val="bg2"/>
+        </a:solidFill>
+        <a:effectLst/>
+      </p:bgPr>
+    </p:bg>
     <p:spTree>
       <p:nvGrpSpPr>
         <p:cNvPr id="1" name=""/>
@@ -11784,12 +17539,72 @@
           <a:chExt cx="0" cy="0"/>
         </a:xfrm>
       </p:grpSpPr>
+      <p:sp useBgFill="1">
+        <p:nvSpPr>
+          <p:cNvPr id="14" name="Rectangle 13">
+            <a:extLst>
+              <a:ext uri="{FF2B5EF4-FFF2-40B4-BE49-F238E27FC236}">
+                <a16:creationId xmlns:a16="http://schemas.microsoft.com/office/drawing/2014/main" id="{3835F464-7A59-4221-AA5E-B60EF8D3CBC3}"/>
+              </a:ext>
+              <a:ext uri="{C183D7F6-B498-43B3-948B-1728B52AA6E4}">
+                <adec:decorative xmlns:adec="http://schemas.microsoft.com/office/drawing/2017/decorative" val="1"/>
+              </a:ext>
+            </a:extLst>
+          </p:cNvPr>
+          <p:cNvSpPr>
+            <a:spLocks noGrp="1" noRot="1" noChangeAspect="1" noMove="1" noResize="1" noEditPoints="1" noAdjustHandles="1" noChangeArrowheads="1" noChangeShapeType="1" noTextEdit="1"/>
+          </p:cNvSpPr>
+          <p:nvPr>
+            <p:extLst>
+              <p:ext uri="{386F3935-93C4-4BCD-93E2-E3B085C9AB24}">
+                <p16:designElem xmlns:p16="http://schemas.microsoft.com/office/powerpoint/2015/main" val="1"/>
+              </p:ext>
+            </p:extLst>
+          </p:nvPr>
+        </p:nvSpPr>
+        <p:spPr>
+          <a:xfrm flipH="1">
+            <a:off x="0" y="0"/>
+            <a:ext cx="12192001" cy="6858000"/>
+          </a:xfrm>
+          <a:prstGeom prst="rect">
+            <a:avLst/>
+          </a:prstGeom>
+          <a:ln>
+            <a:noFill/>
+          </a:ln>
+        </p:spPr>
+        <p:style>
+          <a:lnRef idx="2">
+            <a:schemeClr val="accent1">
+              <a:shade val="50000"/>
+            </a:schemeClr>
+          </a:lnRef>
+          <a:fillRef idx="1">
+            <a:schemeClr val="accent1"/>
+          </a:fillRef>
+          <a:effectRef idx="0">
+            <a:schemeClr val="accent1"/>
+          </a:effectRef>
+          <a:fontRef idx="minor">
+            <a:schemeClr val="lt1"/>
+          </a:fontRef>
+        </p:style>
+        <p:txBody>
+          <a:bodyPr rtlCol="0" anchor="ctr"/>
+          <a:lstStyle/>
+          <a:p>
+            <a:pPr algn="ctr"/>
+            <a:endParaRPr lang="en-US" dirty="0"/>
+          </a:p>
+        </p:txBody>
+      </p:sp>
       <p:sp>
         <p:nvSpPr>
           <p:cNvPr id="2" name="Title 1">
             <a:extLst>
               <a:ext uri="{FF2B5EF4-FFF2-40B4-BE49-F238E27FC236}">
-                <a16:creationId xmlns:a16="http://schemas.microsoft.com/office/drawing/2014/main" id="{0FBA5A73-29FB-8F95-9950-A6084BC4AF25}"/>
+                <a16:creationId xmlns:a16="http://schemas.microsoft.com/office/drawing/2014/main" id="{6E7149C8-BC87-B30A-4B41-4AE51A33E48D}"/>
               </a:ext>
             </a:extLst>
           </p:cNvPr>
@@ -11800,299 +17615,16 @@
             <p:ph type="title"/>
           </p:nvPr>
         </p:nvSpPr>
-        <p:spPr/>
-        <p:txBody>
-          <a:bodyPr/>
-          <a:lstStyle/>
-          <a:p>
-            <a:r>
-              <a:rPr lang="en-US" dirty="0"/>
-              <a:t>Project Overview</a:t>
-            </a:r>
-            <a:endParaRPr lang="en-IN" dirty="0"/>
-          </a:p>
-        </p:txBody>
-      </p:sp>
-      <p:sp>
-        <p:nvSpPr>
-          <p:cNvPr id="3" name="Content Placeholder 2">
-            <a:extLst>
-              <a:ext uri="{FF2B5EF4-FFF2-40B4-BE49-F238E27FC236}">
-                <a16:creationId xmlns:a16="http://schemas.microsoft.com/office/drawing/2014/main" id="{374A594D-E551-C79C-603B-BC7E70D969B5}"/>
-              </a:ext>
-            </a:extLst>
-          </p:cNvPr>
-          <p:cNvSpPr>
-            <a:spLocks noGrp="1"/>
-          </p:cNvSpPr>
-          <p:nvPr>
-            <p:ph idx="1"/>
-          </p:nvPr>
-        </p:nvSpPr>
-        <p:spPr/>
-        <p:txBody>
-          <a:bodyPr/>
-          <a:lstStyle/>
-          <a:p>
-            <a:r>
-              <a:rPr lang="en-IN" b="0" i="0" dirty="0">
-                <a:solidFill>
-                  <a:srgbClr val="0D0D0D"/>
-                </a:solidFill>
-                <a:effectLst/>
-                <a:latin typeface="Söhne"/>
-              </a:rPr>
-              <a:t>The Python Calculator project aims to create a simple calculator application with a graphical user interface (GUI) using the </a:t>
-            </a:r>
-            <a:r>
-              <a:rPr lang="en-IN" b="0" i="0" dirty="0" err="1">
-                <a:solidFill>
-                  <a:srgbClr val="0D0D0D"/>
-                </a:solidFill>
-                <a:effectLst/>
-                <a:latin typeface="Söhne"/>
-              </a:rPr>
-              <a:t>Tkinter</a:t>
-            </a:r>
-            <a:r>
-              <a:rPr lang="en-IN" b="0" i="0" dirty="0">
-                <a:solidFill>
-                  <a:srgbClr val="0D0D0D"/>
-                </a:solidFill>
-                <a:effectLst/>
-                <a:latin typeface="Söhne"/>
-              </a:rPr>
-              <a:t> library in Python. The calculator will be capable of performing basic arithmetic operations such as addition, subtraction, multiplication, and division.</a:t>
-            </a:r>
-            <a:endParaRPr lang="en-IN" dirty="0"/>
-          </a:p>
-        </p:txBody>
-      </p:sp>
-    </p:spTree>
-    <p:extLst>
-      <p:ext uri="{BB962C8B-B14F-4D97-AF65-F5344CB8AC3E}">
-        <p14:creationId xmlns:p14="http://schemas.microsoft.com/office/powerpoint/2010/main" val="2327187635"/>
-      </p:ext>
-    </p:extLst>
-  </p:cSld>
-  <p:clrMapOvr>
-    <a:masterClrMapping/>
-  </p:clrMapOvr>
-</p:sld>
-</file>
-
-<file path=ppt/slides/slide4.xml><?xml version="1.0" encoding="utf-8"?>
-<p:sld xmlns:a="http://schemas.openxmlformats.org/drawingml/2006/main" xmlns:r="http://schemas.openxmlformats.org/officeDocument/2006/relationships" xmlns:p="http://schemas.openxmlformats.org/presentationml/2006/main">
-  <p:cSld>
-    <p:spTree>
-      <p:nvGrpSpPr>
-        <p:cNvPr id="1" name=""/>
-        <p:cNvGrpSpPr/>
-        <p:nvPr/>
-      </p:nvGrpSpPr>
-      <p:grpSpPr>
-        <a:xfrm>
-          <a:off x="0" y="0"/>
-          <a:ext cx="0" cy="0"/>
-          <a:chOff x="0" y="0"/>
-          <a:chExt cx="0" cy="0"/>
-        </a:xfrm>
-      </p:grpSpPr>
-      <p:sp>
-        <p:nvSpPr>
-          <p:cNvPr id="2" name="Title 1">
-            <a:extLst>
-              <a:ext uri="{FF2B5EF4-FFF2-40B4-BE49-F238E27FC236}">
-                <a16:creationId xmlns:a16="http://schemas.microsoft.com/office/drawing/2014/main" id="{DF869C19-E7A1-6C23-8E51-4B075A93C4EB}"/>
-              </a:ext>
-            </a:extLst>
-          </p:cNvPr>
-          <p:cNvSpPr>
-            <a:spLocks noGrp="1"/>
-          </p:cNvSpPr>
-          <p:nvPr>
-            <p:ph type="title"/>
-          </p:nvPr>
-        </p:nvSpPr>
-        <p:spPr/>
-        <p:txBody>
-          <a:bodyPr/>
-          <a:lstStyle/>
-          <a:p>
-            <a:r>
-              <a:rPr lang="en-US" dirty="0"/>
-              <a:t>Key Features</a:t>
-            </a:r>
-            <a:endParaRPr lang="en-IN" dirty="0"/>
-          </a:p>
-        </p:txBody>
-      </p:sp>
-      <p:sp>
-        <p:nvSpPr>
-          <p:cNvPr id="3" name="Content Placeholder 2">
-            <a:extLst>
-              <a:ext uri="{FF2B5EF4-FFF2-40B4-BE49-F238E27FC236}">
-                <a16:creationId xmlns:a16="http://schemas.microsoft.com/office/drawing/2014/main" id="{BE6A857B-4BE8-ECCE-1CFB-D34C4EB8519E}"/>
-              </a:ext>
-            </a:extLst>
-          </p:cNvPr>
-          <p:cNvSpPr>
-            <a:spLocks noGrp="1"/>
-          </p:cNvSpPr>
-          <p:nvPr>
-            <p:ph idx="1"/>
-          </p:nvPr>
-        </p:nvSpPr>
-        <p:spPr/>
+        <p:spPr>
+          <a:xfrm>
+            <a:off x="642918" y="705113"/>
+            <a:ext cx="3411973" cy="5197498"/>
+          </a:xfrm>
+        </p:spPr>
         <p:txBody>
           <a:bodyPr>
-            <a:normAutofit fontScale="85000" lnSpcReduction="10000"/>
+            <a:normAutofit/>
           </a:bodyPr>
-          <a:lstStyle/>
-          <a:p>
-            <a:pPr algn="l"/>
-            <a:r>
-              <a:rPr lang="en-IN" b="0" i="0" dirty="0">
-                <a:solidFill>
-                  <a:srgbClr val="0D0D0D"/>
-                </a:solidFill>
-                <a:effectLst/>
-                <a:latin typeface="Söhne"/>
-              </a:rPr>
-              <a:t>Key Features:</a:t>
-            </a:r>
-          </a:p>
-          <a:p>
-            <a:pPr algn="l">
-              <a:buFont typeface="+mj-lt"/>
-              <a:buAutoNum type="arabicPeriod"/>
-            </a:pPr>
-            <a:r>
-              <a:rPr lang="en-IN" b="0" i="0" dirty="0">
-                <a:solidFill>
-                  <a:srgbClr val="0D0D0D"/>
-                </a:solidFill>
-                <a:effectLst/>
-                <a:latin typeface="Söhne"/>
-              </a:rPr>
-              <a:t>Graphical User Interface (GUI): The calculator will have a user-friendly interface with buttons for numerical values and mathematical operations.</a:t>
-            </a:r>
-          </a:p>
-          <a:p>
-            <a:pPr algn="l">
-              <a:buFont typeface="+mj-lt"/>
-              <a:buAutoNum type="arabicPeriod"/>
-            </a:pPr>
-            <a:r>
-              <a:rPr lang="en-IN" b="0" i="0" dirty="0">
-                <a:solidFill>
-                  <a:srgbClr val="0D0D0D"/>
-                </a:solidFill>
-                <a:effectLst/>
-                <a:latin typeface="Söhne"/>
-              </a:rPr>
-              <a:t>Equation Display Area: The calculator will display the mathematical expressions and their respective results in a designated area.</a:t>
-            </a:r>
-          </a:p>
-          <a:p>
-            <a:pPr algn="l">
-              <a:buFont typeface="+mj-lt"/>
-              <a:buAutoNum type="arabicPeriod"/>
-            </a:pPr>
-            <a:r>
-              <a:rPr lang="en-IN" b="0" i="0" dirty="0">
-                <a:solidFill>
-                  <a:srgbClr val="0D0D0D"/>
-                </a:solidFill>
-                <a:effectLst/>
-                <a:latin typeface="Söhne"/>
-              </a:rPr>
-              <a:t>Core Mathematical Operations: The calculator will support addition, subtraction, multiplication, and division.</a:t>
-            </a:r>
-          </a:p>
-          <a:p>
-            <a:pPr algn="l">
-              <a:buFont typeface="+mj-lt"/>
-              <a:buAutoNum type="arabicPeriod"/>
-            </a:pPr>
-            <a:r>
-              <a:rPr lang="en-IN" b="0" i="0" dirty="0">
-                <a:solidFill>
-                  <a:srgbClr val="0D0D0D"/>
-                </a:solidFill>
-                <a:effectLst/>
-                <a:latin typeface="Söhne"/>
-              </a:rPr>
-              <a:t>Seamless Execution: The calculator will execute mathematical calculations seamlessly and display results accurately.</a:t>
-            </a:r>
-          </a:p>
-          <a:p>
-            <a:pPr algn="l">
-              <a:buFont typeface="+mj-lt"/>
-              <a:buAutoNum type="arabicPeriod"/>
-            </a:pPr>
-            <a:r>
-              <a:rPr lang="en-IN" b="0" i="0" dirty="0">
-                <a:solidFill>
-                  <a:srgbClr val="0D0D0D"/>
-                </a:solidFill>
-                <a:effectLst/>
-                <a:latin typeface="Söhne"/>
-              </a:rPr>
-              <a:t>Clear Functionality: The calculator will have a clear button to clear the equation display area.</a:t>
-            </a:r>
-          </a:p>
-        </p:txBody>
-      </p:sp>
-    </p:spTree>
-    <p:extLst>
-      <p:ext uri="{BB962C8B-B14F-4D97-AF65-F5344CB8AC3E}">
-        <p14:creationId xmlns:p14="http://schemas.microsoft.com/office/powerpoint/2010/main" val="2769822171"/>
-      </p:ext>
-    </p:extLst>
-  </p:cSld>
-  <p:clrMapOvr>
-    <a:masterClrMapping/>
-  </p:clrMapOvr>
-</p:sld>
-</file>
-
-<file path=ppt/slides/slide5.xml><?xml version="1.0" encoding="utf-8"?>
-<p:sld xmlns:a="http://schemas.openxmlformats.org/drawingml/2006/main" xmlns:r="http://schemas.openxmlformats.org/officeDocument/2006/relationships" xmlns:p="http://schemas.openxmlformats.org/presentationml/2006/main">
-  <p:cSld>
-    <p:spTree>
-      <p:nvGrpSpPr>
-        <p:cNvPr id="1" name=""/>
-        <p:cNvGrpSpPr/>
-        <p:nvPr/>
-      </p:nvGrpSpPr>
-      <p:grpSpPr>
-        <a:xfrm>
-          <a:off x="0" y="0"/>
-          <a:ext cx="0" cy="0"/>
-          <a:chOff x="0" y="0"/>
-          <a:chExt cx="0" cy="0"/>
-        </a:xfrm>
-      </p:grpSpPr>
-      <p:sp>
-        <p:nvSpPr>
-          <p:cNvPr id="2" name="Title 1">
-            <a:extLst>
-              <a:ext uri="{FF2B5EF4-FFF2-40B4-BE49-F238E27FC236}">
-                <a16:creationId xmlns:a16="http://schemas.microsoft.com/office/drawing/2014/main" id="{6E7149C8-BC87-B30A-4B41-4AE51A33E48D}"/>
-              </a:ext>
-            </a:extLst>
-          </p:cNvPr>
-          <p:cNvSpPr>
-            <a:spLocks noGrp="1"/>
-          </p:cNvSpPr>
-          <p:nvPr>
-            <p:ph type="title"/>
-          </p:nvPr>
-        </p:nvSpPr>
-        <p:spPr/>
-        <p:txBody>
-          <a:bodyPr/>
           <a:lstStyle/>
           <a:p>
             <a:r>
@@ -12105,139 +17637,163 @@
       </p:sp>
       <p:sp>
         <p:nvSpPr>
-          <p:cNvPr id="3" name="Content Placeholder 2">
+          <p:cNvPr id="16" name="Rectangle 15">
             <a:extLst>
               <a:ext uri="{FF2B5EF4-FFF2-40B4-BE49-F238E27FC236}">
-                <a16:creationId xmlns:a16="http://schemas.microsoft.com/office/drawing/2014/main" id="{25724839-E9F8-CC8C-0112-AD3CA2420D99}"/>
+                <a16:creationId xmlns:a16="http://schemas.microsoft.com/office/drawing/2014/main" id="{2C57B5ED-61CB-4AF5-A47A-A41A996F8375}"/>
+              </a:ext>
+              <a:ext uri="{C183D7F6-B498-43B3-948B-1728B52AA6E4}">
+                <adec:decorative xmlns:adec="http://schemas.microsoft.com/office/drawing/2017/decorative" val="1"/>
               </a:ext>
             </a:extLst>
           </p:cNvPr>
           <p:cNvSpPr>
-            <a:spLocks noGrp="1"/>
+            <a:spLocks noGrp="1" noRot="1" noChangeAspect="1" noMove="1" noResize="1" noEditPoints="1" noAdjustHandles="1" noChangeArrowheads="1" noChangeShapeType="1" noTextEdit="1"/>
           </p:cNvSpPr>
           <p:nvPr>
-            <p:ph idx="1"/>
+            <p:extLst>
+              <p:ext uri="{386F3935-93C4-4BCD-93E2-E3B085C9AB24}">
+                <p16:designElem xmlns:p16="http://schemas.microsoft.com/office/powerpoint/2015/main" val="1"/>
+              </p:ext>
+            </p:extLst>
           </p:nvPr>
         </p:nvSpPr>
-        <p:spPr/>
+        <p:spPr>
+          <a:xfrm flipH="1">
+            <a:off x="4661644" y="0"/>
+            <a:ext cx="7530351" cy="6858000"/>
+          </a:xfrm>
+          <a:prstGeom prst="rect">
+            <a:avLst/>
+          </a:prstGeom>
+          <a:solidFill>
+            <a:schemeClr val="bg1">
+              <a:alpha val="75000"/>
+            </a:schemeClr>
+          </a:solidFill>
+          <a:ln>
+            <a:noFill/>
+          </a:ln>
+        </p:spPr>
+        <p:style>
+          <a:lnRef idx="2">
+            <a:schemeClr val="accent1">
+              <a:shade val="50000"/>
+            </a:schemeClr>
+          </a:lnRef>
+          <a:fillRef idx="1">
+            <a:schemeClr val="accent1"/>
+          </a:fillRef>
+          <a:effectRef idx="0">
+            <a:schemeClr val="accent1"/>
+          </a:effectRef>
+          <a:fontRef idx="minor">
+            <a:schemeClr val="lt1"/>
+          </a:fontRef>
+        </p:style>
         <p:txBody>
-          <a:bodyPr/>
+          <a:bodyPr rtlCol="0" anchor="ctr"/>
           <a:lstStyle/>
           <a:p>
-            <a:pPr algn="l">
-              <a:buFont typeface="+mj-lt"/>
-              <a:buAutoNum type="arabicPeriod"/>
-            </a:pPr>
-            <a:r>
-              <a:rPr lang="en-IN" b="0" i="0" dirty="0">
-                <a:solidFill>
-                  <a:srgbClr val="0D0D0D"/>
-                </a:solidFill>
-                <a:effectLst/>
-                <a:latin typeface="Söhne"/>
-              </a:rPr>
-              <a:t>Core Python: Understanding the fundamentals of Python programming language.</a:t>
-            </a:r>
-          </a:p>
-          <a:p>
-            <a:pPr algn="l">
-              <a:buFont typeface="+mj-lt"/>
-              <a:buAutoNum type="arabicPeriod"/>
-            </a:pPr>
-            <a:r>
-              <a:rPr lang="en-IN" b="0" i="0" dirty="0" err="1">
-                <a:solidFill>
-                  <a:srgbClr val="0D0D0D"/>
-                </a:solidFill>
-                <a:effectLst/>
-                <a:latin typeface="Söhne"/>
-              </a:rPr>
-              <a:t>Tkinter</a:t>
-            </a:r>
-            <a:r>
-              <a:rPr lang="en-IN" b="0" i="0" dirty="0">
-                <a:solidFill>
-                  <a:srgbClr val="0D0D0D"/>
-                </a:solidFill>
-                <a:effectLst/>
-                <a:latin typeface="Söhne"/>
-              </a:rPr>
-              <a:t> Library: Learning to use </a:t>
-            </a:r>
-            <a:r>
-              <a:rPr lang="en-IN" b="0" i="0" dirty="0" err="1">
-                <a:solidFill>
-                  <a:srgbClr val="0D0D0D"/>
-                </a:solidFill>
-                <a:effectLst/>
-                <a:latin typeface="Söhne"/>
-              </a:rPr>
-              <a:t>Tkinter</a:t>
-            </a:r>
-            <a:r>
-              <a:rPr lang="en-IN" b="0" i="0" dirty="0">
-                <a:solidFill>
-                  <a:srgbClr val="0D0D0D"/>
-                </a:solidFill>
-                <a:effectLst/>
-                <a:latin typeface="Söhne"/>
-              </a:rPr>
-              <a:t> for creating GUI applications in Python.</a:t>
-            </a:r>
-          </a:p>
-          <a:p>
-            <a:pPr algn="l">
-              <a:buFont typeface="+mj-lt"/>
-              <a:buAutoNum type="arabicPeriod"/>
-            </a:pPr>
-            <a:r>
-              <a:rPr lang="en-IN" b="0" i="0" dirty="0">
-                <a:solidFill>
-                  <a:srgbClr val="0D0D0D"/>
-                </a:solidFill>
-                <a:effectLst/>
-                <a:latin typeface="Söhne"/>
-              </a:rPr>
-              <a:t>Visual Studio Code (IDE): Working with an integrated development environment for Python programming.</a:t>
-            </a:r>
-          </a:p>
-          <a:p>
-            <a:pPr algn="l">
-              <a:buFont typeface="+mj-lt"/>
-              <a:buAutoNum type="arabicPeriod"/>
-            </a:pPr>
-            <a:r>
-              <a:rPr lang="en-IN" b="0" i="0" dirty="0">
-                <a:solidFill>
-                  <a:srgbClr val="0D0D0D"/>
-                </a:solidFill>
-                <a:effectLst/>
-                <a:latin typeface="Söhne"/>
-              </a:rPr>
-              <a:t>GitHub: Managing and sharing code using version control.</a:t>
-            </a:r>
-          </a:p>
-          <a:p>
-            <a:pPr algn="l">
-              <a:buFont typeface="+mj-lt"/>
-              <a:buAutoNum type="arabicPeriod"/>
-            </a:pPr>
-            <a:r>
-              <a:rPr lang="en-IN" b="0" i="0" dirty="0">
-                <a:solidFill>
-                  <a:srgbClr val="0D0D0D"/>
-                </a:solidFill>
-                <a:effectLst/>
-                <a:latin typeface="Söhne"/>
-              </a:rPr>
-              <a:t>Application Development: Developing a functional calculator application using Python.</a:t>
-            </a:r>
-          </a:p>
-          <a:p>
-            <a:endParaRPr lang="en-IN" dirty="0"/>
+            <a:pPr algn="ctr"/>
+            <a:endParaRPr lang="en-US"/>
           </a:p>
         </p:txBody>
       </p:sp>
+      <p:sp>
+        <p:nvSpPr>
+          <p:cNvPr id="18" name="Rectangle 17">
+            <a:extLst>
+              <a:ext uri="{FF2B5EF4-FFF2-40B4-BE49-F238E27FC236}">
+                <a16:creationId xmlns:a16="http://schemas.microsoft.com/office/drawing/2014/main" id="{714C9CDB-7738-4B6C-BCE1-D9516C1E03DE}"/>
+              </a:ext>
+              <a:ext uri="{C183D7F6-B498-43B3-948B-1728B52AA6E4}">
+                <adec:decorative xmlns:adec="http://schemas.microsoft.com/office/drawing/2017/decorative" val="1"/>
+              </a:ext>
+            </a:extLst>
+          </p:cNvPr>
+          <p:cNvSpPr>
+            <a:spLocks noGrp="1" noRot="1" noChangeAspect="1" noMove="1" noResize="1" noEditPoints="1" noAdjustHandles="1" noChangeArrowheads="1" noChangeShapeType="1" noTextEdit="1"/>
+          </p:cNvSpPr>
+          <p:nvPr>
+            <p:extLst>
+              <p:ext uri="{386F3935-93C4-4BCD-93E2-E3B085C9AB24}">
+                <p16:designElem xmlns:p16="http://schemas.microsoft.com/office/powerpoint/2015/main" val="1"/>
+              </p:ext>
+            </p:extLst>
+          </p:nvPr>
+        </p:nvSpPr>
+        <p:spPr>
+          <a:xfrm rot="5400000">
+            <a:off x="1257298" y="3396997"/>
+            <a:ext cx="6858002" cy="64008"/>
+          </a:xfrm>
+          <a:prstGeom prst="rect">
+            <a:avLst/>
+          </a:prstGeom>
+          <a:solidFill>
+            <a:schemeClr val="tx2"/>
+          </a:solidFill>
+          <a:ln>
+            <a:noFill/>
+          </a:ln>
+        </p:spPr>
+        <p:style>
+          <a:lnRef idx="2">
+            <a:schemeClr val="accent1">
+              <a:shade val="50000"/>
+            </a:schemeClr>
+          </a:lnRef>
+          <a:fillRef idx="1">
+            <a:schemeClr val="accent1"/>
+          </a:fillRef>
+          <a:effectRef idx="0">
+            <a:schemeClr val="accent1"/>
+          </a:effectRef>
+          <a:fontRef idx="minor">
+            <a:schemeClr val="lt1"/>
+          </a:fontRef>
+        </p:style>
+        <p:txBody>
+          <a:bodyPr rtlCol="0" anchor="ctr"/>
+          <a:lstStyle/>
+          <a:p>
+            <a:pPr algn="ctr"/>
+            <a:endParaRPr lang="en-US"/>
+          </a:p>
+        </p:txBody>
+      </p:sp>
+      <p:graphicFrame>
+        <p:nvGraphicFramePr>
+          <p:cNvPr id="9" name="Content Placeholder 2">
+            <a:extLst>
+              <a:ext uri="{FF2B5EF4-FFF2-40B4-BE49-F238E27FC236}">
+                <a16:creationId xmlns:a16="http://schemas.microsoft.com/office/drawing/2014/main" id="{1AE40739-CA1D-E95E-0CC0-D8F9187A071C}"/>
+              </a:ext>
+            </a:extLst>
+          </p:cNvPr>
+          <p:cNvGraphicFramePr>
+            <a:graphicFrameLocks noGrp="1"/>
+          </p:cNvGraphicFramePr>
+          <p:nvPr>
+            <p:ph idx="1"/>
+            <p:extLst>
+              <p:ext uri="{D42A27DB-BD31-4B8C-83A1-F6EECF244321}">
+                <p14:modId xmlns:p14="http://schemas.microsoft.com/office/powerpoint/2010/main" val="1731425789"/>
+              </p:ext>
+            </p:extLst>
+          </p:nvPr>
+        </p:nvGraphicFramePr>
+        <p:xfrm>
+          <a:off x="5376671" y="705113"/>
+          <a:ext cx="6172412" cy="5197497"/>
+        </p:xfrm>
+        <a:graphic>
+          <a:graphicData uri="http://schemas.openxmlformats.org/drawingml/2006/diagram">
+            <dgm:relIds xmlns:dgm="http://schemas.openxmlformats.org/drawingml/2006/diagram" xmlns:r="http://schemas.openxmlformats.org/officeDocument/2006/relationships" r:dm="rId2" r:lo="rId3" r:qs="rId4" r:cs="rId5"/>
+          </a:graphicData>
+        </a:graphic>
+      </p:graphicFrame>
     </p:spTree>
     <p:extLst>
       <p:ext uri="{BB962C8B-B14F-4D97-AF65-F5344CB8AC3E}">
@@ -12251,7 +17807,7 @@
 </p:sld>
 </file>
 
-<file path=ppt/slides/slide6.xml><?xml version="1.0" encoding="utf-8"?>
+<file path=ppt/slides/slide8.xml><?xml version="1.0" encoding="utf-8"?>
 <p:sld xmlns:a="http://schemas.openxmlformats.org/drawingml/2006/main" xmlns:r="http://schemas.openxmlformats.org/officeDocument/2006/relationships" xmlns:p="http://schemas.openxmlformats.org/presentationml/2006/main">
   <p:cSld>
     <p:spTree>
@@ -12567,7 +18123,7 @@
 </p:sld>
 </file>
 
-<file path=ppt/slides/slide7.xml><?xml version="1.0" encoding="utf-8"?>
+<file path=ppt/slides/slide9.xml><?xml version="1.0" encoding="utf-8"?>
 <p:sld xmlns:a="http://schemas.openxmlformats.org/drawingml/2006/main" xmlns:r="http://schemas.openxmlformats.org/officeDocument/2006/relationships" xmlns:p="http://schemas.openxmlformats.org/presentationml/2006/main">
   <p:cSld>
     <p:spTree>
@@ -12726,323 +18282,6 @@
     <p:extLst>
       <p:ext uri="{BB962C8B-B14F-4D97-AF65-F5344CB8AC3E}">
         <p14:creationId xmlns:p14="http://schemas.microsoft.com/office/powerpoint/2010/main" val="3627259814"/>
-      </p:ext>
-    </p:extLst>
-  </p:cSld>
-  <p:clrMapOvr>
-    <a:masterClrMapping/>
-  </p:clrMapOvr>
-</p:sld>
-</file>
-
-<file path=ppt/slides/slide8.xml><?xml version="1.0" encoding="utf-8"?>
-<p:sld xmlns:a="http://schemas.openxmlformats.org/drawingml/2006/main" xmlns:r="http://schemas.openxmlformats.org/officeDocument/2006/relationships" xmlns:p="http://schemas.openxmlformats.org/presentationml/2006/main">
-  <p:cSld>
-    <p:spTree>
-      <p:nvGrpSpPr>
-        <p:cNvPr id="1" name=""/>
-        <p:cNvGrpSpPr/>
-        <p:nvPr/>
-      </p:nvGrpSpPr>
-      <p:grpSpPr>
-        <a:xfrm>
-          <a:off x="0" y="0"/>
-          <a:ext cx="0" cy="0"/>
-          <a:chOff x="0" y="0"/>
-          <a:chExt cx="0" cy="0"/>
-        </a:xfrm>
-      </p:grpSpPr>
-      <p:sp>
-        <p:nvSpPr>
-          <p:cNvPr id="2" name="Title 1">
-            <a:extLst>
-              <a:ext uri="{FF2B5EF4-FFF2-40B4-BE49-F238E27FC236}">
-                <a16:creationId xmlns:a16="http://schemas.microsoft.com/office/drawing/2014/main" id="{FB11B0A4-2C02-B345-27CF-555962A8DA35}"/>
-              </a:ext>
-            </a:extLst>
-          </p:cNvPr>
-          <p:cNvSpPr>
-            <a:spLocks noGrp="1"/>
-          </p:cNvSpPr>
-          <p:nvPr>
-            <p:ph type="title"/>
-          </p:nvPr>
-        </p:nvSpPr>
-        <p:spPr/>
-        <p:txBody>
-          <a:bodyPr/>
-          <a:lstStyle/>
-          <a:p>
-            <a:r>
-              <a:rPr lang="en-US" dirty="0"/>
-              <a:t>Creating the Buttons</a:t>
-            </a:r>
-            <a:endParaRPr lang="en-IN" dirty="0"/>
-          </a:p>
-        </p:txBody>
-      </p:sp>
-      <p:sp>
-        <p:nvSpPr>
-          <p:cNvPr id="3" name="Content Placeholder 2">
-            <a:extLst>
-              <a:ext uri="{FF2B5EF4-FFF2-40B4-BE49-F238E27FC236}">
-                <a16:creationId xmlns:a16="http://schemas.microsoft.com/office/drawing/2014/main" id="{E302FDB8-9EB7-5E21-542C-AE2457ECEE62}"/>
-              </a:ext>
-            </a:extLst>
-          </p:cNvPr>
-          <p:cNvSpPr>
-            <a:spLocks noGrp="1"/>
-          </p:cNvSpPr>
-          <p:nvPr>
-            <p:ph idx="1"/>
-          </p:nvPr>
-        </p:nvSpPr>
-        <p:spPr/>
-        <p:txBody>
-          <a:bodyPr/>
-          <a:lstStyle/>
-          <a:p>
-            <a:r>
-              <a:rPr lang="en-IN" sz="1800" b="1" kern="100" dirty="0">
-                <a:solidFill>
-                  <a:schemeClr val="accent3">
-                    <a:lumMod val="75000"/>
-                  </a:schemeClr>
-                </a:solidFill>
-                <a:effectLst/>
-                <a:latin typeface="Calibri" panose="020F0502020204030204" pitchFamily="34" charset="0"/>
-                <a:ea typeface="Calibri" panose="020F0502020204030204" pitchFamily="34" charset="0"/>
-                <a:cs typeface="Times New Roman" panose="02020603050405020304" pitchFamily="18" charset="0"/>
-              </a:rPr>
-              <a:t>Creating the Buttons</a:t>
-            </a:r>
-            <a:r>
-              <a:rPr lang="en-IN" sz="1800" kern="100" dirty="0">
-                <a:solidFill>
-                  <a:schemeClr val="accent3">
-                    <a:lumMod val="75000"/>
-                  </a:schemeClr>
-                </a:solidFill>
-                <a:effectLst/>
-                <a:latin typeface="Calibri" panose="020F0502020204030204" pitchFamily="34" charset="0"/>
-                <a:ea typeface="Calibri" panose="020F0502020204030204" pitchFamily="34" charset="0"/>
-                <a:cs typeface="Times New Roman" panose="02020603050405020304" pitchFamily="18" charset="0"/>
-              </a:rPr>
-              <a:t>: </a:t>
-            </a:r>
-            <a:r>
-              <a:rPr lang="en-IN" sz="1800" kern="100" dirty="0">
-                <a:effectLst/>
-                <a:latin typeface="Calibri" panose="020F0502020204030204" pitchFamily="34" charset="0"/>
-                <a:ea typeface="Calibri" panose="020F0502020204030204" pitchFamily="34" charset="0"/>
-                <a:cs typeface="Times New Roman" panose="02020603050405020304" pitchFamily="18" charset="0"/>
-              </a:rPr>
-              <a:t>Sixteen </a:t>
-            </a:r>
-            <a:r>
-              <a:rPr lang="en-IN" sz="1800" b="1" kern="100" dirty="0">
-                <a:effectLst/>
-                <a:latin typeface="Calibri" panose="020F0502020204030204" pitchFamily="34" charset="0"/>
-                <a:ea typeface="Calibri" panose="020F0502020204030204" pitchFamily="34" charset="0"/>
-                <a:cs typeface="Times New Roman" panose="02020603050405020304" pitchFamily="18" charset="0"/>
-              </a:rPr>
-              <a:t>Button</a:t>
-            </a:r>
-            <a:r>
-              <a:rPr lang="en-IN" sz="1800" kern="100" dirty="0">
-                <a:effectLst/>
-                <a:latin typeface="Calibri" panose="020F0502020204030204" pitchFamily="34" charset="0"/>
-                <a:ea typeface="Calibri" panose="020F0502020204030204" pitchFamily="34" charset="0"/>
-                <a:cs typeface="Times New Roman" panose="02020603050405020304" pitchFamily="18" charset="0"/>
-              </a:rPr>
-              <a:t> widgets are created to represent the digits 0-9, the arithmetic operators +, -, *, and /, the equals sign =, and the clear button C. Each button is configured with a width of 5 and a command that calls the </a:t>
-            </a:r>
-            <a:r>
-              <a:rPr lang="en-IN" sz="1800" b="1" kern="100" dirty="0">
-                <a:effectLst/>
-                <a:latin typeface="Calibri" panose="020F0502020204030204" pitchFamily="34" charset="0"/>
-                <a:ea typeface="Calibri" panose="020F0502020204030204" pitchFamily="34" charset="0"/>
-                <a:cs typeface="Times New Roman" panose="02020603050405020304" pitchFamily="18" charset="0"/>
-              </a:rPr>
-              <a:t>click</a:t>
-            </a:r>
-            <a:r>
-              <a:rPr lang="en-IN" sz="1800" kern="100" dirty="0">
-                <a:effectLst/>
-                <a:latin typeface="Calibri" panose="020F0502020204030204" pitchFamily="34" charset="0"/>
-                <a:ea typeface="Calibri" panose="020F0502020204030204" pitchFamily="34" charset="0"/>
-                <a:cs typeface="Times New Roman" panose="02020603050405020304" pitchFamily="18" charset="0"/>
-              </a:rPr>
-              <a:t> function with the appropriate symbol when the button is clicked. The buttons are arranged in a 4x4 grid using the </a:t>
-            </a:r>
-            <a:r>
-              <a:rPr lang="en-IN" sz="1800" b="1" kern="100" dirty="0">
-                <a:effectLst/>
-                <a:latin typeface="Calibri" panose="020F0502020204030204" pitchFamily="34" charset="0"/>
-                <a:ea typeface="Calibri" panose="020F0502020204030204" pitchFamily="34" charset="0"/>
-                <a:cs typeface="Times New Roman" panose="02020603050405020304" pitchFamily="18" charset="0"/>
-              </a:rPr>
-              <a:t>grid</a:t>
-            </a:r>
-            <a:r>
-              <a:rPr lang="en-IN" sz="1800" kern="100" dirty="0">
-                <a:effectLst/>
-                <a:latin typeface="Calibri" panose="020F0502020204030204" pitchFamily="34" charset="0"/>
-                <a:ea typeface="Calibri" panose="020F0502020204030204" pitchFamily="34" charset="0"/>
-                <a:cs typeface="Times New Roman" panose="02020603050405020304" pitchFamily="18" charset="0"/>
-              </a:rPr>
-              <a:t> method, with each button occupying one cell in the grid.</a:t>
-            </a:r>
-          </a:p>
-          <a:p>
-            <a:endParaRPr lang="en-IN" dirty="0"/>
-          </a:p>
-        </p:txBody>
-      </p:sp>
-    </p:spTree>
-    <p:extLst>
-      <p:ext uri="{BB962C8B-B14F-4D97-AF65-F5344CB8AC3E}">
-        <p14:creationId xmlns:p14="http://schemas.microsoft.com/office/powerpoint/2010/main" val="3064495754"/>
-      </p:ext>
-    </p:extLst>
-  </p:cSld>
-  <p:clrMapOvr>
-    <a:masterClrMapping/>
-  </p:clrMapOvr>
-</p:sld>
-</file>
-
-<file path=ppt/slides/slide9.xml><?xml version="1.0" encoding="utf-8"?>
-<p:sld xmlns:a="http://schemas.openxmlformats.org/drawingml/2006/main" xmlns:r="http://schemas.openxmlformats.org/officeDocument/2006/relationships" xmlns:p="http://schemas.openxmlformats.org/presentationml/2006/main">
-  <p:cSld>
-    <p:spTree>
-      <p:nvGrpSpPr>
-        <p:cNvPr id="1" name=""/>
-        <p:cNvGrpSpPr/>
-        <p:nvPr/>
-      </p:nvGrpSpPr>
-      <p:grpSpPr>
-        <a:xfrm>
-          <a:off x="0" y="0"/>
-          <a:ext cx="0" cy="0"/>
-          <a:chOff x="0" y="0"/>
-          <a:chExt cx="0" cy="0"/>
-        </a:xfrm>
-      </p:grpSpPr>
-      <p:sp>
-        <p:nvSpPr>
-          <p:cNvPr id="2" name="Title 1">
-            <a:extLst>
-              <a:ext uri="{FF2B5EF4-FFF2-40B4-BE49-F238E27FC236}">
-                <a16:creationId xmlns:a16="http://schemas.microsoft.com/office/drawing/2014/main" id="{6C378359-118F-B7F4-F46E-070FDCC452F2}"/>
-              </a:ext>
-            </a:extLst>
-          </p:cNvPr>
-          <p:cNvSpPr>
-            <a:spLocks noGrp="1"/>
-          </p:cNvSpPr>
-          <p:nvPr>
-            <p:ph type="title"/>
-          </p:nvPr>
-        </p:nvSpPr>
-        <p:spPr/>
-        <p:txBody>
-          <a:bodyPr/>
-          <a:lstStyle/>
-          <a:p>
-            <a:r>
-              <a:rPr lang="en-US" dirty="0"/>
-              <a:t>Running the main Loop Event</a:t>
-            </a:r>
-            <a:endParaRPr lang="en-IN" dirty="0"/>
-          </a:p>
-        </p:txBody>
-      </p:sp>
-      <p:sp>
-        <p:nvSpPr>
-          <p:cNvPr id="3" name="Content Placeholder 2">
-            <a:extLst>
-              <a:ext uri="{FF2B5EF4-FFF2-40B4-BE49-F238E27FC236}">
-                <a16:creationId xmlns:a16="http://schemas.microsoft.com/office/drawing/2014/main" id="{F2B46F0D-FD8A-7746-54F0-7C41C93F8998}"/>
-              </a:ext>
-            </a:extLst>
-          </p:cNvPr>
-          <p:cNvSpPr>
-            <a:spLocks noGrp="1"/>
-          </p:cNvSpPr>
-          <p:nvPr>
-            <p:ph idx="1"/>
-          </p:nvPr>
-        </p:nvSpPr>
-        <p:spPr/>
-        <p:txBody>
-          <a:bodyPr/>
-          <a:lstStyle/>
-          <a:p>
-            <a:r>
-              <a:rPr lang="en-IN" sz="1800" b="1" kern="100" dirty="0">
-                <a:effectLst/>
-                <a:latin typeface="Calibri" panose="020F0502020204030204" pitchFamily="34" charset="0"/>
-                <a:ea typeface="Calibri" panose="020F0502020204030204" pitchFamily="34" charset="0"/>
-                <a:cs typeface="Times New Roman" panose="02020603050405020304" pitchFamily="18" charset="0"/>
-              </a:rPr>
-              <a:t>Running the Main Event Loop</a:t>
-            </a:r>
-            <a:r>
-              <a:rPr lang="en-IN" sz="1800" kern="100" dirty="0">
-                <a:effectLst/>
-                <a:latin typeface="Calibri" panose="020F0502020204030204" pitchFamily="34" charset="0"/>
-                <a:ea typeface="Calibri" panose="020F0502020204030204" pitchFamily="34" charset="0"/>
-                <a:cs typeface="Times New Roman" panose="02020603050405020304" pitchFamily="18" charset="0"/>
-              </a:rPr>
-              <a:t>: The </a:t>
-            </a:r>
-            <a:r>
-              <a:rPr lang="en-IN" sz="1800" b="1" kern="100" dirty="0" err="1">
-                <a:effectLst/>
-                <a:latin typeface="Calibri" panose="020F0502020204030204" pitchFamily="34" charset="0"/>
-                <a:ea typeface="Calibri" panose="020F0502020204030204" pitchFamily="34" charset="0"/>
-                <a:cs typeface="Times New Roman" panose="02020603050405020304" pitchFamily="18" charset="0"/>
-              </a:rPr>
-              <a:t>mainloop</a:t>
-            </a:r>
-            <a:r>
-              <a:rPr lang="en-IN" sz="1800" kern="100" dirty="0">
-                <a:effectLst/>
-                <a:latin typeface="Calibri" panose="020F0502020204030204" pitchFamily="34" charset="0"/>
-                <a:ea typeface="Calibri" panose="020F0502020204030204" pitchFamily="34" charset="0"/>
-                <a:cs typeface="Times New Roman" panose="02020603050405020304" pitchFamily="18" charset="0"/>
-              </a:rPr>
-              <a:t> method is called on the main window to start the </a:t>
-            </a:r>
-            <a:r>
-              <a:rPr lang="en-IN" sz="1800" kern="100" dirty="0" err="1">
-                <a:effectLst/>
-                <a:latin typeface="Calibri" panose="020F0502020204030204" pitchFamily="34" charset="0"/>
-                <a:ea typeface="Calibri" panose="020F0502020204030204" pitchFamily="34" charset="0"/>
-                <a:cs typeface="Times New Roman" panose="02020603050405020304" pitchFamily="18" charset="0"/>
-              </a:rPr>
-              <a:t>Tkinter</a:t>
-            </a:r>
-            <a:r>
-              <a:rPr lang="en-IN" sz="1800" kern="100" dirty="0">
-                <a:effectLst/>
-                <a:latin typeface="Calibri" panose="020F0502020204030204" pitchFamily="34" charset="0"/>
-                <a:ea typeface="Calibri" panose="020F0502020204030204" pitchFamily="34" charset="0"/>
-                <a:cs typeface="Times New Roman" panose="02020603050405020304" pitchFamily="18" charset="0"/>
-              </a:rPr>
-              <a:t> event loop, which listens for user input and updates the display accordingly.</a:t>
-            </a:r>
-          </a:p>
-          <a:p>
-            <a:endParaRPr lang="en-IN" dirty="0"/>
-          </a:p>
-        </p:txBody>
-      </p:sp>
-    </p:spTree>
-    <p:extLst>
-      <p:ext uri="{BB962C8B-B14F-4D97-AF65-F5344CB8AC3E}">
-        <p14:creationId xmlns:p14="http://schemas.microsoft.com/office/powerpoint/2010/main" val="856039749"/>
       </p:ext>
     </p:extLst>
   </p:cSld>

--- a/Calculator using Tkinter.pptx
+++ b/Calculator using Tkinter.pptx
@@ -129,7 +129,7 @@
 <file path=ppt/revisionInfo.xml><?xml version="1.0" encoding="utf-8"?>
 <p1510:revInfo xmlns:a="http://schemas.openxmlformats.org/drawingml/2006/main" xmlns:r="http://schemas.openxmlformats.org/officeDocument/2006/relationships" xmlns:p1510="http://schemas.microsoft.com/office/powerpoint/2015/10/main">
   <p1510:revLst>
-    <p1510:client id="{53B6A633-CFBA-458C-96F7-4AFAB19B7F6F}" v="26" dt="2024-03-07T20:36:00.870"/>
+    <p1510:client id="{53B6A633-CFBA-458C-96F7-4AFAB19B7F6F}" v="49" dt="2024-03-07T21:13:46.755"/>
   </p1510:revLst>
 </p1510:revInfo>
 </file>
@@ -139,12 +139,12 @@
   <pc:docChgLst>
     <pc:chgData name="deewanker sharma" userId="dbbcfb43a29a83da" providerId="LiveId" clId="{53B6A633-CFBA-458C-96F7-4AFAB19B7F6F}"/>
     <pc:docChg chg="undo custSel addSld modSld sldOrd">
-      <pc:chgData name="deewanker sharma" userId="dbbcfb43a29a83da" providerId="LiveId" clId="{53B6A633-CFBA-458C-96F7-4AFAB19B7F6F}" dt="2024-03-07T20:36:13.195" v="242" actId="26606"/>
+      <pc:chgData name="deewanker sharma" userId="dbbcfb43a29a83da" providerId="LiveId" clId="{53B6A633-CFBA-458C-96F7-4AFAB19B7F6F}" dt="2024-03-07T21:13:59.921" v="346" actId="207"/>
       <pc:docMkLst>
         <pc:docMk/>
       </pc:docMkLst>
-      <pc:sldChg chg="addSp modSp mod">
-        <pc:chgData name="deewanker sharma" userId="dbbcfb43a29a83da" providerId="LiveId" clId="{53B6A633-CFBA-458C-96F7-4AFAB19B7F6F}" dt="2024-03-07T19:16:33.820" v="24" actId="1076"/>
+      <pc:sldChg chg="addSp modSp mod modTransition">
+        <pc:chgData name="deewanker sharma" userId="dbbcfb43a29a83da" providerId="LiveId" clId="{53B6A633-CFBA-458C-96F7-4AFAB19B7F6F}" dt="2024-03-07T21:11:44.070" v="340"/>
         <pc:sldMkLst>
           <pc:docMk/>
           <pc:sldMk cId="4014381067" sldId="256"/>
@@ -158,14 +158,14 @@
           </ac:spMkLst>
         </pc:spChg>
       </pc:sldChg>
-      <pc:sldChg chg="modSp ord">
-        <pc:chgData name="deewanker sharma" userId="dbbcfb43a29a83da" providerId="LiveId" clId="{53B6A633-CFBA-458C-96F7-4AFAB19B7F6F}" dt="2024-03-07T20:34:48.836" v="231"/>
+      <pc:sldChg chg="modSp mod ord modTransition">
+        <pc:chgData name="deewanker sharma" userId="dbbcfb43a29a83da" providerId="LiveId" clId="{53B6A633-CFBA-458C-96F7-4AFAB19B7F6F}" dt="2024-03-07T21:11:44.070" v="340"/>
         <pc:sldMkLst>
           <pc:docMk/>
           <pc:sldMk cId="1762419874" sldId="257"/>
         </pc:sldMkLst>
-        <pc:graphicFrameChg chg="mod">
-          <ac:chgData name="deewanker sharma" userId="dbbcfb43a29a83da" providerId="LiveId" clId="{53B6A633-CFBA-458C-96F7-4AFAB19B7F6F}" dt="2024-03-07T20:34:48.836" v="231"/>
+        <pc:graphicFrameChg chg="mod modGraphic">
+          <ac:chgData name="deewanker sharma" userId="dbbcfb43a29a83da" providerId="LiveId" clId="{53B6A633-CFBA-458C-96F7-4AFAB19B7F6F}" dt="2024-03-07T21:05:04.828" v="284" actId="403"/>
           <ac:graphicFrameMkLst>
             <pc:docMk/>
             <pc:sldMk cId="1762419874" sldId="257"/>
@@ -173,8 +173,8 @@
           </ac:graphicFrameMkLst>
         </pc:graphicFrameChg>
       </pc:sldChg>
-      <pc:sldChg chg="addSp modSp mod ord">
-        <pc:chgData name="deewanker sharma" userId="dbbcfb43a29a83da" providerId="LiveId" clId="{53B6A633-CFBA-458C-96F7-4AFAB19B7F6F}" dt="2024-03-07T20:16:30.933" v="204" actId="14826"/>
+      <pc:sldChg chg="addSp modSp mod ord modTransition">
+        <pc:chgData name="deewanker sharma" userId="dbbcfb43a29a83da" providerId="LiveId" clId="{53B6A633-CFBA-458C-96F7-4AFAB19B7F6F}" dt="2024-03-07T21:13:01.155" v="344"/>
         <pc:sldMkLst>
           <pc:docMk/>
           <pc:sldMk cId="2327187635" sldId="258"/>
@@ -196,8 +196,8 @@
           </ac:picMkLst>
         </pc:picChg>
       </pc:sldChg>
-      <pc:sldChg chg="addSp modSp mod ord">
-        <pc:chgData name="deewanker sharma" userId="dbbcfb43a29a83da" providerId="LiveId" clId="{53B6A633-CFBA-458C-96F7-4AFAB19B7F6F}" dt="2024-03-07T20:28:05.828" v="229" actId="14100"/>
+      <pc:sldChg chg="addSp modSp mod ord modTransition">
+        <pc:chgData name="deewanker sharma" userId="dbbcfb43a29a83da" providerId="LiveId" clId="{53B6A633-CFBA-458C-96F7-4AFAB19B7F6F}" dt="2024-03-07T21:11:44.070" v="340"/>
         <pc:sldMkLst>
           <pc:docMk/>
           <pc:sldMk cId="2769822171" sldId="259"/>
@@ -227,8 +227,8 @@
           </ac:picMkLst>
         </pc:picChg>
       </pc:sldChg>
-      <pc:sldChg chg="addSp delSp modSp mod setBg">
-        <pc:chgData name="deewanker sharma" userId="dbbcfb43a29a83da" providerId="LiveId" clId="{53B6A633-CFBA-458C-96F7-4AFAB19B7F6F}" dt="2024-03-07T20:36:13.195" v="242" actId="26606"/>
+      <pc:sldChg chg="addSp delSp modSp mod modTransition setBg">
+        <pc:chgData name="deewanker sharma" userId="dbbcfb43a29a83da" providerId="LiveId" clId="{53B6A633-CFBA-458C-96F7-4AFAB19B7F6F}" dt="2024-03-07T21:11:44.070" v="340"/>
         <pc:sldMkLst>
           <pc:docMk/>
           <pc:sldMk cId="3340994708" sldId="260"/>
@@ -290,7 +290,7 @@
           </ac:graphicFrameMkLst>
         </pc:graphicFrameChg>
         <pc:graphicFrameChg chg="add mod modGraphic">
-          <ac:chgData name="deewanker sharma" userId="dbbcfb43a29a83da" providerId="LiveId" clId="{53B6A633-CFBA-458C-96F7-4AFAB19B7F6F}" dt="2024-03-07T20:36:13.195" v="242" actId="26606"/>
+          <ac:chgData name="deewanker sharma" userId="dbbcfb43a29a83da" providerId="LiveId" clId="{53B6A633-CFBA-458C-96F7-4AFAB19B7F6F}" dt="2024-03-07T21:05:56.401" v="302" actId="404"/>
           <ac:graphicFrameMkLst>
             <pc:docMk/>
             <pc:sldMk cId="3340994708" sldId="260"/>
@@ -298,8 +298,424 @@
           </ac:graphicFrameMkLst>
         </pc:graphicFrameChg>
       </pc:sldChg>
-      <pc:sldChg chg="addSp delSp modSp add mod setBg">
-        <pc:chgData name="deewanker sharma" userId="dbbcfb43a29a83da" providerId="LiveId" clId="{53B6A633-CFBA-458C-96F7-4AFAB19B7F6F}" dt="2024-03-07T20:20:37.672" v="210" actId="1076"/>
+      <pc:sldChg chg="addSp modSp mod modTransition">
+        <pc:chgData name="deewanker sharma" userId="dbbcfb43a29a83da" providerId="LiveId" clId="{53B6A633-CFBA-458C-96F7-4AFAB19B7F6F}" dt="2024-03-07T21:11:44.070" v="340"/>
+        <pc:sldMkLst>
+          <pc:docMk/>
+          <pc:sldMk cId="839854283" sldId="261"/>
+        </pc:sldMkLst>
+        <pc:spChg chg="mod">
+          <ac:chgData name="deewanker sharma" userId="dbbcfb43a29a83da" providerId="LiveId" clId="{53B6A633-CFBA-458C-96F7-4AFAB19B7F6F}" dt="2024-03-07T21:00:52.571" v="251" actId="1076"/>
+          <ac:spMkLst>
+            <pc:docMk/>
+            <pc:sldMk cId="839854283" sldId="261"/>
+            <ac:spMk id="2" creationId="{A5322E5B-AA45-B949-C50C-81C154DEB1B8}"/>
+          </ac:spMkLst>
+        </pc:spChg>
+        <pc:spChg chg="mod">
+          <ac:chgData name="deewanker sharma" userId="dbbcfb43a29a83da" providerId="LiveId" clId="{53B6A633-CFBA-458C-96F7-4AFAB19B7F6F}" dt="2024-03-07T21:06:06.396" v="303" actId="2711"/>
+          <ac:spMkLst>
+            <pc:docMk/>
+            <pc:sldMk cId="839854283" sldId="261"/>
+            <ac:spMk id="3" creationId="{781E4530-174C-832C-F951-F01954AC88F2}"/>
+          </ac:spMkLst>
+        </pc:spChg>
+        <pc:picChg chg="add mod">
+          <ac:chgData name="deewanker sharma" userId="dbbcfb43a29a83da" providerId="LiveId" clId="{53B6A633-CFBA-458C-96F7-4AFAB19B7F6F}" dt="2024-03-07T21:00:59.960" v="254" actId="1076"/>
+          <ac:picMkLst>
+            <pc:docMk/>
+            <pc:sldMk cId="839854283" sldId="261"/>
+            <ac:picMk id="5" creationId="{684CF4FA-6523-8781-DCDF-EE05B309589D}"/>
+          </ac:picMkLst>
+        </pc:picChg>
+      </pc:sldChg>
+      <pc:sldChg chg="addSp modSp mod modTransition">
+        <pc:chgData name="deewanker sharma" userId="dbbcfb43a29a83da" providerId="LiveId" clId="{53B6A633-CFBA-458C-96F7-4AFAB19B7F6F}" dt="2024-03-07T21:11:44.070" v="340"/>
+        <pc:sldMkLst>
+          <pc:docMk/>
+          <pc:sldMk cId="3627259814" sldId="262"/>
+        </pc:sldMkLst>
+        <pc:spChg chg="mod">
+          <ac:chgData name="deewanker sharma" userId="dbbcfb43a29a83da" providerId="LiveId" clId="{53B6A633-CFBA-458C-96F7-4AFAB19B7F6F}" dt="2024-03-07T21:06:17.049" v="304" actId="2711"/>
+          <ac:spMkLst>
+            <pc:docMk/>
+            <pc:sldMk cId="3627259814" sldId="262"/>
+            <ac:spMk id="3" creationId="{B9EFDE76-4768-82C7-1C9E-7EE290CFDE5D}"/>
+          </ac:spMkLst>
+        </pc:spChg>
+        <pc:picChg chg="add mod">
+          <ac:chgData name="deewanker sharma" userId="dbbcfb43a29a83da" providerId="LiveId" clId="{53B6A633-CFBA-458C-96F7-4AFAB19B7F6F}" dt="2024-03-07T21:01:27.110" v="258" actId="1076"/>
+          <ac:picMkLst>
+            <pc:docMk/>
+            <pc:sldMk cId="3627259814" sldId="262"/>
+            <ac:picMk id="4" creationId="{AC68899C-8982-D4A8-0712-8B52D1E2614E}"/>
+          </ac:picMkLst>
+        </pc:picChg>
+      </pc:sldChg>
+      <pc:sldChg chg="addSp modSp mod modTransition">
+        <pc:chgData name="deewanker sharma" userId="dbbcfb43a29a83da" providerId="LiveId" clId="{53B6A633-CFBA-458C-96F7-4AFAB19B7F6F}" dt="2024-03-07T21:11:44.070" v="340"/>
+        <pc:sldMkLst>
+          <pc:docMk/>
+          <pc:sldMk cId="3064495754" sldId="263"/>
+        </pc:sldMkLst>
+        <pc:spChg chg="mod">
+          <ac:chgData name="deewanker sharma" userId="dbbcfb43a29a83da" providerId="LiveId" clId="{53B6A633-CFBA-458C-96F7-4AFAB19B7F6F}" dt="2024-03-07T21:06:26.419" v="305" actId="2711"/>
+          <ac:spMkLst>
+            <pc:docMk/>
+            <pc:sldMk cId="3064495754" sldId="263"/>
+            <ac:spMk id="3" creationId="{E302FDB8-9EB7-5E21-542C-AE2457ECEE62}"/>
+          </ac:spMkLst>
+        </pc:spChg>
+        <pc:picChg chg="add mod">
+          <ac:chgData name="deewanker sharma" userId="dbbcfb43a29a83da" providerId="LiveId" clId="{53B6A633-CFBA-458C-96F7-4AFAB19B7F6F}" dt="2024-03-07T21:01:33.249" v="259"/>
+          <ac:picMkLst>
+            <pc:docMk/>
+            <pc:sldMk cId="3064495754" sldId="263"/>
+            <ac:picMk id="4" creationId="{A58AA898-EEE5-06D5-51A8-2104D700CC71}"/>
+          </ac:picMkLst>
+        </pc:picChg>
+      </pc:sldChg>
+      <pc:sldChg chg="addSp modSp mod modTransition">
+        <pc:chgData name="deewanker sharma" userId="dbbcfb43a29a83da" providerId="LiveId" clId="{53B6A633-CFBA-458C-96F7-4AFAB19B7F6F}" dt="2024-03-07T21:13:59.921" v="346" actId="207"/>
+        <pc:sldMkLst>
+          <pc:docMk/>
+          <pc:sldMk cId="856039749" sldId="264"/>
+        </pc:sldMkLst>
+        <pc:spChg chg="mod">
+          <ac:chgData name="deewanker sharma" userId="dbbcfb43a29a83da" providerId="LiveId" clId="{53B6A633-CFBA-458C-96F7-4AFAB19B7F6F}" dt="2024-03-07T21:13:59.921" v="346" actId="207"/>
+          <ac:spMkLst>
+            <pc:docMk/>
+            <pc:sldMk cId="856039749" sldId="264"/>
+            <ac:spMk id="3" creationId="{F2B46F0D-FD8A-7746-54F0-7C41C93F8998}"/>
+          </ac:spMkLst>
+        </pc:spChg>
+        <pc:picChg chg="add mod">
+          <ac:chgData name="deewanker sharma" userId="dbbcfb43a29a83da" providerId="LiveId" clId="{53B6A633-CFBA-458C-96F7-4AFAB19B7F6F}" dt="2024-03-07T21:01:35.593" v="260"/>
+          <ac:picMkLst>
+            <pc:docMk/>
+            <pc:sldMk cId="856039749" sldId="264"/>
+            <ac:picMk id="4" creationId="{4CFB3544-D1C0-B6F9-E07F-4B8842C37B3F}"/>
+          </ac:picMkLst>
+        </pc:picChg>
+      </pc:sldChg>
+      <pc:sldChg chg="addSp delSp modSp mod modTransition setBg">
+        <pc:chgData name="deewanker sharma" userId="dbbcfb43a29a83da" providerId="LiveId" clId="{53B6A633-CFBA-458C-96F7-4AFAB19B7F6F}" dt="2024-03-07T21:11:44.070" v="340"/>
+        <pc:sldMkLst>
+          <pc:docMk/>
+          <pc:sldMk cId="4097750669" sldId="265"/>
+        </pc:sldMkLst>
+        <pc:spChg chg="mod">
+          <ac:chgData name="deewanker sharma" userId="dbbcfb43a29a83da" providerId="LiveId" clId="{53B6A633-CFBA-458C-96F7-4AFAB19B7F6F}" dt="2024-03-07T21:07:30.971" v="333" actId="1076"/>
+          <ac:spMkLst>
+            <pc:docMk/>
+            <pc:sldMk cId="4097750669" sldId="265"/>
+            <ac:spMk id="2" creationId="{D3D13CA4-45CB-2FBD-F893-64573AC5B6D8}"/>
+          </ac:spMkLst>
+        </pc:spChg>
+        <pc:spChg chg="mod">
+          <ac:chgData name="deewanker sharma" userId="dbbcfb43a29a83da" providerId="LiveId" clId="{53B6A633-CFBA-458C-96F7-4AFAB19B7F6F}" dt="2024-03-07T21:07:36.432" v="334" actId="1076"/>
+          <ac:spMkLst>
+            <pc:docMk/>
+            <pc:sldMk cId="4097750669" sldId="265"/>
+            <ac:spMk id="3" creationId="{97C2FFB3-C160-8012-1576-9AC6E46384FE}"/>
+          </ac:spMkLst>
+        </pc:spChg>
+        <pc:spChg chg="add del">
+          <ac:chgData name="deewanker sharma" userId="dbbcfb43a29a83da" providerId="LiveId" clId="{53B6A633-CFBA-458C-96F7-4AFAB19B7F6F}" dt="2024-03-07T21:04:09.808" v="273" actId="26606"/>
+          <ac:spMkLst>
+            <pc:docMk/>
+            <pc:sldMk cId="4097750669" sldId="265"/>
+            <ac:spMk id="9" creationId="{099405E2-1A96-4DBA-A9DC-4C2A1B421CA9}"/>
+          </ac:spMkLst>
+        </pc:spChg>
+        <pc:spChg chg="add del">
+          <ac:chgData name="deewanker sharma" userId="dbbcfb43a29a83da" providerId="LiveId" clId="{53B6A633-CFBA-458C-96F7-4AFAB19B7F6F}" dt="2024-03-07T21:03:54.352" v="270" actId="26606"/>
+          <ac:spMkLst>
+            <pc:docMk/>
+            <pc:sldMk cId="4097750669" sldId="265"/>
+            <ac:spMk id="10" creationId="{099405E2-1A96-4DBA-A9DC-4C2A1B421CA9}"/>
+          </ac:spMkLst>
+        </pc:spChg>
+        <pc:spChg chg="add del">
+          <ac:chgData name="deewanker sharma" userId="dbbcfb43a29a83da" providerId="LiveId" clId="{53B6A633-CFBA-458C-96F7-4AFAB19B7F6F}" dt="2024-03-07T21:04:09.808" v="273" actId="26606"/>
+          <ac:spMkLst>
+            <pc:docMk/>
+            <pc:sldMk cId="4097750669" sldId="265"/>
+            <ac:spMk id="11" creationId="{BCF4857D-F003-4CA1-82AB-00900B1008BA}"/>
+          </ac:spMkLst>
+        </pc:spChg>
+        <pc:spChg chg="add del">
+          <ac:chgData name="deewanker sharma" userId="dbbcfb43a29a83da" providerId="LiveId" clId="{53B6A633-CFBA-458C-96F7-4AFAB19B7F6F}" dt="2024-03-07T21:03:54.352" v="270" actId="26606"/>
+          <ac:spMkLst>
+            <pc:docMk/>
+            <pc:sldMk cId="4097750669" sldId="265"/>
+            <ac:spMk id="12" creationId="{DEB1CCE3-FB1D-471C-9AFE-D20E81E64AC0}"/>
+          </ac:spMkLst>
+        </pc:spChg>
+        <pc:spChg chg="add del">
+          <ac:chgData name="deewanker sharma" userId="dbbcfb43a29a83da" providerId="LiveId" clId="{53B6A633-CFBA-458C-96F7-4AFAB19B7F6F}" dt="2024-03-07T21:04:09.808" v="273" actId="26606"/>
+          <ac:spMkLst>
+            <pc:docMk/>
+            <pc:sldMk cId="4097750669" sldId="265"/>
+            <ac:spMk id="13" creationId="{79855050-A75B-4DD0-9B56-8B1C7722D884}"/>
+          </ac:spMkLst>
+        </pc:spChg>
+        <pc:spChg chg="add del">
+          <ac:chgData name="deewanker sharma" userId="dbbcfb43a29a83da" providerId="LiveId" clId="{53B6A633-CFBA-458C-96F7-4AFAB19B7F6F}" dt="2024-03-07T21:03:54.352" v="270" actId="26606"/>
+          <ac:spMkLst>
+            <pc:docMk/>
+            <pc:sldMk cId="4097750669" sldId="265"/>
+            <ac:spMk id="14" creationId="{60F38E87-6AF8-4488-B608-9FA2F57B40B7}"/>
+          </ac:spMkLst>
+        </pc:spChg>
+        <pc:spChg chg="add del">
+          <ac:chgData name="deewanker sharma" userId="dbbcfb43a29a83da" providerId="LiveId" clId="{53B6A633-CFBA-458C-96F7-4AFAB19B7F6F}" dt="2024-03-07T21:04:09.808" v="273" actId="26606"/>
+          <ac:spMkLst>
+            <pc:docMk/>
+            <pc:sldMk cId="4097750669" sldId="265"/>
+            <ac:spMk id="15" creationId="{5E6738EB-6FF0-4AF9-8462-57F4494B88B2}"/>
+          </ac:spMkLst>
+        </pc:spChg>
+        <pc:spChg chg="add del">
+          <ac:chgData name="deewanker sharma" userId="dbbcfb43a29a83da" providerId="LiveId" clId="{53B6A633-CFBA-458C-96F7-4AFAB19B7F6F}" dt="2024-03-07T21:03:54.352" v="270" actId="26606"/>
+          <ac:spMkLst>
+            <pc:docMk/>
+            <pc:sldMk cId="4097750669" sldId="265"/>
+            <ac:spMk id="16" creationId="{ECC3B76D-CC6E-42D0-8666-2A2164AB5AF4}"/>
+          </ac:spMkLst>
+        </pc:spChg>
+        <pc:spChg chg="add del">
+          <ac:chgData name="deewanker sharma" userId="dbbcfb43a29a83da" providerId="LiveId" clId="{53B6A633-CFBA-458C-96F7-4AFAB19B7F6F}" dt="2024-03-07T21:04:09.808" v="273" actId="26606"/>
+          <ac:spMkLst>
+            <pc:docMk/>
+            <pc:sldMk cId="4097750669" sldId="265"/>
+            <ac:spMk id="17" creationId="{DB791336-FCAA-4174-9303-B3F374861110}"/>
+          </ac:spMkLst>
+        </pc:spChg>
+        <pc:spChg chg="add del">
+          <ac:chgData name="deewanker sharma" userId="dbbcfb43a29a83da" providerId="LiveId" clId="{53B6A633-CFBA-458C-96F7-4AFAB19B7F6F}" dt="2024-03-07T21:03:54.352" v="270" actId="26606"/>
+          <ac:spMkLst>
+            <pc:docMk/>
+            <pc:sldMk cId="4097750669" sldId="265"/>
+            <ac:spMk id="18" creationId="{32BA9D6C-8214-4E25-AF8B-48762AD8D530}"/>
+          </ac:spMkLst>
+        </pc:spChg>
+        <pc:spChg chg="add del">
+          <ac:chgData name="deewanker sharma" userId="dbbcfb43a29a83da" providerId="LiveId" clId="{53B6A633-CFBA-458C-96F7-4AFAB19B7F6F}" dt="2024-03-07T21:04:09.808" v="273" actId="26606"/>
+          <ac:spMkLst>
+            <pc:docMk/>
+            <pc:sldMk cId="4097750669" sldId="265"/>
+            <ac:spMk id="19" creationId="{CA212158-300D-44D0-9CCE-472C3F669EE1}"/>
+          </ac:spMkLst>
+        </pc:spChg>
+        <pc:spChg chg="add del">
+          <ac:chgData name="deewanker sharma" userId="dbbcfb43a29a83da" providerId="LiveId" clId="{53B6A633-CFBA-458C-96F7-4AFAB19B7F6F}" dt="2024-03-07T21:03:54.352" v="270" actId="26606"/>
+          <ac:spMkLst>
+            <pc:docMk/>
+            <pc:sldMk cId="4097750669" sldId="265"/>
+            <ac:spMk id="20" creationId="{DBE9B8BD-472F-4F54-AC9D-101EE3496992}"/>
+          </ac:spMkLst>
+        </pc:spChg>
+        <pc:spChg chg="add del">
+          <ac:chgData name="deewanker sharma" userId="dbbcfb43a29a83da" providerId="LiveId" clId="{53B6A633-CFBA-458C-96F7-4AFAB19B7F6F}" dt="2024-03-07T21:04:09.808" v="273" actId="26606"/>
+          <ac:spMkLst>
+            <pc:docMk/>
+            <pc:sldMk cId="4097750669" sldId="265"/>
+            <ac:spMk id="21" creationId="{988521F4-D44A-42C5-9BDB-5CA25554098B}"/>
+          </ac:spMkLst>
+        </pc:spChg>
+        <pc:spChg chg="add del">
+          <ac:chgData name="deewanker sharma" userId="dbbcfb43a29a83da" providerId="LiveId" clId="{53B6A633-CFBA-458C-96F7-4AFAB19B7F6F}" dt="2024-03-07T21:03:54.352" v="270" actId="26606"/>
+          <ac:spMkLst>
+            <pc:docMk/>
+            <pc:sldMk cId="4097750669" sldId="265"/>
+            <ac:spMk id="22" creationId="{0871A14F-64B0-4CCE-900E-695C55EFF375}"/>
+          </ac:spMkLst>
+        </pc:spChg>
+        <pc:spChg chg="add">
+          <ac:chgData name="deewanker sharma" userId="dbbcfb43a29a83da" providerId="LiveId" clId="{53B6A633-CFBA-458C-96F7-4AFAB19B7F6F}" dt="2024-03-07T21:04:09.824" v="274" actId="26606"/>
+          <ac:spMkLst>
+            <pc:docMk/>
+            <pc:sldMk cId="4097750669" sldId="265"/>
+            <ac:spMk id="23" creationId="{DA4E7B50-D68C-43EB-930F-EA442A13A9B2}"/>
+          </ac:spMkLst>
+        </pc:spChg>
+        <pc:spChg chg="add del">
+          <ac:chgData name="deewanker sharma" userId="dbbcfb43a29a83da" providerId="LiveId" clId="{53B6A633-CFBA-458C-96F7-4AFAB19B7F6F}" dt="2024-03-07T21:03:54.352" v="270" actId="26606"/>
+          <ac:spMkLst>
+            <pc:docMk/>
+            <pc:sldMk cId="4097750669" sldId="265"/>
+            <ac:spMk id="24" creationId="{0FDBC76A-295F-4635-A28D-ADA24F383ABC}"/>
+          </ac:spMkLst>
+        </pc:spChg>
+        <pc:spChg chg="add">
+          <ac:chgData name="deewanker sharma" userId="dbbcfb43a29a83da" providerId="LiveId" clId="{53B6A633-CFBA-458C-96F7-4AFAB19B7F6F}" dt="2024-03-07T21:04:09.824" v="274" actId="26606"/>
+          <ac:spMkLst>
+            <pc:docMk/>
+            <pc:sldMk cId="4097750669" sldId="265"/>
+            <ac:spMk id="25" creationId="{02822754-E01B-4742-88B9-BE0984BAFE58}"/>
+          </ac:spMkLst>
+        </pc:spChg>
+        <pc:spChg chg="add">
+          <ac:chgData name="deewanker sharma" userId="dbbcfb43a29a83da" providerId="LiveId" clId="{53B6A633-CFBA-458C-96F7-4AFAB19B7F6F}" dt="2024-03-07T21:04:09.824" v="274" actId="26606"/>
+          <ac:spMkLst>
+            <pc:docMk/>
+            <pc:sldMk cId="4097750669" sldId="265"/>
+            <ac:spMk id="26" creationId="{387C5BBA-BBE2-4821-96CF-38FC49570F60}"/>
+          </ac:spMkLst>
+        </pc:spChg>
+        <pc:spChg chg="add">
+          <ac:chgData name="deewanker sharma" userId="dbbcfb43a29a83da" providerId="LiveId" clId="{53B6A633-CFBA-458C-96F7-4AFAB19B7F6F}" dt="2024-03-07T21:04:09.824" v="274" actId="26606"/>
+          <ac:spMkLst>
+            <pc:docMk/>
+            <pc:sldMk cId="4097750669" sldId="265"/>
+            <ac:spMk id="27" creationId="{3611DA2B-4CF7-4A57-82AC-FA120DE44DB9}"/>
+          </ac:spMkLst>
+        </pc:spChg>
+        <pc:spChg chg="add">
+          <ac:chgData name="deewanker sharma" userId="dbbcfb43a29a83da" providerId="LiveId" clId="{53B6A633-CFBA-458C-96F7-4AFAB19B7F6F}" dt="2024-03-07T21:04:09.824" v="274" actId="26606"/>
+          <ac:spMkLst>
+            <pc:docMk/>
+            <pc:sldMk cId="4097750669" sldId="265"/>
+            <ac:spMk id="28" creationId="{C1CF7BFC-0A02-4106-88A8-CCC0D944451E}"/>
+          </ac:spMkLst>
+        </pc:spChg>
+        <pc:spChg chg="add">
+          <ac:chgData name="deewanker sharma" userId="dbbcfb43a29a83da" providerId="LiveId" clId="{53B6A633-CFBA-458C-96F7-4AFAB19B7F6F}" dt="2024-03-07T21:04:09.824" v="274" actId="26606"/>
+          <ac:spMkLst>
+            <pc:docMk/>
+            <pc:sldMk cId="4097750669" sldId="265"/>
+            <ac:spMk id="29" creationId="{65304E59-B4DC-4CA3-89F1-5C88000EB708}"/>
+          </ac:spMkLst>
+        </pc:spChg>
+        <pc:spChg chg="add">
+          <ac:chgData name="deewanker sharma" userId="dbbcfb43a29a83da" providerId="LiveId" clId="{53B6A633-CFBA-458C-96F7-4AFAB19B7F6F}" dt="2024-03-07T21:04:09.824" v="274" actId="26606"/>
+          <ac:spMkLst>
+            <pc:docMk/>
+            <pc:sldMk cId="4097750669" sldId="265"/>
+            <ac:spMk id="30" creationId="{73167A8C-FFEF-4D1B-8459-E2BB5C045FAE}"/>
+          </ac:spMkLst>
+        </pc:spChg>
+        <pc:spChg chg="add">
+          <ac:chgData name="deewanker sharma" userId="dbbcfb43a29a83da" providerId="LiveId" clId="{53B6A633-CFBA-458C-96F7-4AFAB19B7F6F}" dt="2024-03-07T21:04:09.824" v="274" actId="26606"/>
+          <ac:spMkLst>
+            <pc:docMk/>
+            <pc:sldMk cId="4097750669" sldId="265"/>
+            <ac:spMk id="31" creationId="{1CA3DFBE-30A6-4BDE-9238-14F3652B4F99}"/>
+          </ac:spMkLst>
+        </pc:spChg>
+        <pc:picChg chg="add mod ord">
+          <ac:chgData name="deewanker sharma" userId="dbbcfb43a29a83da" providerId="LiveId" clId="{53B6A633-CFBA-458C-96F7-4AFAB19B7F6F}" dt="2024-03-07T21:04:09.824" v="274" actId="26606"/>
+          <ac:picMkLst>
+            <pc:docMk/>
+            <pc:sldMk cId="4097750669" sldId="265"/>
+            <ac:picMk id="5" creationId="{2EBEC8CB-1394-6E34-0E05-16B51391C9D0}"/>
+          </ac:picMkLst>
+        </pc:picChg>
+      </pc:sldChg>
+      <pc:sldChg chg="addSp modSp mod modTransition setBg">
+        <pc:chgData name="deewanker sharma" userId="dbbcfb43a29a83da" providerId="LiveId" clId="{53B6A633-CFBA-458C-96F7-4AFAB19B7F6F}" dt="2024-03-07T21:11:44.070" v="340"/>
+        <pc:sldMkLst>
+          <pc:docMk/>
+          <pc:sldMk cId="3317964481" sldId="266"/>
+        </pc:sldMkLst>
+        <pc:spChg chg="mod">
+          <ac:chgData name="deewanker sharma" userId="dbbcfb43a29a83da" providerId="LiveId" clId="{53B6A633-CFBA-458C-96F7-4AFAB19B7F6F}" dt="2024-03-07T21:11:14.095" v="339" actId="26606"/>
+          <ac:spMkLst>
+            <pc:docMk/>
+            <pc:sldMk cId="3317964481" sldId="266"/>
+            <ac:spMk id="2" creationId="{066F1144-E60B-C262-21C9-7E2231DB7A7C}"/>
+          </ac:spMkLst>
+        </pc:spChg>
+        <pc:spChg chg="mod">
+          <ac:chgData name="deewanker sharma" userId="dbbcfb43a29a83da" providerId="LiveId" clId="{53B6A633-CFBA-458C-96F7-4AFAB19B7F6F}" dt="2024-03-07T21:11:14.095" v="339" actId="26606"/>
+          <ac:spMkLst>
+            <pc:docMk/>
+            <pc:sldMk cId="3317964481" sldId="266"/>
+            <ac:spMk id="3" creationId="{0F384A23-263C-ED25-AABA-9CC2FB5B2E93}"/>
+          </ac:spMkLst>
+        </pc:spChg>
+        <pc:spChg chg="add">
+          <ac:chgData name="deewanker sharma" userId="dbbcfb43a29a83da" providerId="LiveId" clId="{53B6A633-CFBA-458C-96F7-4AFAB19B7F6F}" dt="2024-03-07T21:11:14.095" v="339" actId="26606"/>
+          <ac:spMkLst>
+            <pc:docMk/>
+            <pc:sldMk cId="3317964481" sldId="266"/>
+            <ac:spMk id="10" creationId="{099405E2-1A96-4DBA-A9DC-4C2A1B421CA9}"/>
+          </ac:spMkLst>
+        </pc:spChg>
+        <pc:spChg chg="add">
+          <ac:chgData name="deewanker sharma" userId="dbbcfb43a29a83da" providerId="LiveId" clId="{53B6A633-CFBA-458C-96F7-4AFAB19B7F6F}" dt="2024-03-07T21:11:14.095" v="339" actId="26606"/>
+          <ac:spMkLst>
+            <pc:docMk/>
+            <pc:sldMk cId="3317964481" sldId="266"/>
+            <ac:spMk id="12" creationId="{BCF4857D-F003-4CA1-82AB-00900B1008BA}"/>
+          </ac:spMkLst>
+        </pc:spChg>
+        <pc:spChg chg="add">
+          <ac:chgData name="deewanker sharma" userId="dbbcfb43a29a83da" providerId="LiveId" clId="{53B6A633-CFBA-458C-96F7-4AFAB19B7F6F}" dt="2024-03-07T21:11:14.095" v="339" actId="26606"/>
+          <ac:spMkLst>
+            <pc:docMk/>
+            <pc:sldMk cId="3317964481" sldId="266"/>
+            <ac:spMk id="14" creationId="{79855050-A75B-4DD0-9B56-8B1C7722D884}"/>
+          </ac:spMkLst>
+        </pc:spChg>
+        <pc:spChg chg="add">
+          <ac:chgData name="deewanker sharma" userId="dbbcfb43a29a83da" providerId="LiveId" clId="{53B6A633-CFBA-458C-96F7-4AFAB19B7F6F}" dt="2024-03-07T21:11:14.095" v="339" actId="26606"/>
+          <ac:spMkLst>
+            <pc:docMk/>
+            <pc:sldMk cId="3317964481" sldId="266"/>
+            <ac:spMk id="16" creationId="{5E6738EB-6FF0-4AF9-8462-57F4494B88B2}"/>
+          </ac:spMkLst>
+        </pc:spChg>
+        <pc:spChg chg="add">
+          <ac:chgData name="deewanker sharma" userId="dbbcfb43a29a83da" providerId="LiveId" clId="{53B6A633-CFBA-458C-96F7-4AFAB19B7F6F}" dt="2024-03-07T21:11:14.095" v="339" actId="26606"/>
+          <ac:spMkLst>
+            <pc:docMk/>
+            <pc:sldMk cId="3317964481" sldId="266"/>
+            <ac:spMk id="18" creationId="{DB791336-FCAA-4174-9303-B3F374861110}"/>
+          </ac:spMkLst>
+        </pc:spChg>
+        <pc:spChg chg="add">
+          <ac:chgData name="deewanker sharma" userId="dbbcfb43a29a83da" providerId="LiveId" clId="{53B6A633-CFBA-458C-96F7-4AFAB19B7F6F}" dt="2024-03-07T21:11:14.095" v="339" actId="26606"/>
+          <ac:spMkLst>
+            <pc:docMk/>
+            <pc:sldMk cId="3317964481" sldId="266"/>
+            <ac:spMk id="20" creationId="{CA212158-300D-44D0-9CCE-472C3F669EE1}"/>
+          </ac:spMkLst>
+        </pc:spChg>
+        <pc:spChg chg="add">
+          <ac:chgData name="deewanker sharma" userId="dbbcfb43a29a83da" providerId="LiveId" clId="{53B6A633-CFBA-458C-96F7-4AFAB19B7F6F}" dt="2024-03-07T21:11:14.095" v="339" actId="26606"/>
+          <ac:spMkLst>
+            <pc:docMk/>
+            <pc:sldMk cId="3317964481" sldId="266"/>
+            <ac:spMk id="22" creationId="{988521F4-D44A-42C5-9BDB-5CA25554098B}"/>
+          </ac:spMkLst>
+        </pc:spChg>
+        <pc:picChg chg="add mod ord">
+          <ac:chgData name="deewanker sharma" userId="dbbcfb43a29a83da" providerId="LiveId" clId="{53B6A633-CFBA-458C-96F7-4AFAB19B7F6F}" dt="2024-03-07T21:11:14.095" v="339" actId="26606"/>
+          <ac:picMkLst>
+            <pc:docMk/>
+            <pc:sldMk cId="3317964481" sldId="266"/>
+            <ac:picMk id="5" creationId="{76B55729-BC58-15CE-8434-AF174EC4C632}"/>
+          </ac:picMkLst>
+        </pc:picChg>
+      </pc:sldChg>
+      <pc:sldChg chg="modTransition">
+        <pc:chgData name="deewanker sharma" userId="dbbcfb43a29a83da" providerId="LiveId" clId="{53B6A633-CFBA-458C-96F7-4AFAB19B7F6F}" dt="2024-03-07T21:13:46.755" v="345"/>
+        <pc:sldMkLst>
+          <pc:docMk/>
+          <pc:sldMk cId="2856018946" sldId="267"/>
+        </pc:sldMkLst>
+      </pc:sldChg>
+      <pc:sldChg chg="modTransition">
+        <pc:chgData name="deewanker sharma" userId="dbbcfb43a29a83da" providerId="LiveId" clId="{53B6A633-CFBA-458C-96F7-4AFAB19B7F6F}" dt="2024-03-07T21:11:44.070" v="340"/>
+        <pc:sldMkLst>
+          <pc:docMk/>
+          <pc:sldMk cId="668474513" sldId="268"/>
+        </pc:sldMkLst>
+      </pc:sldChg>
+      <pc:sldChg chg="addSp delSp modSp add mod modTransition setBg">
+        <pc:chgData name="deewanker sharma" userId="dbbcfb43a29a83da" providerId="LiveId" clId="{53B6A633-CFBA-458C-96F7-4AFAB19B7F6F}" dt="2024-03-07T21:12:54.716" v="342"/>
         <pc:sldMkLst>
           <pc:docMk/>
           <pc:sldMk cId="2072870580" sldId="269"/>
@@ -457,8 +873,8 @@
           </ac:picMkLst>
         </pc:picChg>
       </pc:sldChg>
-      <pc:sldChg chg="addSp delSp modSp add mod">
-        <pc:chgData name="deewanker sharma" userId="dbbcfb43a29a83da" providerId="LiveId" clId="{53B6A633-CFBA-458C-96F7-4AFAB19B7F6F}" dt="2024-03-07T20:07:28.510" v="197" actId="207"/>
+      <pc:sldChg chg="addSp delSp modSp add mod modTransition">
+        <pc:chgData name="deewanker sharma" userId="dbbcfb43a29a83da" providerId="LiveId" clId="{53B6A633-CFBA-458C-96F7-4AFAB19B7F6F}" dt="2024-03-07T21:11:44.070" v="340"/>
         <pc:sldMkLst>
           <pc:docMk/>
           <pc:sldMk cId="1890845619" sldId="270"/>
@@ -4238,22 +4654,32 @@
             </a:lnSpc>
           </a:pPr>
           <a:r>
-            <a:rPr lang="en-IN" sz="1400" b="0" i="0" dirty="0" err="1"/>
+            <a:rPr lang="en-IN" sz="2000" b="0" i="0" dirty="0" err="1">
+              <a:latin typeface="Söhne"/>
+            </a:rPr>
             <a:t>Tkinter</a:t>
           </a:r>
           <a:r>
-            <a:rPr lang="en-IN" sz="1400" b="0" i="0" dirty="0"/>
+            <a:rPr lang="en-IN" sz="2000" b="0" i="0" dirty="0">
+              <a:latin typeface="Söhne"/>
+            </a:rPr>
             <a:t> is a standard GUI (Graphical User Interface) toolkit for Python. It is a built-in library that comes with Python, making it readily available for developers. </a:t>
           </a:r>
           <a:r>
-            <a:rPr lang="en-IN" sz="1400" b="0" i="0" dirty="0" err="1"/>
+            <a:rPr lang="en-IN" sz="2000" b="0" i="0" dirty="0" err="1">
+              <a:latin typeface="Söhne"/>
+            </a:rPr>
             <a:t>Tkinter</a:t>
           </a:r>
           <a:r>
-            <a:rPr lang="en-IN" sz="1400" b="0" i="0" dirty="0"/>
+            <a:rPr lang="en-IN" sz="2000" b="0" i="0" dirty="0">
+              <a:latin typeface="Söhne"/>
+            </a:rPr>
             <a:t> is widely used for creating GUI applications in Python due to its simplicity and ease of use.</a:t>
           </a:r>
-          <a:endParaRPr lang="en-US" sz="1400" dirty="0"/>
+          <a:endParaRPr lang="en-US" sz="2000" dirty="0">
+            <a:latin typeface="Söhne"/>
+          </a:endParaRPr>
         </a:p>
       </dgm:t>
     </dgm:pt>
@@ -4297,14 +4723,20 @@
             </a:lnSpc>
           </a:pPr>
           <a:r>
-            <a:rPr lang="en-IN" sz="1400" b="0" i="0" dirty="0" err="1"/>
+            <a:rPr lang="en-IN" sz="2000" b="0" i="0" dirty="0" err="1">
+              <a:latin typeface="Söhne"/>
+            </a:rPr>
             <a:t>Tkinter</a:t>
           </a:r>
           <a:r>
-            <a:rPr lang="en-IN" sz="1400" b="0" i="0" dirty="0"/>
+            <a:rPr lang="en-IN" sz="2000" b="0" i="0" dirty="0">
+              <a:latin typeface="Söhne"/>
+            </a:rPr>
             <a:t> allows developers to create interactive and visually appealing applications with minimal effort. It provides a wide range of widgets, such as buttons, labels, text boxes, and more, which can be easily customized to suit the needs of the application.</a:t>
           </a:r>
-          <a:endParaRPr lang="en-US" sz="1400" dirty="0"/>
+          <a:endParaRPr lang="en-US" sz="2000" dirty="0">
+            <a:latin typeface="Söhne"/>
+          </a:endParaRPr>
         </a:p>
       </dgm:t>
     </dgm:pt>
@@ -4491,21 +4923,27 @@
       </dgm:t>
     </dgm:pt>
     <dgm:pt modelId="{154397E0-B41F-44D0-92B9-BB8E3A8FF207}">
-      <dgm:prSet/>
+      <dgm:prSet custT="1"/>
       <dgm:spPr/>
       <dgm:t>
         <a:bodyPr/>
         <a:lstStyle/>
         <a:p>
           <a:r>
-            <a:rPr lang="en-IN" b="1" i="0" dirty="0"/>
+            <a:rPr lang="en-IN" sz="1800" b="1" i="0" dirty="0">
+              <a:latin typeface="Söhne"/>
+            </a:rPr>
             <a:t>Core Python: </a:t>
           </a:r>
           <a:r>
-            <a:rPr lang="en-IN" b="0" i="0" dirty="0"/>
+            <a:rPr lang="en-IN" sz="1800" b="0" i="0" dirty="0">
+              <a:latin typeface="Söhne"/>
+            </a:rPr>
             <a:t>Understanding the fundamentals of Python programming language.</a:t>
           </a:r>
-          <a:endParaRPr lang="en-US" dirty="0"/>
+          <a:endParaRPr lang="en-US" sz="1800" dirty="0">
+            <a:latin typeface="Söhne"/>
+          </a:endParaRPr>
         </a:p>
       </dgm:t>
     </dgm:pt>
@@ -4532,33 +4970,45 @@
       </dgm:t>
     </dgm:pt>
     <dgm:pt modelId="{5FA172F3-4756-45FE-A04B-A6D6DF0F7D86}">
-      <dgm:prSet/>
+      <dgm:prSet custT="1"/>
       <dgm:spPr/>
       <dgm:t>
         <a:bodyPr/>
         <a:lstStyle/>
         <a:p>
           <a:r>
-            <a:rPr lang="en-IN" b="1" i="0" dirty="0" err="1"/>
+            <a:rPr lang="en-IN" sz="1800" b="1" i="0" dirty="0" err="1">
+              <a:latin typeface="Söhne"/>
+            </a:rPr>
             <a:t>Tkinter</a:t>
           </a:r>
           <a:r>
-            <a:rPr lang="en-IN" b="1" i="0" dirty="0"/>
+            <a:rPr lang="en-IN" sz="1800" b="1" i="0" dirty="0">
+              <a:latin typeface="Söhne"/>
+            </a:rPr>
             <a:t> Library: </a:t>
           </a:r>
           <a:r>
-            <a:rPr lang="en-IN" b="0" i="0" dirty="0"/>
+            <a:rPr lang="en-IN" sz="1800" b="0" i="0" dirty="0">
+              <a:latin typeface="Söhne"/>
+            </a:rPr>
             <a:t>Learning to use </a:t>
           </a:r>
           <a:r>
-            <a:rPr lang="en-IN" b="0" i="0" dirty="0" err="1"/>
+            <a:rPr lang="en-IN" sz="1800" b="0" i="0" dirty="0" err="1">
+              <a:latin typeface="Söhne"/>
+            </a:rPr>
             <a:t>Tkinter</a:t>
           </a:r>
           <a:r>
-            <a:rPr lang="en-IN" b="0" i="0" dirty="0"/>
+            <a:rPr lang="en-IN" sz="1800" b="0" i="0" dirty="0">
+              <a:latin typeface="Söhne"/>
+            </a:rPr>
             <a:t> for creating GUI applications in Python.</a:t>
           </a:r>
-          <a:endParaRPr lang="en-US" dirty="0"/>
+          <a:endParaRPr lang="en-US" sz="1800" dirty="0">
+            <a:latin typeface="Söhne"/>
+          </a:endParaRPr>
         </a:p>
       </dgm:t>
     </dgm:pt>
@@ -4585,21 +5035,27 @@
       </dgm:t>
     </dgm:pt>
     <dgm:pt modelId="{F27D8CCD-E000-48AA-8936-8CFFC039FC3B}">
-      <dgm:prSet/>
+      <dgm:prSet custT="1"/>
       <dgm:spPr/>
       <dgm:t>
         <a:bodyPr/>
         <a:lstStyle/>
         <a:p>
           <a:r>
-            <a:rPr lang="en-IN" b="1" i="0" dirty="0"/>
+            <a:rPr lang="en-IN" sz="1800" b="1" i="0" dirty="0">
+              <a:latin typeface="Söhne"/>
+            </a:rPr>
             <a:t>Visual Studio Code (IDE): </a:t>
           </a:r>
           <a:r>
-            <a:rPr lang="en-IN" b="0" i="0" dirty="0"/>
+            <a:rPr lang="en-IN" sz="1800" b="0" i="0" dirty="0">
+              <a:latin typeface="Söhne"/>
+            </a:rPr>
             <a:t>Working with an integrated development environment for Python programming.</a:t>
           </a:r>
-          <a:endParaRPr lang="en-US" dirty="0"/>
+          <a:endParaRPr lang="en-US" sz="1800" dirty="0">
+            <a:latin typeface="Söhne"/>
+          </a:endParaRPr>
         </a:p>
       </dgm:t>
     </dgm:pt>
@@ -4626,21 +5082,27 @@
       </dgm:t>
     </dgm:pt>
     <dgm:pt modelId="{F9CD664E-EAA4-4E21-84DB-3E21AC9AE70E}">
-      <dgm:prSet/>
+      <dgm:prSet custT="1"/>
       <dgm:spPr/>
       <dgm:t>
         <a:bodyPr/>
         <a:lstStyle/>
         <a:p>
           <a:r>
-            <a:rPr lang="en-IN" b="1" i="0" dirty="0"/>
+            <a:rPr lang="en-IN" sz="1800" b="1" i="0" dirty="0">
+              <a:latin typeface="Söhne"/>
+            </a:rPr>
             <a:t>GitHub: </a:t>
           </a:r>
           <a:r>
-            <a:rPr lang="en-IN" b="0" i="0" dirty="0"/>
+            <a:rPr lang="en-IN" sz="1800" b="0" i="0" dirty="0">
+              <a:latin typeface="Söhne"/>
+            </a:rPr>
             <a:t>Managing and sharing code using version control.</a:t>
           </a:r>
-          <a:endParaRPr lang="en-US" dirty="0"/>
+          <a:endParaRPr lang="en-US" sz="1800" dirty="0">
+            <a:latin typeface="Söhne"/>
+          </a:endParaRPr>
         </a:p>
       </dgm:t>
     </dgm:pt>
@@ -4667,21 +5129,27 @@
       </dgm:t>
     </dgm:pt>
     <dgm:pt modelId="{814527C7-BAB5-414E-98ED-4AB59578D5C0}">
-      <dgm:prSet/>
+      <dgm:prSet custT="1"/>
       <dgm:spPr/>
       <dgm:t>
         <a:bodyPr/>
         <a:lstStyle/>
         <a:p>
           <a:r>
-            <a:rPr lang="en-IN" b="1" i="0" dirty="0"/>
+            <a:rPr lang="en-IN" sz="1800" b="1" i="0" dirty="0">
+              <a:latin typeface="Söhne"/>
+            </a:rPr>
             <a:t>Application Development: </a:t>
           </a:r>
           <a:r>
-            <a:rPr lang="en-IN" b="0" i="0" dirty="0"/>
+            <a:rPr lang="en-IN" sz="1800" b="0" i="0" dirty="0">
+              <a:latin typeface="Söhne"/>
+            </a:rPr>
             <a:t>Developing a functional calculator application using Python.</a:t>
           </a:r>
-          <a:endParaRPr lang="en-US" dirty="0"/>
+          <a:endParaRPr lang="en-US" sz="1800" dirty="0">
+            <a:latin typeface="Söhne"/>
+          </a:endParaRPr>
         </a:p>
       </dgm:t>
     </dgm:pt>
@@ -4946,7 +5414,7 @@
         </a:bodyPr>
         <a:lstStyle/>
         <a:p>
-          <a:pPr marL="0" lvl="0" indent="0" algn="l" defTabSz="622300">
+          <a:pPr marL="0" lvl="0" indent="0" algn="l" defTabSz="889000">
             <a:lnSpc>
               <a:spcPct val="100000"/>
             </a:lnSpc>
@@ -4959,22 +5427,32 @@
             <a:buNone/>
           </a:pPr>
           <a:r>
-            <a:rPr lang="en-IN" sz="1400" b="0" i="0" kern="1200" dirty="0" err="1"/>
+            <a:rPr lang="en-IN" sz="2000" b="0" i="0" kern="1200" dirty="0" err="1">
+              <a:latin typeface="Söhne"/>
+            </a:rPr>
             <a:t>Tkinter</a:t>
           </a:r>
           <a:r>
-            <a:rPr lang="en-IN" sz="1400" b="0" i="0" kern="1200" dirty="0"/>
+            <a:rPr lang="en-IN" sz="2000" b="0" i="0" kern="1200" dirty="0">
+              <a:latin typeface="Söhne"/>
+            </a:rPr>
             <a:t> is a standard GUI (Graphical User Interface) toolkit for Python. It is a built-in library that comes with Python, making it readily available for developers. </a:t>
           </a:r>
           <a:r>
-            <a:rPr lang="en-IN" sz="1400" b="0" i="0" kern="1200" dirty="0" err="1"/>
+            <a:rPr lang="en-IN" sz="2000" b="0" i="0" kern="1200" dirty="0" err="1">
+              <a:latin typeface="Söhne"/>
+            </a:rPr>
             <a:t>Tkinter</a:t>
           </a:r>
           <a:r>
-            <a:rPr lang="en-IN" sz="1400" b="0" i="0" kern="1200" dirty="0"/>
+            <a:rPr lang="en-IN" sz="2000" b="0" i="0" kern="1200" dirty="0">
+              <a:latin typeface="Söhne"/>
+            </a:rPr>
             <a:t> is widely used for creating GUI applications in Python due to its simplicity and ease of use.</a:t>
           </a:r>
-          <a:endParaRPr lang="en-US" sz="1400" kern="1200" dirty="0"/>
+          <a:endParaRPr lang="en-US" sz="2000" kern="1200" dirty="0">
+            <a:latin typeface="Söhne"/>
+          </a:endParaRPr>
         </a:p>
       </dsp:txBody>
       <dsp:txXfrm>
@@ -5116,7 +5594,7 @@
         </a:bodyPr>
         <a:lstStyle/>
         <a:p>
-          <a:pPr marL="0" lvl="0" indent="0" algn="l" defTabSz="622300">
+          <a:pPr marL="0" lvl="0" indent="0" algn="l" defTabSz="889000">
             <a:lnSpc>
               <a:spcPct val="100000"/>
             </a:lnSpc>
@@ -5129,14 +5607,20 @@
             <a:buNone/>
           </a:pPr>
           <a:r>
-            <a:rPr lang="en-IN" sz="1400" b="0" i="0" kern="1200" dirty="0" err="1"/>
+            <a:rPr lang="en-IN" sz="2000" b="0" i="0" kern="1200" dirty="0" err="1">
+              <a:latin typeface="Söhne"/>
+            </a:rPr>
             <a:t>Tkinter</a:t>
           </a:r>
           <a:r>
-            <a:rPr lang="en-IN" sz="1400" b="0" i="0" kern="1200" dirty="0"/>
+            <a:rPr lang="en-IN" sz="2000" b="0" i="0" kern="1200" dirty="0">
+              <a:latin typeface="Söhne"/>
+            </a:rPr>
             <a:t> allows developers to create interactive and visually appealing applications with minimal effort. It provides a wide range of widgets, such as buttons, labels, text boxes, and more, which can be easily customized to suit the needs of the application.</a:t>
           </a:r>
-          <a:endParaRPr lang="en-US" sz="1400" kern="1200" dirty="0"/>
+          <a:endParaRPr lang="en-US" sz="2000" kern="1200" dirty="0">
+            <a:latin typeface="Söhne"/>
+          </a:endParaRPr>
         </a:p>
       </dsp:txBody>
       <dsp:txXfrm>
@@ -5205,12 +5689,12 @@
         </a:fontRef>
       </dsp:style>
       <dsp:txBody>
-        <a:bodyPr spcFirstLastPara="0" vert="horz" wrap="square" lIns="53340" tIns="53340" rIns="53340" bIns="53340" numCol="1" spcCol="1270" anchor="ctr" anchorCtr="0">
+        <a:bodyPr spcFirstLastPara="0" vert="horz" wrap="square" lIns="68580" tIns="68580" rIns="68580" bIns="68580" numCol="1" spcCol="1270" anchor="ctr" anchorCtr="0">
           <a:noAutofit/>
         </a:bodyPr>
         <a:lstStyle/>
         <a:p>
-          <a:pPr marL="0" lvl="0" indent="0" algn="ctr" defTabSz="622300">
+          <a:pPr marL="0" lvl="0" indent="0" algn="ctr" defTabSz="800100">
             <a:lnSpc>
               <a:spcPct val="90000"/>
             </a:lnSpc>
@@ -5223,14 +5707,20 @@
             <a:buNone/>
           </a:pPr>
           <a:r>
-            <a:rPr lang="en-IN" sz="1400" b="1" i="0" kern="1200" dirty="0"/>
+            <a:rPr lang="en-IN" sz="1800" b="1" i="0" kern="1200" dirty="0">
+              <a:latin typeface="Söhne"/>
+            </a:rPr>
             <a:t>Core Python: </a:t>
           </a:r>
           <a:r>
-            <a:rPr lang="en-IN" sz="1400" b="0" i="0" kern="1200" dirty="0"/>
+            <a:rPr lang="en-IN" sz="1800" b="0" i="0" kern="1200" dirty="0">
+              <a:latin typeface="Söhne"/>
+            </a:rPr>
             <a:t>Understanding the fundamentals of Python programming language.</a:t>
           </a:r>
-          <a:endParaRPr lang="en-US" sz="1400" kern="1200" dirty="0"/>
+          <a:endParaRPr lang="en-US" sz="1800" kern="1200" dirty="0">
+            <a:latin typeface="Söhne"/>
+          </a:endParaRPr>
         </a:p>
       </dsp:txBody>
       <dsp:txXfrm>
@@ -5287,12 +5777,12 @@
         </a:fontRef>
       </dsp:style>
       <dsp:txBody>
-        <a:bodyPr spcFirstLastPara="0" vert="horz" wrap="square" lIns="53340" tIns="53340" rIns="53340" bIns="53340" numCol="1" spcCol="1270" anchor="ctr" anchorCtr="0">
+        <a:bodyPr spcFirstLastPara="0" vert="horz" wrap="square" lIns="68580" tIns="68580" rIns="68580" bIns="68580" numCol="1" spcCol="1270" anchor="ctr" anchorCtr="0">
           <a:noAutofit/>
         </a:bodyPr>
         <a:lstStyle/>
         <a:p>
-          <a:pPr marL="0" lvl="0" indent="0" algn="ctr" defTabSz="622300">
+          <a:pPr marL="0" lvl="0" indent="0" algn="ctr" defTabSz="800100">
             <a:lnSpc>
               <a:spcPct val="90000"/>
             </a:lnSpc>
@@ -5305,26 +5795,38 @@
             <a:buNone/>
           </a:pPr>
           <a:r>
-            <a:rPr lang="en-IN" sz="1400" b="1" i="0" kern="1200" dirty="0" err="1"/>
+            <a:rPr lang="en-IN" sz="1800" b="1" i="0" kern="1200" dirty="0" err="1">
+              <a:latin typeface="Söhne"/>
+            </a:rPr>
             <a:t>Tkinter</a:t>
           </a:r>
           <a:r>
-            <a:rPr lang="en-IN" sz="1400" b="1" i="0" kern="1200" dirty="0"/>
+            <a:rPr lang="en-IN" sz="1800" b="1" i="0" kern="1200" dirty="0">
+              <a:latin typeface="Söhne"/>
+            </a:rPr>
             <a:t> Library: </a:t>
           </a:r>
           <a:r>
-            <a:rPr lang="en-IN" sz="1400" b="0" i="0" kern="1200" dirty="0"/>
+            <a:rPr lang="en-IN" sz="1800" b="0" i="0" kern="1200" dirty="0">
+              <a:latin typeface="Söhne"/>
+            </a:rPr>
             <a:t>Learning to use </a:t>
           </a:r>
           <a:r>
-            <a:rPr lang="en-IN" sz="1400" b="0" i="0" kern="1200" dirty="0" err="1"/>
+            <a:rPr lang="en-IN" sz="1800" b="0" i="0" kern="1200" dirty="0" err="1">
+              <a:latin typeface="Söhne"/>
+            </a:rPr>
             <a:t>Tkinter</a:t>
           </a:r>
           <a:r>
-            <a:rPr lang="en-IN" sz="1400" b="0" i="0" kern="1200" dirty="0"/>
+            <a:rPr lang="en-IN" sz="1800" b="0" i="0" kern="1200" dirty="0">
+              <a:latin typeface="Söhne"/>
+            </a:rPr>
             <a:t> for creating GUI applications in Python.</a:t>
           </a:r>
-          <a:endParaRPr lang="en-US" sz="1400" kern="1200" dirty="0"/>
+          <a:endParaRPr lang="en-US" sz="1800" kern="1200" dirty="0">
+            <a:latin typeface="Söhne"/>
+          </a:endParaRPr>
         </a:p>
       </dsp:txBody>
       <dsp:txXfrm>
@@ -5381,12 +5883,12 @@
         </a:fontRef>
       </dsp:style>
       <dsp:txBody>
-        <a:bodyPr spcFirstLastPara="0" vert="horz" wrap="square" lIns="53340" tIns="53340" rIns="53340" bIns="53340" numCol="1" spcCol="1270" anchor="ctr" anchorCtr="0">
+        <a:bodyPr spcFirstLastPara="0" vert="horz" wrap="square" lIns="68580" tIns="68580" rIns="68580" bIns="68580" numCol="1" spcCol="1270" anchor="ctr" anchorCtr="0">
           <a:noAutofit/>
         </a:bodyPr>
         <a:lstStyle/>
         <a:p>
-          <a:pPr marL="0" lvl="0" indent="0" algn="ctr" defTabSz="622300">
+          <a:pPr marL="0" lvl="0" indent="0" algn="ctr" defTabSz="800100">
             <a:lnSpc>
               <a:spcPct val="90000"/>
             </a:lnSpc>
@@ -5399,14 +5901,20 @@
             <a:buNone/>
           </a:pPr>
           <a:r>
-            <a:rPr lang="en-IN" sz="1400" b="1" i="0" kern="1200" dirty="0"/>
+            <a:rPr lang="en-IN" sz="1800" b="1" i="0" kern="1200" dirty="0">
+              <a:latin typeface="Söhne"/>
+            </a:rPr>
             <a:t>Visual Studio Code (IDE): </a:t>
           </a:r>
           <a:r>
-            <a:rPr lang="en-IN" sz="1400" b="0" i="0" kern="1200" dirty="0"/>
+            <a:rPr lang="en-IN" sz="1800" b="0" i="0" kern="1200" dirty="0">
+              <a:latin typeface="Söhne"/>
+            </a:rPr>
             <a:t>Working with an integrated development environment for Python programming.</a:t>
           </a:r>
-          <a:endParaRPr lang="en-US" sz="1400" kern="1200" dirty="0"/>
+          <a:endParaRPr lang="en-US" sz="1800" kern="1200" dirty="0">
+            <a:latin typeface="Söhne"/>
+          </a:endParaRPr>
         </a:p>
       </dsp:txBody>
       <dsp:txXfrm>
@@ -5463,12 +5971,12 @@
         </a:fontRef>
       </dsp:style>
       <dsp:txBody>
-        <a:bodyPr spcFirstLastPara="0" vert="horz" wrap="square" lIns="53340" tIns="53340" rIns="53340" bIns="53340" numCol="1" spcCol="1270" anchor="ctr" anchorCtr="0">
+        <a:bodyPr spcFirstLastPara="0" vert="horz" wrap="square" lIns="68580" tIns="68580" rIns="68580" bIns="68580" numCol="1" spcCol="1270" anchor="ctr" anchorCtr="0">
           <a:noAutofit/>
         </a:bodyPr>
         <a:lstStyle/>
         <a:p>
-          <a:pPr marL="0" lvl="0" indent="0" algn="ctr" defTabSz="622300">
+          <a:pPr marL="0" lvl="0" indent="0" algn="ctr" defTabSz="800100">
             <a:lnSpc>
               <a:spcPct val="90000"/>
             </a:lnSpc>
@@ -5481,14 +5989,20 @@
             <a:buNone/>
           </a:pPr>
           <a:r>
-            <a:rPr lang="en-IN" sz="1400" b="1" i="0" kern="1200" dirty="0"/>
+            <a:rPr lang="en-IN" sz="1800" b="1" i="0" kern="1200" dirty="0">
+              <a:latin typeface="Söhne"/>
+            </a:rPr>
             <a:t>GitHub: </a:t>
           </a:r>
           <a:r>
-            <a:rPr lang="en-IN" sz="1400" b="0" i="0" kern="1200" dirty="0"/>
+            <a:rPr lang="en-IN" sz="1800" b="0" i="0" kern="1200" dirty="0">
+              <a:latin typeface="Söhne"/>
+            </a:rPr>
             <a:t>Managing and sharing code using version control.</a:t>
           </a:r>
-          <a:endParaRPr lang="en-US" sz="1400" kern="1200" dirty="0"/>
+          <a:endParaRPr lang="en-US" sz="1800" kern="1200" dirty="0">
+            <a:latin typeface="Söhne"/>
+          </a:endParaRPr>
         </a:p>
       </dsp:txBody>
       <dsp:txXfrm>
@@ -5545,12 +6059,12 @@
         </a:fontRef>
       </dsp:style>
       <dsp:txBody>
-        <a:bodyPr spcFirstLastPara="0" vert="horz" wrap="square" lIns="53340" tIns="53340" rIns="53340" bIns="53340" numCol="1" spcCol="1270" anchor="ctr" anchorCtr="0">
+        <a:bodyPr spcFirstLastPara="0" vert="horz" wrap="square" lIns="68580" tIns="68580" rIns="68580" bIns="68580" numCol="1" spcCol="1270" anchor="ctr" anchorCtr="0">
           <a:noAutofit/>
         </a:bodyPr>
         <a:lstStyle/>
         <a:p>
-          <a:pPr marL="0" lvl="0" indent="0" algn="ctr" defTabSz="622300">
+          <a:pPr marL="0" lvl="0" indent="0" algn="ctr" defTabSz="800100">
             <a:lnSpc>
               <a:spcPct val="90000"/>
             </a:lnSpc>
@@ -5563,14 +6077,20 @@
             <a:buNone/>
           </a:pPr>
           <a:r>
-            <a:rPr lang="en-IN" sz="1400" b="1" i="0" kern="1200" dirty="0"/>
+            <a:rPr lang="en-IN" sz="1800" b="1" i="0" kern="1200" dirty="0">
+              <a:latin typeface="Söhne"/>
+            </a:rPr>
             <a:t>Application Development: </a:t>
           </a:r>
           <a:r>
-            <a:rPr lang="en-IN" sz="1400" b="0" i="0" kern="1200" dirty="0"/>
+            <a:rPr lang="en-IN" sz="1800" b="0" i="0" kern="1200" dirty="0">
+              <a:latin typeface="Söhne"/>
+            </a:rPr>
             <a:t>Developing a functional calculator application using Python.</a:t>
           </a:r>
-          <a:endParaRPr lang="en-US" sz="1400" kern="1200" dirty="0"/>
+          <a:endParaRPr lang="en-US" sz="1800" kern="1200" dirty="0">
+            <a:latin typeface="Söhne"/>
+          </a:endParaRPr>
         </a:p>
       </dsp:txBody>
       <dsp:txXfrm>
@@ -12826,6 +13346,18 @@
   <p:clrMapOvr>
     <a:masterClrMapping/>
   </p:clrMapOvr>
+  <mc:AlternateContent xmlns:mc="http://schemas.openxmlformats.org/markup-compatibility/2006">
+    <mc:Choice xmlns:p159="http://schemas.microsoft.com/office/powerpoint/2015/09/main" Requires="p159">
+      <p:transition xmlns:p14="http://schemas.microsoft.com/office/powerpoint/2010/main" spd="slow" p14:dur="2000">
+        <p159:morph option="byObject"/>
+      </p:transition>
+    </mc:Choice>
+    <mc:Fallback>
+      <p:transition spd="slow">
+        <p:fade/>
+      </p:transition>
+    </mc:Fallback>
+  </mc:AlternateContent>
 </p:sld>
 </file>
 
@@ -12904,7 +13436,7 @@
                   </a:schemeClr>
                 </a:solidFill>
                 <a:effectLst/>
-                <a:latin typeface="Calibri" panose="020F0502020204030204" pitchFamily="34" charset="0"/>
+                <a:latin typeface="Söhne"/>
                 <a:ea typeface="Calibri" panose="020F0502020204030204" pitchFamily="34" charset="0"/>
                 <a:cs typeface="Times New Roman" panose="02020603050405020304" pitchFamily="18" charset="0"/>
               </a:rPr>
@@ -12918,7 +13450,7 @@
                   </a:schemeClr>
                 </a:solidFill>
                 <a:effectLst/>
-                <a:latin typeface="Calibri" panose="020F0502020204030204" pitchFamily="34" charset="0"/>
+                <a:latin typeface="Söhne"/>
                 <a:ea typeface="Calibri" panose="020F0502020204030204" pitchFamily="34" charset="0"/>
                 <a:cs typeface="Times New Roman" panose="02020603050405020304" pitchFamily="18" charset="0"/>
               </a:rPr>
@@ -12927,7 +13459,7 @@
             <a:r>
               <a:rPr lang="en-IN" sz="1800" kern="100" dirty="0">
                 <a:effectLst/>
-                <a:latin typeface="Calibri" panose="020F0502020204030204" pitchFamily="34" charset="0"/>
+                <a:latin typeface="Söhne"/>
                 <a:ea typeface="Calibri" panose="020F0502020204030204" pitchFamily="34" charset="0"/>
                 <a:cs typeface="Times New Roman" panose="02020603050405020304" pitchFamily="18" charset="0"/>
               </a:rPr>
@@ -12936,7 +13468,7 @@
             <a:r>
               <a:rPr lang="en-IN" sz="1800" b="1" kern="100" dirty="0">
                 <a:effectLst/>
-                <a:latin typeface="Calibri" panose="020F0502020204030204" pitchFamily="34" charset="0"/>
+                <a:latin typeface="Söhne"/>
                 <a:ea typeface="Calibri" panose="020F0502020204030204" pitchFamily="34" charset="0"/>
                 <a:cs typeface="Times New Roman" panose="02020603050405020304" pitchFamily="18" charset="0"/>
               </a:rPr>
@@ -12945,7 +13477,7 @@
             <a:r>
               <a:rPr lang="en-IN" sz="1800" kern="100" dirty="0">
                 <a:effectLst/>
-                <a:latin typeface="Calibri" panose="020F0502020204030204" pitchFamily="34" charset="0"/>
+                <a:latin typeface="Söhne"/>
                 <a:ea typeface="Calibri" panose="020F0502020204030204" pitchFamily="34" charset="0"/>
                 <a:cs typeface="Times New Roman" panose="02020603050405020304" pitchFamily="18" charset="0"/>
               </a:rPr>
@@ -12954,7 +13486,7 @@
             <a:r>
               <a:rPr lang="en-IN" sz="1800" b="1" kern="100" dirty="0">
                 <a:effectLst/>
-                <a:latin typeface="Calibri" panose="020F0502020204030204" pitchFamily="34" charset="0"/>
+                <a:latin typeface="Söhne"/>
                 <a:ea typeface="Calibri" panose="020F0502020204030204" pitchFamily="34" charset="0"/>
                 <a:cs typeface="Times New Roman" panose="02020603050405020304" pitchFamily="18" charset="0"/>
               </a:rPr>
@@ -12963,7 +13495,7 @@
             <a:r>
               <a:rPr lang="en-IN" sz="1800" kern="100" dirty="0">
                 <a:effectLst/>
-                <a:latin typeface="Calibri" panose="020F0502020204030204" pitchFamily="34" charset="0"/>
+                <a:latin typeface="Söhne"/>
                 <a:ea typeface="Calibri" panose="020F0502020204030204" pitchFamily="34" charset="0"/>
                 <a:cs typeface="Times New Roman" panose="02020603050405020304" pitchFamily="18" charset="0"/>
               </a:rPr>
@@ -12972,7 +13504,7 @@
             <a:r>
               <a:rPr lang="en-IN" sz="1800" b="1" kern="100" dirty="0">
                 <a:effectLst/>
-                <a:latin typeface="Calibri" panose="020F0502020204030204" pitchFamily="34" charset="0"/>
+                <a:latin typeface="Söhne"/>
                 <a:ea typeface="Calibri" panose="020F0502020204030204" pitchFamily="34" charset="0"/>
                 <a:cs typeface="Times New Roman" panose="02020603050405020304" pitchFamily="18" charset="0"/>
               </a:rPr>
@@ -12981,7 +13513,7 @@
             <a:r>
               <a:rPr lang="en-IN" sz="1800" kern="100" dirty="0">
                 <a:effectLst/>
-                <a:latin typeface="Calibri" panose="020F0502020204030204" pitchFamily="34" charset="0"/>
+                <a:latin typeface="Söhne"/>
                 <a:ea typeface="Calibri" panose="020F0502020204030204" pitchFamily="34" charset="0"/>
                 <a:cs typeface="Times New Roman" panose="02020603050405020304" pitchFamily="18" charset="0"/>
               </a:rPr>
@@ -12989,10 +13521,48 @@
             </a:r>
           </a:p>
           <a:p>
-            <a:endParaRPr lang="en-IN" dirty="0"/>
+            <a:endParaRPr lang="en-IN" dirty="0">
+              <a:latin typeface="Söhne"/>
+            </a:endParaRPr>
           </a:p>
         </p:txBody>
       </p:sp>
+      <p:pic>
+        <p:nvPicPr>
+          <p:cNvPr id="4" name="Picture 3" descr="A cartoon of a person thinking&#10;&#10;Description automatically generated">
+            <a:extLst>
+              <a:ext uri="{FF2B5EF4-FFF2-40B4-BE49-F238E27FC236}">
+                <a16:creationId xmlns:a16="http://schemas.microsoft.com/office/drawing/2014/main" id="{A58AA898-EEE5-06D5-51A8-2104D700CC71}"/>
+              </a:ext>
+            </a:extLst>
+          </p:cNvPr>
+          <p:cNvPicPr>
+            <a:picLocks noChangeAspect="1"/>
+          </p:cNvPicPr>
+          <p:nvPr/>
+        </p:nvPicPr>
+        <p:blipFill>
+          <a:blip r:embed="rId2">
+            <a:extLst>
+              <a:ext uri="{28A0092B-C50C-407E-A947-70E740481C1C}">
+                <a14:useLocalDpi xmlns:a14="http://schemas.microsoft.com/office/drawing/2010/main" val="0"/>
+              </a:ext>
+            </a:extLst>
+          </a:blip>
+          <a:stretch>
+            <a:fillRect/>
+          </a:stretch>
+        </p:blipFill>
+        <p:spPr>
+          <a:xfrm>
+            <a:off x="1503635" y="3905250"/>
+            <a:ext cx="3076575" cy="3076575"/>
+          </a:xfrm>
+          <a:prstGeom prst="rect">
+            <a:avLst/>
+          </a:prstGeom>
+        </p:spPr>
+      </p:pic>
     </p:spTree>
     <p:extLst>
       <p:ext uri="{BB962C8B-B14F-4D97-AF65-F5344CB8AC3E}">
@@ -13003,6 +13573,18 @@
   <p:clrMapOvr>
     <a:masterClrMapping/>
   </p:clrMapOvr>
+  <mc:AlternateContent xmlns:mc="http://schemas.openxmlformats.org/markup-compatibility/2006">
+    <mc:Choice xmlns:p159="http://schemas.microsoft.com/office/powerpoint/2015/09/main" Requires="p159">
+      <p:transition xmlns:p14="http://schemas.microsoft.com/office/powerpoint/2010/main" spd="slow" p14:dur="2000">
+        <p159:morph option="byObject"/>
+      </p:transition>
+    </mc:Choice>
+    <mc:Fallback>
+      <p:transition spd="slow">
+        <p:fade/>
+      </p:transition>
+    </mc:Fallback>
+  </mc:AlternateContent>
 </p:sld>
 </file>
 
@@ -13075,8 +13657,11 @@
           <a:p>
             <a:r>
               <a:rPr lang="en-IN" sz="1800" b="1" kern="100" dirty="0">
+                <a:solidFill>
+                  <a:schemeClr val="accent3"/>
+                </a:solidFill>
                 <a:effectLst/>
-                <a:latin typeface="Calibri" panose="020F0502020204030204" pitchFamily="34" charset="0"/>
+                <a:latin typeface="Söhne"/>
                 <a:ea typeface="Calibri" panose="020F0502020204030204" pitchFamily="34" charset="0"/>
                 <a:cs typeface="Times New Roman" panose="02020603050405020304" pitchFamily="18" charset="0"/>
               </a:rPr>
@@ -13084,17 +13669,29 @@
             </a:r>
             <a:r>
               <a:rPr lang="en-IN" sz="1800" kern="100" dirty="0">
+                <a:solidFill>
+                  <a:schemeClr val="accent3"/>
+                </a:solidFill>
                 <a:effectLst/>
-                <a:latin typeface="Calibri" panose="020F0502020204030204" pitchFamily="34" charset="0"/>
+                <a:latin typeface="Söhne"/>
                 <a:ea typeface="Calibri" panose="020F0502020204030204" pitchFamily="34" charset="0"/>
                 <a:cs typeface="Times New Roman" panose="02020603050405020304" pitchFamily="18" charset="0"/>
               </a:rPr>
-              <a:t>: The </a:t>
+              <a:t>: </a:t>
+            </a:r>
+            <a:r>
+              <a:rPr lang="en-IN" sz="1800" kern="100" dirty="0">
+                <a:effectLst/>
+                <a:latin typeface="Söhne"/>
+                <a:ea typeface="Calibri" panose="020F0502020204030204" pitchFamily="34" charset="0"/>
+                <a:cs typeface="Times New Roman" panose="02020603050405020304" pitchFamily="18" charset="0"/>
+              </a:rPr>
+              <a:t>The </a:t>
             </a:r>
             <a:r>
               <a:rPr lang="en-IN" sz="1800" b="1" kern="100" dirty="0" err="1">
                 <a:effectLst/>
-                <a:latin typeface="Calibri" panose="020F0502020204030204" pitchFamily="34" charset="0"/>
+                <a:latin typeface="Söhne"/>
                 <a:ea typeface="Calibri" panose="020F0502020204030204" pitchFamily="34" charset="0"/>
                 <a:cs typeface="Times New Roman" panose="02020603050405020304" pitchFamily="18" charset="0"/>
               </a:rPr>
@@ -13103,7 +13700,7 @@
             <a:r>
               <a:rPr lang="en-IN" sz="1800" kern="100" dirty="0">
                 <a:effectLst/>
-                <a:latin typeface="Calibri" panose="020F0502020204030204" pitchFamily="34" charset="0"/>
+                <a:latin typeface="Söhne"/>
                 <a:ea typeface="Calibri" panose="020F0502020204030204" pitchFamily="34" charset="0"/>
                 <a:cs typeface="Times New Roman" panose="02020603050405020304" pitchFamily="18" charset="0"/>
               </a:rPr>
@@ -13112,7 +13709,7 @@
             <a:r>
               <a:rPr lang="en-IN" sz="1800" kern="100" dirty="0" err="1">
                 <a:effectLst/>
-                <a:latin typeface="Calibri" panose="020F0502020204030204" pitchFamily="34" charset="0"/>
+                <a:latin typeface="Söhne"/>
                 <a:ea typeface="Calibri" panose="020F0502020204030204" pitchFamily="34" charset="0"/>
                 <a:cs typeface="Times New Roman" panose="02020603050405020304" pitchFamily="18" charset="0"/>
               </a:rPr>
@@ -13121,7 +13718,7 @@
             <a:r>
               <a:rPr lang="en-IN" sz="1800" kern="100" dirty="0">
                 <a:effectLst/>
-                <a:latin typeface="Calibri" panose="020F0502020204030204" pitchFamily="34" charset="0"/>
+                <a:latin typeface="Söhne"/>
                 <a:ea typeface="Calibri" panose="020F0502020204030204" pitchFamily="34" charset="0"/>
                 <a:cs typeface="Times New Roman" panose="02020603050405020304" pitchFamily="18" charset="0"/>
               </a:rPr>
@@ -13129,10 +13726,48 @@
             </a:r>
           </a:p>
           <a:p>
-            <a:endParaRPr lang="en-IN" dirty="0"/>
+            <a:endParaRPr lang="en-IN" dirty="0">
+              <a:latin typeface="Söhne"/>
+            </a:endParaRPr>
           </a:p>
         </p:txBody>
       </p:sp>
+      <p:pic>
+        <p:nvPicPr>
+          <p:cNvPr id="4" name="Picture 3" descr="A cartoon of a person thinking&#10;&#10;Description automatically generated">
+            <a:extLst>
+              <a:ext uri="{FF2B5EF4-FFF2-40B4-BE49-F238E27FC236}">
+                <a16:creationId xmlns:a16="http://schemas.microsoft.com/office/drawing/2014/main" id="{4CFB3544-D1C0-B6F9-E07F-4B8842C37B3F}"/>
+              </a:ext>
+            </a:extLst>
+          </p:cNvPr>
+          <p:cNvPicPr>
+            <a:picLocks noChangeAspect="1"/>
+          </p:cNvPicPr>
+          <p:nvPr/>
+        </p:nvPicPr>
+        <p:blipFill>
+          <a:blip r:embed="rId2">
+            <a:extLst>
+              <a:ext uri="{28A0092B-C50C-407E-A947-70E740481C1C}">
+                <a14:useLocalDpi xmlns:a14="http://schemas.microsoft.com/office/drawing/2010/main" val="0"/>
+              </a:ext>
+            </a:extLst>
+          </a:blip>
+          <a:stretch>
+            <a:fillRect/>
+          </a:stretch>
+        </p:blipFill>
+        <p:spPr>
+          <a:xfrm>
+            <a:off x="1503635" y="3905250"/>
+            <a:ext cx="3076575" cy="3076575"/>
+          </a:xfrm>
+          <a:prstGeom prst="rect">
+            <a:avLst/>
+          </a:prstGeom>
+        </p:spPr>
+      </p:pic>
     </p:spTree>
     <p:extLst>
       <p:ext uri="{BB962C8B-B14F-4D97-AF65-F5344CB8AC3E}">
@@ -13143,12 +13778,32 @@
   <p:clrMapOvr>
     <a:masterClrMapping/>
   </p:clrMapOvr>
+  <mc:AlternateContent xmlns:mc="http://schemas.openxmlformats.org/markup-compatibility/2006">
+    <mc:Choice xmlns:p159="http://schemas.microsoft.com/office/powerpoint/2015/09/main" Requires="p159">
+      <p:transition xmlns:p14="http://schemas.microsoft.com/office/powerpoint/2010/main" spd="slow" p14:dur="2000">
+        <p159:morph option="byObject"/>
+      </p:transition>
+    </mc:Choice>
+    <mc:Fallback>
+      <p:transition spd="slow">
+        <p:fade/>
+      </p:transition>
+    </mc:Fallback>
+  </mc:AlternateContent>
 </p:sld>
 </file>
 
 <file path=ppt/slides/slide12.xml><?xml version="1.0" encoding="utf-8"?>
 <p:sld xmlns:a="http://schemas.openxmlformats.org/drawingml/2006/main" xmlns:r="http://schemas.openxmlformats.org/officeDocument/2006/relationships" xmlns:p="http://schemas.openxmlformats.org/presentationml/2006/main">
   <p:cSld>
+    <p:bg>
+      <p:bgPr>
+        <a:solidFill>
+          <a:schemeClr val="bg2"/>
+        </a:solidFill>
+        <a:effectLst/>
+      </p:bgPr>
+    </p:bg>
     <p:spTree>
       <p:nvGrpSpPr>
         <p:cNvPr id="1" name=""/>
@@ -13163,6 +13818,292 @@
           <a:chExt cx="0" cy="0"/>
         </a:xfrm>
       </p:grpSpPr>
+      <p:sp useBgFill="1">
+        <p:nvSpPr>
+          <p:cNvPr id="23" name="Rectangle 22">
+            <a:extLst>
+              <a:ext uri="{FF2B5EF4-FFF2-40B4-BE49-F238E27FC236}">
+                <a16:creationId xmlns:a16="http://schemas.microsoft.com/office/drawing/2014/main" id="{DA4E7B50-D68C-43EB-930F-EA442A13A9B2}"/>
+              </a:ext>
+              <a:ext uri="{C183D7F6-B498-43B3-948B-1728B52AA6E4}">
+                <adec:decorative xmlns:adec="http://schemas.microsoft.com/office/drawing/2017/decorative" val="1"/>
+              </a:ext>
+            </a:extLst>
+          </p:cNvPr>
+          <p:cNvSpPr>
+            <a:spLocks noGrp="1" noRot="1" noChangeAspect="1" noMove="1" noResize="1" noEditPoints="1" noAdjustHandles="1" noChangeArrowheads="1" noChangeShapeType="1" noTextEdit="1"/>
+          </p:cNvSpPr>
+          <p:nvPr>
+            <p:extLst>
+              <p:ext uri="{386F3935-93C4-4BCD-93E2-E3B085C9AB24}">
+                <p16:designElem xmlns:p16="http://schemas.microsoft.com/office/powerpoint/2015/main" val="1"/>
+              </p:ext>
+            </p:extLst>
+          </p:nvPr>
+        </p:nvSpPr>
+        <p:spPr>
+          <a:xfrm>
+            <a:off x="0" y="0"/>
+            <a:ext cx="12192001" cy="6858000"/>
+          </a:xfrm>
+          <a:prstGeom prst="rect">
+            <a:avLst/>
+          </a:prstGeom>
+          <a:ln>
+            <a:noFill/>
+          </a:ln>
+        </p:spPr>
+        <p:style>
+          <a:lnRef idx="2">
+            <a:schemeClr val="accent1">
+              <a:shade val="50000"/>
+            </a:schemeClr>
+          </a:lnRef>
+          <a:fillRef idx="1">
+            <a:schemeClr val="accent1"/>
+          </a:fillRef>
+          <a:effectRef idx="0">
+            <a:schemeClr val="accent1"/>
+          </a:effectRef>
+          <a:fontRef idx="minor">
+            <a:schemeClr val="lt1"/>
+          </a:fontRef>
+        </p:style>
+        <p:txBody>
+          <a:bodyPr rtlCol="0" anchor="ctr"/>
+          <a:lstStyle/>
+          <a:p>
+            <a:pPr algn="ctr"/>
+            <a:endParaRPr lang="en-US" dirty="0"/>
+          </a:p>
+        </p:txBody>
+      </p:sp>
+      <p:sp>
+        <p:nvSpPr>
+          <p:cNvPr id="25" name="Rectangle 24">
+            <a:extLst>
+              <a:ext uri="{FF2B5EF4-FFF2-40B4-BE49-F238E27FC236}">
+                <a16:creationId xmlns:a16="http://schemas.microsoft.com/office/drawing/2014/main" id="{02822754-E01B-4742-88B9-BE0984BAFE58}"/>
+              </a:ext>
+              <a:ext uri="{C183D7F6-B498-43B3-948B-1728B52AA6E4}">
+                <adec:decorative xmlns:adec="http://schemas.microsoft.com/office/drawing/2017/decorative" val="1"/>
+              </a:ext>
+            </a:extLst>
+          </p:cNvPr>
+          <p:cNvSpPr>
+            <a:spLocks noGrp="1" noRot="1" noChangeAspect="1" noMove="1" noResize="1" noEditPoints="1" noAdjustHandles="1" noChangeArrowheads="1" noChangeShapeType="1" noTextEdit="1"/>
+          </p:cNvSpPr>
+          <p:nvPr>
+            <p:extLst>
+              <p:ext uri="{386F3935-93C4-4BCD-93E2-E3B085C9AB24}">
+                <p16:designElem xmlns:p16="http://schemas.microsoft.com/office/powerpoint/2015/main" val="1"/>
+              </p:ext>
+            </p:extLst>
+          </p:nvPr>
+        </p:nvSpPr>
+        <p:spPr>
+          <a:xfrm>
+            <a:off x="8175813" y="0"/>
+            <a:ext cx="4016188" cy="1056542"/>
+          </a:xfrm>
+          <a:prstGeom prst="rect">
+            <a:avLst/>
+          </a:prstGeom>
+          <a:solidFill>
+            <a:schemeClr val="tx2"/>
+          </a:solidFill>
+          <a:ln>
+            <a:noFill/>
+          </a:ln>
+        </p:spPr>
+        <p:style>
+          <a:lnRef idx="2">
+            <a:schemeClr val="accent1">
+              <a:shade val="50000"/>
+            </a:schemeClr>
+          </a:lnRef>
+          <a:fillRef idx="1">
+            <a:schemeClr val="accent1"/>
+          </a:fillRef>
+          <a:effectRef idx="0">
+            <a:schemeClr val="accent1"/>
+          </a:effectRef>
+          <a:fontRef idx="minor">
+            <a:schemeClr val="lt1"/>
+          </a:fontRef>
+        </p:style>
+        <p:txBody>
+          <a:bodyPr rtlCol="0" anchor="ctr"/>
+          <a:lstStyle/>
+          <a:p>
+            <a:pPr algn="ctr"/>
+            <a:endParaRPr lang="en-US"/>
+          </a:p>
+        </p:txBody>
+      </p:sp>
+      <p:pic>
+        <p:nvPicPr>
+          <p:cNvPr id="5" name="Picture 4" descr="A person sitting on a computer&#10;&#10;Description automatically generated">
+            <a:extLst>
+              <a:ext uri="{FF2B5EF4-FFF2-40B4-BE49-F238E27FC236}">
+                <a16:creationId xmlns:a16="http://schemas.microsoft.com/office/drawing/2014/main" id="{2EBEC8CB-1394-6E34-0E05-16B51391C9D0}"/>
+              </a:ext>
+            </a:extLst>
+          </p:cNvPr>
+          <p:cNvPicPr>
+            <a:picLocks noChangeAspect="1"/>
+          </p:cNvPicPr>
+          <p:nvPr/>
+        </p:nvPicPr>
+        <p:blipFill rotWithShape="1">
+          <a:blip r:embed="rId2">
+            <a:extLst>
+              <a:ext uri="{28A0092B-C50C-407E-A947-70E740481C1C}">
+                <a14:useLocalDpi xmlns:a14="http://schemas.microsoft.com/office/drawing/2010/main" val="0"/>
+              </a:ext>
+            </a:extLst>
+          </a:blip>
+          <a:srcRect r="20650" b="3"/>
+          <a:stretch/>
+        </p:blipFill>
+        <p:spPr>
+          <a:xfrm>
+            <a:off x="8194348" y="1074544"/>
+            <a:ext cx="3997652" cy="5037857"/>
+          </a:xfrm>
+          <a:prstGeom prst="rect">
+            <a:avLst/>
+          </a:prstGeom>
+        </p:spPr>
+      </p:pic>
+      <p:sp>
+        <p:nvSpPr>
+          <p:cNvPr id="26" name="Rectangle 25">
+            <a:extLst>
+              <a:ext uri="{FF2B5EF4-FFF2-40B4-BE49-F238E27FC236}">
+                <a16:creationId xmlns:a16="http://schemas.microsoft.com/office/drawing/2014/main" id="{387C5BBA-BBE2-4821-96CF-38FC49570F60}"/>
+              </a:ext>
+              <a:ext uri="{C183D7F6-B498-43B3-948B-1728B52AA6E4}">
+                <adec:decorative xmlns:adec="http://schemas.microsoft.com/office/drawing/2017/decorative" val="1"/>
+              </a:ext>
+            </a:extLst>
+          </p:cNvPr>
+          <p:cNvSpPr>
+            <a:spLocks noGrp="1" noRot="1" noChangeAspect="1" noMove="1" noResize="1" noEditPoints="1" noAdjustHandles="1" noChangeArrowheads="1" noChangeShapeType="1" noTextEdit="1"/>
+          </p:cNvSpPr>
+          <p:nvPr>
+            <p:extLst>
+              <p:ext uri="{386F3935-93C4-4BCD-93E2-E3B085C9AB24}">
+                <p16:designElem xmlns:p16="http://schemas.microsoft.com/office/powerpoint/2015/main" val="1"/>
+              </p:ext>
+            </p:extLst>
+          </p:nvPr>
+        </p:nvSpPr>
+        <p:spPr>
+          <a:xfrm>
+            <a:off x="1525" y="1031500"/>
+            <a:ext cx="12188951" cy="64008"/>
+          </a:xfrm>
+          <a:prstGeom prst="rect">
+            <a:avLst/>
+          </a:prstGeom>
+          <a:solidFill>
+            <a:schemeClr val="tx2"/>
+          </a:solidFill>
+          <a:ln>
+            <a:noFill/>
+          </a:ln>
+        </p:spPr>
+        <p:style>
+          <a:lnRef idx="2">
+            <a:schemeClr val="accent1">
+              <a:shade val="50000"/>
+            </a:schemeClr>
+          </a:lnRef>
+          <a:fillRef idx="1">
+            <a:schemeClr val="accent1"/>
+          </a:fillRef>
+          <a:effectRef idx="0">
+            <a:schemeClr val="accent1"/>
+          </a:effectRef>
+          <a:fontRef idx="minor">
+            <a:schemeClr val="lt1"/>
+          </a:fontRef>
+        </p:style>
+        <p:txBody>
+          <a:bodyPr rtlCol="0" anchor="ctr"/>
+          <a:lstStyle/>
+          <a:p>
+            <a:pPr algn="ctr"/>
+            <a:endParaRPr lang="en-US"/>
+          </a:p>
+        </p:txBody>
+      </p:sp>
+      <p:sp>
+        <p:nvSpPr>
+          <p:cNvPr id="27" name="Rectangle 26">
+            <a:extLst>
+              <a:ext uri="{FF2B5EF4-FFF2-40B4-BE49-F238E27FC236}">
+                <a16:creationId xmlns:a16="http://schemas.microsoft.com/office/drawing/2014/main" id="{3611DA2B-4CF7-4A57-82AC-FA120DE44DB9}"/>
+              </a:ext>
+              <a:ext uri="{C183D7F6-B498-43B3-948B-1728B52AA6E4}">
+                <adec:decorative xmlns:adec="http://schemas.microsoft.com/office/drawing/2017/decorative" val="1"/>
+              </a:ext>
+            </a:extLst>
+          </p:cNvPr>
+          <p:cNvSpPr>
+            <a:spLocks noGrp="1" noRot="1" noChangeAspect="1" noMove="1" noResize="1" noEditPoints="1" noAdjustHandles="1" noChangeArrowheads="1" noChangeShapeType="1" noTextEdit="1"/>
+          </p:cNvSpPr>
+          <p:nvPr>
+            <p:extLst>
+              <p:ext uri="{386F3935-93C4-4BCD-93E2-E3B085C9AB24}">
+                <p16:designElem xmlns:p16="http://schemas.microsoft.com/office/powerpoint/2015/main" val="1"/>
+              </p:ext>
+            </p:extLst>
+          </p:nvPr>
+        </p:nvSpPr>
+        <p:spPr>
+          <a:xfrm>
+            <a:off x="3049" y="1095508"/>
+            <a:ext cx="8203482" cy="5016893"/>
+          </a:xfrm>
+          <a:prstGeom prst="rect">
+            <a:avLst/>
+          </a:prstGeom>
+          <a:solidFill>
+            <a:schemeClr val="bg1">
+              <a:alpha val="75000"/>
+            </a:schemeClr>
+          </a:solidFill>
+          <a:ln>
+            <a:noFill/>
+          </a:ln>
+        </p:spPr>
+        <p:style>
+          <a:lnRef idx="2">
+            <a:schemeClr val="accent1">
+              <a:shade val="50000"/>
+            </a:schemeClr>
+          </a:lnRef>
+          <a:fillRef idx="1">
+            <a:schemeClr val="accent1"/>
+          </a:fillRef>
+          <a:effectRef idx="0">
+            <a:schemeClr val="accent1"/>
+          </a:effectRef>
+          <a:fontRef idx="minor">
+            <a:schemeClr val="lt1"/>
+          </a:fontRef>
+        </p:style>
+        <p:txBody>
+          <a:bodyPr rtlCol="0" anchor="ctr"/>
+          <a:lstStyle/>
+          <a:p>
+            <a:pPr algn="ctr"/>
+            <a:endParaRPr lang="en-US"/>
+          </a:p>
+        </p:txBody>
+      </p:sp>
       <p:sp>
         <p:nvSpPr>
           <p:cNvPr id="2" name="Title 1">
@@ -13179,9 +14120,16 @@
             <p:ph type="title"/>
           </p:nvPr>
         </p:nvSpPr>
-        <p:spPr/>
+        <p:spPr>
+          <a:xfrm>
+            <a:off x="897359" y="-74487"/>
+            <a:ext cx="6623040" cy="1140580"/>
+          </a:xfrm>
+        </p:spPr>
         <p:txBody>
-          <a:bodyPr/>
+          <a:bodyPr>
+            <a:normAutofit/>
+          </a:bodyPr>
           <a:lstStyle/>
           <a:p>
             <a:r>
@@ -13208,89 +14156,99 @@
             <p:ph idx="1"/>
           </p:nvPr>
         </p:nvSpPr>
-        <p:spPr/>
+        <p:spPr>
+          <a:xfrm>
+            <a:off x="513179" y="1320183"/>
+            <a:ext cx="7391400" cy="4567542"/>
+          </a:xfrm>
+        </p:spPr>
         <p:txBody>
-          <a:bodyPr>
-            <a:normAutofit fontScale="92500"/>
+          <a:bodyPr anchor="t">
+            <a:normAutofit/>
           </a:bodyPr>
           <a:lstStyle/>
           <a:p>
+            <a:pPr>
+              <a:lnSpc>
+                <a:spcPct val="130000"/>
+              </a:lnSpc>
+            </a:pPr>
             <a:r>
-              <a:rPr lang="en-IN" sz="1800" kern="100" dirty="0">
+              <a:rPr lang="en-IN" kern="100" dirty="0">
                 <a:effectLst/>
-                <a:latin typeface="Calibri" panose="020F0502020204030204" pitchFamily="34" charset="0"/>
+                <a:latin typeface="Söhne"/>
                 <a:ea typeface="Calibri" panose="020F0502020204030204" pitchFamily="34" charset="0"/>
                 <a:cs typeface="Times New Roman" panose="02020603050405020304" pitchFamily="18" charset="0"/>
               </a:rPr>
               <a:t>The </a:t>
             </a:r>
             <a:r>
-              <a:rPr lang="en-IN" sz="1800" b="1" kern="100" dirty="0">
+              <a:rPr lang="en-IN" b="1" kern="100" dirty="0">
                 <a:effectLst/>
-                <a:latin typeface="Calibri" panose="020F0502020204030204" pitchFamily="34" charset="0"/>
+                <a:latin typeface="Söhne"/>
                 <a:ea typeface="Calibri" panose="020F0502020204030204" pitchFamily="34" charset="0"/>
                 <a:cs typeface="Times New Roman" panose="02020603050405020304" pitchFamily="18" charset="0"/>
               </a:rPr>
               <a:t>try</a:t>
             </a:r>
             <a:r>
-              <a:rPr lang="en-IN" sz="1800" kern="100" dirty="0">
+              <a:rPr lang="en-IN" kern="100" dirty="0">
                 <a:effectLst/>
-                <a:latin typeface="Calibri" panose="020F0502020204030204" pitchFamily="34" charset="0"/>
+                <a:latin typeface="Söhne"/>
                 <a:ea typeface="Calibri" panose="020F0502020204030204" pitchFamily="34" charset="0"/>
                 <a:cs typeface="Times New Roman" panose="02020603050405020304" pitchFamily="18" charset="0"/>
               </a:rPr>
               <a:t> and </a:t>
             </a:r>
             <a:r>
-              <a:rPr lang="en-IN" sz="1800" b="1" kern="100" dirty="0">
+              <a:rPr lang="en-IN" b="1" kern="100" dirty="0">
                 <a:effectLst/>
-                <a:latin typeface="Calibri" panose="020F0502020204030204" pitchFamily="34" charset="0"/>
+                <a:latin typeface="Söhne"/>
                 <a:ea typeface="Calibri" panose="020F0502020204030204" pitchFamily="34" charset="0"/>
                 <a:cs typeface="Times New Roman" panose="02020603050405020304" pitchFamily="18" charset="0"/>
               </a:rPr>
               <a:t>except</a:t>
             </a:r>
             <a:r>
-              <a:rPr lang="en-IN" sz="1800" kern="100" dirty="0">
+              <a:rPr lang="en-IN" kern="100" dirty="0">
                 <a:effectLst/>
-                <a:latin typeface="Calibri" panose="020F0502020204030204" pitchFamily="34" charset="0"/>
+                <a:latin typeface="Söhne"/>
                 <a:ea typeface="Calibri" panose="020F0502020204030204" pitchFamily="34" charset="0"/>
                 <a:cs typeface="Times New Roman" panose="02020603050405020304" pitchFamily="18" charset="0"/>
               </a:rPr>
               <a:t> statements in Python are used for error handling. The </a:t>
             </a:r>
             <a:r>
-              <a:rPr lang="en-IN" sz="1800" b="1" kern="100" dirty="0">
+              <a:rPr lang="en-IN" b="1" kern="100" dirty="0">
                 <a:effectLst/>
-                <a:latin typeface="Calibri" panose="020F0502020204030204" pitchFamily="34" charset="0"/>
+                <a:latin typeface="Söhne"/>
                 <a:ea typeface="Calibri" panose="020F0502020204030204" pitchFamily="34" charset="0"/>
                 <a:cs typeface="Times New Roman" panose="02020603050405020304" pitchFamily="18" charset="0"/>
               </a:rPr>
               <a:t>try</a:t>
             </a:r>
             <a:r>
-              <a:rPr lang="en-IN" sz="1800" kern="100" dirty="0">
+              <a:rPr lang="en-IN" kern="100" dirty="0">
                 <a:effectLst/>
-                <a:latin typeface="Calibri" panose="020F0502020204030204" pitchFamily="34" charset="0"/>
+                <a:latin typeface="Söhne"/>
                 <a:ea typeface="Calibri" panose="020F0502020204030204" pitchFamily="34" charset="0"/>
                 <a:cs typeface="Times New Roman" panose="02020603050405020304" pitchFamily="18" charset="0"/>
               </a:rPr>
               <a:t> block contains the code that may raise an exception, and the </a:t>
             </a:r>
             <a:r>
-              <a:rPr lang="en-IN" sz="1800" b="1" kern="100" dirty="0">
+              <a:rPr lang="en-IN" b="1" kern="100" dirty="0">
                 <a:effectLst/>
-                <a:latin typeface="Calibri" panose="020F0502020204030204" pitchFamily="34" charset="0"/>
+                <a:latin typeface="Söhne"/>
                 <a:ea typeface="Calibri" panose="020F0502020204030204" pitchFamily="34" charset="0"/>
                 <a:cs typeface="Times New Roman" panose="02020603050405020304" pitchFamily="18" charset="0"/>
               </a:rPr>
               <a:t>except</a:t>
             </a:r>
             <a:r>
-              <a:rPr lang="en-IN" sz="1800" kern="100" dirty="0">
+              <a:rPr lang="en-IN" kern="100" dirty="0">
                 <a:effectLst/>
-                <a:latin typeface="Calibri" panose="020F0502020204030204" pitchFamily="34" charset="0"/>
+                <a:latin typeface="Söhne"/>
                 <a:ea typeface="Calibri" panose="020F0502020204030204" pitchFamily="34" charset="0"/>
                 <a:cs typeface="Times New Roman" panose="02020603050405020304" pitchFamily="18" charset="0"/>
               </a:rPr>
@@ -13298,59 +14256,318 @@
             </a:r>
           </a:p>
           <a:p>
+            <a:pPr>
+              <a:lnSpc>
+                <a:spcPct val="130000"/>
+              </a:lnSpc>
+            </a:pPr>
             <a:br>
-              <a:rPr lang="en-IN" sz="1800" kern="100" dirty="0">
+              <a:rPr lang="en-IN" kern="100" dirty="0">
                 <a:effectLst/>
-                <a:latin typeface="Calibri" panose="020F0502020204030204" pitchFamily="34" charset="0"/>
+                <a:latin typeface="Söhne"/>
                 <a:ea typeface="Calibri" panose="020F0502020204030204" pitchFamily="34" charset="0"/>
                 <a:cs typeface="Times New Roman" panose="02020603050405020304" pitchFamily="18" charset="0"/>
               </a:rPr>
             </a:br>
             <a:r>
-              <a:rPr lang="en-IN" sz="1800" kern="100" dirty="0">
+              <a:rPr lang="en-IN" kern="100" dirty="0">
                 <a:effectLst/>
-                <a:latin typeface="Calibri" panose="020F0502020204030204" pitchFamily="34" charset="0"/>
+                <a:latin typeface="Söhne"/>
                 <a:ea typeface="Calibri" panose="020F0502020204030204" pitchFamily="34" charset="0"/>
                 <a:cs typeface="Times New Roman" panose="02020603050405020304" pitchFamily="18" charset="0"/>
               </a:rPr>
               <a:t>The </a:t>
             </a:r>
             <a:r>
-              <a:rPr lang="en-IN" sz="1800" b="1" kern="100" dirty="0">
+              <a:rPr lang="en-IN" b="1" kern="100" dirty="0">
                 <a:effectLst/>
-                <a:latin typeface="Calibri" panose="020F0502020204030204" pitchFamily="34" charset="0"/>
+                <a:latin typeface="Söhne"/>
                 <a:ea typeface="Calibri" panose="020F0502020204030204" pitchFamily="34" charset="0"/>
                 <a:cs typeface="Times New Roman" panose="02020603050405020304" pitchFamily="18" charset="0"/>
               </a:rPr>
               <a:t>eval</a:t>
             </a:r>
             <a:r>
-              <a:rPr lang="en-IN" sz="1800" kern="100" dirty="0">
+              <a:rPr lang="en-IN" kern="100" dirty="0">
                 <a:effectLst/>
-                <a:latin typeface="Calibri" panose="020F0502020204030204" pitchFamily="34" charset="0"/>
+                <a:latin typeface="Söhne"/>
                 <a:ea typeface="Calibri" panose="020F0502020204030204" pitchFamily="34" charset="0"/>
                 <a:cs typeface="Times New Roman" panose="02020603050405020304" pitchFamily="18" charset="0"/>
               </a:rPr>
               <a:t> function is used to evaluate the mathematical expression entered by the user. If an error occurs during evaluation, such as a syntax error or division by zero, the </a:t>
             </a:r>
             <a:r>
-              <a:rPr lang="en-IN" sz="1800" b="1" kern="100" dirty="0">
+              <a:rPr lang="en-IN" b="1" kern="100" dirty="0">
                 <a:effectLst/>
-                <a:latin typeface="Calibri" panose="020F0502020204030204" pitchFamily="34" charset="0"/>
+                <a:latin typeface="Söhne"/>
                 <a:ea typeface="Calibri" panose="020F0502020204030204" pitchFamily="34" charset="0"/>
                 <a:cs typeface="Times New Roman" panose="02020603050405020304" pitchFamily="18" charset="0"/>
               </a:rPr>
               <a:t>except</a:t>
             </a:r>
             <a:r>
-              <a:rPr lang="en-IN" sz="1800" kern="100" dirty="0">
+              <a:rPr lang="en-IN" kern="100" dirty="0">
                 <a:effectLst/>
-                <a:latin typeface="Calibri" panose="020F0502020204030204" pitchFamily="34" charset="0"/>
+                <a:latin typeface="Söhne"/>
                 <a:ea typeface="Calibri" panose="020F0502020204030204" pitchFamily="34" charset="0"/>
                 <a:cs typeface="Times New Roman" panose="02020603050405020304" pitchFamily="18" charset="0"/>
               </a:rPr>
               <a:t> block is executed, and the display is set to 'Error'. This prevents the program from crashing and provides a user-friendly error message.</a:t>
             </a:r>
+          </a:p>
+        </p:txBody>
+      </p:sp>
+      <p:sp>
+        <p:nvSpPr>
+          <p:cNvPr id="28" name="Rectangle 27">
+            <a:extLst>
+              <a:ext uri="{FF2B5EF4-FFF2-40B4-BE49-F238E27FC236}">
+                <a16:creationId xmlns:a16="http://schemas.microsoft.com/office/drawing/2014/main" id="{C1CF7BFC-0A02-4106-88A8-CCC0D944451E}"/>
+              </a:ext>
+              <a:ext uri="{C183D7F6-B498-43B3-948B-1728B52AA6E4}">
+                <adec:decorative xmlns:adec="http://schemas.microsoft.com/office/drawing/2017/decorative" val="1"/>
+              </a:ext>
+            </a:extLst>
+          </p:cNvPr>
+          <p:cNvSpPr>
+            <a:spLocks noGrp="1" noRot="1" noChangeAspect="1" noMove="1" noResize="1" noEditPoints="1" noAdjustHandles="1" noChangeArrowheads="1" noChangeShapeType="1" noTextEdit="1"/>
+          </p:cNvSpPr>
+          <p:nvPr>
+            <p:extLst>
+              <p:ext uri="{386F3935-93C4-4BCD-93E2-E3B085C9AB24}">
+                <p16:designElem xmlns:p16="http://schemas.microsoft.com/office/powerpoint/2015/main" val="1"/>
+              </p:ext>
+            </p:extLst>
+          </p:nvPr>
+        </p:nvSpPr>
+        <p:spPr>
+          <a:xfrm>
+            <a:off x="-1" y="6144405"/>
+            <a:ext cx="8150087" cy="713595"/>
+          </a:xfrm>
+          <a:prstGeom prst="rect">
+            <a:avLst/>
+          </a:prstGeom>
+          <a:solidFill>
+            <a:schemeClr val="tx2"/>
+          </a:solidFill>
+          <a:ln>
+            <a:noFill/>
+          </a:ln>
+        </p:spPr>
+        <p:style>
+          <a:lnRef idx="2">
+            <a:schemeClr val="accent1">
+              <a:shade val="50000"/>
+            </a:schemeClr>
+          </a:lnRef>
+          <a:fillRef idx="1">
+            <a:schemeClr val="accent1"/>
+          </a:fillRef>
+          <a:effectRef idx="0">
+            <a:schemeClr val="accent1"/>
+          </a:effectRef>
+          <a:fontRef idx="minor">
+            <a:schemeClr val="lt1"/>
+          </a:fontRef>
+        </p:style>
+        <p:txBody>
+          <a:bodyPr rtlCol="0" anchor="ctr"/>
+          <a:lstStyle/>
+          <a:p>
+            <a:pPr algn="ctr"/>
+            <a:endParaRPr lang="en-US"/>
+          </a:p>
+        </p:txBody>
+      </p:sp>
+      <p:sp>
+        <p:nvSpPr>
+          <p:cNvPr id="29" name="Rectangle 28">
+            <a:extLst>
+              <a:ext uri="{FF2B5EF4-FFF2-40B4-BE49-F238E27FC236}">
+                <a16:creationId xmlns:a16="http://schemas.microsoft.com/office/drawing/2014/main" id="{65304E59-B4DC-4CA3-89F1-5C88000EB708}"/>
+              </a:ext>
+              <a:ext uri="{C183D7F6-B498-43B3-948B-1728B52AA6E4}">
+                <adec:decorative xmlns:adec="http://schemas.microsoft.com/office/drawing/2017/decorative" val="1"/>
+              </a:ext>
+            </a:extLst>
+          </p:cNvPr>
+          <p:cNvSpPr>
+            <a:spLocks noGrp="1" noRot="1" noChangeAspect="1" noMove="1" noResize="1" noEditPoints="1" noAdjustHandles="1" noChangeArrowheads="1" noChangeShapeType="1" noTextEdit="1"/>
+          </p:cNvSpPr>
+          <p:nvPr>
+            <p:extLst>
+              <p:ext uri="{386F3935-93C4-4BCD-93E2-E3B085C9AB24}">
+                <p16:designElem xmlns:p16="http://schemas.microsoft.com/office/powerpoint/2015/main" val="1"/>
+              </p:ext>
+            </p:extLst>
+          </p:nvPr>
+        </p:nvSpPr>
+        <p:spPr>
+          <a:xfrm>
+            <a:off x="8206532" y="6167615"/>
+            <a:ext cx="3982418" cy="690385"/>
+          </a:xfrm>
+          <a:prstGeom prst="rect">
+            <a:avLst/>
+          </a:prstGeom>
+          <a:solidFill>
+            <a:schemeClr val="bg1">
+              <a:alpha val="75000"/>
+            </a:schemeClr>
+          </a:solidFill>
+          <a:ln>
+            <a:noFill/>
+          </a:ln>
+        </p:spPr>
+        <p:style>
+          <a:lnRef idx="2">
+            <a:schemeClr val="accent1">
+              <a:shade val="50000"/>
+            </a:schemeClr>
+          </a:lnRef>
+          <a:fillRef idx="1">
+            <a:schemeClr val="accent1"/>
+          </a:fillRef>
+          <a:effectRef idx="0">
+            <a:schemeClr val="accent1"/>
+          </a:effectRef>
+          <a:fontRef idx="minor">
+            <a:schemeClr val="lt1"/>
+          </a:fontRef>
+        </p:style>
+        <p:txBody>
+          <a:bodyPr rtlCol="0" anchor="ctr"/>
+          <a:lstStyle/>
+          <a:p>
+            <a:pPr algn="ctr"/>
+            <a:endParaRPr lang="en-US"/>
+          </a:p>
+        </p:txBody>
+      </p:sp>
+      <p:sp>
+        <p:nvSpPr>
+          <p:cNvPr id="30" name="Rectangle 29">
+            <a:extLst>
+              <a:ext uri="{FF2B5EF4-FFF2-40B4-BE49-F238E27FC236}">
+                <a16:creationId xmlns:a16="http://schemas.microsoft.com/office/drawing/2014/main" id="{73167A8C-FFEF-4D1B-8459-E2BB5C045FAE}"/>
+              </a:ext>
+              <a:ext uri="{C183D7F6-B498-43B3-948B-1728B52AA6E4}">
+                <adec:decorative xmlns:adec="http://schemas.microsoft.com/office/drawing/2017/decorative" val="1"/>
+              </a:ext>
+            </a:extLst>
+          </p:cNvPr>
+          <p:cNvSpPr>
+            <a:spLocks noGrp="1" noRot="1" noChangeAspect="1" noMove="1" noResize="1" noEditPoints="1" noAdjustHandles="1" noChangeArrowheads="1" noChangeShapeType="1" noTextEdit="1"/>
+          </p:cNvSpPr>
+          <p:nvPr>
+            <p:extLst>
+              <p:ext uri="{386F3935-93C4-4BCD-93E2-E3B085C9AB24}">
+                <p16:designElem xmlns:p16="http://schemas.microsoft.com/office/powerpoint/2015/main" val="1"/>
+              </p:ext>
+            </p:extLst>
+          </p:nvPr>
+        </p:nvSpPr>
+        <p:spPr>
+          <a:xfrm>
+            <a:off x="1525" y="6112401"/>
+            <a:ext cx="12188951" cy="64008"/>
+          </a:xfrm>
+          <a:prstGeom prst="rect">
+            <a:avLst/>
+          </a:prstGeom>
+          <a:solidFill>
+            <a:schemeClr val="tx2"/>
+          </a:solidFill>
+          <a:ln>
+            <a:noFill/>
+          </a:ln>
+        </p:spPr>
+        <p:style>
+          <a:lnRef idx="2">
+            <a:schemeClr val="accent1">
+              <a:shade val="50000"/>
+            </a:schemeClr>
+          </a:lnRef>
+          <a:fillRef idx="1">
+            <a:schemeClr val="accent1"/>
+          </a:fillRef>
+          <a:effectRef idx="0">
+            <a:schemeClr val="accent1"/>
+          </a:effectRef>
+          <a:fontRef idx="minor">
+            <a:schemeClr val="lt1"/>
+          </a:fontRef>
+        </p:style>
+        <p:txBody>
+          <a:bodyPr rtlCol="0" anchor="ctr"/>
+          <a:lstStyle/>
+          <a:p>
+            <a:pPr algn="ctr"/>
+            <a:endParaRPr lang="en-US"/>
+          </a:p>
+        </p:txBody>
+      </p:sp>
+      <p:sp>
+        <p:nvSpPr>
+          <p:cNvPr id="31" name="Rectangle 30">
+            <a:extLst>
+              <a:ext uri="{FF2B5EF4-FFF2-40B4-BE49-F238E27FC236}">
+                <a16:creationId xmlns:a16="http://schemas.microsoft.com/office/drawing/2014/main" id="{1CA3DFBE-30A6-4BDE-9238-14F3652B4F99}"/>
+              </a:ext>
+              <a:ext uri="{C183D7F6-B498-43B3-948B-1728B52AA6E4}">
+                <adec:decorative xmlns:adec="http://schemas.microsoft.com/office/drawing/2017/decorative" val="1"/>
+              </a:ext>
+            </a:extLst>
+          </p:cNvPr>
+          <p:cNvSpPr>
+            <a:spLocks noGrp="1" noRot="1" noChangeAspect="1" noMove="1" noResize="1" noEditPoints="1" noAdjustHandles="1" noChangeArrowheads="1" noChangeShapeType="1" noTextEdit="1"/>
+          </p:cNvSpPr>
+          <p:nvPr>
+            <p:extLst>
+              <p:ext uri="{386F3935-93C4-4BCD-93E2-E3B085C9AB24}">
+                <p16:designElem xmlns:p16="http://schemas.microsoft.com/office/powerpoint/2015/main" val="1"/>
+              </p:ext>
+            </p:extLst>
+          </p:nvPr>
+        </p:nvSpPr>
+        <p:spPr>
+          <a:xfrm>
+            <a:off x="8142523" y="0"/>
+            <a:ext cx="64008" cy="6858000"/>
+          </a:xfrm>
+          <a:prstGeom prst="rect">
+            <a:avLst/>
+          </a:prstGeom>
+          <a:solidFill>
+            <a:schemeClr val="tx2"/>
+          </a:solidFill>
+          <a:ln>
+            <a:noFill/>
+          </a:ln>
+        </p:spPr>
+        <p:style>
+          <a:lnRef idx="2">
+            <a:schemeClr val="accent1">
+              <a:shade val="50000"/>
+            </a:schemeClr>
+          </a:lnRef>
+          <a:fillRef idx="1">
+            <a:schemeClr val="accent1"/>
+          </a:fillRef>
+          <a:effectRef idx="0">
+            <a:schemeClr val="accent1"/>
+          </a:effectRef>
+          <a:fontRef idx="minor">
+            <a:schemeClr val="lt1"/>
+          </a:fontRef>
+        </p:style>
+        <p:txBody>
+          <a:bodyPr rtlCol="0" anchor="ctr"/>
+          <a:lstStyle/>
+          <a:p>
+            <a:pPr algn="ctr"/>
+            <a:endParaRPr lang="en-US"/>
           </a:p>
         </p:txBody>
       </p:sp>
@@ -13364,12 +14581,32 @@
   <p:clrMapOvr>
     <a:masterClrMapping/>
   </p:clrMapOvr>
+  <mc:AlternateContent xmlns:mc="http://schemas.openxmlformats.org/markup-compatibility/2006">
+    <mc:Choice xmlns:p159="http://schemas.microsoft.com/office/powerpoint/2015/09/main" Requires="p159">
+      <p:transition xmlns:p14="http://schemas.microsoft.com/office/powerpoint/2010/main" spd="slow" p14:dur="2000">
+        <p159:morph option="byObject"/>
+      </p:transition>
+    </mc:Choice>
+    <mc:Fallback>
+      <p:transition spd="slow">
+        <p:fade/>
+      </p:transition>
+    </mc:Fallback>
+  </mc:AlternateContent>
 </p:sld>
 </file>
 
 <file path=ppt/slides/slide13.xml><?xml version="1.0" encoding="utf-8"?>
 <p:sld xmlns:a="http://schemas.openxmlformats.org/drawingml/2006/main" xmlns:r="http://schemas.openxmlformats.org/officeDocument/2006/relationships" xmlns:p="http://schemas.openxmlformats.org/presentationml/2006/main">
   <p:cSld>
+    <p:bg>
+      <p:bgPr>
+        <a:solidFill>
+          <a:schemeClr val="bg2"/>
+        </a:solidFill>
+        <a:effectLst/>
+      </p:bgPr>
+    </p:bg>
     <p:spTree>
       <p:nvGrpSpPr>
         <p:cNvPr id="1" name=""/>
@@ -13384,6 +14621,229 @@
           <a:chExt cx="0" cy="0"/>
         </a:xfrm>
       </p:grpSpPr>
+      <p:sp useBgFill="1">
+        <p:nvSpPr>
+          <p:cNvPr id="10" name="Rectangle 9">
+            <a:extLst>
+              <a:ext uri="{FF2B5EF4-FFF2-40B4-BE49-F238E27FC236}">
+                <a16:creationId xmlns:a16="http://schemas.microsoft.com/office/drawing/2014/main" id="{099405E2-1A96-4DBA-A9DC-4C2A1B421CA9}"/>
+              </a:ext>
+              <a:ext uri="{C183D7F6-B498-43B3-948B-1728B52AA6E4}">
+                <adec:decorative xmlns:adec="http://schemas.microsoft.com/office/drawing/2017/decorative" val="1"/>
+              </a:ext>
+            </a:extLst>
+          </p:cNvPr>
+          <p:cNvSpPr>
+            <a:spLocks noGrp="1" noRot="1" noChangeAspect="1" noMove="1" noResize="1" noEditPoints="1" noAdjustHandles="1" noChangeArrowheads="1" noChangeShapeType="1" noTextEdit="1"/>
+          </p:cNvSpPr>
+          <p:nvPr>
+            <p:extLst>
+              <p:ext uri="{386F3935-93C4-4BCD-93E2-E3B085C9AB24}">
+                <p16:designElem xmlns:p16="http://schemas.microsoft.com/office/powerpoint/2015/main" val="1"/>
+              </p:ext>
+            </p:extLst>
+          </p:nvPr>
+        </p:nvSpPr>
+        <p:spPr>
+          <a:xfrm flipH="1">
+            <a:off x="0" y="0"/>
+            <a:ext cx="12192001" cy="6858000"/>
+          </a:xfrm>
+          <a:prstGeom prst="rect">
+            <a:avLst/>
+          </a:prstGeom>
+          <a:ln>
+            <a:noFill/>
+          </a:ln>
+        </p:spPr>
+        <p:style>
+          <a:lnRef idx="2">
+            <a:schemeClr val="accent1">
+              <a:shade val="50000"/>
+            </a:schemeClr>
+          </a:lnRef>
+          <a:fillRef idx="1">
+            <a:schemeClr val="accent1"/>
+          </a:fillRef>
+          <a:effectRef idx="0">
+            <a:schemeClr val="accent1"/>
+          </a:effectRef>
+          <a:fontRef idx="minor">
+            <a:schemeClr val="lt1"/>
+          </a:fontRef>
+        </p:style>
+        <p:txBody>
+          <a:bodyPr rtlCol="0" anchor="ctr"/>
+          <a:lstStyle/>
+          <a:p>
+            <a:pPr algn="ctr"/>
+            <a:endParaRPr lang="en-US" dirty="0"/>
+          </a:p>
+        </p:txBody>
+      </p:sp>
+      <p:sp>
+        <p:nvSpPr>
+          <p:cNvPr id="12" name="Rectangle 11">
+            <a:extLst>
+              <a:ext uri="{FF2B5EF4-FFF2-40B4-BE49-F238E27FC236}">
+                <a16:creationId xmlns:a16="http://schemas.microsoft.com/office/drawing/2014/main" id="{BCF4857D-F003-4CA1-82AB-00900B1008BA}"/>
+              </a:ext>
+              <a:ext uri="{C183D7F6-B498-43B3-948B-1728B52AA6E4}">
+                <adec:decorative xmlns:adec="http://schemas.microsoft.com/office/drawing/2017/decorative" val="1"/>
+              </a:ext>
+            </a:extLst>
+          </p:cNvPr>
+          <p:cNvSpPr>
+            <a:spLocks noGrp="1" noRot="1" noChangeAspect="1" noMove="1" noResize="1" noEditPoints="1" noAdjustHandles="1" noChangeArrowheads="1" noChangeShapeType="1" noTextEdit="1"/>
+          </p:cNvSpPr>
+          <p:nvPr>
+            <p:extLst>
+              <p:ext uri="{386F3935-93C4-4BCD-93E2-E3B085C9AB24}">
+                <p16:designElem xmlns:p16="http://schemas.microsoft.com/office/powerpoint/2015/main" val="1"/>
+              </p:ext>
+            </p:extLst>
+          </p:nvPr>
+        </p:nvSpPr>
+        <p:spPr>
+          <a:xfrm flipH="1">
+            <a:off x="0" y="0"/>
+            <a:ext cx="4426072" cy="1804072"/>
+          </a:xfrm>
+          <a:prstGeom prst="rect">
+            <a:avLst/>
+          </a:prstGeom>
+          <a:solidFill>
+            <a:schemeClr val="accent1"/>
+          </a:solidFill>
+          <a:ln>
+            <a:noFill/>
+          </a:ln>
+        </p:spPr>
+        <p:style>
+          <a:lnRef idx="2">
+            <a:schemeClr val="accent1">
+              <a:shade val="50000"/>
+            </a:schemeClr>
+          </a:lnRef>
+          <a:fillRef idx="1">
+            <a:schemeClr val="accent1"/>
+          </a:fillRef>
+          <a:effectRef idx="0">
+            <a:schemeClr val="accent1"/>
+          </a:effectRef>
+          <a:fontRef idx="minor">
+            <a:schemeClr val="lt1"/>
+          </a:fontRef>
+        </p:style>
+        <p:txBody>
+          <a:bodyPr rtlCol="0" anchor="ctr"/>
+          <a:lstStyle/>
+          <a:p>
+            <a:pPr algn="ctr"/>
+            <a:endParaRPr lang="en-US"/>
+          </a:p>
+        </p:txBody>
+      </p:sp>
+      <p:pic>
+        <p:nvPicPr>
+          <p:cNvPr id="5" name="Picture 4" descr="A person holding a pencil and a light bulb&#10;&#10;Description automatically generated">
+            <a:extLst>
+              <a:ext uri="{FF2B5EF4-FFF2-40B4-BE49-F238E27FC236}">
+                <a16:creationId xmlns:a16="http://schemas.microsoft.com/office/drawing/2014/main" id="{76B55729-BC58-15CE-8434-AF174EC4C632}"/>
+              </a:ext>
+            </a:extLst>
+          </p:cNvPr>
+          <p:cNvPicPr>
+            <a:picLocks noChangeAspect="1"/>
+          </p:cNvPicPr>
+          <p:nvPr/>
+        </p:nvPicPr>
+        <p:blipFill rotWithShape="1">
+          <a:blip r:embed="rId2">
+            <a:extLst>
+              <a:ext uri="{28A0092B-C50C-407E-A947-70E740481C1C}">
+                <a14:useLocalDpi xmlns:a14="http://schemas.microsoft.com/office/drawing/2010/main" val="0"/>
+              </a:ext>
+            </a:extLst>
+          </a:blip>
+          <a:srcRect r="-1" b="2427"/>
+          <a:stretch/>
+        </p:blipFill>
+        <p:spPr>
+          <a:xfrm>
+            <a:off x="20" y="1804072"/>
+            <a:ext cx="4458058" cy="4349801"/>
+          </a:xfrm>
+          <a:prstGeom prst="rect">
+            <a:avLst/>
+          </a:prstGeom>
+        </p:spPr>
+      </p:pic>
+      <p:sp>
+        <p:nvSpPr>
+          <p:cNvPr id="14" name="Rectangle 13">
+            <a:extLst>
+              <a:ext uri="{FF2B5EF4-FFF2-40B4-BE49-F238E27FC236}">
+                <a16:creationId xmlns:a16="http://schemas.microsoft.com/office/drawing/2014/main" id="{79855050-A75B-4DD0-9B56-8B1C7722D884}"/>
+              </a:ext>
+              <a:ext uri="{C183D7F6-B498-43B3-948B-1728B52AA6E4}">
+                <adec:decorative xmlns:adec="http://schemas.microsoft.com/office/drawing/2017/decorative" val="1"/>
+              </a:ext>
+            </a:extLst>
+          </p:cNvPr>
+          <p:cNvSpPr>
+            <a:spLocks noGrp="1" noRot="1" noChangeAspect="1" noMove="1" noResize="1" noEditPoints="1" noAdjustHandles="1" noChangeArrowheads="1" noChangeShapeType="1" noTextEdit="1"/>
+          </p:cNvSpPr>
+          <p:nvPr>
+            <p:extLst>
+              <p:ext uri="{386F3935-93C4-4BCD-93E2-E3B085C9AB24}">
+                <p16:designElem xmlns:p16="http://schemas.microsoft.com/office/powerpoint/2015/main" val="1"/>
+              </p:ext>
+            </p:extLst>
+          </p:nvPr>
+        </p:nvSpPr>
+        <p:spPr>
+          <a:xfrm flipH="1">
+            <a:off x="4426076" y="0"/>
+            <a:ext cx="7765922" cy="6167615"/>
+          </a:xfrm>
+          <a:prstGeom prst="rect">
+            <a:avLst/>
+          </a:prstGeom>
+          <a:solidFill>
+            <a:schemeClr val="bg1">
+              <a:alpha val="75000"/>
+            </a:schemeClr>
+          </a:solidFill>
+          <a:ln>
+            <a:noFill/>
+          </a:ln>
+        </p:spPr>
+        <p:style>
+          <a:lnRef idx="2">
+            <a:schemeClr val="accent1">
+              <a:shade val="50000"/>
+            </a:schemeClr>
+          </a:lnRef>
+          <a:fillRef idx="1">
+            <a:schemeClr val="accent1"/>
+          </a:fillRef>
+          <a:effectRef idx="0">
+            <a:schemeClr val="accent1"/>
+          </a:effectRef>
+          <a:fontRef idx="minor">
+            <a:schemeClr val="lt1"/>
+          </a:fontRef>
+        </p:style>
+        <p:txBody>
+          <a:bodyPr rtlCol="0" anchor="ctr"/>
+          <a:lstStyle/>
+          <a:p>
+            <a:pPr algn="ctr"/>
+            <a:endParaRPr lang="en-US"/>
+          </a:p>
+        </p:txBody>
+      </p:sp>
       <p:sp>
         <p:nvSpPr>
           <p:cNvPr id="2" name="Title 1">
@@ -13400,9 +14860,16 @@
             <p:ph type="title"/>
           </p:nvPr>
         </p:nvSpPr>
-        <p:spPr/>
+        <p:spPr>
+          <a:xfrm>
+            <a:off x="4794634" y="332450"/>
+            <a:ext cx="6754447" cy="1471622"/>
+          </a:xfrm>
+        </p:spPr>
         <p:txBody>
-          <a:bodyPr/>
+          <a:bodyPr anchor="b">
+            <a:normAutofit/>
+          </a:bodyPr>
           <a:lstStyle/>
           <a:p>
             <a:r>
@@ -13410,6 +14877,69 @@
               <a:t>Conclusion</a:t>
             </a:r>
             <a:endParaRPr lang="en-IN" dirty="0"/>
+          </a:p>
+        </p:txBody>
+      </p:sp>
+      <p:sp>
+        <p:nvSpPr>
+          <p:cNvPr id="16" name="Rectangle 15">
+            <a:extLst>
+              <a:ext uri="{FF2B5EF4-FFF2-40B4-BE49-F238E27FC236}">
+                <a16:creationId xmlns:a16="http://schemas.microsoft.com/office/drawing/2014/main" id="{5E6738EB-6FF0-4AF9-8462-57F4494B88B2}"/>
+              </a:ext>
+              <a:ext uri="{C183D7F6-B498-43B3-948B-1728B52AA6E4}">
+                <adec:decorative xmlns:adec="http://schemas.microsoft.com/office/drawing/2017/decorative" val="1"/>
+              </a:ext>
+            </a:extLst>
+          </p:cNvPr>
+          <p:cNvSpPr>
+            <a:spLocks noGrp="1" noRot="1" noChangeAspect="1" noMove="1" noResize="1" noEditPoints="1" noAdjustHandles="1" noChangeArrowheads="1" noChangeShapeType="1" noTextEdit="1"/>
+          </p:cNvSpPr>
+          <p:nvPr>
+            <p:extLst>
+              <p:ext uri="{386F3935-93C4-4BCD-93E2-E3B085C9AB24}">
+                <p16:designElem xmlns:p16="http://schemas.microsoft.com/office/powerpoint/2015/main" val="1"/>
+              </p:ext>
+            </p:extLst>
+          </p:nvPr>
+        </p:nvSpPr>
+        <p:spPr>
+          <a:xfrm>
+            <a:off x="-1" y="1753806"/>
+            <a:ext cx="4425696" cy="64008"/>
+          </a:xfrm>
+          <a:prstGeom prst="rect">
+            <a:avLst/>
+          </a:prstGeom>
+          <a:solidFill>
+            <a:schemeClr val="tx2"/>
+          </a:solidFill>
+          <a:ln>
+            <a:noFill/>
+          </a:ln>
+        </p:spPr>
+        <p:style>
+          <a:lnRef idx="2">
+            <a:schemeClr val="accent1">
+              <a:shade val="50000"/>
+            </a:schemeClr>
+          </a:lnRef>
+          <a:fillRef idx="1">
+            <a:schemeClr val="accent1"/>
+          </a:fillRef>
+          <a:effectRef idx="0">
+            <a:schemeClr val="accent1"/>
+          </a:effectRef>
+          <a:fontRef idx="minor">
+            <a:schemeClr val="lt1"/>
+          </a:fontRef>
+        </p:style>
+        <p:txBody>
+          <a:bodyPr rtlCol="0" anchor="ctr"/>
+          <a:lstStyle/>
+          <a:p>
+            <a:pPr algn="ctr"/>
+            <a:endParaRPr lang="en-US"/>
           </a:p>
         </p:txBody>
       </p:sp>
@@ -13429,47 +14959,247 @@
             <p:ph idx="1"/>
           </p:nvPr>
         </p:nvSpPr>
-        <p:spPr/>
+        <p:spPr>
+          <a:xfrm>
+            <a:off x="4794637" y="1940001"/>
+            <a:ext cx="6754446" cy="3834594"/>
+          </a:xfrm>
+        </p:spPr>
         <p:txBody>
-          <a:bodyPr/>
+          <a:bodyPr anchor="t">
+            <a:normAutofit/>
+          </a:bodyPr>
           <a:lstStyle/>
           <a:p>
             <a:r>
               <a:rPr lang="en-IN" dirty="0">
-                <a:latin typeface="Calibri" panose="020F0502020204030204" pitchFamily="34" charset="0"/>
+                <a:latin typeface="Söhne"/>
                 <a:ea typeface="Calibri" panose="020F0502020204030204" pitchFamily="34" charset="0"/>
                 <a:cs typeface="Times New Roman" panose="02020603050405020304" pitchFamily="18" charset="0"/>
               </a:rPr>
               <a:t>T</a:t>
             </a:r>
             <a:r>
-              <a:rPr lang="en-IN" sz="1800" dirty="0">
+              <a:rPr lang="en-IN" dirty="0">
                 <a:effectLst/>
-                <a:latin typeface="Calibri" panose="020F0502020204030204" pitchFamily="34" charset="0"/>
+                <a:latin typeface="Söhne"/>
                 <a:ea typeface="Calibri" panose="020F0502020204030204" pitchFamily="34" charset="0"/>
                 <a:cs typeface="Times New Roman" panose="02020603050405020304" pitchFamily="18" charset="0"/>
               </a:rPr>
               <a:t>he Python Calculator project has provided us with a hands-on experience in creating a graphical user interface (GUI) application using the </a:t>
             </a:r>
             <a:r>
-              <a:rPr lang="en-IN" sz="1800" dirty="0" err="1">
+              <a:rPr lang="en-IN" dirty="0" err="1">
                 <a:effectLst/>
-                <a:latin typeface="Calibri" panose="020F0502020204030204" pitchFamily="34" charset="0"/>
+                <a:latin typeface="Söhne"/>
                 <a:ea typeface="Calibri" panose="020F0502020204030204" pitchFamily="34" charset="0"/>
                 <a:cs typeface="Times New Roman" panose="02020603050405020304" pitchFamily="18" charset="0"/>
               </a:rPr>
               <a:t>Tkinter</a:t>
             </a:r>
             <a:r>
-              <a:rPr lang="en-IN" sz="1800" dirty="0">
+              <a:rPr lang="en-IN" dirty="0">
                 <a:effectLst/>
-                <a:latin typeface="Calibri" panose="020F0502020204030204" pitchFamily="34" charset="0"/>
+                <a:latin typeface="Söhne"/>
                 <a:ea typeface="Calibri" panose="020F0502020204030204" pitchFamily="34" charset="0"/>
                 <a:cs typeface="Times New Roman" panose="02020603050405020304" pitchFamily="18" charset="0"/>
               </a:rPr>
               <a:t> library in Python. Through this project, we have learned the fundamentals of GUI programming, including creating widgets, handling events, and updating the display.</a:t>
             </a:r>
-            <a:endParaRPr lang="en-IN" dirty="0"/>
+            <a:endParaRPr lang="en-IN" dirty="0">
+              <a:latin typeface="Söhne"/>
+            </a:endParaRPr>
+          </a:p>
+        </p:txBody>
+      </p:sp>
+      <p:sp>
+        <p:nvSpPr>
+          <p:cNvPr id="18" name="Rectangle 17">
+            <a:extLst>
+              <a:ext uri="{FF2B5EF4-FFF2-40B4-BE49-F238E27FC236}">
+                <a16:creationId xmlns:a16="http://schemas.microsoft.com/office/drawing/2014/main" id="{DB791336-FCAA-4174-9303-B3F374861110}"/>
+              </a:ext>
+              <a:ext uri="{C183D7F6-B498-43B3-948B-1728B52AA6E4}">
+                <adec:decorative xmlns:adec="http://schemas.microsoft.com/office/drawing/2017/decorative" val="1"/>
+              </a:ext>
+            </a:extLst>
+          </p:cNvPr>
+          <p:cNvSpPr>
+            <a:spLocks noGrp="1" noRot="1" noChangeAspect="1" noMove="1" noResize="1" noEditPoints="1" noAdjustHandles="1" noChangeArrowheads="1" noChangeShapeType="1" noTextEdit="1"/>
+          </p:cNvSpPr>
+          <p:nvPr>
+            <p:extLst>
+              <p:ext uri="{386F3935-93C4-4BCD-93E2-E3B085C9AB24}">
+                <p16:designElem xmlns:p16="http://schemas.microsoft.com/office/powerpoint/2015/main" val="1"/>
+              </p:ext>
+            </p:extLst>
+          </p:nvPr>
+        </p:nvSpPr>
+        <p:spPr>
+          <a:xfrm flipH="1">
+            <a:off x="-3049" y="6167615"/>
+            <a:ext cx="12192001" cy="690385"/>
+          </a:xfrm>
+          <a:prstGeom prst="rect">
+            <a:avLst/>
+          </a:prstGeom>
+          <a:solidFill>
+            <a:schemeClr val="bg1">
+              <a:alpha val="75000"/>
+            </a:schemeClr>
+          </a:solidFill>
+          <a:ln>
+            <a:noFill/>
+          </a:ln>
+        </p:spPr>
+        <p:style>
+          <a:lnRef idx="2">
+            <a:schemeClr val="accent1">
+              <a:shade val="50000"/>
+            </a:schemeClr>
+          </a:lnRef>
+          <a:fillRef idx="1">
+            <a:schemeClr val="accent1"/>
+          </a:fillRef>
+          <a:effectRef idx="0">
+            <a:schemeClr val="accent1"/>
+          </a:effectRef>
+          <a:fontRef idx="minor">
+            <a:schemeClr val="lt1"/>
+          </a:fontRef>
+        </p:style>
+        <p:txBody>
+          <a:bodyPr rtlCol="0" anchor="ctr"/>
+          <a:lstStyle/>
+          <a:p>
+            <a:pPr algn="ctr"/>
+            <a:endParaRPr lang="en-US"/>
+          </a:p>
+        </p:txBody>
+      </p:sp>
+      <p:sp>
+        <p:nvSpPr>
+          <p:cNvPr id="20" name="Rectangle 19">
+            <a:extLst>
+              <a:ext uri="{FF2B5EF4-FFF2-40B4-BE49-F238E27FC236}">
+                <a16:creationId xmlns:a16="http://schemas.microsoft.com/office/drawing/2014/main" id="{CA212158-300D-44D0-9CCE-472C3F669EE1}"/>
+              </a:ext>
+              <a:ext uri="{C183D7F6-B498-43B3-948B-1728B52AA6E4}">
+                <adec:decorative xmlns:adec="http://schemas.microsoft.com/office/drawing/2017/decorative" val="1"/>
+              </a:ext>
+            </a:extLst>
+          </p:cNvPr>
+          <p:cNvSpPr>
+            <a:spLocks noGrp="1" noRot="1" noChangeAspect="1" noMove="1" noResize="1" noEditPoints="1" noAdjustHandles="1" noChangeArrowheads="1" noChangeShapeType="1" noTextEdit="1"/>
+          </p:cNvSpPr>
+          <p:nvPr>
+            <p:extLst>
+              <p:ext uri="{386F3935-93C4-4BCD-93E2-E3B085C9AB24}">
+                <p16:designElem xmlns:p16="http://schemas.microsoft.com/office/powerpoint/2015/main" val="1"/>
+              </p:ext>
+            </p:extLst>
+          </p:nvPr>
+        </p:nvSpPr>
+        <p:spPr>
+          <a:xfrm>
+            <a:off x="1525" y="6109423"/>
+            <a:ext cx="12188951" cy="64008"/>
+          </a:xfrm>
+          <a:prstGeom prst="rect">
+            <a:avLst/>
+          </a:prstGeom>
+          <a:solidFill>
+            <a:schemeClr val="tx2"/>
+          </a:solidFill>
+          <a:ln>
+            <a:noFill/>
+          </a:ln>
+        </p:spPr>
+        <p:style>
+          <a:lnRef idx="2">
+            <a:schemeClr val="accent1">
+              <a:shade val="50000"/>
+            </a:schemeClr>
+          </a:lnRef>
+          <a:fillRef idx="1">
+            <a:schemeClr val="accent1"/>
+          </a:fillRef>
+          <a:effectRef idx="0">
+            <a:schemeClr val="accent1"/>
+          </a:effectRef>
+          <a:fontRef idx="minor">
+            <a:schemeClr val="lt1"/>
+          </a:fontRef>
+        </p:style>
+        <p:txBody>
+          <a:bodyPr rtlCol="0" anchor="ctr"/>
+          <a:lstStyle/>
+          <a:p>
+            <a:pPr algn="ctr"/>
+            <a:endParaRPr lang="en-US"/>
+          </a:p>
+        </p:txBody>
+      </p:sp>
+      <p:sp>
+        <p:nvSpPr>
+          <p:cNvPr id="22" name="Rectangle 21">
+            <a:extLst>
+              <a:ext uri="{FF2B5EF4-FFF2-40B4-BE49-F238E27FC236}">
+                <a16:creationId xmlns:a16="http://schemas.microsoft.com/office/drawing/2014/main" id="{988521F4-D44A-42C5-9BDB-5CA25554098B}"/>
+              </a:ext>
+              <a:ext uri="{C183D7F6-B498-43B3-948B-1728B52AA6E4}">
+                <adec:decorative xmlns:adec="http://schemas.microsoft.com/office/drawing/2017/decorative" val="1"/>
+              </a:ext>
+            </a:extLst>
+          </p:cNvPr>
+          <p:cNvSpPr>
+            <a:spLocks noGrp="1" noRot="1" noChangeAspect="1" noMove="1" noResize="1" noEditPoints="1" noAdjustHandles="1" noChangeArrowheads="1" noChangeShapeType="1" noTextEdit="1"/>
+          </p:cNvSpPr>
+          <p:nvPr>
+            <p:extLst>
+              <p:ext uri="{386F3935-93C4-4BCD-93E2-E3B085C9AB24}">
+                <p16:designElem xmlns:p16="http://schemas.microsoft.com/office/powerpoint/2015/main" val="1"/>
+              </p:ext>
+            </p:extLst>
+          </p:nvPr>
+        </p:nvSpPr>
+        <p:spPr>
+          <a:xfrm>
+            <a:off x="4394070" y="0"/>
+            <a:ext cx="64008" cy="6858000"/>
+          </a:xfrm>
+          <a:prstGeom prst="rect">
+            <a:avLst/>
+          </a:prstGeom>
+          <a:solidFill>
+            <a:schemeClr val="tx2"/>
+          </a:solidFill>
+          <a:ln>
+            <a:noFill/>
+          </a:ln>
+        </p:spPr>
+        <p:style>
+          <a:lnRef idx="2">
+            <a:schemeClr val="accent1">
+              <a:shade val="50000"/>
+            </a:schemeClr>
+          </a:lnRef>
+          <a:fillRef idx="1">
+            <a:schemeClr val="accent1"/>
+          </a:fillRef>
+          <a:effectRef idx="0">
+            <a:schemeClr val="accent1"/>
+          </a:effectRef>
+          <a:fontRef idx="minor">
+            <a:schemeClr val="lt1"/>
+          </a:fontRef>
+        </p:style>
+        <p:txBody>
+          <a:bodyPr rtlCol="0" anchor="ctr"/>
+          <a:lstStyle/>
+          <a:p>
+            <a:pPr algn="ctr"/>
+            <a:endParaRPr lang="en-US"/>
           </a:p>
         </p:txBody>
       </p:sp>
@@ -13483,6 +15213,18 @@
   <p:clrMapOvr>
     <a:masterClrMapping/>
   </p:clrMapOvr>
+  <mc:AlternateContent xmlns:mc="http://schemas.openxmlformats.org/markup-compatibility/2006">
+    <mc:Choice xmlns:p159="http://schemas.microsoft.com/office/powerpoint/2015/09/main" Requires="p159">
+      <p:transition xmlns:p14="http://schemas.microsoft.com/office/powerpoint/2010/main" spd="slow" p14:dur="2000">
+        <p159:morph option="byObject"/>
+      </p:transition>
+    </mc:Choice>
+    <mc:Fallback>
+      <p:transition spd="slow">
+        <p:fade/>
+      </p:transition>
+    </mc:Fallback>
+  </mc:AlternateContent>
 </p:sld>
 </file>
 
@@ -14037,7 +15779,7 @@
               </a:lnSpc>
             </a:pPr>
             <a:r>
-              <a:rPr lang="en-US" b="0" cap="all">
+              <a:rPr lang="en-US" b="0" cap="all" dirty="0">
                 <a:solidFill>
                   <a:schemeClr val="bg1"/>
                 </a:solidFill>
@@ -15061,6 +16803,18 @@
   <p:clrMapOvr>
     <a:masterClrMapping/>
   </p:clrMapOvr>
+  <mc:AlternateContent xmlns:mc="http://schemas.openxmlformats.org/markup-compatibility/2006">
+    <mc:Choice xmlns:p159="http://schemas.microsoft.com/office/powerpoint/2015/09/main" Requires="p159">
+      <p:transition xmlns:p14="http://schemas.microsoft.com/office/powerpoint/2010/main" spd="slow" p14:dur="2000">
+        <p159:morph option="byObject"/>
+      </p:transition>
+    </mc:Choice>
+    <mc:Fallback>
+      <p:transition spd="slow">
+        <p:fade/>
+      </p:transition>
+    </mc:Fallback>
+  </mc:AlternateContent>
 </p:sld>
 </file>
 
@@ -15227,6 +16981,18 @@
   <p:clrMapOvr>
     <a:masterClrMapping/>
   </p:clrMapOvr>
+  <mc:AlternateContent xmlns:mc="http://schemas.openxmlformats.org/markup-compatibility/2006">
+    <mc:Choice xmlns:p159="http://schemas.microsoft.com/office/powerpoint/2015/09/main" Requires="p159">
+      <p:transition xmlns:p14="http://schemas.microsoft.com/office/powerpoint/2010/main" spd="slow" p14:dur="2000">
+        <p159:morph option="byObject"/>
+      </p:transition>
+    </mc:Choice>
+    <mc:Fallback>
+      <p:transition spd="slow">
+        <p:fade/>
+      </p:transition>
+    </mc:Fallback>
+  </mc:AlternateContent>
 </p:sld>
 </file>
 
@@ -15843,6 +17609,18 @@
   <p:clrMapOvr>
     <a:masterClrMapping/>
   </p:clrMapOvr>
+  <mc:AlternateContent xmlns:mc="http://schemas.openxmlformats.org/markup-compatibility/2006">
+    <mc:Choice xmlns:p159="http://schemas.microsoft.com/office/powerpoint/2015/09/main" Requires="p159">
+      <p:transition xmlns:p14="http://schemas.microsoft.com/office/powerpoint/2010/main" spd="slow" p14:dur="2000">
+        <p159:morph option="byObject"/>
+      </p:transition>
+    </mc:Choice>
+    <mc:Fallback>
+      <p:transition spd="slow">
+        <p:fade/>
+      </p:transition>
+    </mc:Fallback>
+  </mc:AlternateContent>
 </p:sld>
 </file>
 
@@ -16604,6 +18382,18 @@
   <p:clrMapOvr>
     <a:masterClrMapping/>
   </p:clrMapOvr>
+  <mc:AlternateContent xmlns:mc="http://schemas.openxmlformats.org/markup-compatibility/2006">
+    <mc:Choice xmlns:p159="http://schemas.microsoft.com/office/powerpoint/2015/09/main" Requires="p159">
+      <p:transition xmlns:p14="http://schemas.microsoft.com/office/powerpoint/2010/main" spd="slow" p14:dur="2000">
+        <p159:morph option="byObject"/>
+      </p:transition>
+    </mc:Choice>
+    <mc:Fallback>
+      <p:transition spd="slow">
+        <p:fade/>
+      </p:transition>
+    </mc:Fallback>
+  </mc:AlternateContent>
 </p:sld>
 </file>
 
@@ -16858,6 +18648,18 @@
   <p:clrMapOvr>
     <a:masterClrMapping/>
   </p:clrMapOvr>
+  <mc:AlternateContent xmlns:mc="http://schemas.openxmlformats.org/markup-compatibility/2006">
+    <mc:Choice xmlns:p159="http://schemas.microsoft.com/office/powerpoint/2015/09/main" Requires="p159">
+      <p:transition xmlns:p14="http://schemas.microsoft.com/office/powerpoint/2010/main" spd="slow" p14:dur="2000">
+        <p159:morph option="byObject"/>
+      </p:transition>
+    </mc:Choice>
+    <mc:Fallback>
+      <p:transition spd="slow">
+        <p:fade/>
+      </p:transition>
+    </mc:Fallback>
+  </mc:AlternateContent>
 </p:sld>
 </file>
 
@@ -17295,7 +19097,7 @@
             <p:ph idx="1"/>
             <p:extLst>
               <p:ext uri="{D42A27DB-BD31-4B8C-83A1-F6EECF244321}">
-                <p14:modId xmlns:p14="http://schemas.microsoft.com/office/powerpoint/2010/main" val="458400321"/>
+                <p14:modId xmlns:p14="http://schemas.microsoft.com/office/powerpoint/2010/main" val="3084907561"/>
               </p:ext>
             </p:extLst>
           </p:nvPr>
@@ -17511,6 +19313,18 @@
   <p:clrMapOvr>
     <a:masterClrMapping/>
   </p:clrMapOvr>
+  <mc:AlternateContent xmlns:mc="http://schemas.openxmlformats.org/markup-compatibility/2006">
+    <mc:Choice xmlns:p159="http://schemas.microsoft.com/office/powerpoint/2015/09/main" Requires="p159">
+      <p:transition xmlns:p14="http://schemas.microsoft.com/office/powerpoint/2010/main" spd="slow" p14:dur="2000">
+        <p159:morph option="byObject"/>
+      </p:transition>
+    </mc:Choice>
+    <mc:Fallback>
+      <p:transition spd="slow">
+        <p:fade/>
+      </p:transition>
+    </mc:Fallback>
+  </mc:AlternateContent>
 </p:sld>
 </file>
 
@@ -17779,7 +19593,7 @@
             <p:ph idx="1"/>
             <p:extLst>
               <p:ext uri="{D42A27DB-BD31-4B8C-83A1-F6EECF244321}">
-                <p14:modId xmlns:p14="http://schemas.microsoft.com/office/powerpoint/2010/main" val="1731425789"/>
+                <p14:modId xmlns:p14="http://schemas.microsoft.com/office/powerpoint/2010/main" val="3892951546"/>
               </p:ext>
             </p:extLst>
           </p:nvPr>
@@ -17804,6 +19618,18 @@
   <p:clrMapOvr>
     <a:masterClrMapping/>
   </p:clrMapOvr>
+  <mc:AlternateContent xmlns:mc="http://schemas.openxmlformats.org/markup-compatibility/2006">
+    <mc:Choice xmlns:p159="http://schemas.microsoft.com/office/powerpoint/2015/09/main" Requires="p159">
+      <p:transition xmlns:p14="http://schemas.microsoft.com/office/powerpoint/2010/main" spd="slow" p14:dur="2000">
+        <p159:morph option="byObject"/>
+      </p:transition>
+    </mc:Choice>
+    <mc:Fallback>
+      <p:transition spd="slow">
+        <p:fade/>
+      </p:transition>
+    </mc:Fallback>
+  </mc:AlternateContent>
 </p:sld>
 </file>
 
@@ -17840,7 +19666,12 @@
             <p:ph type="title"/>
           </p:nvPr>
         </p:nvSpPr>
-        <p:spPr/>
+        <p:spPr>
+          <a:xfrm>
+            <a:off x="642917" y="-656962"/>
+            <a:ext cx="3411973" cy="5197498"/>
+          </a:xfrm>
+        </p:spPr>
         <p:txBody>
           <a:bodyPr/>
           <a:lstStyle/>
@@ -17895,7 +19726,7 @@
                   </a:schemeClr>
                 </a:solidFill>
                 <a:effectLst/>
-                <a:latin typeface="Calibri" panose="020F0502020204030204" pitchFamily="34" charset="0"/>
+                <a:latin typeface="Söhne"/>
                 <a:ea typeface="Calibri" panose="020F0502020204030204" pitchFamily="34" charset="0"/>
                 <a:cs typeface="Times New Roman" panose="02020603050405020304" pitchFamily="18" charset="0"/>
               </a:rPr>
@@ -17909,7 +19740,7 @@
                   </a:schemeClr>
                 </a:solidFill>
                 <a:effectLst/>
-                <a:latin typeface="Calibri" panose="020F0502020204030204" pitchFamily="34" charset="0"/>
+                <a:latin typeface="Söhne"/>
                 <a:ea typeface="Calibri" panose="020F0502020204030204" pitchFamily="34" charset="0"/>
                 <a:cs typeface="Times New Roman" panose="02020603050405020304" pitchFamily="18" charset="0"/>
               </a:rPr>
@@ -17918,7 +19749,7 @@
             <a:r>
               <a:rPr lang="en-IN" sz="1800" kern="100" dirty="0">
                 <a:effectLst/>
-                <a:latin typeface="Calibri" panose="020F0502020204030204" pitchFamily="34" charset="0"/>
+                <a:latin typeface="Söhne"/>
                 <a:ea typeface="Calibri" panose="020F0502020204030204" pitchFamily="34" charset="0"/>
                 <a:cs typeface="Times New Roman" panose="02020603050405020304" pitchFamily="18" charset="0"/>
               </a:rPr>
@@ -17927,7 +19758,7 @@
             <a:r>
               <a:rPr lang="en-IN" sz="1800" b="1" kern="100" dirty="0">
                 <a:effectLst/>
-                <a:latin typeface="Calibri" panose="020F0502020204030204" pitchFamily="34" charset="0"/>
+                <a:latin typeface="Söhne"/>
                 <a:ea typeface="Calibri" panose="020F0502020204030204" pitchFamily="34" charset="0"/>
                 <a:cs typeface="Times New Roman" panose="02020603050405020304" pitchFamily="18" charset="0"/>
               </a:rPr>
@@ -17936,7 +19767,7 @@
             <a:r>
               <a:rPr lang="en-IN" sz="1800" kern="100" dirty="0">
                 <a:effectLst/>
-                <a:latin typeface="Calibri" panose="020F0502020204030204" pitchFamily="34" charset="0"/>
+                <a:latin typeface="Söhne"/>
                 <a:ea typeface="Calibri" panose="020F0502020204030204" pitchFamily="34" charset="0"/>
                 <a:cs typeface="Times New Roman" panose="02020603050405020304" pitchFamily="18" charset="0"/>
               </a:rPr>
@@ -17945,7 +19776,7 @@
             <a:r>
               <a:rPr lang="en-IN" sz="1800" b="1" kern="100" dirty="0">
                 <a:effectLst/>
-                <a:latin typeface="Calibri" panose="020F0502020204030204" pitchFamily="34" charset="0"/>
+                <a:latin typeface="Söhne"/>
                 <a:ea typeface="Calibri" panose="020F0502020204030204" pitchFamily="34" charset="0"/>
                 <a:cs typeface="Times New Roman" panose="02020603050405020304" pitchFamily="18" charset="0"/>
               </a:rPr>
@@ -17954,7 +19785,7 @@
             <a:r>
               <a:rPr lang="en-IN" sz="1800" kern="100" dirty="0">
                 <a:effectLst/>
-                <a:latin typeface="Calibri" panose="020F0502020204030204" pitchFamily="34" charset="0"/>
+                <a:latin typeface="Söhne"/>
                 <a:ea typeface="Calibri" panose="020F0502020204030204" pitchFamily="34" charset="0"/>
                 <a:cs typeface="Times New Roman" panose="02020603050405020304" pitchFamily="18" charset="0"/>
               </a:rPr>
@@ -17970,7 +19801,7 @@
                   </a:schemeClr>
                 </a:solidFill>
                 <a:effectLst/>
-                <a:latin typeface="Calibri" panose="020F0502020204030204" pitchFamily="34" charset="0"/>
+                <a:latin typeface="Söhne"/>
                 <a:ea typeface="Calibri" panose="020F0502020204030204" pitchFamily="34" charset="0"/>
                 <a:cs typeface="Times New Roman" panose="02020603050405020304" pitchFamily="18" charset="0"/>
               </a:rPr>
@@ -17984,7 +19815,7 @@
                   </a:schemeClr>
                 </a:solidFill>
                 <a:effectLst/>
-                <a:latin typeface="Calibri" panose="020F0502020204030204" pitchFamily="34" charset="0"/>
+                <a:latin typeface="Söhne"/>
                 <a:ea typeface="Calibri" panose="020F0502020204030204" pitchFamily="34" charset="0"/>
                 <a:cs typeface="Times New Roman" panose="02020603050405020304" pitchFamily="18" charset="0"/>
               </a:rPr>
@@ -17993,7 +19824,7 @@
             <a:r>
               <a:rPr lang="en-IN" sz="1800" kern="100" dirty="0">
                 <a:effectLst/>
-                <a:latin typeface="Calibri" panose="020F0502020204030204" pitchFamily="34" charset="0"/>
+                <a:latin typeface="Söhne"/>
                 <a:ea typeface="Calibri" panose="020F0502020204030204" pitchFamily="34" charset="0"/>
                 <a:cs typeface="Times New Roman" panose="02020603050405020304" pitchFamily="18" charset="0"/>
               </a:rPr>
@@ -18002,7 +19833,7 @@
             <a:r>
               <a:rPr lang="en-IN" sz="1800" b="1" kern="100" dirty="0" err="1">
                 <a:effectLst/>
-                <a:latin typeface="Calibri" panose="020F0502020204030204" pitchFamily="34" charset="0"/>
+                <a:latin typeface="Söhne"/>
                 <a:ea typeface="Calibri" panose="020F0502020204030204" pitchFamily="34" charset="0"/>
                 <a:cs typeface="Times New Roman" panose="02020603050405020304" pitchFamily="18" charset="0"/>
               </a:rPr>
@@ -18011,7 +19842,7 @@
             <a:r>
               <a:rPr lang="en-IN" sz="1800" kern="100" dirty="0">
                 <a:effectLst/>
-                <a:latin typeface="Calibri" panose="020F0502020204030204" pitchFamily="34" charset="0"/>
+                <a:latin typeface="Söhne"/>
                 <a:ea typeface="Calibri" panose="020F0502020204030204" pitchFamily="34" charset="0"/>
                 <a:cs typeface="Times New Roman" panose="02020603050405020304" pitchFamily="18" charset="0"/>
               </a:rPr>
@@ -18020,7 +19851,7 @@
             <a:r>
               <a:rPr lang="en-IN" sz="1800" b="1" kern="100" dirty="0" err="1">
                 <a:effectLst/>
-                <a:latin typeface="Calibri" panose="020F0502020204030204" pitchFamily="34" charset="0"/>
+                <a:latin typeface="Söhne"/>
                 <a:ea typeface="Calibri" panose="020F0502020204030204" pitchFamily="34" charset="0"/>
                 <a:cs typeface="Times New Roman" panose="02020603050405020304" pitchFamily="18" charset="0"/>
               </a:rPr>
@@ -18029,7 +19860,7 @@
             <a:r>
               <a:rPr lang="en-IN" sz="1800" kern="100" dirty="0">
                 <a:effectLst/>
-                <a:latin typeface="Calibri" panose="020F0502020204030204" pitchFamily="34" charset="0"/>
+                <a:latin typeface="Söhne"/>
                 <a:ea typeface="Calibri" panose="020F0502020204030204" pitchFamily="34" charset="0"/>
                 <a:cs typeface="Times New Roman" panose="02020603050405020304" pitchFamily="18" charset="0"/>
               </a:rPr>
@@ -18038,7 +19869,7 @@
             <a:r>
               <a:rPr lang="en-IN" sz="1800" b="1" kern="100" dirty="0">
                 <a:effectLst/>
-                <a:latin typeface="Calibri" panose="020F0502020204030204" pitchFamily="34" charset="0"/>
+                <a:latin typeface="Söhne"/>
                 <a:ea typeface="Calibri" panose="020F0502020204030204" pitchFamily="34" charset="0"/>
                 <a:cs typeface="Times New Roman" panose="02020603050405020304" pitchFamily="18" charset="0"/>
               </a:rPr>
@@ -18047,7 +19878,7 @@
             <a:r>
               <a:rPr lang="en-IN" sz="1800" kern="100" dirty="0">
                 <a:effectLst/>
-                <a:latin typeface="Calibri" panose="020F0502020204030204" pitchFamily="34" charset="0"/>
+                <a:latin typeface="Söhne"/>
                 <a:ea typeface="Calibri" panose="020F0502020204030204" pitchFamily="34" charset="0"/>
                 <a:cs typeface="Times New Roman" panose="02020603050405020304" pitchFamily="18" charset="0"/>
               </a:rPr>
@@ -18056,7 +19887,7 @@
             <a:r>
               <a:rPr lang="en-IN" sz="1800" b="1" kern="100" dirty="0">
                 <a:effectLst/>
-                <a:latin typeface="Calibri" panose="020F0502020204030204" pitchFamily="34" charset="0"/>
+                <a:latin typeface="Söhne"/>
                 <a:ea typeface="Calibri" panose="020F0502020204030204" pitchFamily="34" charset="0"/>
                 <a:cs typeface="Times New Roman" panose="02020603050405020304" pitchFamily="18" charset="0"/>
               </a:rPr>
@@ -18065,7 +19896,7 @@
             <a:r>
               <a:rPr lang="en-IN" sz="1800" kern="100" dirty="0">
                 <a:effectLst/>
-                <a:latin typeface="Calibri" panose="020F0502020204030204" pitchFamily="34" charset="0"/>
+                <a:latin typeface="Söhne"/>
                 <a:ea typeface="Calibri" panose="020F0502020204030204" pitchFamily="34" charset="0"/>
                 <a:cs typeface="Times New Roman" panose="02020603050405020304" pitchFamily="18" charset="0"/>
               </a:rPr>
@@ -18074,7 +19905,7 @@
             <a:r>
               <a:rPr lang="en-IN" sz="1800" b="1" kern="100" dirty="0" err="1">
                 <a:effectLst/>
-                <a:latin typeface="Calibri" panose="020F0502020204030204" pitchFamily="34" charset="0"/>
+                <a:latin typeface="Söhne"/>
                 <a:ea typeface="Calibri" panose="020F0502020204030204" pitchFamily="34" charset="0"/>
                 <a:cs typeface="Times New Roman" panose="02020603050405020304" pitchFamily="18" charset="0"/>
               </a:rPr>
@@ -18083,7 +19914,7 @@
             <a:r>
               <a:rPr lang="en-IN" sz="1800" kern="100" dirty="0">
                 <a:effectLst/>
-                <a:latin typeface="Calibri" panose="020F0502020204030204" pitchFamily="34" charset="0"/>
+                <a:latin typeface="Söhne"/>
                 <a:ea typeface="Calibri" panose="020F0502020204030204" pitchFamily="34" charset="0"/>
                 <a:cs typeface="Times New Roman" panose="02020603050405020304" pitchFamily="18" charset="0"/>
               </a:rPr>
@@ -18092,7 +19923,7 @@
             <a:r>
               <a:rPr lang="en-IN" sz="1800" b="1" kern="100" dirty="0">
                 <a:effectLst/>
-                <a:latin typeface="Calibri" panose="020F0502020204030204" pitchFamily="34" charset="0"/>
+                <a:latin typeface="Söhne"/>
                 <a:ea typeface="Calibri" panose="020F0502020204030204" pitchFamily="34" charset="0"/>
                 <a:cs typeface="Times New Roman" panose="02020603050405020304" pitchFamily="18" charset="0"/>
               </a:rPr>
@@ -18101,7 +19932,7 @@
             <a:r>
               <a:rPr lang="en-IN" sz="1800" kern="100" dirty="0">
                 <a:effectLst/>
-                <a:latin typeface="Calibri" panose="020F0502020204030204" pitchFamily="34" charset="0"/>
+                <a:latin typeface="Söhne"/>
                 <a:ea typeface="Calibri" panose="020F0502020204030204" pitchFamily="34" charset="0"/>
                 <a:cs typeface="Times New Roman" panose="02020603050405020304" pitchFamily="18" charset="0"/>
               </a:rPr>
@@ -18110,6 +19941,42 @@
           </a:p>
         </p:txBody>
       </p:sp>
+      <p:pic>
+        <p:nvPicPr>
+          <p:cNvPr id="5" name="Picture 4" descr="A cartoon of a person thinking&#10;&#10;Description automatically generated">
+            <a:extLst>
+              <a:ext uri="{FF2B5EF4-FFF2-40B4-BE49-F238E27FC236}">
+                <a16:creationId xmlns:a16="http://schemas.microsoft.com/office/drawing/2014/main" id="{684CF4FA-6523-8781-DCDF-EE05B309589D}"/>
+              </a:ext>
+            </a:extLst>
+          </p:cNvPr>
+          <p:cNvPicPr>
+            <a:picLocks noChangeAspect="1"/>
+          </p:cNvPicPr>
+          <p:nvPr/>
+        </p:nvPicPr>
+        <p:blipFill>
+          <a:blip r:embed="rId2">
+            <a:extLst>
+              <a:ext uri="{28A0092B-C50C-407E-A947-70E740481C1C}">
+                <a14:useLocalDpi xmlns:a14="http://schemas.microsoft.com/office/drawing/2010/main" val="0"/>
+              </a:ext>
+            </a:extLst>
+          </a:blip>
+          <a:stretch>
+            <a:fillRect/>
+          </a:stretch>
+        </p:blipFill>
+        <p:spPr>
+          <a:xfrm>
+            <a:off x="-90235" y="1965039"/>
+            <a:ext cx="4892961" cy="4892961"/>
+          </a:xfrm>
+          <a:prstGeom prst="rect">
+            <a:avLst/>
+          </a:prstGeom>
+        </p:spPr>
+      </p:pic>
     </p:spTree>
     <p:extLst>
       <p:ext uri="{BB962C8B-B14F-4D97-AF65-F5344CB8AC3E}">
@@ -18120,6 +19987,18 @@
   <p:clrMapOvr>
     <a:masterClrMapping/>
   </p:clrMapOvr>
+  <mc:AlternateContent xmlns:mc="http://schemas.openxmlformats.org/markup-compatibility/2006">
+    <mc:Choice xmlns:p159="http://schemas.microsoft.com/office/powerpoint/2015/09/main" Requires="p159">
+      <p:transition xmlns:p14="http://schemas.microsoft.com/office/powerpoint/2010/main" spd="slow" p14:dur="2000">
+        <p159:morph option="byObject"/>
+      </p:transition>
+    </mc:Choice>
+    <mc:Fallback>
+      <p:transition spd="slow">
+        <p:fade/>
+      </p:transition>
+    </mc:Fallback>
+  </mc:AlternateContent>
 </p:sld>
 </file>
 
@@ -18198,7 +20077,7 @@
                   </a:schemeClr>
                 </a:solidFill>
                 <a:effectLst/>
-                <a:latin typeface="Calibri" panose="020F0502020204030204" pitchFamily="34" charset="0"/>
+                <a:latin typeface="Söhne"/>
                 <a:ea typeface="Calibri" panose="020F0502020204030204" pitchFamily="34" charset="0"/>
                 <a:cs typeface="Times New Roman" panose="02020603050405020304" pitchFamily="18" charset="0"/>
               </a:rPr>
@@ -18212,7 +20091,7 @@
                   </a:schemeClr>
                 </a:solidFill>
                 <a:effectLst/>
-                <a:latin typeface="Calibri" panose="020F0502020204030204" pitchFamily="34" charset="0"/>
+                <a:latin typeface="Söhne"/>
                 <a:ea typeface="Calibri" panose="020F0502020204030204" pitchFamily="34" charset="0"/>
                 <a:cs typeface="Times New Roman" panose="02020603050405020304" pitchFamily="18" charset="0"/>
               </a:rPr>
@@ -18221,7 +20100,7 @@
             <a:r>
               <a:rPr lang="en-IN" sz="1800" kern="100" dirty="0">
                 <a:effectLst/>
-                <a:latin typeface="Calibri" panose="020F0502020204030204" pitchFamily="34" charset="0"/>
+                <a:latin typeface="Söhne"/>
                 <a:ea typeface="Calibri" panose="020F0502020204030204" pitchFamily="34" charset="0"/>
                 <a:cs typeface="Times New Roman" panose="02020603050405020304" pitchFamily="18" charset="0"/>
               </a:rPr>
@@ -18230,7 +20109,7 @@
             <a:r>
               <a:rPr lang="en-IN" sz="1800" kern="100" dirty="0" err="1">
                 <a:effectLst/>
-                <a:latin typeface="Calibri" panose="020F0502020204030204" pitchFamily="34" charset="0"/>
+                <a:latin typeface="Söhne"/>
                 <a:ea typeface="Calibri" panose="020F0502020204030204" pitchFamily="34" charset="0"/>
                 <a:cs typeface="Times New Roman" panose="02020603050405020304" pitchFamily="18" charset="0"/>
               </a:rPr>
@@ -18239,7 +20118,7 @@
             <a:r>
               <a:rPr lang="en-IN" sz="1800" kern="100" dirty="0">
                 <a:effectLst/>
-                <a:latin typeface="Calibri" panose="020F0502020204030204" pitchFamily="34" charset="0"/>
+                <a:latin typeface="Söhne"/>
                 <a:ea typeface="Calibri" panose="020F0502020204030204" pitchFamily="34" charset="0"/>
                 <a:cs typeface="Times New Roman" panose="02020603050405020304" pitchFamily="18" charset="0"/>
               </a:rPr>
@@ -18248,7 +20127,7 @@
             <a:r>
               <a:rPr lang="en-IN" sz="1800" b="1" kern="100" dirty="0" err="1">
                 <a:effectLst/>
-                <a:latin typeface="Calibri" panose="020F0502020204030204" pitchFamily="34" charset="0"/>
+                <a:latin typeface="Söhne"/>
                 <a:ea typeface="Calibri" panose="020F0502020204030204" pitchFamily="34" charset="0"/>
                 <a:cs typeface="Times New Roman" panose="02020603050405020304" pitchFamily="18" charset="0"/>
               </a:rPr>
@@ -18257,7 +20136,7 @@
             <a:r>
               <a:rPr lang="en-IN" sz="1800" b="1" kern="100" dirty="0">
                 <a:effectLst/>
-                <a:latin typeface="Calibri" panose="020F0502020204030204" pitchFamily="34" charset="0"/>
+                <a:latin typeface="Söhne"/>
                 <a:ea typeface="Calibri" panose="020F0502020204030204" pitchFamily="34" charset="0"/>
                 <a:cs typeface="Times New Roman" panose="02020603050405020304" pitchFamily="18" charset="0"/>
               </a:rPr>
@@ -18266,7 +20145,7 @@
             <a:r>
               <a:rPr lang="en-IN" sz="1800" kern="100" dirty="0">
                 <a:effectLst/>
-                <a:latin typeface="Calibri" panose="020F0502020204030204" pitchFamily="34" charset="0"/>
+                <a:latin typeface="Söhne"/>
                 <a:ea typeface="Calibri" panose="020F0502020204030204" pitchFamily="34" charset="0"/>
                 <a:cs typeface="Times New Roman" panose="02020603050405020304" pitchFamily="18" charset="0"/>
               </a:rPr>
@@ -18274,10 +20153,48 @@
             </a:r>
           </a:p>
           <a:p>
-            <a:endParaRPr lang="en-IN" dirty="0"/>
+            <a:endParaRPr lang="en-IN" dirty="0">
+              <a:latin typeface="Söhne"/>
+            </a:endParaRPr>
           </a:p>
         </p:txBody>
       </p:sp>
+      <p:pic>
+        <p:nvPicPr>
+          <p:cNvPr id="4" name="Picture 3" descr="A cartoon of a person thinking&#10;&#10;Description automatically generated">
+            <a:extLst>
+              <a:ext uri="{FF2B5EF4-FFF2-40B4-BE49-F238E27FC236}">
+                <a16:creationId xmlns:a16="http://schemas.microsoft.com/office/drawing/2014/main" id="{AC68899C-8982-D4A8-0712-8B52D1E2614E}"/>
+              </a:ext>
+            </a:extLst>
+          </p:cNvPr>
+          <p:cNvPicPr>
+            <a:picLocks noChangeAspect="1"/>
+          </p:cNvPicPr>
+          <p:nvPr/>
+        </p:nvPicPr>
+        <p:blipFill>
+          <a:blip r:embed="rId2">
+            <a:extLst>
+              <a:ext uri="{28A0092B-C50C-407E-A947-70E740481C1C}">
+                <a14:useLocalDpi xmlns:a14="http://schemas.microsoft.com/office/drawing/2010/main" val="0"/>
+              </a:ext>
+            </a:extLst>
+          </a:blip>
+          <a:stretch>
+            <a:fillRect/>
+          </a:stretch>
+        </p:blipFill>
+        <p:spPr>
+          <a:xfrm>
+            <a:off x="1503635" y="3905250"/>
+            <a:ext cx="3076575" cy="3076575"/>
+          </a:xfrm>
+          <a:prstGeom prst="rect">
+            <a:avLst/>
+          </a:prstGeom>
+        </p:spPr>
+      </p:pic>
     </p:spTree>
     <p:extLst>
       <p:ext uri="{BB962C8B-B14F-4D97-AF65-F5344CB8AC3E}">
@@ -18288,6 +20205,18 @@
   <p:clrMapOvr>
     <a:masterClrMapping/>
   </p:clrMapOvr>
+  <mc:AlternateContent xmlns:mc="http://schemas.openxmlformats.org/markup-compatibility/2006">
+    <mc:Choice xmlns:p159="http://schemas.microsoft.com/office/powerpoint/2015/09/main" Requires="p159">
+      <p:transition xmlns:p14="http://schemas.microsoft.com/office/powerpoint/2010/main" spd="slow" p14:dur="2000">
+        <p159:morph option="byObject"/>
+      </p:transition>
+    </mc:Choice>
+    <mc:Fallback>
+      <p:transition spd="slow">
+        <p:fade/>
+      </p:transition>
+    </mc:Fallback>
+  </mc:AlternateContent>
 </p:sld>
 </file>
 
